--- a/presentation_05032023.pptx
+++ b/presentation_05032023.pptx
@@ -5,23 +5,31 @@
     <p:sldMasterId id="2147483733" r:id="rId4"/>
   </p:sldMasterIdLst>
   <p:notesMasterIdLst>
-    <p:notesMasterId r:id="rId19"/>
+    <p:notesMasterId r:id="rId27"/>
   </p:notesMasterIdLst>
   <p:sldIdLst>
     <p:sldId id="401" r:id="rId5"/>
     <p:sldId id="403" r:id="rId6"/>
     <p:sldId id="415" r:id="rId7"/>
     <p:sldId id="411" r:id="rId8"/>
-    <p:sldId id="412" r:id="rId9"/>
-    <p:sldId id="413" r:id="rId10"/>
-    <p:sldId id="414" r:id="rId11"/>
-    <p:sldId id="418" r:id="rId12"/>
-    <p:sldId id="416" r:id="rId13"/>
-    <p:sldId id="420" r:id="rId14"/>
-    <p:sldId id="421" r:id="rId15"/>
-    <p:sldId id="419" r:id="rId16"/>
-    <p:sldId id="408" r:id="rId17"/>
-    <p:sldId id="409" r:id="rId18"/>
+    <p:sldId id="424" r:id="rId9"/>
+    <p:sldId id="422" r:id="rId10"/>
+    <p:sldId id="427" r:id="rId11"/>
+    <p:sldId id="423" r:id="rId12"/>
+    <p:sldId id="425" r:id="rId13"/>
+    <p:sldId id="428" r:id="rId14"/>
+    <p:sldId id="412" r:id="rId15"/>
+    <p:sldId id="413" r:id="rId16"/>
+    <p:sldId id="430" r:id="rId17"/>
+    <p:sldId id="414" r:id="rId18"/>
+    <p:sldId id="418" r:id="rId19"/>
+    <p:sldId id="416" r:id="rId20"/>
+    <p:sldId id="420" r:id="rId21"/>
+    <p:sldId id="421" r:id="rId22"/>
+    <p:sldId id="419" r:id="rId23"/>
+    <p:sldId id="408" r:id="rId24"/>
+    <p:sldId id="409" r:id="rId25"/>
+    <p:sldId id="429" r:id="rId26"/>
   </p:sldIdLst>
   <p:sldSz cx="12192000" cy="6858000"/>
   <p:notesSz cx="6858000" cy="9144000"/>
@@ -33108,6 +33116,2930 @@
       </p:sp>
       <p:sp>
         <p:nvSpPr>
+          <p:cNvPr id="4" name="Date Placeholder 3">
+            <a:extLst>
+              <a:ext uri="{FF2B5EF4-FFF2-40B4-BE49-F238E27FC236}">
+                <a16:creationId xmlns:a16="http://schemas.microsoft.com/office/drawing/2014/main" id="{1E518111-A546-D6BA-9734-58B5D6A30FCB}"/>
+              </a:ext>
+            </a:extLst>
+          </p:cNvPr>
+          <p:cNvSpPr>
+            <a:spLocks noGrp="1"/>
+          </p:cNvSpPr>
+          <p:nvPr>
+            <p:ph type="dt" sz="half" idx="10"/>
+          </p:nvPr>
+        </p:nvSpPr>
+        <p:spPr/>
+        <p:txBody>
+          <a:bodyPr/>
+          <a:lstStyle/>
+          <a:p>
+            <a:r>
+              <a:rPr lang="en-US" dirty="0"/>
+              <a:t>05/03/2023</a:t>
+            </a:r>
+          </a:p>
+        </p:txBody>
+      </p:sp>
+      <p:sp>
+        <p:nvSpPr>
+          <p:cNvPr id="5" name="Footer Placeholder 4">
+            <a:extLst>
+              <a:ext uri="{FF2B5EF4-FFF2-40B4-BE49-F238E27FC236}">
+                <a16:creationId xmlns:a16="http://schemas.microsoft.com/office/drawing/2014/main" id="{E18DA1D0-B266-9012-6DEB-1809EAFEF42C}"/>
+              </a:ext>
+            </a:extLst>
+          </p:cNvPr>
+          <p:cNvSpPr>
+            <a:spLocks noGrp="1"/>
+          </p:cNvSpPr>
+          <p:nvPr>
+            <p:ph type="ftr" sz="quarter" idx="11"/>
+          </p:nvPr>
+        </p:nvSpPr>
+        <p:spPr/>
+        <p:txBody>
+          <a:bodyPr/>
+          <a:lstStyle/>
+          <a:p>
+            <a:pPr algn="l"/>
+            <a:r>
+              <a:rPr lang="en-US" dirty="0"/>
+              <a:t>Interview Scenario – Isabelle Grenier</a:t>
+            </a:r>
+          </a:p>
+        </p:txBody>
+      </p:sp>
+      <p:sp>
+        <p:nvSpPr>
+          <p:cNvPr id="6" name="Slide Number Placeholder 5">
+            <a:extLst>
+              <a:ext uri="{FF2B5EF4-FFF2-40B4-BE49-F238E27FC236}">
+                <a16:creationId xmlns:a16="http://schemas.microsoft.com/office/drawing/2014/main" id="{8C553A4F-23D0-235F-F69F-1982B7F617FC}"/>
+              </a:ext>
+            </a:extLst>
+          </p:cNvPr>
+          <p:cNvSpPr>
+            <a:spLocks noGrp="1"/>
+          </p:cNvSpPr>
+          <p:nvPr>
+            <p:ph type="sldNum" sz="quarter" idx="12"/>
+          </p:nvPr>
+        </p:nvSpPr>
+        <p:spPr/>
+        <p:txBody>
+          <a:bodyPr/>
+          <a:lstStyle/>
+          <a:p>
+            <a:fld id="{B9713C8C-8E70-45D5-AE59-23E60168254E}" type="slidenum">
+              <a:rPr lang="en-US" smtClean="0"/>
+              <a:t>10</a:t>
+            </a:fld>
+            <a:endParaRPr lang="en-US" dirty="0"/>
+          </a:p>
+        </p:txBody>
+      </p:sp>
+      <p:graphicFrame>
+        <p:nvGraphicFramePr>
+          <p:cNvPr id="3" name="Table 2">
+            <a:extLst>
+              <a:ext uri="{FF2B5EF4-FFF2-40B4-BE49-F238E27FC236}">
+                <a16:creationId xmlns:a16="http://schemas.microsoft.com/office/drawing/2014/main" id="{16E74358-AC30-E264-97C0-A9F7429E39F0}"/>
+              </a:ext>
+            </a:extLst>
+          </p:cNvPr>
+          <p:cNvGraphicFramePr>
+            <a:graphicFrameLocks noGrp="1"/>
+          </p:cNvGraphicFramePr>
+          <p:nvPr>
+            <p:extLst>
+              <p:ext uri="{D42A27DB-BD31-4B8C-83A1-F6EECF244321}">
+                <p14:modId xmlns:p14="http://schemas.microsoft.com/office/powerpoint/2010/main" val="2739651770"/>
+              </p:ext>
+            </p:extLst>
+          </p:nvPr>
+        </p:nvGraphicFramePr>
+        <p:xfrm>
+          <a:off x="833576" y="2007020"/>
+          <a:ext cx="5793041" cy="3495040"/>
+        </p:xfrm>
+        <a:graphic>
+          <a:graphicData uri="http://schemas.openxmlformats.org/drawingml/2006/table">
+            <a:tbl>
+              <a:tblPr firstRow="1" bandRow="1">
+                <a:tableStyleId>{69012ECD-51FC-41F1-AA8D-1B2483CD663E}</a:tableStyleId>
+              </a:tblPr>
+              <a:tblGrid>
+                <a:gridCol w="1700784">
+                  <a:extLst>
+                    <a:ext uri="{9D8B030D-6E8A-4147-A177-3AD203B41FA5}">
+                      <a16:colId xmlns:a16="http://schemas.microsoft.com/office/drawing/2014/main" val="2125467340"/>
+                    </a:ext>
+                  </a:extLst>
+                </a:gridCol>
+                <a:gridCol w="4092257">
+                  <a:extLst>
+                    <a:ext uri="{9D8B030D-6E8A-4147-A177-3AD203B41FA5}">
+                      <a16:colId xmlns:a16="http://schemas.microsoft.com/office/drawing/2014/main" val="2399560711"/>
+                    </a:ext>
+                  </a:extLst>
+                </a:gridCol>
+              </a:tblGrid>
+              <a:tr h="370840">
+                <a:tc gridSpan="2">
+                  <a:txBody>
+                    <a:bodyPr/>
+                    <a:lstStyle/>
+                    <a:p>
+                      <a:pPr algn="ctr"/>
+                      <a:r>
+                        <a:rPr lang="en-US" dirty="0"/>
+                        <a:t>Disease Stage</a:t>
+                      </a:r>
+                    </a:p>
+                  </a:txBody>
+                  <a:tcPr/>
+                </a:tc>
+                <a:tc hMerge="1">
+                  <a:txBody>
+                    <a:bodyPr/>
+                    <a:lstStyle/>
+                    <a:p>
+                      <a:endParaRPr lang="en-US" dirty="0"/>
+                    </a:p>
+                  </a:txBody>
+                  <a:tcPr/>
+                </a:tc>
+                <a:extLst>
+                  <a:ext uri="{0D108BD9-81ED-4DB2-BD59-A6C34878D82A}">
+                    <a16:rowId xmlns:a16="http://schemas.microsoft.com/office/drawing/2014/main" val="410954509"/>
+                  </a:ext>
+                </a:extLst>
+              </a:tr>
+              <a:tr h="370840">
+                <a:tc>
+                  <a:txBody>
+                    <a:bodyPr/>
+                    <a:lstStyle/>
+                    <a:p>
+                      <a:r>
+                        <a:rPr lang="en-US" dirty="0"/>
+                        <a:t>Type</a:t>
+                      </a:r>
+                    </a:p>
+                  </a:txBody>
+                  <a:tcPr/>
+                </a:tc>
+                <a:tc>
+                  <a:txBody>
+                    <a:bodyPr/>
+                    <a:lstStyle/>
+                    <a:p>
+                      <a:r>
+                        <a:rPr lang="en-US" i="1" dirty="0"/>
+                        <a:t>Categorical (Ordinal)</a:t>
+                      </a:r>
+                    </a:p>
+                  </a:txBody>
+                  <a:tcPr/>
+                </a:tc>
+                <a:extLst>
+                  <a:ext uri="{0D108BD9-81ED-4DB2-BD59-A6C34878D82A}">
+                    <a16:rowId xmlns:a16="http://schemas.microsoft.com/office/drawing/2014/main" val="862134589"/>
+                  </a:ext>
+                </a:extLst>
+              </a:tr>
+              <a:tr h="370840">
+                <a:tc>
+                  <a:txBody>
+                    <a:bodyPr/>
+                    <a:lstStyle/>
+                    <a:p>
+                      <a:r>
+                        <a:rPr lang="en-US" dirty="0"/>
+                        <a:t>Range</a:t>
+                      </a:r>
+                    </a:p>
+                  </a:txBody>
+                  <a:tcPr/>
+                </a:tc>
+                <a:tc>
+                  <a:txBody>
+                    <a:bodyPr/>
+                    <a:lstStyle/>
+                    <a:p>
+                      <a:r>
+                        <a:rPr lang="en-US" i="1" dirty="0"/>
+                        <a:t>Stage I, Stage II, Stage III, Stage IV</a:t>
+                      </a:r>
+                    </a:p>
+                  </a:txBody>
+                  <a:tcPr/>
+                </a:tc>
+                <a:extLst>
+                  <a:ext uri="{0D108BD9-81ED-4DB2-BD59-A6C34878D82A}">
+                    <a16:rowId xmlns:a16="http://schemas.microsoft.com/office/drawing/2014/main" val="2760629121"/>
+                  </a:ext>
+                </a:extLst>
+              </a:tr>
+              <a:tr h="370840">
+                <a:tc>
+                  <a:txBody>
+                    <a:bodyPr/>
+                    <a:lstStyle/>
+                    <a:p>
+                      <a:r>
+                        <a:rPr lang="en-US" dirty="0"/>
+                        <a:t>Missing Values</a:t>
+                      </a:r>
+                    </a:p>
+                  </a:txBody>
+                  <a:tcPr/>
+                </a:tc>
+                <a:tc>
+                  <a:txBody>
+                    <a:bodyPr/>
+                    <a:lstStyle/>
+                    <a:p>
+                      <a:pPr marL="0" indent="0">
+                        <a:buFont typeface="Arial" panose="020B0604020202020204" pitchFamily="34" charset="0"/>
+                        <a:buNone/>
+                      </a:pPr>
+                      <a:r>
+                        <a:rPr lang="en-US" i="1" dirty="0"/>
+                        <a:t>Yes</a:t>
+                      </a:r>
+                    </a:p>
+                  </a:txBody>
+                  <a:tcPr/>
+                </a:tc>
+                <a:extLst>
+                  <a:ext uri="{0D108BD9-81ED-4DB2-BD59-A6C34878D82A}">
+                    <a16:rowId xmlns:a16="http://schemas.microsoft.com/office/drawing/2014/main" val="3974885980"/>
+                  </a:ext>
+                </a:extLst>
+              </a:tr>
+              <a:tr h="370840">
+                <a:tc>
+                  <a:txBody>
+                    <a:bodyPr/>
+                    <a:lstStyle/>
+                    <a:p>
+                      <a:r>
+                        <a:rPr lang="en-US" dirty="0"/>
+                        <a:t>Notes</a:t>
+                      </a:r>
+                    </a:p>
+                  </a:txBody>
+                  <a:tcPr/>
+                </a:tc>
+                <a:tc>
+                  <a:txBody>
+                    <a:bodyPr/>
+                    <a:lstStyle/>
+                    <a:p>
+                      <a:pPr marL="285750" indent="-285750">
+                        <a:buFont typeface="Arial" panose="020B0604020202020204" pitchFamily="34" charset="0"/>
+                        <a:buChar char="•"/>
+                      </a:pPr>
+                      <a:r>
+                        <a:rPr lang="en-US" i="1" dirty="0"/>
+                        <a:t>Pathologic Stage based on the T, M and N labeling.</a:t>
+                      </a:r>
+                    </a:p>
+                    <a:p>
+                      <a:pPr marL="285750" indent="-285750">
+                        <a:buFont typeface="Arial" panose="020B0604020202020204" pitchFamily="34" charset="0"/>
+                        <a:buChar char="•"/>
+                      </a:pPr>
+                      <a:r>
+                        <a:rPr lang="en-US" i="1" dirty="0"/>
+                        <a:t>Available as stages 1 to 4 (Stage X for unable to assess) and further specified with level A, B and C. </a:t>
+                      </a:r>
+                    </a:p>
+                    <a:p>
+                      <a:pPr marL="285750" indent="-285750">
+                        <a:buFont typeface="Arial" panose="020B0604020202020204" pitchFamily="34" charset="0"/>
+                        <a:buChar char="•"/>
+                      </a:pPr>
+                      <a:r>
+                        <a:rPr lang="en-US" i="1" dirty="0"/>
+                        <a:t>We group at the stage level to have events in all groups.</a:t>
+                      </a:r>
+                      <a:endParaRPr lang="en-US" b="1" i="1" dirty="0"/>
+                    </a:p>
+                  </a:txBody>
+                  <a:tcPr/>
+                </a:tc>
+                <a:extLst>
+                  <a:ext uri="{0D108BD9-81ED-4DB2-BD59-A6C34878D82A}">
+                    <a16:rowId xmlns:a16="http://schemas.microsoft.com/office/drawing/2014/main" val="2428583178"/>
+                  </a:ext>
+                </a:extLst>
+              </a:tr>
+            </a:tbl>
+          </a:graphicData>
+        </a:graphic>
+      </p:graphicFrame>
+      <p:pic>
+        <p:nvPicPr>
+          <p:cNvPr id="7" name="Picture 6" descr="Chart, box and whisker chart&#10;&#10;Description automatically generated">
+            <a:extLst>
+              <a:ext uri="{FF2B5EF4-FFF2-40B4-BE49-F238E27FC236}">
+                <a16:creationId xmlns:a16="http://schemas.microsoft.com/office/drawing/2014/main" id="{0A1024A8-FADA-6D79-1C27-8CA489D105AB}"/>
+              </a:ext>
+            </a:extLst>
+          </p:cNvPr>
+          <p:cNvPicPr>
+            <a:picLocks noChangeAspect="1"/>
+          </p:cNvPicPr>
+          <p:nvPr/>
+        </p:nvPicPr>
+        <p:blipFill>
+          <a:blip r:embed="rId2"/>
+          <a:stretch>
+            <a:fillRect/>
+          </a:stretch>
+        </p:blipFill>
+        <p:spPr>
+          <a:xfrm>
+            <a:off x="6996543" y="2007020"/>
+            <a:ext cx="4357257" cy="3631047"/>
+          </a:xfrm>
+          <a:prstGeom prst="rect">
+            <a:avLst/>
+          </a:prstGeom>
+        </p:spPr>
+      </p:pic>
+    </p:spTree>
+    <p:extLst>
+      <p:ext uri="{BB962C8B-B14F-4D97-AF65-F5344CB8AC3E}">
+        <p14:creationId xmlns:p14="http://schemas.microsoft.com/office/powerpoint/2010/main" val="3920282615"/>
+      </p:ext>
+    </p:extLst>
+  </p:cSld>
+  <p:clrMapOvr>
+    <a:masterClrMapping/>
+  </p:clrMapOvr>
+</p:sld>
+</file>
+
+<file path=ppt/slides/slide11.xml><?xml version="1.0" encoding="utf-8"?>
+<p:sld xmlns:a="http://schemas.openxmlformats.org/drawingml/2006/main" xmlns:r="http://schemas.openxmlformats.org/officeDocument/2006/relationships" xmlns:p="http://schemas.openxmlformats.org/presentationml/2006/main">
+  <p:cSld>
+    <p:spTree>
+      <p:nvGrpSpPr>
+        <p:cNvPr id="1" name=""/>
+        <p:cNvGrpSpPr/>
+        <p:nvPr/>
+      </p:nvGrpSpPr>
+      <p:grpSpPr>
+        <a:xfrm>
+          <a:off x="0" y="0"/>
+          <a:ext cx="0" cy="0"/>
+          <a:chOff x="0" y="0"/>
+          <a:chExt cx="0" cy="0"/>
+        </a:xfrm>
+      </p:grpSpPr>
+      <p:sp>
+        <p:nvSpPr>
+          <p:cNvPr id="2" name="Title 1">
+            <a:extLst>
+              <a:ext uri="{FF2B5EF4-FFF2-40B4-BE49-F238E27FC236}">
+                <a16:creationId xmlns:a16="http://schemas.microsoft.com/office/drawing/2014/main" id="{DD336899-7FF7-5AF4-4F99-1EF370E91D8C}"/>
+              </a:ext>
+            </a:extLst>
+          </p:cNvPr>
+          <p:cNvSpPr>
+            <a:spLocks noGrp="1"/>
+          </p:cNvSpPr>
+          <p:nvPr>
+            <p:ph type="title"/>
+          </p:nvPr>
+        </p:nvSpPr>
+        <p:spPr/>
+        <p:txBody>
+          <a:bodyPr/>
+          <a:lstStyle/>
+          <a:p>
+            <a:r>
+              <a:rPr lang="en-US" dirty="0"/>
+              <a:t>5-year survival logistic regression model</a:t>
+            </a:r>
+          </a:p>
+        </p:txBody>
+      </p:sp>
+      <p:sp>
+        <p:nvSpPr>
+          <p:cNvPr id="3" name="Content Placeholder 2">
+            <a:extLst>
+              <a:ext uri="{FF2B5EF4-FFF2-40B4-BE49-F238E27FC236}">
+                <a16:creationId xmlns:a16="http://schemas.microsoft.com/office/drawing/2014/main" id="{C4780A21-8FAD-C159-C74D-22A3C628C8CE}"/>
+              </a:ext>
+            </a:extLst>
+          </p:cNvPr>
+          <p:cNvSpPr>
+            <a:spLocks noGrp="1"/>
+          </p:cNvSpPr>
+          <p:nvPr>
+            <p:ph sz="half" idx="1"/>
+          </p:nvPr>
+        </p:nvSpPr>
+        <p:spPr/>
+        <p:txBody>
+          <a:bodyPr/>
+          <a:lstStyle/>
+          <a:p>
+            <a:r>
+              <a:rPr lang="en-US" dirty="0"/>
+              <a:t>After filtering for cases where subjects survive 5 years, we are left with 300 cases:</a:t>
+            </a:r>
+          </a:p>
+          <a:p>
+            <a:pPr lvl="1"/>
+            <a:r>
+              <a:rPr lang="en-US" dirty="0"/>
+              <a:t>64 dead before 5 years</a:t>
+            </a:r>
+          </a:p>
+          <a:p>
+            <a:pPr lvl="1"/>
+            <a:r>
+              <a:rPr lang="en-US" dirty="0"/>
+              <a:t>236 alive after 5 years</a:t>
+            </a:r>
+          </a:p>
+          <a:p>
+            <a:pPr marL="0" indent="0">
+              <a:buNone/>
+            </a:pPr>
+            <a:endParaRPr lang="en-US" dirty="0"/>
+          </a:p>
+        </p:txBody>
+      </p:sp>
+      <p:sp>
+        <p:nvSpPr>
+          <p:cNvPr id="4" name="Content Placeholder 3">
+            <a:extLst>
+              <a:ext uri="{FF2B5EF4-FFF2-40B4-BE49-F238E27FC236}">
+                <a16:creationId xmlns:a16="http://schemas.microsoft.com/office/drawing/2014/main" id="{4BA7273F-1228-5381-C2F0-BB027923C78E}"/>
+              </a:ext>
+            </a:extLst>
+          </p:cNvPr>
+          <p:cNvSpPr>
+            <a:spLocks noGrp="1"/>
+          </p:cNvSpPr>
+          <p:nvPr>
+            <p:ph sz="half" idx="2"/>
+          </p:nvPr>
+        </p:nvSpPr>
+        <p:spPr/>
+        <p:txBody>
+          <a:bodyPr/>
+          <a:lstStyle/>
+          <a:p>
+            <a:r>
+              <a:rPr lang="en-US" dirty="0"/>
+              <a:t>Starting with the full model, we use backward feature selection to guide our choice of covariates</a:t>
+            </a:r>
+          </a:p>
+          <a:p>
+            <a:r>
+              <a:rPr lang="en-US" dirty="0"/>
+              <a:t>We use AIC and BIC to choose the final model</a:t>
+            </a:r>
+          </a:p>
+        </p:txBody>
+      </p:sp>
+      <p:sp>
+        <p:nvSpPr>
+          <p:cNvPr id="5" name="Date Placeholder 4">
+            <a:extLst>
+              <a:ext uri="{FF2B5EF4-FFF2-40B4-BE49-F238E27FC236}">
+                <a16:creationId xmlns:a16="http://schemas.microsoft.com/office/drawing/2014/main" id="{A00D5602-B32D-6859-449E-AE7213659710}"/>
+              </a:ext>
+            </a:extLst>
+          </p:cNvPr>
+          <p:cNvSpPr>
+            <a:spLocks noGrp="1"/>
+          </p:cNvSpPr>
+          <p:nvPr>
+            <p:ph type="dt" sz="half" idx="10"/>
+          </p:nvPr>
+        </p:nvSpPr>
+        <p:spPr/>
+        <p:txBody>
+          <a:bodyPr/>
+          <a:lstStyle/>
+          <a:p>
+            <a:r>
+              <a:rPr lang="en-US" dirty="0"/>
+              <a:t>05/03/2023</a:t>
+            </a:r>
+          </a:p>
+        </p:txBody>
+      </p:sp>
+      <p:sp>
+        <p:nvSpPr>
+          <p:cNvPr id="6" name="Footer Placeholder 5">
+            <a:extLst>
+              <a:ext uri="{FF2B5EF4-FFF2-40B4-BE49-F238E27FC236}">
+                <a16:creationId xmlns:a16="http://schemas.microsoft.com/office/drawing/2014/main" id="{B6735792-E78F-124A-1481-1A6153176391}"/>
+              </a:ext>
+            </a:extLst>
+          </p:cNvPr>
+          <p:cNvSpPr>
+            <a:spLocks noGrp="1"/>
+          </p:cNvSpPr>
+          <p:nvPr>
+            <p:ph type="ftr" sz="quarter" idx="11"/>
+          </p:nvPr>
+        </p:nvSpPr>
+        <p:spPr/>
+        <p:txBody>
+          <a:bodyPr/>
+          <a:lstStyle/>
+          <a:p>
+            <a:pPr algn="l"/>
+            <a:r>
+              <a:rPr lang="en-US" dirty="0"/>
+              <a:t>Interview Scenario – Isabelle Grenier</a:t>
+            </a:r>
+          </a:p>
+        </p:txBody>
+      </p:sp>
+      <p:sp>
+        <p:nvSpPr>
+          <p:cNvPr id="7" name="Slide Number Placeholder 6">
+            <a:extLst>
+              <a:ext uri="{FF2B5EF4-FFF2-40B4-BE49-F238E27FC236}">
+                <a16:creationId xmlns:a16="http://schemas.microsoft.com/office/drawing/2014/main" id="{3D284645-74A9-4209-1803-3824A561E2CB}"/>
+              </a:ext>
+            </a:extLst>
+          </p:cNvPr>
+          <p:cNvSpPr>
+            <a:spLocks noGrp="1"/>
+          </p:cNvSpPr>
+          <p:nvPr>
+            <p:ph type="sldNum" sz="quarter" idx="12"/>
+          </p:nvPr>
+        </p:nvSpPr>
+        <p:spPr/>
+        <p:txBody>
+          <a:bodyPr/>
+          <a:lstStyle/>
+          <a:p>
+            <a:fld id="{B9713C8C-8E70-45D5-AE59-23E60168254E}" type="slidenum">
+              <a:rPr lang="en-US" smtClean="0"/>
+              <a:t>11</a:t>
+            </a:fld>
+            <a:endParaRPr lang="en-US" dirty="0"/>
+          </a:p>
+        </p:txBody>
+      </p:sp>
+    </p:spTree>
+    <p:extLst>
+      <p:ext uri="{BB962C8B-B14F-4D97-AF65-F5344CB8AC3E}">
+        <p14:creationId xmlns:p14="http://schemas.microsoft.com/office/powerpoint/2010/main" val="1178889218"/>
+      </p:ext>
+    </p:extLst>
+  </p:cSld>
+  <p:clrMapOvr>
+    <a:masterClrMapping/>
+  </p:clrMapOvr>
+</p:sld>
+</file>
+
+<file path=ppt/slides/slide12.xml><?xml version="1.0" encoding="utf-8"?>
+<p:sld xmlns:a="http://schemas.openxmlformats.org/drawingml/2006/main" xmlns:r="http://schemas.openxmlformats.org/officeDocument/2006/relationships" xmlns:p="http://schemas.openxmlformats.org/presentationml/2006/main">
+  <p:cSld>
+    <p:spTree>
+      <p:nvGrpSpPr>
+        <p:cNvPr id="1" name=""/>
+        <p:cNvGrpSpPr/>
+        <p:nvPr/>
+      </p:nvGrpSpPr>
+      <p:grpSpPr>
+        <a:xfrm>
+          <a:off x="0" y="0"/>
+          <a:ext cx="0" cy="0"/>
+          <a:chOff x="0" y="0"/>
+          <a:chExt cx="0" cy="0"/>
+        </a:xfrm>
+      </p:grpSpPr>
+      <p:sp>
+        <p:nvSpPr>
+          <p:cNvPr id="2" name="Title 1">
+            <a:extLst>
+              <a:ext uri="{FF2B5EF4-FFF2-40B4-BE49-F238E27FC236}">
+                <a16:creationId xmlns:a16="http://schemas.microsoft.com/office/drawing/2014/main" id="{FD747D24-5CD9-2E00-D729-5771264BA556}"/>
+              </a:ext>
+            </a:extLst>
+          </p:cNvPr>
+          <p:cNvSpPr>
+            <a:spLocks noGrp="1"/>
+          </p:cNvSpPr>
+          <p:nvPr>
+            <p:ph type="title"/>
+          </p:nvPr>
+        </p:nvSpPr>
+        <p:spPr/>
+        <p:txBody>
+          <a:bodyPr/>
+          <a:lstStyle/>
+          <a:p>
+            <a:r>
+              <a:rPr lang="en-US" dirty="0"/>
+              <a:t>Inference</a:t>
+            </a:r>
+          </a:p>
+        </p:txBody>
+      </p:sp>
+      <p:graphicFrame>
+        <p:nvGraphicFramePr>
+          <p:cNvPr id="7" name="Table 7">
+            <a:extLst>
+              <a:ext uri="{FF2B5EF4-FFF2-40B4-BE49-F238E27FC236}">
+                <a16:creationId xmlns:a16="http://schemas.microsoft.com/office/drawing/2014/main" id="{E576BF9F-ADED-757F-F32A-88E93D7699D7}"/>
+              </a:ext>
+            </a:extLst>
+          </p:cNvPr>
+          <p:cNvGraphicFramePr>
+            <a:graphicFrameLocks noGrp="1"/>
+          </p:cNvGraphicFramePr>
+          <p:nvPr>
+            <p:ph idx="1"/>
+            <p:extLst>
+              <p:ext uri="{D42A27DB-BD31-4B8C-83A1-F6EECF244321}">
+                <p14:modId xmlns:p14="http://schemas.microsoft.com/office/powerpoint/2010/main" val="1575172952"/>
+              </p:ext>
+            </p:extLst>
+          </p:nvPr>
+        </p:nvGraphicFramePr>
+        <p:xfrm>
+          <a:off x="5999597" y="2316480"/>
+          <a:ext cx="5643417" cy="2225040"/>
+        </p:xfrm>
+        <a:graphic>
+          <a:graphicData uri="http://schemas.openxmlformats.org/drawingml/2006/table">
+            <a:tbl>
+              <a:tblPr firstRow="1" bandRow="1">
+                <a:tableStyleId>{69012ECD-51FC-41F1-AA8D-1B2483CD663E}</a:tableStyleId>
+              </a:tblPr>
+              <a:tblGrid>
+                <a:gridCol w="1690254">
+                  <a:extLst>
+                    <a:ext uri="{9D8B030D-6E8A-4147-A177-3AD203B41FA5}">
+                      <a16:colId xmlns:a16="http://schemas.microsoft.com/office/drawing/2014/main" val="3968640928"/>
+                    </a:ext>
+                  </a:extLst>
+                </a:gridCol>
+                <a:gridCol w="1299711">
+                  <a:extLst>
+                    <a:ext uri="{9D8B030D-6E8A-4147-A177-3AD203B41FA5}">
+                      <a16:colId xmlns:a16="http://schemas.microsoft.com/office/drawing/2014/main" val="782338703"/>
+                    </a:ext>
+                  </a:extLst>
+                </a:gridCol>
+                <a:gridCol w="1665161">
+                  <a:extLst>
+                    <a:ext uri="{9D8B030D-6E8A-4147-A177-3AD203B41FA5}">
+                      <a16:colId xmlns:a16="http://schemas.microsoft.com/office/drawing/2014/main" val="3900770693"/>
+                    </a:ext>
+                  </a:extLst>
+                </a:gridCol>
+                <a:gridCol w="988291">
+                  <a:extLst>
+                    <a:ext uri="{9D8B030D-6E8A-4147-A177-3AD203B41FA5}">
+                      <a16:colId xmlns:a16="http://schemas.microsoft.com/office/drawing/2014/main" val="1252662699"/>
+                    </a:ext>
+                  </a:extLst>
+                </a:gridCol>
+              </a:tblGrid>
+              <a:tr h="370840">
+                <a:tc>
+                  <a:txBody>
+                    <a:bodyPr/>
+                    <a:lstStyle/>
+                    <a:p>
+                      <a:r>
+                        <a:rPr lang="en-US" dirty="0"/>
+                        <a:t>Variable</a:t>
+                      </a:r>
+                    </a:p>
+                  </a:txBody>
+                  <a:tcPr/>
+                </a:tc>
+                <a:tc>
+                  <a:txBody>
+                    <a:bodyPr/>
+                    <a:lstStyle/>
+                    <a:p>
+                      <a:r>
+                        <a:rPr lang="en-US" dirty="0"/>
+                        <a:t>Coefficient</a:t>
+                      </a:r>
+                    </a:p>
+                  </a:txBody>
+                  <a:tcPr/>
+                </a:tc>
+                <a:tc>
+                  <a:txBody>
+                    <a:bodyPr/>
+                    <a:lstStyle/>
+                    <a:p>
+                      <a:r>
+                        <a:rPr lang="en-US" dirty="0"/>
+                        <a:t>Standard Error</a:t>
+                      </a:r>
+                    </a:p>
+                  </a:txBody>
+                  <a:tcPr/>
+                </a:tc>
+                <a:tc>
+                  <a:txBody>
+                    <a:bodyPr/>
+                    <a:lstStyle/>
+                    <a:p>
+                      <a:r>
+                        <a:rPr lang="en-US" dirty="0"/>
+                        <a:t>P-value</a:t>
+                      </a:r>
+                    </a:p>
+                  </a:txBody>
+                  <a:tcPr/>
+                </a:tc>
+                <a:extLst>
+                  <a:ext uri="{0D108BD9-81ED-4DB2-BD59-A6C34878D82A}">
+                    <a16:rowId xmlns:a16="http://schemas.microsoft.com/office/drawing/2014/main" val="4142394016"/>
+                  </a:ext>
+                </a:extLst>
+              </a:tr>
+              <a:tr h="370840">
+                <a:tc>
+                  <a:txBody>
+                    <a:bodyPr/>
+                    <a:lstStyle/>
+                    <a:p>
+                      <a:r>
+                        <a:rPr lang="en-US" dirty="0"/>
+                        <a:t>Intercept</a:t>
+                      </a:r>
+                    </a:p>
+                  </a:txBody>
+                  <a:tcPr/>
+                </a:tc>
+                <a:tc>
+                  <a:txBody>
+                    <a:bodyPr/>
+                    <a:lstStyle/>
+                    <a:p>
+                      <a:r>
+                        <a:rPr lang="en-US" dirty="0"/>
+                        <a:t>0.889</a:t>
+                      </a:r>
+                    </a:p>
+                  </a:txBody>
+                  <a:tcPr/>
+                </a:tc>
+                <a:tc>
+                  <a:txBody>
+                    <a:bodyPr/>
+                    <a:lstStyle/>
+                    <a:p>
+                      <a:r>
+                        <a:rPr lang="en-US" dirty="0"/>
+                        <a:t>0.048</a:t>
+                      </a:r>
+                    </a:p>
+                  </a:txBody>
+                  <a:tcPr/>
+                </a:tc>
+                <a:tc>
+                  <a:txBody>
+                    <a:bodyPr/>
+                    <a:lstStyle/>
+                    <a:p>
+                      <a:r>
+                        <a:rPr lang="en-US" dirty="0"/>
+                        <a:t>0.000</a:t>
+                      </a:r>
+                    </a:p>
+                  </a:txBody>
+                  <a:tcPr/>
+                </a:tc>
+                <a:extLst>
+                  <a:ext uri="{0D108BD9-81ED-4DB2-BD59-A6C34878D82A}">
+                    <a16:rowId xmlns:a16="http://schemas.microsoft.com/office/drawing/2014/main" val="57167072"/>
+                  </a:ext>
+                </a:extLst>
+              </a:tr>
+              <a:tr h="370840">
+                <a:tc>
+                  <a:txBody>
+                    <a:bodyPr/>
+                    <a:lstStyle/>
+                    <a:p>
+                      <a:r>
+                        <a:rPr lang="en-US" dirty="0"/>
+                        <a:t>Age at diagnosis</a:t>
+                      </a:r>
+                    </a:p>
+                  </a:txBody>
+                  <a:tcPr/>
+                </a:tc>
+                <a:tc>
+                  <a:txBody>
+                    <a:bodyPr/>
+                    <a:lstStyle/>
+                    <a:p>
+                      <a:r>
+                        <a:rPr lang="en-US" dirty="0"/>
+                        <a:t>-0.104</a:t>
+                      </a:r>
+                    </a:p>
+                  </a:txBody>
+                  <a:tcPr/>
+                </a:tc>
+                <a:tc>
+                  <a:txBody>
+                    <a:bodyPr/>
+                    <a:lstStyle/>
+                    <a:p>
+                      <a:r>
+                        <a:rPr lang="en-US" dirty="0"/>
+                        <a:t>0.022</a:t>
+                      </a:r>
+                    </a:p>
+                  </a:txBody>
+                  <a:tcPr/>
+                </a:tc>
+                <a:tc>
+                  <a:txBody>
+                    <a:bodyPr/>
+                    <a:lstStyle/>
+                    <a:p>
+                      <a:r>
+                        <a:rPr lang="en-US" dirty="0"/>
+                        <a:t>0.000</a:t>
+                      </a:r>
+                    </a:p>
+                  </a:txBody>
+                  <a:tcPr/>
+                </a:tc>
+                <a:extLst>
+                  <a:ext uri="{0D108BD9-81ED-4DB2-BD59-A6C34878D82A}">
+                    <a16:rowId xmlns:a16="http://schemas.microsoft.com/office/drawing/2014/main" val="1391836386"/>
+                  </a:ext>
+                </a:extLst>
+              </a:tr>
+              <a:tr h="370840">
+                <a:tc>
+                  <a:txBody>
+                    <a:bodyPr/>
+                    <a:lstStyle/>
+                    <a:p>
+                      <a:pPr marL="0" marR="0" lvl="0" indent="0" algn="l" defTabSz="914400" rtl="0" eaLnBrk="1" fontAlgn="auto" latinLnBrk="0" hangingPunct="1">
+                        <a:lnSpc>
+                          <a:spcPct val="100000"/>
+                        </a:lnSpc>
+                        <a:spcBef>
+                          <a:spcPts val="0"/>
+                        </a:spcBef>
+                        <a:spcAft>
+                          <a:spcPts val="0"/>
+                        </a:spcAft>
+                        <a:buClrTx/>
+                        <a:buSzTx/>
+                        <a:buFontTx/>
+                        <a:buNone/>
+                        <a:tabLst/>
+                        <a:defRPr/>
+                      </a:pPr>
+                      <a:r>
+                        <a:rPr lang="en-US" dirty="0"/>
+                        <a:t>Stage II</a:t>
+                      </a:r>
+                    </a:p>
+                  </a:txBody>
+                  <a:tcPr/>
+                </a:tc>
+                <a:tc>
+                  <a:txBody>
+                    <a:bodyPr/>
+                    <a:lstStyle/>
+                    <a:p>
+                      <a:r>
+                        <a:rPr lang="en-US" dirty="0"/>
+                        <a:t>-0.051</a:t>
+                      </a:r>
+                    </a:p>
+                  </a:txBody>
+                  <a:tcPr/>
+                </a:tc>
+                <a:tc>
+                  <a:txBody>
+                    <a:bodyPr/>
+                    <a:lstStyle/>
+                    <a:p>
+                      <a:r>
+                        <a:rPr lang="en-US" dirty="0"/>
+                        <a:t>0.567</a:t>
+                      </a:r>
+                    </a:p>
+                  </a:txBody>
+                  <a:tcPr/>
+                </a:tc>
+                <a:tc>
+                  <a:txBody>
+                    <a:bodyPr/>
+                    <a:lstStyle/>
+                    <a:p>
+                      <a:r>
+                        <a:rPr lang="en-US" dirty="0"/>
+                        <a:t>0.368</a:t>
+                      </a:r>
+                    </a:p>
+                  </a:txBody>
+                  <a:tcPr/>
+                </a:tc>
+                <a:extLst>
+                  <a:ext uri="{0D108BD9-81ED-4DB2-BD59-A6C34878D82A}">
+                    <a16:rowId xmlns:a16="http://schemas.microsoft.com/office/drawing/2014/main" val="1024145481"/>
+                  </a:ext>
+                </a:extLst>
+              </a:tr>
+              <a:tr h="370840">
+                <a:tc>
+                  <a:txBody>
+                    <a:bodyPr/>
+                    <a:lstStyle/>
+                    <a:p>
+                      <a:r>
+                        <a:rPr lang="en-US" dirty="0"/>
+                        <a:t>Stage III</a:t>
+                      </a:r>
+                    </a:p>
+                  </a:txBody>
+                  <a:tcPr/>
+                </a:tc>
+                <a:tc>
+                  <a:txBody>
+                    <a:bodyPr/>
+                    <a:lstStyle/>
+                    <a:p>
+                      <a:r>
+                        <a:rPr lang="en-US" dirty="0"/>
+                        <a:t>-0.237</a:t>
+                      </a:r>
+                    </a:p>
+                  </a:txBody>
+                  <a:tcPr/>
+                </a:tc>
+                <a:tc>
+                  <a:txBody>
+                    <a:bodyPr/>
+                    <a:lstStyle/>
+                    <a:p>
+                      <a:r>
+                        <a:rPr lang="en-US" dirty="0"/>
+                        <a:t>0.664</a:t>
+                      </a:r>
+                    </a:p>
+                  </a:txBody>
+                  <a:tcPr/>
+                </a:tc>
+                <a:tc>
+                  <a:txBody>
+                    <a:bodyPr/>
+                    <a:lstStyle/>
+                    <a:p>
+                      <a:r>
+                        <a:rPr lang="en-US" dirty="0"/>
+                        <a:t>0.000</a:t>
+                      </a:r>
+                    </a:p>
+                  </a:txBody>
+                  <a:tcPr/>
+                </a:tc>
+                <a:extLst>
+                  <a:ext uri="{0D108BD9-81ED-4DB2-BD59-A6C34878D82A}">
+                    <a16:rowId xmlns:a16="http://schemas.microsoft.com/office/drawing/2014/main" val="1305733715"/>
+                  </a:ext>
+                </a:extLst>
+              </a:tr>
+              <a:tr h="370840">
+                <a:tc>
+                  <a:txBody>
+                    <a:bodyPr/>
+                    <a:lstStyle/>
+                    <a:p>
+                      <a:r>
+                        <a:rPr lang="en-US" dirty="0"/>
+                        <a:t>Stage IV</a:t>
+                      </a:r>
+                    </a:p>
+                  </a:txBody>
+                  <a:tcPr/>
+                </a:tc>
+                <a:tc>
+                  <a:txBody>
+                    <a:bodyPr/>
+                    <a:lstStyle/>
+                    <a:p>
+                      <a:r>
+                        <a:rPr lang="en-US" dirty="0"/>
+                        <a:t>-0.563</a:t>
+                      </a:r>
+                    </a:p>
+                  </a:txBody>
+                  <a:tcPr/>
+                </a:tc>
+                <a:tc>
+                  <a:txBody>
+                    <a:bodyPr/>
+                    <a:lstStyle/>
+                    <a:p>
+                      <a:r>
+                        <a:rPr lang="en-US" dirty="0"/>
+                        <a:t>0.124</a:t>
+                      </a:r>
+                    </a:p>
+                  </a:txBody>
+                  <a:tcPr/>
+                </a:tc>
+                <a:tc>
+                  <a:txBody>
+                    <a:bodyPr/>
+                    <a:lstStyle/>
+                    <a:p>
+                      <a:r>
+                        <a:rPr lang="en-US" dirty="0"/>
+                        <a:t>0.000</a:t>
+                      </a:r>
+                    </a:p>
+                  </a:txBody>
+                  <a:tcPr/>
+                </a:tc>
+                <a:extLst>
+                  <a:ext uri="{0D108BD9-81ED-4DB2-BD59-A6C34878D82A}">
+                    <a16:rowId xmlns:a16="http://schemas.microsoft.com/office/drawing/2014/main" val="1915147425"/>
+                  </a:ext>
+                </a:extLst>
+              </a:tr>
+            </a:tbl>
+          </a:graphicData>
+        </a:graphic>
+      </p:graphicFrame>
+      <p:sp>
+        <p:nvSpPr>
+          <p:cNvPr id="4" name="Date Placeholder 3">
+            <a:extLst>
+              <a:ext uri="{FF2B5EF4-FFF2-40B4-BE49-F238E27FC236}">
+                <a16:creationId xmlns:a16="http://schemas.microsoft.com/office/drawing/2014/main" id="{EBCD3B77-FA4D-B3D7-600C-589B06C8B22C}"/>
+              </a:ext>
+            </a:extLst>
+          </p:cNvPr>
+          <p:cNvSpPr>
+            <a:spLocks noGrp="1"/>
+          </p:cNvSpPr>
+          <p:nvPr>
+            <p:ph type="dt" sz="half" idx="10"/>
+          </p:nvPr>
+        </p:nvSpPr>
+        <p:spPr/>
+        <p:txBody>
+          <a:bodyPr/>
+          <a:lstStyle/>
+          <a:p>
+            <a:r>
+              <a:rPr lang="en-US" dirty="0"/>
+              <a:t>05/03/2023</a:t>
+            </a:r>
+          </a:p>
+        </p:txBody>
+      </p:sp>
+      <p:sp>
+        <p:nvSpPr>
+          <p:cNvPr id="5" name="Footer Placeholder 4">
+            <a:extLst>
+              <a:ext uri="{FF2B5EF4-FFF2-40B4-BE49-F238E27FC236}">
+                <a16:creationId xmlns:a16="http://schemas.microsoft.com/office/drawing/2014/main" id="{46D65876-0CAE-EB1A-0B41-D28D99843E94}"/>
+              </a:ext>
+            </a:extLst>
+          </p:cNvPr>
+          <p:cNvSpPr>
+            <a:spLocks noGrp="1"/>
+          </p:cNvSpPr>
+          <p:nvPr>
+            <p:ph type="ftr" sz="quarter" idx="11"/>
+          </p:nvPr>
+        </p:nvSpPr>
+        <p:spPr/>
+        <p:txBody>
+          <a:bodyPr/>
+          <a:lstStyle/>
+          <a:p>
+            <a:pPr algn="l"/>
+            <a:r>
+              <a:rPr lang="en-US" dirty="0"/>
+              <a:t>Interview Scenario – Isabelle Grenier</a:t>
+            </a:r>
+          </a:p>
+        </p:txBody>
+      </p:sp>
+      <p:sp>
+        <p:nvSpPr>
+          <p:cNvPr id="6" name="Slide Number Placeholder 5">
+            <a:extLst>
+              <a:ext uri="{FF2B5EF4-FFF2-40B4-BE49-F238E27FC236}">
+                <a16:creationId xmlns:a16="http://schemas.microsoft.com/office/drawing/2014/main" id="{D7AC322A-0F13-5D97-B181-0B015C09E5D7}"/>
+              </a:ext>
+            </a:extLst>
+          </p:cNvPr>
+          <p:cNvSpPr>
+            <a:spLocks noGrp="1"/>
+          </p:cNvSpPr>
+          <p:nvPr>
+            <p:ph type="sldNum" sz="quarter" idx="12"/>
+          </p:nvPr>
+        </p:nvSpPr>
+        <p:spPr/>
+        <p:txBody>
+          <a:bodyPr/>
+          <a:lstStyle/>
+          <a:p>
+            <a:fld id="{B9713C8C-8E70-45D5-AE59-23E60168254E}" type="slidenum">
+              <a:rPr lang="en-US" smtClean="0"/>
+              <a:t>12</a:t>
+            </a:fld>
+            <a:endParaRPr lang="en-US" dirty="0"/>
+          </a:p>
+        </p:txBody>
+      </p:sp>
+      <p:sp>
+        <p:nvSpPr>
+          <p:cNvPr id="9" name="Content Placeholder 2">
+            <a:extLst>
+              <a:ext uri="{FF2B5EF4-FFF2-40B4-BE49-F238E27FC236}">
+                <a16:creationId xmlns:a16="http://schemas.microsoft.com/office/drawing/2014/main" id="{8370AA42-B069-F5E9-F748-39114556E750}"/>
+              </a:ext>
+            </a:extLst>
+          </p:cNvPr>
+          <p:cNvSpPr txBox="1">
+            <a:spLocks/>
+          </p:cNvSpPr>
+          <p:nvPr/>
+        </p:nvSpPr>
+        <p:spPr>
+          <a:xfrm>
+            <a:off x="838200" y="2011680"/>
+            <a:ext cx="4937760" cy="4160520"/>
+          </a:xfrm>
+          <a:prstGeom prst="rect">
+            <a:avLst/>
+          </a:prstGeom>
+        </p:spPr>
+        <p:txBody>
+          <a:bodyPr vert="horz" lIns="91440" tIns="45720" rIns="91440" bIns="45720" rtlCol="0">
+            <a:normAutofit/>
+          </a:bodyPr>
+          <a:lstStyle>
+            <a:lvl1pPr marL="228600" indent="-228600" algn="l" defTabSz="914400" rtl="0" eaLnBrk="1" latinLnBrk="0" hangingPunct="1">
+              <a:lnSpc>
+                <a:spcPct val="100000"/>
+              </a:lnSpc>
+              <a:spcBef>
+                <a:spcPts val="1000"/>
+              </a:spcBef>
+              <a:buFont typeface="Arial" panose="020B0604020202020204" pitchFamily="34" charset="0"/>
+              <a:buChar char="•"/>
+              <a:defRPr sz="2800" kern="1200">
+                <a:solidFill>
+                  <a:schemeClr val="tx1"/>
+                </a:solidFill>
+                <a:latin typeface="+mn-lt"/>
+                <a:ea typeface="+mn-ea"/>
+                <a:cs typeface="+mn-cs"/>
+              </a:defRPr>
+            </a:lvl1pPr>
+            <a:lvl2pPr marL="685800" indent="-228600" algn="l" defTabSz="914400" rtl="0" eaLnBrk="1" latinLnBrk="0" hangingPunct="1">
+              <a:lnSpc>
+                <a:spcPct val="100000"/>
+              </a:lnSpc>
+              <a:spcBef>
+                <a:spcPts val="500"/>
+              </a:spcBef>
+              <a:buFont typeface="Arial" panose="020B0604020202020204" pitchFamily="34" charset="0"/>
+              <a:buChar char="•"/>
+              <a:defRPr sz="2400" kern="1200">
+                <a:solidFill>
+                  <a:schemeClr val="tx1"/>
+                </a:solidFill>
+                <a:latin typeface="+mn-lt"/>
+                <a:ea typeface="+mn-ea"/>
+                <a:cs typeface="+mn-cs"/>
+              </a:defRPr>
+            </a:lvl2pPr>
+            <a:lvl3pPr marL="1143000" indent="-228600" algn="l" defTabSz="914400" rtl="0" eaLnBrk="1" latinLnBrk="0" hangingPunct="1">
+              <a:lnSpc>
+                <a:spcPct val="100000"/>
+              </a:lnSpc>
+              <a:spcBef>
+                <a:spcPts val="500"/>
+              </a:spcBef>
+              <a:buFont typeface="Arial" panose="020B0604020202020204" pitchFamily="34" charset="0"/>
+              <a:buChar char="•"/>
+              <a:defRPr sz="2000" kern="1200">
+                <a:solidFill>
+                  <a:schemeClr val="tx1"/>
+                </a:solidFill>
+                <a:latin typeface="+mn-lt"/>
+                <a:ea typeface="+mn-ea"/>
+                <a:cs typeface="+mn-cs"/>
+              </a:defRPr>
+            </a:lvl3pPr>
+            <a:lvl4pPr marL="1600200" indent="-228600" algn="l" defTabSz="914400" rtl="0" eaLnBrk="1" latinLnBrk="0" hangingPunct="1">
+              <a:lnSpc>
+                <a:spcPct val="100000"/>
+              </a:lnSpc>
+              <a:spcBef>
+                <a:spcPts val="500"/>
+              </a:spcBef>
+              <a:buFont typeface="Arial" panose="020B0604020202020204" pitchFamily="34" charset="0"/>
+              <a:buChar char="•"/>
+              <a:defRPr sz="1800" kern="1200">
+                <a:solidFill>
+                  <a:schemeClr val="tx1"/>
+                </a:solidFill>
+                <a:latin typeface="+mn-lt"/>
+                <a:ea typeface="+mn-ea"/>
+                <a:cs typeface="+mn-cs"/>
+              </a:defRPr>
+            </a:lvl4pPr>
+            <a:lvl5pPr marL="2057400" indent="-228600" algn="l" defTabSz="914400" rtl="0" eaLnBrk="1" latinLnBrk="0" hangingPunct="1">
+              <a:lnSpc>
+                <a:spcPct val="100000"/>
+              </a:lnSpc>
+              <a:spcBef>
+                <a:spcPts val="500"/>
+              </a:spcBef>
+              <a:buFont typeface="Arial" panose="020B0604020202020204" pitchFamily="34" charset="0"/>
+              <a:buChar char="•"/>
+              <a:defRPr sz="1800" kern="1200">
+                <a:solidFill>
+                  <a:schemeClr val="tx1"/>
+                </a:solidFill>
+                <a:latin typeface="+mn-lt"/>
+                <a:ea typeface="+mn-ea"/>
+                <a:cs typeface="+mn-cs"/>
+              </a:defRPr>
+            </a:lvl5pPr>
+            <a:lvl6pPr marL="2514600" indent="-228600" algn="l" defTabSz="914400" rtl="0" eaLnBrk="1" latinLnBrk="0" hangingPunct="1">
+              <a:lnSpc>
+                <a:spcPct val="90000"/>
+              </a:lnSpc>
+              <a:spcBef>
+                <a:spcPts val="500"/>
+              </a:spcBef>
+              <a:buFont typeface="Arial" panose="020B0604020202020204" pitchFamily="34" charset="0"/>
+              <a:buChar char="•"/>
+              <a:defRPr sz="1800" kern="1200">
+                <a:solidFill>
+                  <a:schemeClr val="tx1"/>
+                </a:solidFill>
+                <a:latin typeface="+mn-lt"/>
+                <a:ea typeface="+mn-ea"/>
+                <a:cs typeface="+mn-cs"/>
+              </a:defRPr>
+            </a:lvl6pPr>
+            <a:lvl7pPr marL="2971800" indent="-228600" algn="l" defTabSz="914400" rtl="0" eaLnBrk="1" latinLnBrk="0" hangingPunct="1">
+              <a:lnSpc>
+                <a:spcPct val="90000"/>
+              </a:lnSpc>
+              <a:spcBef>
+                <a:spcPts val="500"/>
+              </a:spcBef>
+              <a:buFont typeface="Arial" panose="020B0604020202020204" pitchFamily="34" charset="0"/>
+              <a:buChar char="•"/>
+              <a:defRPr sz="1800" kern="1200">
+                <a:solidFill>
+                  <a:schemeClr val="tx1"/>
+                </a:solidFill>
+                <a:latin typeface="+mn-lt"/>
+                <a:ea typeface="+mn-ea"/>
+                <a:cs typeface="+mn-cs"/>
+              </a:defRPr>
+            </a:lvl7pPr>
+            <a:lvl8pPr marL="3429000" indent="-228600" algn="l" defTabSz="914400" rtl="0" eaLnBrk="1" latinLnBrk="0" hangingPunct="1">
+              <a:lnSpc>
+                <a:spcPct val="90000"/>
+              </a:lnSpc>
+              <a:spcBef>
+                <a:spcPts val="500"/>
+              </a:spcBef>
+              <a:buFont typeface="Arial" panose="020B0604020202020204" pitchFamily="34" charset="0"/>
+              <a:buChar char="•"/>
+              <a:defRPr sz="1800" kern="1200">
+                <a:solidFill>
+                  <a:schemeClr val="tx1"/>
+                </a:solidFill>
+                <a:latin typeface="+mn-lt"/>
+                <a:ea typeface="+mn-ea"/>
+                <a:cs typeface="+mn-cs"/>
+              </a:defRPr>
+            </a:lvl8pPr>
+            <a:lvl9pPr marL="3886200" indent="-228600" algn="l" defTabSz="914400" rtl="0" eaLnBrk="1" latinLnBrk="0" hangingPunct="1">
+              <a:lnSpc>
+                <a:spcPct val="90000"/>
+              </a:lnSpc>
+              <a:spcBef>
+                <a:spcPts val="500"/>
+              </a:spcBef>
+              <a:buFont typeface="Arial" panose="020B0604020202020204" pitchFamily="34" charset="0"/>
+              <a:buChar char="•"/>
+              <a:defRPr sz="1800" kern="1200">
+                <a:solidFill>
+                  <a:schemeClr val="tx1"/>
+                </a:solidFill>
+                <a:latin typeface="+mn-lt"/>
+                <a:ea typeface="+mn-ea"/>
+                <a:cs typeface="+mn-cs"/>
+              </a:defRPr>
+            </a:lvl9pPr>
+          </a:lstStyle>
+          <a:p>
+            <a:r>
+              <a:rPr lang="en-US" dirty="0"/>
+              <a:t>Survival rate decreases with age and disease stage </a:t>
+            </a:r>
+          </a:p>
+          <a:p>
+            <a:r>
+              <a:rPr lang="en-US" dirty="0"/>
+              <a:t>No significant difference in survival between Stage I and Stage II</a:t>
+            </a:r>
+          </a:p>
+          <a:p>
+            <a:r>
+              <a:rPr lang="en-US" dirty="0"/>
+              <a:t>Regression assumptions were verified</a:t>
+            </a:r>
+          </a:p>
+        </p:txBody>
+      </p:sp>
+    </p:spTree>
+    <p:extLst>
+      <p:ext uri="{BB962C8B-B14F-4D97-AF65-F5344CB8AC3E}">
+        <p14:creationId xmlns:p14="http://schemas.microsoft.com/office/powerpoint/2010/main" val="2517125133"/>
+      </p:ext>
+    </p:extLst>
+  </p:cSld>
+  <p:clrMapOvr>
+    <a:masterClrMapping/>
+  </p:clrMapOvr>
+</p:sld>
+</file>
+
+<file path=ppt/slides/slide13.xml><?xml version="1.0" encoding="utf-8"?>
+<p:sld xmlns:a="http://schemas.openxmlformats.org/drawingml/2006/main" xmlns:r="http://schemas.openxmlformats.org/officeDocument/2006/relationships" xmlns:p="http://schemas.openxmlformats.org/presentationml/2006/main">
+  <p:cSld>
+    <p:spTree>
+      <p:nvGrpSpPr>
+        <p:cNvPr id="1" name=""/>
+        <p:cNvGrpSpPr/>
+        <p:nvPr/>
+      </p:nvGrpSpPr>
+      <p:grpSpPr>
+        <a:xfrm>
+          <a:off x="0" y="0"/>
+          <a:ext cx="0" cy="0"/>
+          <a:chOff x="0" y="0"/>
+          <a:chExt cx="0" cy="0"/>
+        </a:xfrm>
+      </p:grpSpPr>
+      <p:sp>
+        <p:nvSpPr>
+          <p:cNvPr id="2" name="Title 1">
+            <a:extLst>
+              <a:ext uri="{FF2B5EF4-FFF2-40B4-BE49-F238E27FC236}">
+                <a16:creationId xmlns:a16="http://schemas.microsoft.com/office/drawing/2014/main" id="{FD747D24-5CD9-2E00-D729-5771264BA556}"/>
+              </a:ext>
+            </a:extLst>
+          </p:cNvPr>
+          <p:cNvSpPr>
+            <a:spLocks noGrp="1"/>
+          </p:cNvSpPr>
+          <p:nvPr>
+            <p:ph type="title"/>
+          </p:nvPr>
+        </p:nvSpPr>
+        <p:spPr/>
+        <p:txBody>
+          <a:bodyPr/>
+          <a:lstStyle/>
+          <a:p>
+            <a:r>
+              <a:rPr lang="en-US" dirty="0"/>
+              <a:t>Prediction</a:t>
+            </a:r>
+          </a:p>
+        </p:txBody>
+      </p:sp>
+      <p:sp>
+        <p:nvSpPr>
+          <p:cNvPr id="4" name="Date Placeholder 3">
+            <a:extLst>
+              <a:ext uri="{FF2B5EF4-FFF2-40B4-BE49-F238E27FC236}">
+                <a16:creationId xmlns:a16="http://schemas.microsoft.com/office/drawing/2014/main" id="{EBCD3B77-FA4D-B3D7-600C-589B06C8B22C}"/>
+              </a:ext>
+            </a:extLst>
+          </p:cNvPr>
+          <p:cNvSpPr>
+            <a:spLocks noGrp="1"/>
+          </p:cNvSpPr>
+          <p:nvPr>
+            <p:ph type="dt" sz="half" idx="10"/>
+          </p:nvPr>
+        </p:nvSpPr>
+        <p:spPr/>
+        <p:txBody>
+          <a:bodyPr/>
+          <a:lstStyle/>
+          <a:p>
+            <a:r>
+              <a:rPr lang="en-US" dirty="0"/>
+              <a:t>05/03/2023</a:t>
+            </a:r>
+          </a:p>
+        </p:txBody>
+      </p:sp>
+      <p:sp>
+        <p:nvSpPr>
+          <p:cNvPr id="5" name="Footer Placeholder 4">
+            <a:extLst>
+              <a:ext uri="{FF2B5EF4-FFF2-40B4-BE49-F238E27FC236}">
+                <a16:creationId xmlns:a16="http://schemas.microsoft.com/office/drawing/2014/main" id="{46D65876-0CAE-EB1A-0B41-D28D99843E94}"/>
+              </a:ext>
+            </a:extLst>
+          </p:cNvPr>
+          <p:cNvSpPr>
+            <a:spLocks noGrp="1"/>
+          </p:cNvSpPr>
+          <p:nvPr>
+            <p:ph type="ftr" sz="quarter" idx="11"/>
+          </p:nvPr>
+        </p:nvSpPr>
+        <p:spPr/>
+        <p:txBody>
+          <a:bodyPr/>
+          <a:lstStyle/>
+          <a:p>
+            <a:pPr algn="l"/>
+            <a:r>
+              <a:rPr lang="en-US" dirty="0"/>
+              <a:t>Interview Scenario – Isabelle Grenier</a:t>
+            </a:r>
+          </a:p>
+        </p:txBody>
+      </p:sp>
+      <p:sp>
+        <p:nvSpPr>
+          <p:cNvPr id="6" name="Slide Number Placeholder 5">
+            <a:extLst>
+              <a:ext uri="{FF2B5EF4-FFF2-40B4-BE49-F238E27FC236}">
+                <a16:creationId xmlns:a16="http://schemas.microsoft.com/office/drawing/2014/main" id="{D7AC322A-0F13-5D97-B181-0B015C09E5D7}"/>
+              </a:ext>
+            </a:extLst>
+          </p:cNvPr>
+          <p:cNvSpPr>
+            <a:spLocks noGrp="1"/>
+          </p:cNvSpPr>
+          <p:nvPr>
+            <p:ph type="sldNum" sz="quarter" idx="12"/>
+          </p:nvPr>
+        </p:nvSpPr>
+        <p:spPr/>
+        <p:txBody>
+          <a:bodyPr/>
+          <a:lstStyle/>
+          <a:p>
+            <a:fld id="{B9713C8C-8E70-45D5-AE59-23E60168254E}" type="slidenum">
+              <a:rPr lang="en-US" smtClean="0"/>
+              <a:t>13</a:t>
+            </a:fld>
+            <a:endParaRPr lang="en-US" dirty="0"/>
+          </a:p>
+        </p:txBody>
+      </p:sp>
+      <p:sp>
+        <p:nvSpPr>
+          <p:cNvPr id="9" name="Content Placeholder 2">
+            <a:extLst>
+              <a:ext uri="{FF2B5EF4-FFF2-40B4-BE49-F238E27FC236}">
+                <a16:creationId xmlns:a16="http://schemas.microsoft.com/office/drawing/2014/main" id="{8370AA42-B069-F5E9-F748-39114556E750}"/>
+              </a:ext>
+            </a:extLst>
+          </p:cNvPr>
+          <p:cNvSpPr txBox="1">
+            <a:spLocks/>
+          </p:cNvSpPr>
+          <p:nvPr/>
+        </p:nvSpPr>
+        <p:spPr>
+          <a:xfrm>
+            <a:off x="838200" y="2011680"/>
+            <a:ext cx="4937760" cy="4160520"/>
+          </a:xfrm>
+          <a:prstGeom prst="rect">
+            <a:avLst/>
+          </a:prstGeom>
+        </p:spPr>
+        <p:txBody>
+          <a:bodyPr vert="horz" lIns="91440" tIns="45720" rIns="91440" bIns="45720" rtlCol="0">
+            <a:normAutofit/>
+          </a:bodyPr>
+          <a:lstStyle>
+            <a:lvl1pPr marL="228600" indent="-228600" algn="l" defTabSz="914400" rtl="0" eaLnBrk="1" latinLnBrk="0" hangingPunct="1">
+              <a:lnSpc>
+                <a:spcPct val="100000"/>
+              </a:lnSpc>
+              <a:spcBef>
+                <a:spcPts val="1000"/>
+              </a:spcBef>
+              <a:buFont typeface="Arial" panose="020B0604020202020204" pitchFamily="34" charset="0"/>
+              <a:buChar char="•"/>
+              <a:defRPr sz="2800" kern="1200">
+                <a:solidFill>
+                  <a:schemeClr val="tx1"/>
+                </a:solidFill>
+                <a:latin typeface="+mn-lt"/>
+                <a:ea typeface="+mn-ea"/>
+                <a:cs typeface="+mn-cs"/>
+              </a:defRPr>
+            </a:lvl1pPr>
+            <a:lvl2pPr marL="685800" indent="-228600" algn="l" defTabSz="914400" rtl="0" eaLnBrk="1" latinLnBrk="0" hangingPunct="1">
+              <a:lnSpc>
+                <a:spcPct val="100000"/>
+              </a:lnSpc>
+              <a:spcBef>
+                <a:spcPts val="500"/>
+              </a:spcBef>
+              <a:buFont typeface="Arial" panose="020B0604020202020204" pitchFamily="34" charset="0"/>
+              <a:buChar char="•"/>
+              <a:defRPr sz="2400" kern="1200">
+                <a:solidFill>
+                  <a:schemeClr val="tx1"/>
+                </a:solidFill>
+                <a:latin typeface="+mn-lt"/>
+                <a:ea typeface="+mn-ea"/>
+                <a:cs typeface="+mn-cs"/>
+              </a:defRPr>
+            </a:lvl2pPr>
+            <a:lvl3pPr marL="1143000" indent="-228600" algn="l" defTabSz="914400" rtl="0" eaLnBrk="1" latinLnBrk="0" hangingPunct="1">
+              <a:lnSpc>
+                <a:spcPct val="100000"/>
+              </a:lnSpc>
+              <a:spcBef>
+                <a:spcPts val="500"/>
+              </a:spcBef>
+              <a:buFont typeface="Arial" panose="020B0604020202020204" pitchFamily="34" charset="0"/>
+              <a:buChar char="•"/>
+              <a:defRPr sz="2000" kern="1200">
+                <a:solidFill>
+                  <a:schemeClr val="tx1"/>
+                </a:solidFill>
+                <a:latin typeface="+mn-lt"/>
+                <a:ea typeface="+mn-ea"/>
+                <a:cs typeface="+mn-cs"/>
+              </a:defRPr>
+            </a:lvl3pPr>
+            <a:lvl4pPr marL="1600200" indent="-228600" algn="l" defTabSz="914400" rtl="0" eaLnBrk="1" latinLnBrk="0" hangingPunct="1">
+              <a:lnSpc>
+                <a:spcPct val="100000"/>
+              </a:lnSpc>
+              <a:spcBef>
+                <a:spcPts val="500"/>
+              </a:spcBef>
+              <a:buFont typeface="Arial" panose="020B0604020202020204" pitchFamily="34" charset="0"/>
+              <a:buChar char="•"/>
+              <a:defRPr sz="1800" kern="1200">
+                <a:solidFill>
+                  <a:schemeClr val="tx1"/>
+                </a:solidFill>
+                <a:latin typeface="+mn-lt"/>
+                <a:ea typeface="+mn-ea"/>
+                <a:cs typeface="+mn-cs"/>
+              </a:defRPr>
+            </a:lvl4pPr>
+            <a:lvl5pPr marL="2057400" indent="-228600" algn="l" defTabSz="914400" rtl="0" eaLnBrk="1" latinLnBrk="0" hangingPunct="1">
+              <a:lnSpc>
+                <a:spcPct val="100000"/>
+              </a:lnSpc>
+              <a:spcBef>
+                <a:spcPts val="500"/>
+              </a:spcBef>
+              <a:buFont typeface="Arial" panose="020B0604020202020204" pitchFamily="34" charset="0"/>
+              <a:buChar char="•"/>
+              <a:defRPr sz="1800" kern="1200">
+                <a:solidFill>
+                  <a:schemeClr val="tx1"/>
+                </a:solidFill>
+                <a:latin typeface="+mn-lt"/>
+                <a:ea typeface="+mn-ea"/>
+                <a:cs typeface="+mn-cs"/>
+              </a:defRPr>
+            </a:lvl5pPr>
+            <a:lvl6pPr marL="2514600" indent="-228600" algn="l" defTabSz="914400" rtl="0" eaLnBrk="1" latinLnBrk="0" hangingPunct="1">
+              <a:lnSpc>
+                <a:spcPct val="90000"/>
+              </a:lnSpc>
+              <a:spcBef>
+                <a:spcPts val="500"/>
+              </a:spcBef>
+              <a:buFont typeface="Arial" panose="020B0604020202020204" pitchFamily="34" charset="0"/>
+              <a:buChar char="•"/>
+              <a:defRPr sz="1800" kern="1200">
+                <a:solidFill>
+                  <a:schemeClr val="tx1"/>
+                </a:solidFill>
+                <a:latin typeface="+mn-lt"/>
+                <a:ea typeface="+mn-ea"/>
+                <a:cs typeface="+mn-cs"/>
+              </a:defRPr>
+            </a:lvl6pPr>
+            <a:lvl7pPr marL="2971800" indent="-228600" algn="l" defTabSz="914400" rtl="0" eaLnBrk="1" latinLnBrk="0" hangingPunct="1">
+              <a:lnSpc>
+                <a:spcPct val="90000"/>
+              </a:lnSpc>
+              <a:spcBef>
+                <a:spcPts val="500"/>
+              </a:spcBef>
+              <a:buFont typeface="Arial" panose="020B0604020202020204" pitchFamily="34" charset="0"/>
+              <a:buChar char="•"/>
+              <a:defRPr sz="1800" kern="1200">
+                <a:solidFill>
+                  <a:schemeClr val="tx1"/>
+                </a:solidFill>
+                <a:latin typeface="+mn-lt"/>
+                <a:ea typeface="+mn-ea"/>
+                <a:cs typeface="+mn-cs"/>
+              </a:defRPr>
+            </a:lvl7pPr>
+            <a:lvl8pPr marL="3429000" indent="-228600" algn="l" defTabSz="914400" rtl="0" eaLnBrk="1" latinLnBrk="0" hangingPunct="1">
+              <a:lnSpc>
+                <a:spcPct val="90000"/>
+              </a:lnSpc>
+              <a:spcBef>
+                <a:spcPts val="500"/>
+              </a:spcBef>
+              <a:buFont typeface="Arial" panose="020B0604020202020204" pitchFamily="34" charset="0"/>
+              <a:buChar char="•"/>
+              <a:defRPr sz="1800" kern="1200">
+                <a:solidFill>
+                  <a:schemeClr val="tx1"/>
+                </a:solidFill>
+                <a:latin typeface="+mn-lt"/>
+                <a:ea typeface="+mn-ea"/>
+                <a:cs typeface="+mn-cs"/>
+              </a:defRPr>
+            </a:lvl8pPr>
+            <a:lvl9pPr marL="3886200" indent="-228600" algn="l" defTabSz="914400" rtl="0" eaLnBrk="1" latinLnBrk="0" hangingPunct="1">
+              <a:lnSpc>
+                <a:spcPct val="90000"/>
+              </a:lnSpc>
+              <a:spcBef>
+                <a:spcPts val="500"/>
+              </a:spcBef>
+              <a:buFont typeface="Arial" panose="020B0604020202020204" pitchFamily="34" charset="0"/>
+              <a:buChar char="•"/>
+              <a:defRPr sz="1800" kern="1200">
+                <a:solidFill>
+                  <a:schemeClr val="tx1"/>
+                </a:solidFill>
+                <a:latin typeface="+mn-lt"/>
+                <a:ea typeface="+mn-ea"/>
+                <a:cs typeface="+mn-cs"/>
+              </a:defRPr>
+            </a:lvl9pPr>
+          </a:lstStyle>
+          <a:p>
+            <a:r>
+              <a:rPr lang="en-US" dirty="0"/>
+              <a:t>Model precision: 0.83</a:t>
+            </a:r>
+          </a:p>
+          <a:p>
+            <a:r>
+              <a:rPr lang="en-US" dirty="0"/>
+              <a:t>Model recall: 0.97</a:t>
+            </a:r>
+          </a:p>
+        </p:txBody>
+      </p:sp>
+      <p:graphicFrame>
+        <p:nvGraphicFramePr>
+          <p:cNvPr id="10" name="Table 10">
+            <a:extLst>
+              <a:ext uri="{FF2B5EF4-FFF2-40B4-BE49-F238E27FC236}">
+                <a16:creationId xmlns:a16="http://schemas.microsoft.com/office/drawing/2014/main" id="{FFF4C32D-AB9B-AF72-E401-B16B683A5DB3}"/>
+              </a:ext>
+            </a:extLst>
+          </p:cNvPr>
+          <p:cNvGraphicFramePr>
+            <a:graphicFrameLocks noGrp="1"/>
+          </p:cNvGraphicFramePr>
+          <p:nvPr>
+            <p:extLst>
+              <p:ext uri="{D42A27DB-BD31-4B8C-83A1-F6EECF244321}">
+                <p14:modId xmlns:p14="http://schemas.microsoft.com/office/powerpoint/2010/main" val="1058557904"/>
+              </p:ext>
+            </p:extLst>
+          </p:nvPr>
+        </p:nvGraphicFramePr>
+        <p:xfrm>
+          <a:off x="1401618" y="3555048"/>
+          <a:ext cx="4359564" cy="1569820"/>
+        </p:xfrm>
+        <a:graphic>
+          <a:graphicData uri="http://schemas.openxmlformats.org/drawingml/2006/table">
+            <a:tbl>
+              <a:tblPr firstRow="1" bandRow="1">
+                <a:tableStyleId>{69012ECD-51FC-41F1-AA8D-1B2483CD663E}</a:tableStyleId>
+              </a:tblPr>
+              <a:tblGrid>
+                <a:gridCol w="2179782">
+                  <a:extLst>
+                    <a:ext uri="{9D8B030D-6E8A-4147-A177-3AD203B41FA5}">
+                      <a16:colId xmlns:a16="http://schemas.microsoft.com/office/drawing/2014/main" val="1070346660"/>
+                    </a:ext>
+                  </a:extLst>
+                </a:gridCol>
+                <a:gridCol w="2179782">
+                  <a:extLst>
+                    <a:ext uri="{9D8B030D-6E8A-4147-A177-3AD203B41FA5}">
+                      <a16:colId xmlns:a16="http://schemas.microsoft.com/office/drawing/2014/main" val="2218726632"/>
+                    </a:ext>
+                  </a:extLst>
+                </a:gridCol>
+              </a:tblGrid>
+              <a:tr h="783436">
+                <a:tc>
+                  <a:txBody>
+                    <a:bodyPr/>
+                    <a:lstStyle/>
+                    <a:p>
+                      <a:pPr algn="ctr"/>
+                      <a:r>
+                        <a:rPr lang="en-US" b="1" dirty="0">
+                          <a:solidFill>
+                            <a:schemeClr val="tx2"/>
+                          </a:solidFill>
+                        </a:rPr>
+                        <a:t>True Positive: 229</a:t>
+                      </a:r>
+                    </a:p>
+                  </a:txBody>
+                  <a:tcPr anchor="ctr">
+                    <a:lnL w="12700" cap="flat" cmpd="sng" algn="ctr">
+                      <a:solidFill>
+                        <a:schemeClr val="accent1"/>
+                      </a:solidFill>
+                      <a:prstDash val="solid"/>
+                      <a:round/>
+                      <a:headEnd type="none" w="med" len="med"/>
+                      <a:tailEnd type="none" w="med" len="med"/>
+                    </a:lnL>
+                    <a:lnR w="12700" cap="flat" cmpd="sng" algn="ctr">
+                      <a:solidFill>
+                        <a:schemeClr val="accent1"/>
+                      </a:solidFill>
+                      <a:prstDash val="solid"/>
+                      <a:round/>
+                      <a:headEnd type="none" w="med" len="med"/>
+                      <a:tailEnd type="none" w="med" len="med"/>
+                    </a:lnR>
+                    <a:lnT w="12700" cap="flat" cmpd="sng" algn="ctr">
+                      <a:solidFill>
+                        <a:schemeClr val="accent1"/>
+                      </a:solidFill>
+                      <a:prstDash val="solid"/>
+                      <a:round/>
+                      <a:headEnd type="none" w="med" len="med"/>
+                      <a:tailEnd type="none" w="med" len="med"/>
+                    </a:lnT>
+                    <a:lnB w="12700" cap="flat" cmpd="sng" algn="ctr">
+                      <a:solidFill>
+                        <a:schemeClr val="accent1"/>
+                      </a:solidFill>
+                      <a:prstDash val="solid"/>
+                      <a:round/>
+                      <a:headEnd type="none" w="med" len="med"/>
+                      <a:tailEnd type="none" w="med" len="med"/>
+                    </a:lnB>
+                    <a:solidFill>
+                      <a:schemeClr val="bg1"/>
+                    </a:solidFill>
+                  </a:tcPr>
+                </a:tc>
+                <a:tc>
+                  <a:txBody>
+                    <a:bodyPr/>
+                    <a:lstStyle/>
+                    <a:p>
+                      <a:pPr algn="ctr"/>
+                      <a:r>
+                        <a:rPr lang="en-US" b="1" dirty="0">
+                          <a:solidFill>
+                            <a:schemeClr val="tx2"/>
+                          </a:solidFill>
+                        </a:rPr>
+                        <a:t>False Positive: 48</a:t>
+                      </a:r>
+                    </a:p>
+                  </a:txBody>
+                  <a:tcPr anchor="ctr">
+                    <a:lnL w="12700" cap="flat" cmpd="sng" algn="ctr">
+                      <a:solidFill>
+                        <a:schemeClr val="accent1"/>
+                      </a:solidFill>
+                      <a:prstDash val="solid"/>
+                      <a:round/>
+                      <a:headEnd type="none" w="med" len="med"/>
+                      <a:tailEnd type="none" w="med" len="med"/>
+                    </a:lnL>
+                    <a:lnR w="12700" cap="flat" cmpd="sng" algn="ctr">
+                      <a:solidFill>
+                        <a:schemeClr val="accent1"/>
+                      </a:solidFill>
+                      <a:prstDash val="solid"/>
+                      <a:round/>
+                      <a:headEnd type="none" w="med" len="med"/>
+                      <a:tailEnd type="none" w="med" len="med"/>
+                    </a:lnR>
+                    <a:lnT w="12700" cap="flat" cmpd="sng" algn="ctr">
+                      <a:solidFill>
+                        <a:schemeClr val="accent1"/>
+                      </a:solidFill>
+                      <a:prstDash val="solid"/>
+                      <a:round/>
+                      <a:headEnd type="none" w="med" len="med"/>
+                      <a:tailEnd type="none" w="med" len="med"/>
+                    </a:lnT>
+                    <a:lnB w="12700" cap="flat" cmpd="sng" algn="ctr">
+                      <a:solidFill>
+                        <a:schemeClr val="accent1"/>
+                      </a:solidFill>
+                      <a:prstDash val="solid"/>
+                      <a:round/>
+                      <a:headEnd type="none" w="med" len="med"/>
+                      <a:tailEnd type="none" w="med" len="med"/>
+                    </a:lnB>
+                    <a:solidFill>
+                      <a:schemeClr val="bg1"/>
+                    </a:solidFill>
+                  </a:tcPr>
+                </a:tc>
+                <a:extLst>
+                  <a:ext uri="{0D108BD9-81ED-4DB2-BD59-A6C34878D82A}">
+                    <a16:rowId xmlns:a16="http://schemas.microsoft.com/office/drawing/2014/main" val="739058584"/>
+                  </a:ext>
+                </a:extLst>
+              </a:tr>
+              <a:tr h="786384">
+                <a:tc>
+                  <a:txBody>
+                    <a:bodyPr/>
+                    <a:lstStyle/>
+                    <a:p>
+                      <a:pPr marL="0" marR="0" lvl="0" indent="0" algn="ctr" defTabSz="914400" rtl="0" eaLnBrk="1" fontAlgn="auto" latinLnBrk="0" hangingPunct="1">
+                        <a:lnSpc>
+                          <a:spcPct val="100000"/>
+                        </a:lnSpc>
+                        <a:spcBef>
+                          <a:spcPts val="0"/>
+                        </a:spcBef>
+                        <a:spcAft>
+                          <a:spcPts val="0"/>
+                        </a:spcAft>
+                        <a:buClrTx/>
+                        <a:buSzTx/>
+                        <a:buFontTx/>
+                        <a:buNone/>
+                        <a:tabLst/>
+                        <a:defRPr/>
+                      </a:pPr>
+                      <a:r>
+                        <a:rPr lang="en-US" b="1" dirty="0">
+                          <a:solidFill>
+                            <a:schemeClr val="tx2"/>
+                          </a:solidFill>
+                        </a:rPr>
+                        <a:t>False Negative: 7</a:t>
+                      </a:r>
+                    </a:p>
+                  </a:txBody>
+                  <a:tcPr anchor="ctr">
+                    <a:lnL w="12700" cap="flat" cmpd="sng" algn="ctr">
+                      <a:solidFill>
+                        <a:schemeClr val="accent1"/>
+                      </a:solidFill>
+                      <a:prstDash val="solid"/>
+                      <a:round/>
+                      <a:headEnd type="none" w="med" len="med"/>
+                      <a:tailEnd type="none" w="med" len="med"/>
+                    </a:lnL>
+                    <a:lnR w="12700" cap="flat" cmpd="sng" algn="ctr">
+                      <a:solidFill>
+                        <a:schemeClr val="accent1"/>
+                      </a:solidFill>
+                      <a:prstDash val="solid"/>
+                      <a:round/>
+                      <a:headEnd type="none" w="med" len="med"/>
+                      <a:tailEnd type="none" w="med" len="med"/>
+                    </a:lnR>
+                    <a:lnT w="12700" cap="flat" cmpd="sng" algn="ctr">
+                      <a:solidFill>
+                        <a:schemeClr val="accent1"/>
+                      </a:solidFill>
+                      <a:prstDash val="solid"/>
+                      <a:round/>
+                      <a:headEnd type="none" w="med" len="med"/>
+                      <a:tailEnd type="none" w="med" len="med"/>
+                    </a:lnT>
+                    <a:lnB w="12700" cap="flat" cmpd="sng" algn="ctr">
+                      <a:solidFill>
+                        <a:schemeClr val="accent1"/>
+                      </a:solidFill>
+                      <a:prstDash val="solid"/>
+                      <a:round/>
+                      <a:headEnd type="none" w="med" len="med"/>
+                      <a:tailEnd type="none" w="med" len="med"/>
+                    </a:lnB>
+                  </a:tcPr>
+                </a:tc>
+                <a:tc>
+                  <a:txBody>
+                    <a:bodyPr/>
+                    <a:lstStyle/>
+                    <a:p>
+                      <a:pPr algn="ctr"/>
+                      <a:r>
+                        <a:rPr lang="en-US" b="1" dirty="0"/>
+                        <a:t>True Negative: 16</a:t>
+                      </a:r>
+                    </a:p>
+                  </a:txBody>
+                  <a:tcPr anchor="ctr">
+                    <a:lnL w="12700" cap="flat" cmpd="sng" algn="ctr">
+                      <a:solidFill>
+                        <a:schemeClr val="accent1"/>
+                      </a:solidFill>
+                      <a:prstDash val="solid"/>
+                      <a:round/>
+                      <a:headEnd type="none" w="med" len="med"/>
+                      <a:tailEnd type="none" w="med" len="med"/>
+                    </a:lnL>
+                    <a:lnR w="12700" cap="flat" cmpd="sng" algn="ctr">
+                      <a:solidFill>
+                        <a:schemeClr val="accent1"/>
+                      </a:solidFill>
+                      <a:prstDash val="solid"/>
+                      <a:round/>
+                      <a:headEnd type="none" w="med" len="med"/>
+                      <a:tailEnd type="none" w="med" len="med"/>
+                    </a:lnR>
+                    <a:lnT w="12700" cap="flat" cmpd="sng" algn="ctr">
+                      <a:solidFill>
+                        <a:schemeClr val="accent1"/>
+                      </a:solidFill>
+                      <a:prstDash val="solid"/>
+                      <a:round/>
+                      <a:headEnd type="none" w="med" len="med"/>
+                      <a:tailEnd type="none" w="med" len="med"/>
+                    </a:lnT>
+                    <a:lnB w="12700" cap="flat" cmpd="sng" algn="ctr">
+                      <a:solidFill>
+                        <a:schemeClr val="accent1"/>
+                      </a:solidFill>
+                      <a:prstDash val="solid"/>
+                      <a:round/>
+                      <a:headEnd type="none" w="med" len="med"/>
+                      <a:tailEnd type="none" w="med" len="med"/>
+                    </a:lnB>
+                  </a:tcPr>
+                </a:tc>
+                <a:extLst>
+                  <a:ext uri="{0D108BD9-81ED-4DB2-BD59-A6C34878D82A}">
+                    <a16:rowId xmlns:a16="http://schemas.microsoft.com/office/drawing/2014/main" val="2967044970"/>
+                  </a:ext>
+                </a:extLst>
+              </a:tr>
+            </a:tbl>
+          </a:graphicData>
+        </a:graphic>
+      </p:graphicFrame>
+      <p:pic>
+        <p:nvPicPr>
+          <p:cNvPr id="12" name="Picture 11" descr="Chart, scatter chart&#10;&#10;Description automatically generated">
+            <a:extLst>
+              <a:ext uri="{FF2B5EF4-FFF2-40B4-BE49-F238E27FC236}">
+                <a16:creationId xmlns:a16="http://schemas.microsoft.com/office/drawing/2014/main" id="{3C0135D5-6086-7720-972A-7DF073E4ADA6}"/>
+              </a:ext>
+            </a:extLst>
+          </p:cNvPr>
+          <p:cNvPicPr>
+            <a:picLocks noChangeAspect="1"/>
+          </p:cNvPicPr>
+          <p:nvPr/>
+        </p:nvPicPr>
+        <p:blipFill>
+          <a:blip r:embed="rId2"/>
+          <a:stretch>
+            <a:fillRect/>
+          </a:stretch>
+        </p:blipFill>
+        <p:spPr>
+          <a:xfrm>
+            <a:off x="6324600" y="1690688"/>
+            <a:ext cx="4937761" cy="4114801"/>
+          </a:xfrm>
+          <a:prstGeom prst="rect">
+            <a:avLst/>
+          </a:prstGeom>
+        </p:spPr>
+      </p:pic>
+      <p:sp>
+        <p:nvSpPr>
+          <p:cNvPr id="13" name="Oval 12">
+            <a:extLst>
+              <a:ext uri="{FF2B5EF4-FFF2-40B4-BE49-F238E27FC236}">
+                <a16:creationId xmlns:a16="http://schemas.microsoft.com/office/drawing/2014/main" id="{94099DD5-F1CC-4856-CE2F-9401474DA708}"/>
+              </a:ext>
+            </a:extLst>
+          </p:cNvPr>
+          <p:cNvSpPr/>
+          <p:nvPr/>
+        </p:nvSpPr>
+        <p:spPr>
+          <a:xfrm>
+            <a:off x="7130473" y="581891"/>
+            <a:ext cx="267854" cy="267854"/>
+          </a:xfrm>
+          <a:prstGeom prst="ellipse">
+            <a:avLst/>
+          </a:prstGeom>
+          <a:solidFill>
+            <a:srgbClr val="03BFC4"/>
+          </a:solidFill>
+          <a:ln>
+            <a:solidFill>
+              <a:srgbClr val="03BFC4"/>
+            </a:solidFill>
+          </a:ln>
+        </p:spPr>
+        <p:style>
+          <a:lnRef idx="2">
+            <a:schemeClr val="accent1">
+              <a:shade val="50000"/>
+            </a:schemeClr>
+          </a:lnRef>
+          <a:fillRef idx="1">
+            <a:schemeClr val="accent1"/>
+          </a:fillRef>
+          <a:effectRef idx="0">
+            <a:schemeClr val="accent1"/>
+          </a:effectRef>
+          <a:fontRef idx="minor">
+            <a:schemeClr val="lt1"/>
+          </a:fontRef>
+        </p:style>
+        <p:txBody>
+          <a:bodyPr rtlCol="0" anchor="ctr"/>
+          <a:lstStyle/>
+          <a:p>
+            <a:pPr algn="ctr"/>
+            <a:endParaRPr lang="en-US"/>
+          </a:p>
+        </p:txBody>
+      </p:sp>
+      <p:sp>
+        <p:nvSpPr>
+          <p:cNvPr id="14" name="Oval 13">
+            <a:extLst>
+              <a:ext uri="{FF2B5EF4-FFF2-40B4-BE49-F238E27FC236}">
+                <a16:creationId xmlns:a16="http://schemas.microsoft.com/office/drawing/2014/main" id="{1FA7AA92-F354-CB12-2A43-2E934B7CAA38}"/>
+              </a:ext>
+            </a:extLst>
+          </p:cNvPr>
+          <p:cNvSpPr/>
+          <p:nvPr/>
+        </p:nvSpPr>
+        <p:spPr>
+          <a:xfrm>
+            <a:off x="7130473" y="991248"/>
+            <a:ext cx="267854" cy="267854"/>
+          </a:xfrm>
+          <a:prstGeom prst="ellipse">
+            <a:avLst/>
+          </a:prstGeom>
+          <a:solidFill>
+            <a:srgbClr val="F8756C"/>
+          </a:solidFill>
+          <a:ln>
+            <a:solidFill>
+              <a:srgbClr val="F8756C"/>
+            </a:solidFill>
+          </a:ln>
+        </p:spPr>
+        <p:style>
+          <a:lnRef idx="2">
+            <a:schemeClr val="accent1">
+              <a:shade val="50000"/>
+            </a:schemeClr>
+          </a:lnRef>
+          <a:fillRef idx="1">
+            <a:schemeClr val="accent1"/>
+          </a:fillRef>
+          <a:effectRef idx="0">
+            <a:schemeClr val="accent1"/>
+          </a:effectRef>
+          <a:fontRef idx="minor">
+            <a:schemeClr val="lt1"/>
+          </a:fontRef>
+        </p:style>
+        <p:txBody>
+          <a:bodyPr rtlCol="0" anchor="ctr"/>
+          <a:lstStyle/>
+          <a:p>
+            <a:pPr algn="ctr"/>
+            <a:endParaRPr lang="en-US"/>
+          </a:p>
+        </p:txBody>
+      </p:sp>
+      <p:sp>
+        <p:nvSpPr>
+          <p:cNvPr id="15" name="TextBox 14">
+            <a:extLst>
+              <a:ext uri="{FF2B5EF4-FFF2-40B4-BE49-F238E27FC236}">
+                <a16:creationId xmlns:a16="http://schemas.microsoft.com/office/drawing/2014/main" id="{6DB96AD9-6ED7-CD80-99FF-175626E1D03B}"/>
+              </a:ext>
+            </a:extLst>
+          </p:cNvPr>
+          <p:cNvSpPr txBox="1"/>
+          <p:nvPr/>
+        </p:nvSpPr>
+        <p:spPr>
+          <a:xfrm>
+            <a:off x="7573818" y="581891"/>
+            <a:ext cx="1911927" cy="369332"/>
+          </a:xfrm>
+          <a:prstGeom prst="rect">
+            <a:avLst/>
+          </a:prstGeom>
+          <a:noFill/>
+        </p:spPr>
+        <p:txBody>
+          <a:bodyPr wrap="square" rtlCol="0">
+            <a:spAutoFit/>
+          </a:bodyPr>
+          <a:lstStyle/>
+          <a:p>
+            <a:r>
+              <a:rPr lang="en-US" dirty="0"/>
+              <a:t>alive</a:t>
+            </a:r>
+          </a:p>
+        </p:txBody>
+      </p:sp>
+      <p:sp>
+        <p:nvSpPr>
+          <p:cNvPr id="16" name="TextBox 15">
+            <a:extLst>
+              <a:ext uri="{FF2B5EF4-FFF2-40B4-BE49-F238E27FC236}">
+                <a16:creationId xmlns:a16="http://schemas.microsoft.com/office/drawing/2014/main" id="{1902C152-21BB-9D21-4DD4-BC399858E2C6}"/>
+              </a:ext>
+            </a:extLst>
+          </p:cNvPr>
+          <p:cNvSpPr txBox="1"/>
+          <p:nvPr/>
+        </p:nvSpPr>
+        <p:spPr>
+          <a:xfrm>
+            <a:off x="7628082" y="927053"/>
+            <a:ext cx="1911927" cy="369332"/>
+          </a:xfrm>
+          <a:prstGeom prst="rect">
+            <a:avLst/>
+          </a:prstGeom>
+          <a:noFill/>
+        </p:spPr>
+        <p:txBody>
+          <a:bodyPr wrap="square" rtlCol="0">
+            <a:spAutoFit/>
+          </a:bodyPr>
+          <a:lstStyle/>
+          <a:p>
+            <a:r>
+              <a:rPr lang="en-US" dirty="0"/>
+              <a:t>dead</a:t>
+            </a:r>
+          </a:p>
+        </p:txBody>
+      </p:sp>
+    </p:spTree>
+    <p:extLst>
+      <p:ext uri="{BB962C8B-B14F-4D97-AF65-F5344CB8AC3E}">
+        <p14:creationId xmlns:p14="http://schemas.microsoft.com/office/powerpoint/2010/main" val="814980384"/>
+      </p:ext>
+    </p:extLst>
+  </p:cSld>
+  <p:clrMapOvr>
+    <a:masterClrMapping/>
+  </p:clrMapOvr>
+</p:sld>
+</file>
+
+<file path=ppt/slides/slide14.xml><?xml version="1.0" encoding="utf-8"?>
+<p:sld xmlns:a="http://schemas.openxmlformats.org/drawingml/2006/main" xmlns:r="http://schemas.openxmlformats.org/officeDocument/2006/relationships" xmlns:p="http://schemas.openxmlformats.org/presentationml/2006/main">
+  <p:cSld>
+    <p:spTree>
+      <p:nvGrpSpPr>
+        <p:cNvPr id="1" name=""/>
+        <p:cNvGrpSpPr/>
+        <p:nvPr/>
+      </p:nvGrpSpPr>
+      <p:grpSpPr>
+        <a:xfrm>
+          <a:off x="0" y="0"/>
+          <a:ext cx="0" cy="0"/>
+          <a:chOff x="0" y="0"/>
+          <a:chExt cx="0" cy="0"/>
+        </a:xfrm>
+      </p:grpSpPr>
+      <p:sp>
+        <p:nvSpPr>
+          <p:cNvPr id="2" name="Title 1">
+            <a:extLst>
+              <a:ext uri="{FF2B5EF4-FFF2-40B4-BE49-F238E27FC236}">
+                <a16:creationId xmlns:a16="http://schemas.microsoft.com/office/drawing/2014/main" id="{78E02B70-F156-443F-2352-4D74BA0F8D9E}"/>
+              </a:ext>
+            </a:extLst>
+          </p:cNvPr>
+          <p:cNvSpPr>
+            <a:spLocks noGrp="1"/>
+          </p:cNvSpPr>
+          <p:nvPr>
+            <p:ph type="title"/>
+          </p:nvPr>
+        </p:nvSpPr>
+        <p:spPr/>
+        <p:txBody>
+          <a:bodyPr/>
+          <a:lstStyle/>
+          <a:p>
+            <a:r>
+              <a:rPr lang="en-US" dirty="0"/>
+              <a:t>Survival Cox Regression Model</a:t>
+            </a:r>
+          </a:p>
+        </p:txBody>
+      </p:sp>
+      <p:sp>
+        <p:nvSpPr>
+          <p:cNvPr id="3" name="Content Placeholder 2">
+            <a:extLst>
+              <a:ext uri="{FF2B5EF4-FFF2-40B4-BE49-F238E27FC236}">
+                <a16:creationId xmlns:a16="http://schemas.microsoft.com/office/drawing/2014/main" id="{D53DD293-A1DE-BEC3-1557-577C65BB947A}"/>
+              </a:ext>
+            </a:extLst>
+          </p:cNvPr>
+          <p:cNvSpPr>
+            <a:spLocks noGrp="1"/>
+          </p:cNvSpPr>
+          <p:nvPr>
+            <p:ph idx="1"/>
+          </p:nvPr>
+        </p:nvSpPr>
+        <p:spPr/>
+        <p:txBody>
+          <a:bodyPr/>
+          <a:lstStyle/>
+          <a:p>
+            <a:r>
+              <a:rPr lang="en-US" dirty="0"/>
+              <a:t>Can use “all” the data</a:t>
+            </a:r>
+          </a:p>
+          <a:p>
+            <a:r>
+              <a:rPr lang="en-US" dirty="0"/>
+              <a:t>Accounts for right-censored data from the days to last follow-up</a:t>
+            </a:r>
+          </a:p>
+          <a:p>
+            <a:endParaRPr lang="en-US" dirty="0"/>
+          </a:p>
+          <a:p>
+            <a:pPr marL="0" indent="0">
+              <a:buNone/>
+            </a:pPr>
+            <a:endParaRPr lang="en-US" dirty="0"/>
+          </a:p>
+        </p:txBody>
+      </p:sp>
+      <p:sp>
+        <p:nvSpPr>
+          <p:cNvPr id="4" name="Date Placeholder 3">
+            <a:extLst>
+              <a:ext uri="{FF2B5EF4-FFF2-40B4-BE49-F238E27FC236}">
+                <a16:creationId xmlns:a16="http://schemas.microsoft.com/office/drawing/2014/main" id="{EEFB3776-CB9A-59E7-BA07-E77086BFFC8D}"/>
+              </a:ext>
+            </a:extLst>
+          </p:cNvPr>
+          <p:cNvSpPr>
+            <a:spLocks noGrp="1"/>
+          </p:cNvSpPr>
+          <p:nvPr>
+            <p:ph type="dt" sz="half" idx="10"/>
+          </p:nvPr>
+        </p:nvSpPr>
+        <p:spPr/>
+        <p:txBody>
+          <a:bodyPr/>
+          <a:lstStyle/>
+          <a:p>
+            <a:r>
+              <a:rPr lang="en-US" dirty="0"/>
+              <a:t>05/03/2023</a:t>
+            </a:r>
+          </a:p>
+        </p:txBody>
+      </p:sp>
+      <p:sp>
+        <p:nvSpPr>
+          <p:cNvPr id="5" name="Footer Placeholder 4">
+            <a:extLst>
+              <a:ext uri="{FF2B5EF4-FFF2-40B4-BE49-F238E27FC236}">
+                <a16:creationId xmlns:a16="http://schemas.microsoft.com/office/drawing/2014/main" id="{9FCCBEEE-5580-D238-5D4C-A8170D5553D0}"/>
+              </a:ext>
+            </a:extLst>
+          </p:cNvPr>
+          <p:cNvSpPr>
+            <a:spLocks noGrp="1"/>
+          </p:cNvSpPr>
+          <p:nvPr>
+            <p:ph type="ftr" sz="quarter" idx="11"/>
+          </p:nvPr>
+        </p:nvSpPr>
+        <p:spPr/>
+        <p:txBody>
+          <a:bodyPr/>
+          <a:lstStyle/>
+          <a:p>
+            <a:pPr algn="l"/>
+            <a:r>
+              <a:rPr lang="en-US" dirty="0"/>
+              <a:t>Interview Scenario – Isabelle Grenier</a:t>
+            </a:r>
+          </a:p>
+        </p:txBody>
+      </p:sp>
+      <p:sp>
+        <p:nvSpPr>
+          <p:cNvPr id="6" name="Slide Number Placeholder 5">
+            <a:extLst>
+              <a:ext uri="{FF2B5EF4-FFF2-40B4-BE49-F238E27FC236}">
+                <a16:creationId xmlns:a16="http://schemas.microsoft.com/office/drawing/2014/main" id="{E7A59D23-4136-6416-5D9F-57FBA871AEEC}"/>
+              </a:ext>
+            </a:extLst>
+          </p:cNvPr>
+          <p:cNvSpPr>
+            <a:spLocks noGrp="1"/>
+          </p:cNvSpPr>
+          <p:nvPr>
+            <p:ph type="sldNum" sz="quarter" idx="12"/>
+          </p:nvPr>
+        </p:nvSpPr>
+        <p:spPr/>
+        <p:txBody>
+          <a:bodyPr/>
+          <a:lstStyle/>
+          <a:p>
+            <a:fld id="{B9713C8C-8E70-45D5-AE59-23E60168254E}" type="slidenum">
+              <a:rPr lang="en-US" smtClean="0"/>
+              <a:t>14</a:t>
+            </a:fld>
+            <a:endParaRPr lang="en-US" dirty="0"/>
+          </a:p>
+        </p:txBody>
+      </p:sp>
+    </p:spTree>
+    <p:extLst>
+      <p:ext uri="{BB962C8B-B14F-4D97-AF65-F5344CB8AC3E}">
+        <p14:creationId xmlns:p14="http://schemas.microsoft.com/office/powerpoint/2010/main" val="4025721351"/>
+      </p:ext>
+    </p:extLst>
+  </p:cSld>
+  <p:clrMapOvr>
+    <a:masterClrMapping/>
+  </p:clrMapOvr>
+</p:sld>
+</file>
+
+<file path=ppt/slides/slide15.xml><?xml version="1.0" encoding="utf-8"?>
+<p:sld xmlns:a="http://schemas.openxmlformats.org/drawingml/2006/main" xmlns:r="http://schemas.openxmlformats.org/officeDocument/2006/relationships" xmlns:p="http://schemas.openxmlformats.org/presentationml/2006/main">
+  <p:cSld>
+    <p:spTree>
+      <p:nvGrpSpPr>
+        <p:cNvPr id="1" name=""/>
+        <p:cNvGrpSpPr/>
+        <p:nvPr/>
+      </p:nvGrpSpPr>
+      <p:grpSpPr>
+        <a:xfrm>
+          <a:off x="0" y="0"/>
+          <a:ext cx="0" cy="0"/>
+          <a:chOff x="0" y="0"/>
+          <a:chExt cx="0" cy="0"/>
+        </a:xfrm>
+      </p:grpSpPr>
+      <p:sp>
+        <p:nvSpPr>
+          <p:cNvPr id="2" name="Title 1">
+            <a:extLst>
+              <a:ext uri="{FF2B5EF4-FFF2-40B4-BE49-F238E27FC236}">
+                <a16:creationId xmlns:a16="http://schemas.microsoft.com/office/drawing/2014/main" id="{5646A810-3247-53A3-85DC-FED01AB2C961}"/>
+              </a:ext>
+            </a:extLst>
+          </p:cNvPr>
+          <p:cNvSpPr>
+            <a:spLocks noGrp="1"/>
+          </p:cNvSpPr>
+          <p:nvPr>
+            <p:ph type="title"/>
+          </p:nvPr>
+        </p:nvSpPr>
+        <p:spPr>
+          <a:xfrm>
+            <a:off x="838200" y="365125"/>
+            <a:ext cx="10515600" cy="1325563"/>
+          </a:xfrm>
+        </p:spPr>
+        <p:txBody>
+          <a:bodyPr anchor="ctr">
+            <a:normAutofit/>
+          </a:bodyPr>
+          <a:lstStyle/>
+          <a:p>
+            <a:r>
+              <a:rPr lang="en-US" dirty="0"/>
+              <a:t>Next steps…</a:t>
+            </a:r>
+          </a:p>
+        </p:txBody>
+      </p:sp>
+      <p:sp>
+        <p:nvSpPr>
+          <p:cNvPr id="4" name="Text Placeholder 3">
+            <a:extLst>
+              <a:ext uri="{FF2B5EF4-FFF2-40B4-BE49-F238E27FC236}">
+                <a16:creationId xmlns:a16="http://schemas.microsoft.com/office/drawing/2014/main" id="{21F84FAB-A2E9-DFC7-6F93-55BA20CAC758}"/>
+              </a:ext>
+            </a:extLst>
+          </p:cNvPr>
+          <p:cNvSpPr>
+            <a:spLocks noGrp="1"/>
+          </p:cNvSpPr>
+          <p:nvPr>
+            <p:ph idx="1"/>
+          </p:nvPr>
+        </p:nvSpPr>
+        <p:spPr>
+          <a:xfrm>
+            <a:off x="838200" y="2011680"/>
+            <a:ext cx="10515600" cy="4160520"/>
+          </a:xfrm>
+        </p:spPr>
+        <p:txBody>
+          <a:bodyPr>
+            <a:normAutofit/>
+          </a:bodyPr>
+          <a:lstStyle/>
+          <a:p>
+            <a:pPr marL="285750" indent="-285750">
+              <a:buFont typeface="Arial" panose="020B0604020202020204" pitchFamily="34" charset="0"/>
+              <a:buChar char="•"/>
+            </a:pPr>
+            <a:r>
+              <a:rPr lang="en-US" dirty="0"/>
+              <a:t>Exploration of interactions between covariates</a:t>
+            </a:r>
+          </a:p>
+          <a:p>
+            <a:pPr marL="285750" indent="-285750">
+              <a:buFont typeface="Arial" panose="020B0604020202020204" pitchFamily="34" charset="0"/>
+              <a:buChar char="•"/>
+            </a:pPr>
+            <a:r>
+              <a:rPr lang="en-US" dirty="0"/>
+              <a:t>Exploration of additional covariates like therapy type</a:t>
+            </a:r>
+          </a:p>
+          <a:p>
+            <a:pPr marL="285750" indent="-285750">
+              <a:buFont typeface="Arial" panose="020B0604020202020204" pitchFamily="34" charset="0"/>
+              <a:buChar char="•"/>
+            </a:pPr>
+            <a:r>
+              <a:rPr lang="en-US" dirty="0"/>
+              <a:t>Bayesian extension of the Cox Regression model to obtain full posterior distribution of coefficients and hazard risk</a:t>
+            </a:r>
+          </a:p>
+          <a:p>
+            <a:pPr marL="285750" indent="-285750">
+              <a:buFont typeface="Arial" panose="020B0604020202020204" pitchFamily="34" charset="0"/>
+              <a:buChar char="•"/>
+            </a:pPr>
+            <a:endParaRPr lang="en-US" dirty="0"/>
+          </a:p>
+        </p:txBody>
+      </p:sp>
+      <p:sp>
+        <p:nvSpPr>
+          <p:cNvPr id="5" name="Date Placeholder 4">
+            <a:extLst>
+              <a:ext uri="{FF2B5EF4-FFF2-40B4-BE49-F238E27FC236}">
+                <a16:creationId xmlns:a16="http://schemas.microsoft.com/office/drawing/2014/main" id="{AE7534F9-A958-3A3B-C417-7B1489B2692A}"/>
+              </a:ext>
+            </a:extLst>
+          </p:cNvPr>
+          <p:cNvSpPr>
+            <a:spLocks noGrp="1"/>
+          </p:cNvSpPr>
+          <p:nvPr>
+            <p:ph type="dt" sz="half" idx="10"/>
+          </p:nvPr>
+        </p:nvSpPr>
+        <p:spPr>
+          <a:xfrm>
+            <a:off x="838200" y="6356350"/>
+            <a:ext cx="2743200" cy="365125"/>
+          </a:xfrm>
+        </p:spPr>
+        <p:txBody>
+          <a:bodyPr anchor="ctr">
+            <a:normAutofit/>
+          </a:bodyPr>
+          <a:lstStyle/>
+          <a:p>
+            <a:pPr>
+              <a:spcAft>
+                <a:spcPts val="600"/>
+              </a:spcAft>
+            </a:pPr>
+            <a:r>
+              <a:rPr lang="en-US" dirty="0"/>
+              <a:t>05/03/2023</a:t>
+            </a:r>
+            <a:endParaRPr lang="en-US"/>
+          </a:p>
+        </p:txBody>
+      </p:sp>
+      <p:sp>
+        <p:nvSpPr>
+          <p:cNvPr id="6" name="Footer Placeholder 5">
+            <a:extLst>
+              <a:ext uri="{FF2B5EF4-FFF2-40B4-BE49-F238E27FC236}">
+                <a16:creationId xmlns:a16="http://schemas.microsoft.com/office/drawing/2014/main" id="{17100A80-715D-6170-754E-B39480FA3BEE}"/>
+              </a:ext>
+            </a:extLst>
+          </p:cNvPr>
+          <p:cNvSpPr>
+            <a:spLocks noGrp="1"/>
+          </p:cNvSpPr>
+          <p:nvPr>
+            <p:ph type="ftr" sz="quarter" idx="11"/>
+          </p:nvPr>
+        </p:nvSpPr>
+        <p:spPr>
+          <a:xfrm>
+            <a:off x="4038600" y="6356350"/>
+            <a:ext cx="4114800" cy="365125"/>
+          </a:xfrm>
+        </p:spPr>
+        <p:txBody>
+          <a:bodyPr anchor="ctr">
+            <a:normAutofit/>
+          </a:bodyPr>
+          <a:lstStyle/>
+          <a:p>
+            <a:pPr>
+              <a:spcAft>
+                <a:spcPts val="600"/>
+              </a:spcAft>
+            </a:pPr>
+            <a:r>
+              <a:rPr lang="en-US" dirty="0"/>
+              <a:t>Interview Scenario – Isabelle Grenier</a:t>
+            </a:r>
+            <a:endParaRPr lang="en-US"/>
+          </a:p>
+        </p:txBody>
+      </p:sp>
+      <p:sp>
+        <p:nvSpPr>
+          <p:cNvPr id="7" name="Slide Number Placeholder 6">
+            <a:extLst>
+              <a:ext uri="{FF2B5EF4-FFF2-40B4-BE49-F238E27FC236}">
+                <a16:creationId xmlns:a16="http://schemas.microsoft.com/office/drawing/2014/main" id="{D189FE3B-14B7-6A44-A18B-0D76CB636DAE}"/>
+              </a:ext>
+            </a:extLst>
+          </p:cNvPr>
+          <p:cNvSpPr>
+            <a:spLocks noGrp="1"/>
+          </p:cNvSpPr>
+          <p:nvPr>
+            <p:ph type="sldNum" sz="quarter" idx="12"/>
+          </p:nvPr>
+        </p:nvSpPr>
+        <p:spPr>
+          <a:xfrm>
+            <a:off x="8610600" y="6356350"/>
+            <a:ext cx="2743200" cy="365125"/>
+          </a:xfrm>
+        </p:spPr>
+        <p:txBody>
+          <a:bodyPr anchor="ctr">
+            <a:normAutofit/>
+          </a:bodyPr>
+          <a:lstStyle/>
+          <a:p>
+            <a:pPr>
+              <a:spcAft>
+                <a:spcPts val="600"/>
+              </a:spcAft>
+            </a:pPr>
+            <a:fld id="{B9713C8C-8E70-45D5-AE59-23E60168254E}" type="slidenum">
+              <a:rPr lang="en-US" smtClean="0"/>
+              <a:pPr>
+                <a:spcAft>
+                  <a:spcPts val="600"/>
+                </a:spcAft>
+              </a:pPr>
+              <a:t>15</a:t>
+            </a:fld>
+            <a:endParaRPr lang="en-US"/>
+          </a:p>
+        </p:txBody>
+      </p:sp>
+    </p:spTree>
+    <p:extLst>
+      <p:ext uri="{BB962C8B-B14F-4D97-AF65-F5344CB8AC3E}">
+        <p14:creationId xmlns:p14="http://schemas.microsoft.com/office/powerpoint/2010/main" val="2723459132"/>
+      </p:ext>
+    </p:extLst>
+  </p:cSld>
+  <p:clrMapOvr>
+    <a:masterClrMapping/>
+  </p:clrMapOvr>
+</p:sld>
+</file>
+
+<file path=ppt/slides/slide16.xml><?xml version="1.0" encoding="utf-8"?>
+<p:sld xmlns:a="http://schemas.openxmlformats.org/drawingml/2006/main" xmlns:r="http://schemas.openxmlformats.org/officeDocument/2006/relationships" xmlns:p="http://schemas.openxmlformats.org/presentationml/2006/main">
+  <p:cSld>
+    <p:spTree>
+      <p:nvGrpSpPr>
+        <p:cNvPr id="1" name=""/>
+        <p:cNvGrpSpPr/>
+        <p:nvPr/>
+      </p:nvGrpSpPr>
+      <p:grpSpPr>
+        <a:xfrm>
+          <a:off x="0" y="0"/>
+          <a:ext cx="0" cy="0"/>
+          <a:chOff x="0" y="0"/>
+          <a:chExt cx="0" cy="0"/>
+        </a:xfrm>
+      </p:grpSpPr>
+      <p:sp>
+        <p:nvSpPr>
+          <p:cNvPr id="2" name="Title 1">
+            <a:extLst>
+              <a:ext uri="{FF2B5EF4-FFF2-40B4-BE49-F238E27FC236}">
+                <a16:creationId xmlns:a16="http://schemas.microsoft.com/office/drawing/2014/main" id="{E50198A5-8862-4233-5CAB-4D58E358EFAC}"/>
+              </a:ext>
+            </a:extLst>
+          </p:cNvPr>
+          <p:cNvSpPr>
+            <a:spLocks noGrp="1"/>
+          </p:cNvSpPr>
+          <p:nvPr>
+            <p:ph type="title"/>
+          </p:nvPr>
+        </p:nvSpPr>
+        <p:spPr>
+          <a:xfrm>
+            <a:off x="831850" y="-1476133"/>
+            <a:ext cx="5266944" cy="4413297"/>
+          </a:xfrm>
+        </p:spPr>
+        <p:txBody>
+          <a:bodyPr>
+            <a:normAutofit/>
+          </a:bodyPr>
+          <a:lstStyle/>
+          <a:p>
+            <a:r>
+              <a:rPr lang="en-US" b="1" dirty="0"/>
+              <a:t>Part II</a:t>
+            </a:r>
+          </a:p>
+        </p:txBody>
+      </p:sp>
+      <p:sp>
+        <p:nvSpPr>
+          <p:cNvPr id="3" name="Text Placeholder 2">
+            <a:extLst>
+              <a:ext uri="{FF2B5EF4-FFF2-40B4-BE49-F238E27FC236}">
+                <a16:creationId xmlns:a16="http://schemas.microsoft.com/office/drawing/2014/main" id="{A882557C-0778-28B6-2230-963C8CE01B95}"/>
+              </a:ext>
+            </a:extLst>
+          </p:cNvPr>
+          <p:cNvSpPr>
+            <a:spLocks noGrp="1"/>
+          </p:cNvSpPr>
+          <p:nvPr>
+            <p:ph type="body" idx="1"/>
+          </p:nvPr>
+        </p:nvSpPr>
+        <p:spPr>
+          <a:xfrm>
+            <a:off x="831850" y="3057236"/>
+            <a:ext cx="5578186" cy="2110951"/>
+          </a:xfrm>
+        </p:spPr>
+        <p:txBody>
+          <a:bodyPr>
+            <a:normAutofit/>
+          </a:bodyPr>
+          <a:lstStyle/>
+          <a:p>
+            <a:r>
+              <a:rPr lang="en-US" dirty="0"/>
+              <a:t>Understanding the association between genes and patient survival </a:t>
+            </a:r>
+          </a:p>
+        </p:txBody>
+      </p:sp>
+      <p:sp>
+        <p:nvSpPr>
+          <p:cNvPr id="4" name="Date Placeholder 3">
+            <a:extLst>
+              <a:ext uri="{FF2B5EF4-FFF2-40B4-BE49-F238E27FC236}">
+                <a16:creationId xmlns:a16="http://schemas.microsoft.com/office/drawing/2014/main" id="{6E13321A-E295-EF86-78F7-40AF32BB7308}"/>
+              </a:ext>
+            </a:extLst>
+          </p:cNvPr>
+          <p:cNvSpPr>
+            <a:spLocks noGrp="1"/>
+          </p:cNvSpPr>
+          <p:nvPr>
+            <p:ph type="dt" sz="half" idx="10"/>
+          </p:nvPr>
+        </p:nvSpPr>
+        <p:spPr/>
+        <p:txBody>
+          <a:bodyPr/>
+          <a:lstStyle/>
+          <a:p>
+            <a:r>
+              <a:rPr lang="en-US" dirty="0"/>
+              <a:t>9/3/20XX</a:t>
+            </a:r>
+          </a:p>
+        </p:txBody>
+      </p:sp>
+      <p:sp>
+        <p:nvSpPr>
+          <p:cNvPr id="5" name="Footer Placeholder 4">
+            <a:extLst>
+              <a:ext uri="{FF2B5EF4-FFF2-40B4-BE49-F238E27FC236}">
+                <a16:creationId xmlns:a16="http://schemas.microsoft.com/office/drawing/2014/main" id="{04573785-FE1C-12BA-FF97-C574ED27EF1A}"/>
+              </a:ext>
+            </a:extLst>
+          </p:cNvPr>
+          <p:cNvSpPr>
+            <a:spLocks noGrp="1"/>
+          </p:cNvSpPr>
+          <p:nvPr>
+            <p:ph type="ftr" sz="quarter" idx="11"/>
+          </p:nvPr>
+        </p:nvSpPr>
+        <p:spPr/>
+        <p:txBody>
+          <a:bodyPr/>
+          <a:lstStyle/>
+          <a:p>
+            <a:pPr algn="l"/>
+            <a:r>
+              <a:rPr lang="en-US" dirty="0"/>
+              <a:t>Interview Scenario – Isabelle Grenier</a:t>
+            </a:r>
+          </a:p>
+        </p:txBody>
+      </p:sp>
+      <p:sp>
+        <p:nvSpPr>
+          <p:cNvPr id="6" name="Slide Number Placeholder 5">
+            <a:extLst>
+              <a:ext uri="{FF2B5EF4-FFF2-40B4-BE49-F238E27FC236}">
+                <a16:creationId xmlns:a16="http://schemas.microsoft.com/office/drawing/2014/main" id="{C641417A-25BB-305B-00AA-EDB7FE48C294}"/>
+              </a:ext>
+            </a:extLst>
+          </p:cNvPr>
+          <p:cNvSpPr>
+            <a:spLocks noGrp="1"/>
+          </p:cNvSpPr>
+          <p:nvPr>
+            <p:ph type="sldNum" sz="quarter" idx="12"/>
+          </p:nvPr>
+        </p:nvSpPr>
+        <p:spPr/>
+        <p:txBody>
+          <a:bodyPr/>
+          <a:lstStyle/>
+          <a:p>
+            <a:fld id="{B9713C8C-8E70-45D5-AE59-23E60168254E}" type="slidenum">
+              <a:rPr lang="en-US" smtClean="0"/>
+              <a:t>16</a:t>
+            </a:fld>
+            <a:endParaRPr lang="en-US" dirty="0"/>
+          </a:p>
+        </p:txBody>
+      </p:sp>
+    </p:spTree>
+    <p:extLst>
+      <p:ext uri="{BB962C8B-B14F-4D97-AF65-F5344CB8AC3E}">
+        <p14:creationId xmlns:p14="http://schemas.microsoft.com/office/powerpoint/2010/main" val="871459220"/>
+      </p:ext>
+    </p:extLst>
+  </p:cSld>
+  <p:clrMapOvr>
+    <a:masterClrMapping/>
+  </p:clrMapOvr>
+</p:sld>
+</file>
+
+<file path=ppt/slides/slide17.xml><?xml version="1.0" encoding="utf-8"?>
+<p:sld xmlns:a="http://schemas.openxmlformats.org/drawingml/2006/main" xmlns:r="http://schemas.openxmlformats.org/officeDocument/2006/relationships" xmlns:p="http://schemas.openxmlformats.org/presentationml/2006/main">
+  <p:cSld>
+    <p:spTree>
+      <p:nvGrpSpPr>
+        <p:cNvPr id="1" name=""/>
+        <p:cNvGrpSpPr/>
+        <p:nvPr/>
+      </p:nvGrpSpPr>
+      <p:grpSpPr>
+        <a:xfrm>
+          <a:off x="0" y="0"/>
+          <a:ext cx="0" cy="0"/>
+          <a:chOff x="0" y="0"/>
+          <a:chExt cx="0" cy="0"/>
+        </a:xfrm>
+      </p:grpSpPr>
+      <p:sp>
+        <p:nvSpPr>
+          <p:cNvPr id="2" name="Title 1">
+            <a:extLst>
+              <a:ext uri="{FF2B5EF4-FFF2-40B4-BE49-F238E27FC236}">
+                <a16:creationId xmlns:a16="http://schemas.microsoft.com/office/drawing/2014/main" id="{14887571-868C-DFE3-EA0E-DAD0308D30E8}"/>
+              </a:ext>
+            </a:extLst>
+          </p:cNvPr>
+          <p:cNvSpPr>
+            <a:spLocks noGrp="1"/>
+          </p:cNvSpPr>
+          <p:nvPr>
+            <p:ph type="title"/>
+          </p:nvPr>
+        </p:nvSpPr>
+        <p:spPr/>
+        <p:txBody>
+          <a:bodyPr/>
+          <a:lstStyle/>
+          <a:p>
+            <a:r>
+              <a:rPr lang="en-US" dirty="0"/>
+              <a:t>Data Overview</a:t>
+            </a:r>
+          </a:p>
+        </p:txBody>
+      </p:sp>
+      <p:sp>
+        <p:nvSpPr>
           <p:cNvPr id="3" name="Content Placeholder 2">
             <a:extLst>
               <a:ext uri="{FF2B5EF4-FFF2-40B4-BE49-F238E27FC236}">
@@ -33231,7 +36163,7 @@
           <a:p>
             <a:fld id="{B9713C8C-8E70-45D5-AE59-23E60168254E}" type="slidenum">
               <a:rPr lang="en-US" smtClean="0"/>
-              <a:t>10</a:t>
+              <a:t>17</a:t>
             </a:fld>
             <a:endParaRPr lang="en-US" dirty="0"/>
           </a:p>
@@ -33250,7 +36182,7 @@
 </p:sld>
 </file>
 
-<file path=ppt/slides/slide11.xml><?xml version="1.0" encoding="utf-8"?>
+<file path=ppt/slides/slide18.xml><?xml version="1.0" encoding="utf-8"?>
 <p:sld xmlns:a="http://schemas.openxmlformats.org/drawingml/2006/main" xmlns:r="http://schemas.openxmlformats.org/officeDocument/2006/relationships" xmlns:p="http://schemas.openxmlformats.org/presentationml/2006/main">
   <p:cSld>
     <p:spTree>
@@ -33434,7 +36366,7 @@
           <a:p>
             <a:fld id="{B9713C8C-8E70-45D5-AE59-23E60168254E}" type="slidenum">
               <a:rPr lang="en-US" smtClean="0"/>
-              <a:t>11</a:t>
+              <a:t>18</a:t>
             </a:fld>
             <a:endParaRPr lang="en-US" dirty="0"/>
           </a:p>
@@ -33453,7 +36385,7 @@
 </p:sld>
 </file>
 
-<file path=ppt/slides/slide12.xml><?xml version="1.0" encoding="utf-8"?>
+<file path=ppt/slides/slide19.xml><?xml version="1.0" encoding="utf-8"?>
 <p:sld xmlns:a="http://schemas.openxmlformats.org/drawingml/2006/main" xmlns:r="http://schemas.openxmlformats.org/officeDocument/2006/relationships" xmlns:p="http://schemas.openxmlformats.org/presentationml/2006/main">
   <p:cSld>
     <p:spTree>
@@ -33676,7 +36608,7 @@
                   <a:spcPts val="600"/>
                 </a:spcAft>
               </a:pPr>
-              <a:t>12</a:t>
+              <a:t>19</a:t>
             </a:fld>
             <a:endParaRPr lang="en-US"/>
           </a:p>
@@ -33686,344 +36618,6 @@
     <p:extLst>
       <p:ext uri="{BB962C8B-B14F-4D97-AF65-F5344CB8AC3E}">
         <p14:creationId xmlns:p14="http://schemas.microsoft.com/office/powerpoint/2010/main" val="3781440090"/>
-      </p:ext>
-    </p:extLst>
-  </p:cSld>
-  <p:clrMapOvr>
-    <a:masterClrMapping/>
-  </p:clrMapOvr>
-</p:sld>
-</file>
-
-<file path=ppt/slides/slide13.xml><?xml version="1.0" encoding="utf-8"?>
-<p:sld xmlns:a="http://schemas.openxmlformats.org/drawingml/2006/main" xmlns:r="http://schemas.openxmlformats.org/officeDocument/2006/relationships" xmlns:p="http://schemas.openxmlformats.org/presentationml/2006/main">
-  <p:cSld>
-    <p:spTree>
-      <p:nvGrpSpPr>
-        <p:cNvPr id="1" name=""/>
-        <p:cNvGrpSpPr/>
-        <p:nvPr/>
-      </p:nvGrpSpPr>
-      <p:grpSpPr>
-        <a:xfrm>
-          <a:off x="0" y="0"/>
-          <a:ext cx="0" cy="0"/>
-          <a:chOff x="0" y="0"/>
-          <a:chExt cx="0" cy="0"/>
-        </a:xfrm>
-      </p:grpSpPr>
-      <p:sp>
-        <p:nvSpPr>
-          <p:cNvPr id="4" name="Title 3">
-            <a:extLst>
-              <a:ext uri="{FF2B5EF4-FFF2-40B4-BE49-F238E27FC236}">
-                <a16:creationId xmlns:a16="http://schemas.microsoft.com/office/drawing/2014/main" id="{80D2FA59-42D1-4596-BADF-65EE2EECB2F4}"/>
-              </a:ext>
-            </a:extLst>
-          </p:cNvPr>
-          <p:cNvSpPr>
-            <a:spLocks noGrp="1"/>
-          </p:cNvSpPr>
-          <p:nvPr>
-            <p:ph type="title"/>
-          </p:nvPr>
-        </p:nvSpPr>
-        <p:spPr/>
-        <p:txBody>
-          <a:bodyPr/>
-          <a:lstStyle/>
-          <a:p>
-            <a:r>
-              <a:rPr lang="en-US" dirty="0"/>
-              <a:t>Summary</a:t>
-            </a:r>
-          </a:p>
-        </p:txBody>
-      </p:sp>
-      <p:sp>
-        <p:nvSpPr>
-          <p:cNvPr id="5" name="Content Placeholder 4">
-            <a:extLst>
-              <a:ext uri="{FF2B5EF4-FFF2-40B4-BE49-F238E27FC236}">
-                <a16:creationId xmlns:a16="http://schemas.microsoft.com/office/drawing/2014/main" id="{708C1B7C-03BA-4C6C-B759-6DAB6A63B451}"/>
-              </a:ext>
-            </a:extLst>
-          </p:cNvPr>
-          <p:cNvSpPr>
-            <a:spLocks noGrp="1"/>
-          </p:cNvSpPr>
-          <p:nvPr>
-            <p:ph idx="1"/>
-          </p:nvPr>
-        </p:nvSpPr>
-        <p:spPr/>
-        <p:txBody>
-          <a:bodyPr/>
-          <a:lstStyle/>
-          <a:p>
-            <a:pPr marL="0" indent="0">
-              <a:buNone/>
-            </a:pPr>
-            <a:r>
-              <a:rPr lang="en-US" sz="1800" dirty="0"/>
-              <a:t>With PowerPoint, you can create presentations and share your work with others, wherever they are. Type the text you want here to get started. You can also add images, art, and videos on this template. Save to OneDrive and access your presentations from your computer, tablet, or phone. </a:t>
-            </a:r>
-          </a:p>
-        </p:txBody>
-      </p:sp>
-      <p:sp>
-        <p:nvSpPr>
-          <p:cNvPr id="10" name="Footer Placeholder 9">
-            <a:extLst>
-              <a:ext uri="{FF2B5EF4-FFF2-40B4-BE49-F238E27FC236}">
-                <a16:creationId xmlns:a16="http://schemas.microsoft.com/office/drawing/2014/main" id="{8751E420-B483-4040-8E33-A32E82D74E33}"/>
-              </a:ext>
-            </a:extLst>
-          </p:cNvPr>
-          <p:cNvSpPr>
-            <a:spLocks noGrp="1"/>
-          </p:cNvSpPr>
-          <p:nvPr>
-            <p:ph type="ftr" sz="quarter" idx="11"/>
-          </p:nvPr>
-        </p:nvSpPr>
-        <p:spPr/>
-        <p:txBody>
-          <a:bodyPr/>
-          <a:lstStyle/>
-          <a:p>
-            <a:pPr algn="l"/>
-            <a:r>
-              <a:rPr lang="en-US" dirty="0"/>
-              <a:t>Interview Scenario – Isabelle Grenier</a:t>
-            </a:r>
-          </a:p>
-        </p:txBody>
-      </p:sp>
-      <p:sp>
-        <p:nvSpPr>
-          <p:cNvPr id="11" name="Slide Number Placeholder 10">
-            <a:extLst>
-              <a:ext uri="{FF2B5EF4-FFF2-40B4-BE49-F238E27FC236}">
-                <a16:creationId xmlns:a16="http://schemas.microsoft.com/office/drawing/2014/main" id="{A720F25F-904B-4AA2-9CB6-69411308A123}"/>
-              </a:ext>
-            </a:extLst>
-          </p:cNvPr>
-          <p:cNvSpPr>
-            <a:spLocks noGrp="1"/>
-          </p:cNvSpPr>
-          <p:nvPr>
-            <p:ph type="sldNum" sz="quarter" idx="12"/>
-          </p:nvPr>
-        </p:nvSpPr>
-        <p:spPr/>
-        <p:txBody>
-          <a:bodyPr/>
-          <a:lstStyle/>
-          <a:p>
-            <a:fld id="{B9713C8C-8E70-45D5-AE59-23E60168254E}" type="slidenum">
-              <a:rPr lang="en-US" smtClean="0"/>
-              <a:t>13</a:t>
-            </a:fld>
-            <a:endParaRPr lang="en-US" dirty="0"/>
-          </a:p>
-        </p:txBody>
-      </p:sp>
-      <p:sp>
-        <p:nvSpPr>
-          <p:cNvPr id="3" name="Picture Placeholder 2">
-            <a:extLst>
-              <a:ext uri="{FF2B5EF4-FFF2-40B4-BE49-F238E27FC236}">
-                <a16:creationId xmlns:a16="http://schemas.microsoft.com/office/drawing/2014/main" id="{7CAF5C06-5B69-DC8A-982D-97FD16BBC5BF}"/>
-              </a:ext>
-            </a:extLst>
-          </p:cNvPr>
-          <p:cNvSpPr>
-            <a:spLocks noGrp="1"/>
-          </p:cNvSpPr>
-          <p:nvPr>
-            <p:ph type="pic" sz="quarter" idx="13"/>
-          </p:nvPr>
-        </p:nvSpPr>
-        <p:spPr/>
-      </p:sp>
-      <p:sp>
-        <p:nvSpPr>
-          <p:cNvPr id="8" name="Picture Placeholder 7">
-            <a:extLst>
-              <a:ext uri="{FF2B5EF4-FFF2-40B4-BE49-F238E27FC236}">
-                <a16:creationId xmlns:a16="http://schemas.microsoft.com/office/drawing/2014/main" id="{081F53DE-3F3C-1BC9-1823-B620C1CB004C}"/>
-              </a:ext>
-            </a:extLst>
-          </p:cNvPr>
-          <p:cNvSpPr>
-            <a:spLocks noGrp="1"/>
-          </p:cNvSpPr>
-          <p:nvPr>
-            <p:ph type="pic" sz="quarter" idx="14"/>
-          </p:nvPr>
-        </p:nvSpPr>
-        <p:spPr/>
-      </p:sp>
-    </p:spTree>
-    <p:extLst>
-      <p:ext uri="{BB962C8B-B14F-4D97-AF65-F5344CB8AC3E}">
-        <p14:creationId xmlns:p14="http://schemas.microsoft.com/office/powerpoint/2010/main" val="3958427157"/>
-      </p:ext>
-    </p:extLst>
-  </p:cSld>
-  <p:clrMapOvr>
-    <a:masterClrMapping/>
-  </p:clrMapOvr>
-</p:sld>
-</file>
-
-<file path=ppt/slides/slide14.xml><?xml version="1.0" encoding="utf-8"?>
-<p:sld xmlns:a="http://schemas.openxmlformats.org/drawingml/2006/main" xmlns:r="http://schemas.openxmlformats.org/officeDocument/2006/relationships" xmlns:p="http://schemas.openxmlformats.org/presentationml/2006/main">
-  <p:cSld>
-    <p:spTree>
-      <p:nvGrpSpPr>
-        <p:cNvPr id="1" name=""/>
-        <p:cNvGrpSpPr/>
-        <p:nvPr/>
-      </p:nvGrpSpPr>
-      <p:grpSpPr>
-        <a:xfrm>
-          <a:off x="0" y="0"/>
-          <a:ext cx="0" cy="0"/>
-          <a:chOff x="0" y="0"/>
-          <a:chExt cx="0" cy="0"/>
-        </a:xfrm>
-      </p:grpSpPr>
-      <p:sp>
-        <p:nvSpPr>
-          <p:cNvPr id="4" name="Title 3">
-            <a:extLst>
-              <a:ext uri="{FF2B5EF4-FFF2-40B4-BE49-F238E27FC236}">
-                <a16:creationId xmlns:a16="http://schemas.microsoft.com/office/drawing/2014/main" id="{8CA6E381-7CDD-4999-B9C7-CD31E749FD95}"/>
-              </a:ext>
-            </a:extLst>
-          </p:cNvPr>
-          <p:cNvSpPr>
-            <a:spLocks noGrp="1"/>
-          </p:cNvSpPr>
-          <p:nvPr>
-            <p:ph type="title"/>
-          </p:nvPr>
-        </p:nvSpPr>
-        <p:spPr/>
-        <p:txBody>
-          <a:bodyPr/>
-          <a:lstStyle/>
-          <a:p>
-            <a:r>
-              <a:rPr lang="en-US" dirty="0"/>
-              <a:t>Thank you</a:t>
-            </a:r>
-          </a:p>
-        </p:txBody>
-      </p:sp>
-      <p:sp>
-        <p:nvSpPr>
-          <p:cNvPr id="5" name="Text Placeholder 4">
-            <a:extLst>
-              <a:ext uri="{FF2B5EF4-FFF2-40B4-BE49-F238E27FC236}">
-                <a16:creationId xmlns:a16="http://schemas.microsoft.com/office/drawing/2014/main" id="{BCDB3C5E-E520-4B9D-8574-178AD4C9F286}"/>
-              </a:ext>
-            </a:extLst>
-          </p:cNvPr>
-          <p:cNvSpPr>
-            <a:spLocks noGrp="1"/>
-          </p:cNvSpPr>
-          <p:nvPr>
-            <p:ph type="body" sz="quarter" idx="13"/>
-          </p:nvPr>
-        </p:nvSpPr>
-        <p:spPr/>
-        <p:txBody>
-          <a:bodyPr/>
-          <a:lstStyle/>
-          <a:p>
-            <a:r>
-              <a:rPr lang="en-US" dirty="0"/>
-              <a:t>Isabelle Grenier</a:t>
-            </a:r>
-          </a:p>
-          <a:p>
-            <a:endParaRPr lang="en-US" dirty="0"/>
-          </a:p>
-        </p:txBody>
-      </p:sp>
-      <p:sp>
-        <p:nvSpPr>
-          <p:cNvPr id="10" name="Text Placeholder 9">
-            <a:extLst>
-              <a:ext uri="{FF2B5EF4-FFF2-40B4-BE49-F238E27FC236}">
-                <a16:creationId xmlns:a16="http://schemas.microsoft.com/office/drawing/2014/main" id="{4C8B0F30-95FD-437A-9D9B-F937C36E9C85}"/>
-              </a:ext>
-            </a:extLst>
-          </p:cNvPr>
-          <p:cNvSpPr>
-            <a:spLocks noGrp="1"/>
-          </p:cNvSpPr>
-          <p:nvPr>
-            <p:ph type="body" sz="quarter" idx="14"/>
-          </p:nvPr>
-        </p:nvSpPr>
-        <p:spPr/>
-        <p:txBody>
-          <a:bodyPr/>
-          <a:lstStyle/>
-          <a:p>
-            <a:r>
-              <a:rPr lang="en-US" dirty="0"/>
-              <a:t>igrenier.stats@gmail.com</a:t>
-            </a:r>
-          </a:p>
-          <a:p>
-            <a:endParaRPr lang="en-US" dirty="0"/>
-          </a:p>
-        </p:txBody>
-      </p:sp>
-      <p:sp>
-        <p:nvSpPr>
-          <p:cNvPr id="11" name="Text Placeholder 10">
-            <a:extLst>
-              <a:ext uri="{FF2B5EF4-FFF2-40B4-BE49-F238E27FC236}">
-                <a16:creationId xmlns:a16="http://schemas.microsoft.com/office/drawing/2014/main" id="{161A06CA-0B70-4C53-BE9B-665816B036B6}"/>
-              </a:ext>
-            </a:extLst>
-          </p:cNvPr>
-          <p:cNvSpPr>
-            <a:spLocks noGrp="1"/>
-          </p:cNvSpPr>
-          <p:nvPr>
-            <p:ph type="body" sz="quarter" idx="15"/>
-          </p:nvPr>
-        </p:nvSpPr>
-        <p:spPr>
-          <a:xfrm>
-            <a:off x="838199" y="4389120"/>
-            <a:ext cx="5073074" cy="594360"/>
-          </a:xfrm>
-        </p:spPr>
-        <p:txBody>
-          <a:bodyPr>
-            <a:normAutofit/>
-          </a:bodyPr>
-          <a:lstStyle/>
-          <a:p>
-            <a:r>
-              <a:rPr lang="en-US" dirty="0"/>
-              <a:t>https://github.com/igrenier/TCGA_BRCA</a:t>
-            </a:r>
-          </a:p>
-        </p:txBody>
-      </p:sp>
-    </p:spTree>
-    <p:extLst>
-      <p:ext uri="{BB962C8B-B14F-4D97-AF65-F5344CB8AC3E}">
-        <p14:creationId xmlns:p14="http://schemas.microsoft.com/office/powerpoint/2010/main" val="2420767862"/>
       </p:ext>
     </p:extLst>
   </p:cSld>
@@ -34213,6 +36807,614 @@
     <p:extLst>
       <p:ext uri="{BB962C8B-B14F-4D97-AF65-F5344CB8AC3E}">
         <p14:creationId xmlns:p14="http://schemas.microsoft.com/office/powerpoint/2010/main" val="1912948986"/>
+      </p:ext>
+    </p:extLst>
+  </p:cSld>
+  <p:clrMapOvr>
+    <a:masterClrMapping/>
+  </p:clrMapOvr>
+</p:sld>
+</file>
+
+<file path=ppt/slides/slide20.xml><?xml version="1.0" encoding="utf-8"?>
+<p:sld xmlns:a="http://schemas.openxmlformats.org/drawingml/2006/main" xmlns:r="http://schemas.openxmlformats.org/officeDocument/2006/relationships" xmlns:p="http://schemas.openxmlformats.org/presentationml/2006/main">
+  <p:cSld>
+    <p:spTree>
+      <p:nvGrpSpPr>
+        <p:cNvPr id="1" name=""/>
+        <p:cNvGrpSpPr/>
+        <p:nvPr/>
+      </p:nvGrpSpPr>
+      <p:grpSpPr>
+        <a:xfrm>
+          <a:off x="0" y="0"/>
+          <a:ext cx="0" cy="0"/>
+          <a:chOff x="0" y="0"/>
+          <a:chExt cx="0" cy="0"/>
+        </a:xfrm>
+      </p:grpSpPr>
+      <p:sp>
+        <p:nvSpPr>
+          <p:cNvPr id="4" name="Title 3">
+            <a:extLst>
+              <a:ext uri="{FF2B5EF4-FFF2-40B4-BE49-F238E27FC236}">
+                <a16:creationId xmlns:a16="http://schemas.microsoft.com/office/drawing/2014/main" id="{80D2FA59-42D1-4596-BADF-65EE2EECB2F4}"/>
+              </a:ext>
+            </a:extLst>
+          </p:cNvPr>
+          <p:cNvSpPr>
+            <a:spLocks noGrp="1"/>
+          </p:cNvSpPr>
+          <p:nvPr>
+            <p:ph type="title"/>
+          </p:nvPr>
+        </p:nvSpPr>
+        <p:spPr/>
+        <p:txBody>
+          <a:bodyPr/>
+          <a:lstStyle/>
+          <a:p>
+            <a:r>
+              <a:rPr lang="en-US" dirty="0"/>
+              <a:t>Summary</a:t>
+            </a:r>
+          </a:p>
+        </p:txBody>
+      </p:sp>
+      <p:sp>
+        <p:nvSpPr>
+          <p:cNvPr id="5" name="Content Placeholder 4">
+            <a:extLst>
+              <a:ext uri="{FF2B5EF4-FFF2-40B4-BE49-F238E27FC236}">
+                <a16:creationId xmlns:a16="http://schemas.microsoft.com/office/drawing/2014/main" id="{708C1B7C-03BA-4C6C-B759-6DAB6A63B451}"/>
+              </a:ext>
+            </a:extLst>
+          </p:cNvPr>
+          <p:cNvSpPr>
+            <a:spLocks noGrp="1"/>
+          </p:cNvSpPr>
+          <p:nvPr>
+            <p:ph idx="1"/>
+          </p:nvPr>
+        </p:nvSpPr>
+        <p:spPr/>
+        <p:txBody>
+          <a:bodyPr/>
+          <a:lstStyle/>
+          <a:p>
+            <a:pPr marL="0" indent="0">
+              <a:buNone/>
+            </a:pPr>
+            <a:r>
+              <a:rPr lang="en-US" sz="1800" dirty="0"/>
+              <a:t>With PowerPoint, you can create presentations and share your work with others, wherever they are. Type the text you want here to get started. You can also add images, art, and videos on this template. Save to OneDrive and access your presentations from your computer, tablet, or phone. </a:t>
+            </a:r>
+          </a:p>
+        </p:txBody>
+      </p:sp>
+      <p:sp>
+        <p:nvSpPr>
+          <p:cNvPr id="10" name="Footer Placeholder 9">
+            <a:extLst>
+              <a:ext uri="{FF2B5EF4-FFF2-40B4-BE49-F238E27FC236}">
+                <a16:creationId xmlns:a16="http://schemas.microsoft.com/office/drawing/2014/main" id="{8751E420-B483-4040-8E33-A32E82D74E33}"/>
+              </a:ext>
+            </a:extLst>
+          </p:cNvPr>
+          <p:cNvSpPr>
+            <a:spLocks noGrp="1"/>
+          </p:cNvSpPr>
+          <p:nvPr>
+            <p:ph type="ftr" sz="quarter" idx="11"/>
+          </p:nvPr>
+        </p:nvSpPr>
+        <p:spPr/>
+        <p:txBody>
+          <a:bodyPr/>
+          <a:lstStyle/>
+          <a:p>
+            <a:pPr algn="l"/>
+            <a:r>
+              <a:rPr lang="en-US" dirty="0"/>
+              <a:t>Interview Scenario – Isabelle Grenier</a:t>
+            </a:r>
+          </a:p>
+        </p:txBody>
+      </p:sp>
+      <p:sp>
+        <p:nvSpPr>
+          <p:cNvPr id="11" name="Slide Number Placeholder 10">
+            <a:extLst>
+              <a:ext uri="{FF2B5EF4-FFF2-40B4-BE49-F238E27FC236}">
+                <a16:creationId xmlns:a16="http://schemas.microsoft.com/office/drawing/2014/main" id="{A720F25F-904B-4AA2-9CB6-69411308A123}"/>
+              </a:ext>
+            </a:extLst>
+          </p:cNvPr>
+          <p:cNvSpPr>
+            <a:spLocks noGrp="1"/>
+          </p:cNvSpPr>
+          <p:nvPr>
+            <p:ph type="sldNum" sz="quarter" idx="12"/>
+          </p:nvPr>
+        </p:nvSpPr>
+        <p:spPr/>
+        <p:txBody>
+          <a:bodyPr/>
+          <a:lstStyle/>
+          <a:p>
+            <a:fld id="{B9713C8C-8E70-45D5-AE59-23E60168254E}" type="slidenum">
+              <a:rPr lang="en-US" smtClean="0"/>
+              <a:t>20</a:t>
+            </a:fld>
+            <a:endParaRPr lang="en-US" dirty="0"/>
+          </a:p>
+        </p:txBody>
+      </p:sp>
+      <p:sp>
+        <p:nvSpPr>
+          <p:cNvPr id="3" name="Picture Placeholder 2">
+            <a:extLst>
+              <a:ext uri="{FF2B5EF4-FFF2-40B4-BE49-F238E27FC236}">
+                <a16:creationId xmlns:a16="http://schemas.microsoft.com/office/drawing/2014/main" id="{7CAF5C06-5B69-DC8A-982D-97FD16BBC5BF}"/>
+              </a:ext>
+            </a:extLst>
+          </p:cNvPr>
+          <p:cNvSpPr>
+            <a:spLocks noGrp="1"/>
+          </p:cNvSpPr>
+          <p:nvPr>
+            <p:ph type="pic" sz="quarter" idx="13"/>
+          </p:nvPr>
+        </p:nvSpPr>
+        <p:spPr/>
+      </p:sp>
+      <p:sp>
+        <p:nvSpPr>
+          <p:cNvPr id="8" name="Picture Placeholder 7">
+            <a:extLst>
+              <a:ext uri="{FF2B5EF4-FFF2-40B4-BE49-F238E27FC236}">
+                <a16:creationId xmlns:a16="http://schemas.microsoft.com/office/drawing/2014/main" id="{081F53DE-3F3C-1BC9-1823-B620C1CB004C}"/>
+              </a:ext>
+            </a:extLst>
+          </p:cNvPr>
+          <p:cNvSpPr>
+            <a:spLocks noGrp="1"/>
+          </p:cNvSpPr>
+          <p:nvPr>
+            <p:ph type="pic" sz="quarter" idx="14"/>
+          </p:nvPr>
+        </p:nvSpPr>
+        <p:spPr/>
+      </p:sp>
+    </p:spTree>
+    <p:extLst>
+      <p:ext uri="{BB962C8B-B14F-4D97-AF65-F5344CB8AC3E}">
+        <p14:creationId xmlns:p14="http://schemas.microsoft.com/office/powerpoint/2010/main" val="3958427157"/>
+      </p:ext>
+    </p:extLst>
+  </p:cSld>
+  <p:clrMapOvr>
+    <a:masterClrMapping/>
+  </p:clrMapOvr>
+</p:sld>
+</file>
+
+<file path=ppt/slides/slide21.xml><?xml version="1.0" encoding="utf-8"?>
+<p:sld xmlns:a="http://schemas.openxmlformats.org/drawingml/2006/main" xmlns:r="http://schemas.openxmlformats.org/officeDocument/2006/relationships" xmlns:p="http://schemas.openxmlformats.org/presentationml/2006/main">
+  <p:cSld>
+    <p:spTree>
+      <p:nvGrpSpPr>
+        <p:cNvPr id="1" name=""/>
+        <p:cNvGrpSpPr/>
+        <p:nvPr/>
+      </p:nvGrpSpPr>
+      <p:grpSpPr>
+        <a:xfrm>
+          <a:off x="0" y="0"/>
+          <a:ext cx="0" cy="0"/>
+          <a:chOff x="0" y="0"/>
+          <a:chExt cx="0" cy="0"/>
+        </a:xfrm>
+      </p:grpSpPr>
+      <p:sp>
+        <p:nvSpPr>
+          <p:cNvPr id="4" name="Title 3">
+            <a:extLst>
+              <a:ext uri="{FF2B5EF4-FFF2-40B4-BE49-F238E27FC236}">
+                <a16:creationId xmlns:a16="http://schemas.microsoft.com/office/drawing/2014/main" id="{8CA6E381-7CDD-4999-B9C7-CD31E749FD95}"/>
+              </a:ext>
+            </a:extLst>
+          </p:cNvPr>
+          <p:cNvSpPr>
+            <a:spLocks noGrp="1"/>
+          </p:cNvSpPr>
+          <p:nvPr>
+            <p:ph type="title"/>
+          </p:nvPr>
+        </p:nvSpPr>
+        <p:spPr/>
+        <p:txBody>
+          <a:bodyPr/>
+          <a:lstStyle/>
+          <a:p>
+            <a:r>
+              <a:rPr lang="en-US" dirty="0"/>
+              <a:t>Thank you</a:t>
+            </a:r>
+          </a:p>
+        </p:txBody>
+      </p:sp>
+      <p:sp>
+        <p:nvSpPr>
+          <p:cNvPr id="5" name="Text Placeholder 4">
+            <a:extLst>
+              <a:ext uri="{FF2B5EF4-FFF2-40B4-BE49-F238E27FC236}">
+                <a16:creationId xmlns:a16="http://schemas.microsoft.com/office/drawing/2014/main" id="{BCDB3C5E-E520-4B9D-8574-178AD4C9F286}"/>
+              </a:ext>
+            </a:extLst>
+          </p:cNvPr>
+          <p:cNvSpPr>
+            <a:spLocks noGrp="1"/>
+          </p:cNvSpPr>
+          <p:nvPr>
+            <p:ph type="body" sz="quarter" idx="13"/>
+          </p:nvPr>
+        </p:nvSpPr>
+        <p:spPr/>
+        <p:txBody>
+          <a:bodyPr/>
+          <a:lstStyle/>
+          <a:p>
+            <a:r>
+              <a:rPr lang="en-US" dirty="0"/>
+              <a:t>Isabelle Grenier</a:t>
+            </a:r>
+          </a:p>
+          <a:p>
+            <a:endParaRPr lang="en-US" dirty="0"/>
+          </a:p>
+        </p:txBody>
+      </p:sp>
+      <p:sp>
+        <p:nvSpPr>
+          <p:cNvPr id="10" name="Text Placeholder 9">
+            <a:extLst>
+              <a:ext uri="{FF2B5EF4-FFF2-40B4-BE49-F238E27FC236}">
+                <a16:creationId xmlns:a16="http://schemas.microsoft.com/office/drawing/2014/main" id="{4C8B0F30-95FD-437A-9D9B-F937C36E9C85}"/>
+              </a:ext>
+            </a:extLst>
+          </p:cNvPr>
+          <p:cNvSpPr>
+            <a:spLocks noGrp="1"/>
+          </p:cNvSpPr>
+          <p:nvPr>
+            <p:ph type="body" sz="quarter" idx="14"/>
+          </p:nvPr>
+        </p:nvSpPr>
+        <p:spPr/>
+        <p:txBody>
+          <a:bodyPr/>
+          <a:lstStyle/>
+          <a:p>
+            <a:r>
+              <a:rPr lang="en-US" dirty="0"/>
+              <a:t>igrenier.stats@gmail.com</a:t>
+            </a:r>
+          </a:p>
+          <a:p>
+            <a:endParaRPr lang="en-US" dirty="0"/>
+          </a:p>
+        </p:txBody>
+      </p:sp>
+      <p:sp>
+        <p:nvSpPr>
+          <p:cNvPr id="11" name="Text Placeholder 10">
+            <a:extLst>
+              <a:ext uri="{FF2B5EF4-FFF2-40B4-BE49-F238E27FC236}">
+                <a16:creationId xmlns:a16="http://schemas.microsoft.com/office/drawing/2014/main" id="{161A06CA-0B70-4C53-BE9B-665816B036B6}"/>
+              </a:ext>
+            </a:extLst>
+          </p:cNvPr>
+          <p:cNvSpPr>
+            <a:spLocks noGrp="1"/>
+          </p:cNvSpPr>
+          <p:nvPr>
+            <p:ph type="body" sz="quarter" idx="15"/>
+          </p:nvPr>
+        </p:nvSpPr>
+        <p:spPr>
+          <a:xfrm>
+            <a:off x="838199" y="4389120"/>
+            <a:ext cx="5073074" cy="594360"/>
+          </a:xfrm>
+        </p:spPr>
+        <p:txBody>
+          <a:bodyPr>
+            <a:normAutofit/>
+          </a:bodyPr>
+          <a:lstStyle/>
+          <a:p>
+            <a:r>
+              <a:rPr lang="en-US" dirty="0"/>
+              <a:t>https://github.com/igrenier/TCGA_BRCA</a:t>
+            </a:r>
+          </a:p>
+        </p:txBody>
+      </p:sp>
+    </p:spTree>
+    <p:extLst>
+      <p:ext uri="{BB962C8B-B14F-4D97-AF65-F5344CB8AC3E}">
+        <p14:creationId xmlns:p14="http://schemas.microsoft.com/office/powerpoint/2010/main" val="2420767862"/>
+      </p:ext>
+    </p:extLst>
+  </p:cSld>
+  <p:clrMapOvr>
+    <a:masterClrMapping/>
+  </p:clrMapOvr>
+</p:sld>
+</file>
+
+<file path=ppt/slides/slide22.xml><?xml version="1.0" encoding="utf-8"?>
+<p:sld xmlns:a="http://schemas.openxmlformats.org/drawingml/2006/main" xmlns:r="http://schemas.openxmlformats.org/officeDocument/2006/relationships" xmlns:p="http://schemas.openxmlformats.org/presentationml/2006/main" show="0">
+  <p:cSld>
+    <p:spTree>
+      <p:nvGrpSpPr>
+        <p:cNvPr id="1" name=""/>
+        <p:cNvGrpSpPr/>
+        <p:nvPr/>
+      </p:nvGrpSpPr>
+      <p:grpSpPr>
+        <a:xfrm>
+          <a:off x="0" y="0"/>
+          <a:ext cx="0" cy="0"/>
+          <a:chOff x="0" y="0"/>
+          <a:chExt cx="0" cy="0"/>
+        </a:xfrm>
+      </p:grpSpPr>
+      <p:sp>
+        <p:nvSpPr>
+          <p:cNvPr id="2" name="Title 1">
+            <a:extLst>
+              <a:ext uri="{FF2B5EF4-FFF2-40B4-BE49-F238E27FC236}">
+                <a16:creationId xmlns:a16="http://schemas.microsoft.com/office/drawing/2014/main" id="{FD747D24-5CD9-2E00-D729-5771264BA556}"/>
+              </a:ext>
+            </a:extLst>
+          </p:cNvPr>
+          <p:cNvSpPr>
+            <a:spLocks noGrp="1"/>
+          </p:cNvSpPr>
+          <p:nvPr>
+            <p:ph type="title"/>
+          </p:nvPr>
+        </p:nvSpPr>
+        <p:spPr/>
+        <p:txBody>
+          <a:bodyPr/>
+          <a:lstStyle/>
+          <a:p>
+            <a:r>
+              <a:rPr lang="en-US" dirty="0"/>
+              <a:t>Regression Assumptions</a:t>
+            </a:r>
+          </a:p>
+        </p:txBody>
+      </p:sp>
+      <p:sp>
+        <p:nvSpPr>
+          <p:cNvPr id="9" name="Content Placeholder 8">
+            <a:extLst>
+              <a:ext uri="{FF2B5EF4-FFF2-40B4-BE49-F238E27FC236}">
+                <a16:creationId xmlns:a16="http://schemas.microsoft.com/office/drawing/2014/main" id="{97A66B85-CE68-D963-0BAA-64439AEB8DAA}"/>
+              </a:ext>
+            </a:extLst>
+          </p:cNvPr>
+          <p:cNvSpPr>
+            <a:spLocks noGrp="1"/>
+          </p:cNvSpPr>
+          <p:nvPr>
+            <p:ph sz="half" idx="1"/>
+          </p:nvPr>
+        </p:nvSpPr>
+        <p:spPr/>
+        <p:txBody>
+          <a:bodyPr>
+            <a:normAutofit/>
+          </a:bodyPr>
+          <a:lstStyle/>
+          <a:p>
+            <a:pPr marL="0" indent="0">
+              <a:buNone/>
+            </a:pPr>
+            <a:r>
+              <a:rPr lang="en-US" sz="2400" dirty="0"/>
+              <a:t>Linearity of Continuous Covariate</a:t>
+            </a:r>
+          </a:p>
+        </p:txBody>
+      </p:sp>
+      <p:sp>
+        <p:nvSpPr>
+          <p:cNvPr id="10" name="Content Placeholder 9">
+            <a:extLst>
+              <a:ext uri="{FF2B5EF4-FFF2-40B4-BE49-F238E27FC236}">
+                <a16:creationId xmlns:a16="http://schemas.microsoft.com/office/drawing/2014/main" id="{CB5A9465-2070-063E-3510-BCA695E139BC}"/>
+              </a:ext>
+            </a:extLst>
+          </p:cNvPr>
+          <p:cNvSpPr>
+            <a:spLocks noGrp="1"/>
+          </p:cNvSpPr>
+          <p:nvPr>
+            <p:ph sz="half" idx="2"/>
+          </p:nvPr>
+        </p:nvSpPr>
+        <p:spPr/>
+        <p:txBody>
+          <a:bodyPr>
+            <a:normAutofit/>
+          </a:bodyPr>
+          <a:lstStyle/>
+          <a:p>
+            <a:pPr marL="0" indent="0">
+              <a:buNone/>
+            </a:pPr>
+            <a:r>
+              <a:rPr lang="en-US" sz="2400" dirty="0"/>
+              <a:t>Influential Points</a:t>
+            </a:r>
+          </a:p>
+        </p:txBody>
+      </p:sp>
+      <p:sp>
+        <p:nvSpPr>
+          <p:cNvPr id="4" name="Date Placeholder 3">
+            <a:extLst>
+              <a:ext uri="{FF2B5EF4-FFF2-40B4-BE49-F238E27FC236}">
+                <a16:creationId xmlns:a16="http://schemas.microsoft.com/office/drawing/2014/main" id="{EBCD3B77-FA4D-B3D7-600C-589B06C8B22C}"/>
+              </a:ext>
+            </a:extLst>
+          </p:cNvPr>
+          <p:cNvSpPr>
+            <a:spLocks noGrp="1"/>
+          </p:cNvSpPr>
+          <p:nvPr>
+            <p:ph type="dt" sz="half" idx="10"/>
+          </p:nvPr>
+        </p:nvSpPr>
+        <p:spPr/>
+        <p:txBody>
+          <a:bodyPr/>
+          <a:lstStyle/>
+          <a:p>
+            <a:r>
+              <a:rPr lang="en-US" dirty="0"/>
+              <a:t>05/03/2023</a:t>
+            </a:r>
+          </a:p>
+        </p:txBody>
+      </p:sp>
+      <p:sp>
+        <p:nvSpPr>
+          <p:cNvPr id="5" name="Footer Placeholder 4">
+            <a:extLst>
+              <a:ext uri="{FF2B5EF4-FFF2-40B4-BE49-F238E27FC236}">
+                <a16:creationId xmlns:a16="http://schemas.microsoft.com/office/drawing/2014/main" id="{46D65876-0CAE-EB1A-0B41-D28D99843E94}"/>
+              </a:ext>
+            </a:extLst>
+          </p:cNvPr>
+          <p:cNvSpPr>
+            <a:spLocks noGrp="1"/>
+          </p:cNvSpPr>
+          <p:nvPr>
+            <p:ph type="ftr" sz="quarter" idx="11"/>
+          </p:nvPr>
+        </p:nvSpPr>
+        <p:spPr/>
+        <p:txBody>
+          <a:bodyPr/>
+          <a:lstStyle/>
+          <a:p>
+            <a:pPr algn="l"/>
+            <a:r>
+              <a:rPr lang="en-US" dirty="0"/>
+              <a:t>Interview Scenario – Isabelle Grenier</a:t>
+            </a:r>
+          </a:p>
+        </p:txBody>
+      </p:sp>
+      <p:sp>
+        <p:nvSpPr>
+          <p:cNvPr id="6" name="Slide Number Placeholder 5">
+            <a:extLst>
+              <a:ext uri="{FF2B5EF4-FFF2-40B4-BE49-F238E27FC236}">
+                <a16:creationId xmlns:a16="http://schemas.microsoft.com/office/drawing/2014/main" id="{D7AC322A-0F13-5D97-B181-0B015C09E5D7}"/>
+              </a:ext>
+            </a:extLst>
+          </p:cNvPr>
+          <p:cNvSpPr>
+            <a:spLocks noGrp="1"/>
+          </p:cNvSpPr>
+          <p:nvPr>
+            <p:ph type="sldNum" sz="quarter" idx="12"/>
+          </p:nvPr>
+        </p:nvSpPr>
+        <p:spPr/>
+        <p:txBody>
+          <a:bodyPr/>
+          <a:lstStyle/>
+          <a:p>
+            <a:fld id="{B9713C8C-8E70-45D5-AE59-23E60168254E}" type="slidenum">
+              <a:rPr lang="en-US" smtClean="0"/>
+              <a:t>22</a:t>
+            </a:fld>
+            <a:endParaRPr lang="en-US" dirty="0"/>
+          </a:p>
+        </p:txBody>
+      </p:sp>
+      <p:pic>
+        <p:nvPicPr>
+          <p:cNvPr id="12" name="Picture 11" descr="Chart, scatter chart&#10;&#10;Description automatically generated">
+            <a:extLst>
+              <a:ext uri="{FF2B5EF4-FFF2-40B4-BE49-F238E27FC236}">
+                <a16:creationId xmlns:a16="http://schemas.microsoft.com/office/drawing/2014/main" id="{398EA190-E71C-6B32-BA9B-D08F2AF5F560}"/>
+              </a:ext>
+            </a:extLst>
+          </p:cNvPr>
+          <p:cNvPicPr>
+            <a:picLocks noChangeAspect="1"/>
+          </p:cNvPicPr>
+          <p:nvPr/>
+        </p:nvPicPr>
+        <p:blipFill>
+          <a:blip r:embed="rId2"/>
+          <a:stretch>
+            <a:fillRect/>
+          </a:stretch>
+        </p:blipFill>
+        <p:spPr>
+          <a:xfrm>
+            <a:off x="6416042" y="2565083"/>
+            <a:ext cx="4437137" cy="3697614"/>
+          </a:xfrm>
+          <a:prstGeom prst="rect">
+            <a:avLst/>
+          </a:prstGeom>
+        </p:spPr>
+      </p:pic>
+      <p:pic>
+        <p:nvPicPr>
+          <p:cNvPr id="14" name="Picture 13" descr="Chart, line chart&#10;&#10;Description automatically generated">
+            <a:extLst>
+              <a:ext uri="{FF2B5EF4-FFF2-40B4-BE49-F238E27FC236}">
+                <a16:creationId xmlns:a16="http://schemas.microsoft.com/office/drawing/2014/main" id="{D7094E18-480D-F551-A9F1-E5C42F9D8D0D}"/>
+              </a:ext>
+            </a:extLst>
+          </p:cNvPr>
+          <p:cNvPicPr>
+            <a:picLocks noChangeAspect="1"/>
+          </p:cNvPicPr>
+          <p:nvPr/>
+        </p:nvPicPr>
+        <p:blipFill>
+          <a:blip r:embed="rId3"/>
+          <a:stretch>
+            <a:fillRect/>
+          </a:stretch>
+        </p:blipFill>
+        <p:spPr>
+          <a:xfrm>
+            <a:off x="1088511" y="2565083"/>
+            <a:ext cx="4437137" cy="3697614"/>
+          </a:xfrm>
+          <a:prstGeom prst="rect">
+            <a:avLst/>
+          </a:prstGeom>
+        </p:spPr>
+      </p:pic>
+    </p:spTree>
+    <p:extLst>
+      <p:ext uri="{BB962C8B-B14F-4D97-AF65-F5344CB8AC3E}">
+        <p14:creationId xmlns:p14="http://schemas.microsoft.com/office/powerpoint/2010/main" val="4189588983"/>
       </p:ext>
     </p:extLst>
   </p:cSld>
@@ -34645,7 +37847,7 @@
           <p:cNvPr id="2" name="Title 1">
             <a:extLst>
               <a:ext uri="{FF2B5EF4-FFF2-40B4-BE49-F238E27FC236}">
-                <a16:creationId xmlns:a16="http://schemas.microsoft.com/office/drawing/2014/main" id="{DD336899-7FF7-5AF4-4F99-1EF370E91D8C}"/>
+                <a16:creationId xmlns:a16="http://schemas.microsoft.com/office/drawing/2014/main" id="{14887571-868C-DFE3-EA0E-DAD0308D30E8}"/>
               </a:ext>
             </a:extLst>
           </p:cNvPr>
@@ -34663,90 +37865,17 @@
           <a:p>
             <a:r>
               <a:rPr lang="en-US" dirty="0"/>
-              <a:t>5-year survival logistic regression model</a:t>
+              <a:t>Data Overview</a:t>
             </a:r>
           </a:p>
         </p:txBody>
       </p:sp>
       <p:sp>
         <p:nvSpPr>
-          <p:cNvPr id="3" name="Content Placeholder 2">
+          <p:cNvPr id="4" name="Date Placeholder 3">
             <a:extLst>
               <a:ext uri="{FF2B5EF4-FFF2-40B4-BE49-F238E27FC236}">
-                <a16:creationId xmlns:a16="http://schemas.microsoft.com/office/drawing/2014/main" id="{C4780A21-8FAD-C159-C74D-22A3C628C8CE}"/>
-              </a:ext>
-            </a:extLst>
-          </p:cNvPr>
-          <p:cNvSpPr>
-            <a:spLocks noGrp="1"/>
-          </p:cNvSpPr>
-          <p:nvPr>
-            <p:ph sz="half" idx="1"/>
-          </p:nvPr>
-        </p:nvSpPr>
-        <p:spPr/>
-        <p:txBody>
-          <a:bodyPr/>
-          <a:lstStyle/>
-          <a:p>
-            <a:r>
-              <a:rPr lang="en-US" dirty="0"/>
-              <a:t>317 cases can be used</a:t>
-            </a:r>
-          </a:p>
-          <a:p>
-            <a:pPr lvl="1"/>
-            <a:r>
-              <a:rPr lang="en-US" dirty="0"/>
-              <a:t>116 dead</a:t>
-            </a:r>
-          </a:p>
-          <a:p>
-            <a:pPr lvl="1"/>
-            <a:r>
-              <a:rPr lang="en-US" dirty="0"/>
-              <a:t>201 alive after 5 years</a:t>
-            </a:r>
-          </a:p>
-          <a:p>
-            <a:pPr marL="0" indent="0">
-              <a:buNone/>
-            </a:pPr>
-            <a:endParaRPr lang="en-US" dirty="0"/>
-          </a:p>
-        </p:txBody>
-      </p:sp>
-      <p:sp>
-        <p:nvSpPr>
-          <p:cNvPr id="4" name="Content Placeholder 3">
-            <a:extLst>
-              <a:ext uri="{FF2B5EF4-FFF2-40B4-BE49-F238E27FC236}">
-                <a16:creationId xmlns:a16="http://schemas.microsoft.com/office/drawing/2014/main" id="{4BA7273F-1228-5381-C2F0-BB027923C78E}"/>
-              </a:ext>
-            </a:extLst>
-          </p:cNvPr>
-          <p:cNvSpPr>
-            <a:spLocks noGrp="1"/>
-          </p:cNvSpPr>
-          <p:nvPr>
-            <p:ph sz="half" idx="2"/>
-          </p:nvPr>
-        </p:nvSpPr>
-        <p:spPr/>
-        <p:txBody>
-          <a:bodyPr/>
-          <a:lstStyle/>
-          <a:p>
-            <a:endParaRPr lang="en-US"/>
-          </a:p>
-        </p:txBody>
-      </p:sp>
-      <p:sp>
-        <p:nvSpPr>
-          <p:cNvPr id="5" name="Date Placeholder 4">
-            <a:extLst>
-              <a:ext uri="{FF2B5EF4-FFF2-40B4-BE49-F238E27FC236}">
-                <a16:creationId xmlns:a16="http://schemas.microsoft.com/office/drawing/2014/main" id="{A00D5602-B32D-6859-449E-AE7213659710}"/>
+                <a16:creationId xmlns:a16="http://schemas.microsoft.com/office/drawing/2014/main" id="{1E518111-A546-D6BA-9734-58B5D6A30FCB}"/>
               </a:ext>
             </a:extLst>
           </p:cNvPr>
@@ -34771,10 +37900,10 @@
       </p:sp>
       <p:sp>
         <p:nvSpPr>
-          <p:cNvPr id="6" name="Footer Placeholder 5">
+          <p:cNvPr id="5" name="Footer Placeholder 4">
             <a:extLst>
               <a:ext uri="{FF2B5EF4-FFF2-40B4-BE49-F238E27FC236}">
-                <a16:creationId xmlns:a16="http://schemas.microsoft.com/office/drawing/2014/main" id="{B6735792-E78F-124A-1481-1A6153176391}"/>
+                <a16:creationId xmlns:a16="http://schemas.microsoft.com/office/drawing/2014/main" id="{E18DA1D0-B266-9012-6DEB-1809EAFEF42C}"/>
               </a:ext>
             </a:extLst>
           </p:cNvPr>
@@ -34800,10 +37929,10 @@
       </p:sp>
       <p:sp>
         <p:nvSpPr>
-          <p:cNvPr id="7" name="Slide Number Placeholder 6">
+          <p:cNvPr id="6" name="Slide Number Placeholder 5">
             <a:extLst>
               <a:ext uri="{FF2B5EF4-FFF2-40B4-BE49-F238E27FC236}">
-                <a16:creationId xmlns:a16="http://schemas.microsoft.com/office/drawing/2014/main" id="{3D284645-74A9-4209-1803-3824A561E2CB}"/>
+                <a16:creationId xmlns:a16="http://schemas.microsoft.com/office/drawing/2014/main" id="{8C553A4F-23D0-235F-F69F-1982B7F617FC}"/>
               </a:ext>
             </a:extLst>
           </p:cNvPr>
@@ -34827,10 +37956,283 @@
           </a:p>
         </p:txBody>
       </p:sp>
+      <p:graphicFrame>
+        <p:nvGraphicFramePr>
+          <p:cNvPr id="9" name="Table 9">
+            <a:extLst>
+              <a:ext uri="{FF2B5EF4-FFF2-40B4-BE49-F238E27FC236}">
+                <a16:creationId xmlns:a16="http://schemas.microsoft.com/office/drawing/2014/main" id="{03EB6AA4-F203-F8F6-2DCA-F08AA8621913}"/>
+              </a:ext>
+            </a:extLst>
+          </p:cNvPr>
+          <p:cNvGraphicFramePr>
+            <a:graphicFrameLocks noGrp="1"/>
+          </p:cNvGraphicFramePr>
+          <p:nvPr>
+            <p:extLst>
+              <p:ext uri="{D42A27DB-BD31-4B8C-83A1-F6EECF244321}">
+                <p14:modId xmlns:p14="http://schemas.microsoft.com/office/powerpoint/2010/main" val="2349306837"/>
+              </p:ext>
+            </p:extLst>
+          </p:nvPr>
+        </p:nvGraphicFramePr>
+        <p:xfrm>
+          <a:off x="838200" y="2002444"/>
+          <a:ext cx="5596128" cy="3220720"/>
+        </p:xfrm>
+        <a:graphic>
+          <a:graphicData uri="http://schemas.openxmlformats.org/drawingml/2006/table">
+            <a:tbl>
+              <a:tblPr firstRow="1" bandRow="1">
+                <a:tableStyleId>{69012ECD-51FC-41F1-AA8D-1B2483CD663E}</a:tableStyleId>
+              </a:tblPr>
+              <a:tblGrid>
+                <a:gridCol w="1701800">
+                  <a:extLst>
+                    <a:ext uri="{9D8B030D-6E8A-4147-A177-3AD203B41FA5}">
+                      <a16:colId xmlns:a16="http://schemas.microsoft.com/office/drawing/2014/main" val="2125467340"/>
+                    </a:ext>
+                  </a:extLst>
+                </a:gridCol>
+                <a:gridCol w="3894328">
+                  <a:extLst>
+                    <a:ext uri="{9D8B030D-6E8A-4147-A177-3AD203B41FA5}">
+                      <a16:colId xmlns:a16="http://schemas.microsoft.com/office/drawing/2014/main" val="2399560711"/>
+                    </a:ext>
+                  </a:extLst>
+                </a:gridCol>
+              </a:tblGrid>
+              <a:tr h="370840">
+                <a:tc gridSpan="2">
+                  <a:txBody>
+                    <a:bodyPr/>
+                    <a:lstStyle/>
+                    <a:p>
+                      <a:pPr algn="ctr"/>
+                      <a:r>
+                        <a:rPr lang="en-US" dirty="0"/>
+                        <a:t>Gender</a:t>
+                      </a:r>
+                    </a:p>
+                  </a:txBody>
+                  <a:tcPr/>
+                </a:tc>
+                <a:tc hMerge="1">
+                  <a:txBody>
+                    <a:bodyPr/>
+                    <a:lstStyle/>
+                    <a:p>
+                      <a:endParaRPr lang="en-US" dirty="0"/>
+                    </a:p>
+                  </a:txBody>
+                  <a:tcPr/>
+                </a:tc>
+                <a:extLst>
+                  <a:ext uri="{0D108BD9-81ED-4DB2-BD59-A6C34878D82A}">
+                    <a16:rowId xmlns:a16="http://schemas.microsoft.com/office/drawing/2014/main" val="410954509"/>
+                  </a:ext>
+                </a:extLst>
+              </a:tr>
+              <a:tr h="370840">
+                <a:tc>
+                  <a:txBody>
+                    <a:bodyPr/>
+                    <a:lstStyle/>
+                    <a:p>
+                      <a:r>
+                        <a:rPr lang="en-US" dirty="0"/>
+                        <a:t>Type</a:t>
+                      </a:r>
+                    </a:p>
+                  </a:txBody>
+                  <a:tcPr/>
+                </a:tc>
+                <a:tc>
+                  <a:txBody>
+                    <a:bodyPr/>
+                    <a:lstStyle/>
+                    <a:p>
+                      <a:r>
+                        <a:rPr lang="en-US" i="1" dirty="0"/>
+                        <a:t>Categorical (Nominal)</a:t>
+                      </a:r>
+                    </a:p>
+                  </a:txBody>
+                  <a:tcPr/>
+                </a:tc>
+                <a:extLst>
+                  <a:ext uri="{0D108BD9-81ED-4DB2-BD59-A6C34878D82A}">
+                    <a16:rowId xmlns:a16="http://schemas.microsoft.com/office/drawing/2014/main" val="862134589"/>
+                  </a:ext>
+                </a:extLst>
+              </a:tr>
+              <a:tr h="370840">
+                <a:tc>
+                  <a:txBody>
+                    <a:bodyPr/>
+                    <a:lstStyle/>
+                    <a:p>
+                      <a:r>
+                        <a:rPr lang="en-US" dirty="0"/>
+                        <a:t>Range</a:t>
+                      </a:r>
+                    </a:p>
+                  </a:txBody>
+                  <a:tcPr/>
+                </a:tc>
+                <a:tc>
+                  <a:txBody>
+                    <a:bodyPr/>
+                    <a:lstStyle/>
+                    <a:p>
+                      <a:r>
+                        <a:rPr lang="en-US" i="1" dirty="0"/>
+                        <a:t>Female, Male</a:t>
+                      </a:r>
+                    </a:p>
+                  </a:txBody>
+                  <a:tcPr/>
+                </a:tc>
+                <a:extLst>
+                  <a:ext uri="{0D108BD9-81ED-4DB2-BD59-A6C34878D82A}">
+                    <a16:rowId xmlns:a16="http://schemas.microsoft.com/office/drawing/2014/main" val="2760629121"/>
+                  </a:ext>
+                </a:extLst>
+              </a:tr>
+              <a:tr h="370840">
+                <a:tc>
+                  <a:txBody>
+                    <a:bodyPr/>
+                    <a:lstStyle/>
+                    <a:p>
+                      <a:r>
+                        <a:rPr lang="en-US" dirty="0"/>
+                        <a:t>Missing Values</a:t>
+                      </a:r>
+                    </a:p>
+                  </a:txBody>
+                  <a:tcPr/>
+                </a:tc>
+                <a:tc>
+                  <a:txBody>
+                    <a:bodyPr/>
+                    <a:lstStyle/>
+                    <a:p>
+                      <a:pPr marL="0" indent="0">
+                        <a:buFont typeface="Arial" panose="020B0604020202020204" pitchFamily="34" charset="0"/>
+                        <a:buNone/>
+                      </a:pPr>
+                      <a:r>
+                        <a:rPr lang="en-US" i="1" dirty="0"/>
+                        <a:t>Yes</a:t>
+                      </a:r>
+                    </a:p>
+                  </a:txBody>
+                  <a:tcPr/>
+                </a:tc>
+                <a:extLst>
+                  <a:ext uri="{0D108BD9-81ED-4DB2-BD59-A6C34878D82A}">
+                    <a16:rowId xmlns:a16="http://schemas.microsoft.com/office/drawing/2014/main" val="3974885980"/>
+                  </a:ext>
+                </a:extLst>
+              </a:tr>
+              <a:tr h="370840">
+                <a:tc>
+                  <a:txBody>
+                    <a:bodyPr/>
+                    <a:lstStyle/>
+                    <a:p>
+                      <a:r>
+                        <a:rPr lang="en-US" dirty="0"/>
+                        <a:t>Notes</a:t>
+                      </a:r>
+                    </a:p>
+                  </a:txBody>
+                  <a:tcPr/>
+                </a:tc>
+                <a:tc>
+                  <a:txBody>
+                    <a:bodyPr/>
+                    <a:lstStyle/>
+                    <a:p>
+                      <a:pPr marL="285750" indent="-285750">
+                        <a:buFont typeface="Arial" panose="020B0604020202020204" pitchFamily="34" charset="0"/>
+                        <a:buChar char="•"/>
+                      </a:pPr>
+                      <a:r>
+                        <a:rPr lang="en-US" i="1" dirty="0"/>
+                        <a:t>Imbalance between categories is consistent with 1% of breast cancer cases being male</a:t>
+                      </a:r>
+                    </a:p>
+                    <a:p>
+                      <a:pPr marL="285750" indent="-285750">
+                        <a:buFont typeface="Arial" panose="020B0604020202020204" pitchFamily="34" charset="0"/>
+                        <a:buChar char="•"/>
+                      </a:pPr>
+                      <a:r>
+                        <a:rPr lang="en-US" i="1" dirty="0"/>
+                        <a:t>No “events” in the male population: decided to </a:t>
+                      </a:r>
+                      <a:r>
+                        <a:rPr lang="en-US" b="1" i="1" dirty="0">
+                          <a:solidFill>
+                            <a:srgbClr val="FF0000"/>
+                          </a:solidFill>
+                        </a:rPr>
+                        <a:t>remove</a:t>
+                      </a:r>
+                      <a:r>
+                        <a:rPr lang="en-US" i="1" dirty="0"/>
+                        <a:t> male cases for the remaining of the analysis</a:t>
+                      </a:r>
+                    </a:p>
+                  </a:txBody>
+                  <a:tcPr/>
+                </a:tc>
+                <a:extLst>
+                  <a:ext uri="{0D108BD9-81ED-4DB2-BD59-A6C34878D82A}">
+                    <a16:rowId xmlns:a16="http://schemas.microsoft.com/office/drawing/2014/main" val="2428583178"/>
+                  </a:ext>
+                </a:extLst>
+              </a:tr>
+            </a:tbl>
+          </a:graphicData>
+        </a:graphic>
+      </p:graphicFrame>
+      <p:pic>
+        <p:nvPicPr>
+          <p:cNvPr id="14" name="Picture 13" descr="Chart, bar chart&#10;&#10;Description automatically generated">
+            <a:extLst>
+              <a:ext uri="{FF2B5EF4-FFF2-40B4-BE49-F238E27FC236}">
+                <a16:creationId xmlns:a16="http://schemas.microsoft.com/office/drawing/2014/main" id="{5C8F11DB-DF2C-50A7-7087-229FF34A59F5}"/>
+              </a:ext>
+            </a:extLst>
+          </p:cNvPr>
+          <p:cNvPicPr>
+            <a:picLocks noChangeAspect="1"/>
+          </p:cNvPicPr>
+          <p:nvPr/>
+        </p:nvPicPr>
+        <p:blipFill>
+          <a:blip r:embed="rId2"/>
+          <a:stretch>
+            <a:fillRect/>
+          </a:stretch>
+        </p:blipFill>
+        <p:spPr>
+          <a:xfrm>
+            <a:off x="6996541" y="1866247"/>
+            <a:ext cx="4357259" cy="3631049"/>
+          </a:xfrm>
+          <a:prstGeom prst="rect">
+            <a:avLst/>
+          </a:prstGeom>
+        </p:spPr>
+      </p:pic>
     </p:spTree>
     <p:extLst>
       <p:ext uri="{BB962C8B-B14F-4D97-AF65-F5344CB8AC3E}">
-        <p14:creationId xmlns:p14="http://schemas.microsoft.com/office/powerpoint/2010/main" val="1178889218"/>
+        <p14:creationId xmlns:p14="http://schemas.microsoft.com/office/powerpoint/2010/main" val="253125672"/>
       </p:ext>
     </p:extLst>
   </p:cSld>
@@ -34862,7 +38264,7 @@
           <p:cNvPr id="2" name="Title 1">
             <a:extLst>
               <a:ext uri="{FF2B5EF4-FFF2-40B4-BE49-F238E27FC236}">
-                <a16:creationId xmlns:a16="http://schemas.microsoft.com/office/drawing/2014/main" id="{FD747D24-5CD9-2E00-D729-5771264BA556}"/>
+                <a16:creationId xmlns:a16="http://schemas.microsoft.com/office/drawing/2014/main" id="{14887571-868C-DFE3-EA0E-DAD0308D30E8}"/>
               </a:ext>
             </a:extLst>
           </p:cNvPr>
@@ -34880,33 +38282,8 @@
           <a:p>
             <a:r>
               <a:rPr lang="en-US" dirty="0"/>
-              <a:t>Results</a:t>
+              <a:t>Data Overview</a:t>
             </a:r>
-          </a:p>
-        </p:txBody>
-      </p:sp>
-      <p:sp>
-        <p:nvSpPr>
-          <p:cNvPr id="3" name="Content Placeholder 2">
-            <a:extLst>
-              <a:ext uri="{FF2B5EF4-FFF2-40B4-BE49-F238E27FC236}">
-                <a16:creationId xmlns:a16="http://schemas.microsoft.com/office/drawing/2014/main" id="{95C10EAD-1F22-99C3-4216-628FF6B19E54}"/>
-              </a:ext>
-            </a:extLst>
-          </p:cNvPr>
-          <p:cNvSpPr>
-            <a:spLocks noGrp="1"/>
-          </p:cNvSpPr>
-          <p:nvPr>
-            <p:ph idx="1"/>
-          </p:nvPr>
-        </p:nvSpPr>
-        <p:spPr/>
-        <p:txBody>
-          <a:bodyPr/>
-          <a:lstStyle/>
-          <a:p>
-            <a:endParaRPr lang="en-US" dirty="0"/>
           </a:p>
         </p:txBody>
       </p:sp>
@@ -34915,7 +38292,7 @@
           <p:cNvPr id="4" name="Date Placeholder 3">
             <a:extLst>
               <a:ext uri="{FF2B5EF4-FFF2-40B4-BE49-F238E27FC236}">
-                <a16:creationId xmlns:a16="http://schemas.microsoft.com/office/drawing/2014/main" id="{EBCD3B77-FA4D-B3D7-600C-589B06C8B22C}"/>
+                <a16:creationId xmlns:a16="http://schemas.microsoft.com/office/drawing/2014/main" id="{1E518111-A546-D6BA-9734-58B5D6A30FCB}"/>
               </a:ext>
             </a:extLst>
           </p:cNvPr>
@@ -34943,7 +38320,7 @@
           <p:cNvPr id="5" name="Footer Placeholder 4">
             <a:extLst>
               <a:ext uri="{FF2B5EF4-FFF2-40B4-BE49-F238E27FC236}">
-                <a16:creationId xmlns:a16="http://schemas.microsoft.com/office/drawing/2014/main" id="{46D65876-0CAE-EB1A-0B41-D28D99843E94}"/>
+                <a16:creationId xmlns:a16="http://schemas.microsoft.com/office/drawing/2014/main" id="{E18DA1D0-B266-9012-6DEB-1809EAFEF42C}"/>
               </a:ext>
             </a:extLst>
           </p:cNvPr>
@@ -34972,7 +38349,7 @@
           <p:cNvPr id="6" name="Slide Number Placeholder 5">
             <a:extLst>
               <a:ext uri="{FF2B5EF4-FFF2-40B4-BE49-F238E27FC236}">
-                <a16:creationId xmlns:a16="http://schemas.microsoft.com/office/drawing/2014/main" id="{D7AC322A-0F13-5D97-B181-0B015C09E5D7}"/>
+                <a16:creationId xmlns:a16="http://schemas.microsoft.com/office/drawing/2014/main" id="{8C553A4F-23D0-235F-F69F-1982B7F617FC}"/>
               </a:ext>
             </a:extLst>
           </p:cNvPr>
@@ -34996,10 +38373,271 @@
           </a:p>
         </p:txBody>
       </p:sp>
+      <p:graphicFrame>
+        <p:nvGraphicFramePr>
+          <p:cNvPr id="10" name="Table 9">
+            <a:extLst>
+              <a:ext uri="{FF2B5EF4-FFF2-40B4-BE49-F238E27FC236}">
+                <a16:creationId xmlns:a16="http://schemas.microsoft.com/office/drawing/2014/main" id="{6AA76FCB-474D-C3E1-ACC4-5C8F74B05F21}"/>
+              </a:ext>
+            </a:extLst>
+          </p:cNvPr>
+          <p:cNvGraphicFramePr>
+            <a:graphicFrameLocks noGrp="1"/>
+          </p:cNvGraphicFramePr>
+          <p:nvPr>
+            <p:extLst>
+              <p:ext uri="{D42A27DB-BD31-4B8C-83A1-F6EECF244321}">
+                <p14:modId xmlns:p14="http://schemas.microsoft.com/office/powerpoint/2010/main" val="2564467323"/>
+              </p:ext>
+            </p:extLst>
+          </p:nvPr>
+        </p:nvGraphicFramePr>
+        <p:xfrm>
+          <a:off x="833576" y="2007020"/>
+          <a:ext cx="5793041" cy="2672080"/>
+        </p:xfrm>
+        <a:graphic>
+          <a:graphicData uri="http://schemas.openxmlformats.org/drawingml/2006/table">
+            <a:tbl>
+              <a:tblPr firstRow="1" bandRow="1">
+                <a:tableStyleId>{69012ECD-51FC-41F1-AA8D-1B2483CD663E}</a:tableStyleId>
+              </a:tblPr>
+              <a:tblGrid>
+                <a:gridCol w="1700784">
+                  <a:extLst>
+                    <a:ext uri="{9D8B030D-6E8A-4147-A177-3AD203B41FA5}">
+                      <a16:colId xmlns:a16="http://schemas.microsoft.com/office/drawing/2014/main" val="2125467340"/>
+                    </a:ext>
+                  </a:extLst>
+                </a:gridCol>
+                <a:gridCol w="4092257">
+                  <a:extLst>
+                    <a:ext uri="{9D8B030D-6E8A-4147-A177-3AD203B41FA5}">
+                      <a16:colId xmlns:a16="http://schemas.microsoft.com/office/drawing/2014/main" val="2399560711"/>
+                    </a:ext>
+                  </a:extLst>
+                </a:gridCol>
+              </a:tblGrid>
+              <a:tr h="370840">
+                <a:tc gridSpan="2">
+                  <a:txBody>
+                    <a:bodyPr/>
+                    <a:lstStyle/>
+                    <a:p>
+                      <a:pPr algn="ctr"/>
+                      <a:r>
+                        <a:rPr lang="en-US" dirty="0"/>
+                        <a:t>Age at Diagnosis</a:t>
+                      </a:r>
+                    </a:p>
+                  </a:txBody>
+                  <a:tcPr/>
+                </a:tc>
+                <a:tc hMerge="1">
+                  <a:txBody>
+                    <a:bodyPr/>
+                    <a:lstStyle/>
+                    <a:p>
+                      <a:endParaRPr lang="en-US" dirty="0"/>
+                    </a:p>
+                  </a:txBody>
+                  <a:tcPr/>
+                </a:tc>
+                <a:extLst>
+                  <a:ext uri="{0D108BD9-81ED-4DB2-BD59-A6C34878D82A}">
+                    <a16:rowId xmlns:a16="http://schemas.microsoft.com/office/drawing/2014/main" val="410954509"/>
+                  </a:ext>
+                </a:extLst>
+              </a:tr>
+              <a:tr h="370840">
+                <a:tc>
+                  <a:txBody>
+                    <a:bodyPr/>
+                    <a:lstStyle/>
+                    <a:p>
+                      <a:r>
+                        <a:rPr lang="en-US" dirty="0"/>
+                        <a:t>Type</a:t>
+                      </a:r>
+                    </a:p>
+                  </a:txBody>
+                  <a:tcPr/>
+                </a:tc>
+                <a:tc>
+                  <a:txBody>
+                    <a:bodyPr/>
+                    <a:lstStyle/>
+                    <a:p>
+                      <a:r>
+                        <a:rPr lang="en-US" i="1" dirty="0"/>
+                        <a:t>Numeric (Continuous)</a:t>
+                      </a:r>
+                    </a:p>
+                  </a:txBody>
+                  <a:tcPr/>
+                </a:tc>
+                <a:extLst>
+                  <a:ext uri="{0D108BD9-81ED-4DB2-BD59-A6C34878D82A}">
+                    <a16:rowId xmlns:a16="http://schemas.microsoft.com/office/drawing/2014/main" val="862134589"/>
+                  </a:ext>
+                </a:extLst>
+              </a:tr>
+              <a:tr h="370840">
+                <a:tc>
+                  <a:txBody>
+                    <a:bodyPr/>
+                    <a:lstStyle/>
+                    <a:p>
+                      <a:r>
+                        <a:rPr lang="en-US" dirty="0"/>
+                        <a:t>Range</a:t>
+                      </a:r>
+                    </a:p>
+                  </a:txBody>
+                  <a:tcPr/>
+                </a:tc>
+                <a:tc>
+                  <a:txBody>
+                    <a:bodyPr/>
+                    <a:lstStyle/>
+                    <a:p>
+                      <a:r>
+                        <a:rPr lang="en-US" i="1" dirty="0"/>
+                        <a:t>26 to 90</a:t>
+                      </a:r>
+                    </a:p>
+                  </a:txBody>
+                  <a:tcPr/>
+                </a:tc>
+                <a:extLst>
+                  <a:ext uri="{0D108BD9-81ED-4DB2-BD59-A6C34878D82A}">
+                    <a16:rowId xmlns:a16="http://schemas.microsoft.com/office/drawing/2014/main" val="2760629121"/>
+                  </a:ext>
+                </a:extLst>
+              </a:tr>
+              <a:tr h="370840">
+                <a:tc>
+                  <a:txBody>
+                    <a:bodyPr/>
+                    <a:lstStyle/>
+                    <a:p>
+                      <a:r>
+                        <a:rPr lang="en-US" dirty="0"/>
+                        <a:t>Missing Values</a:t>
+                      </a:r>
+                    </a:p>
+                  </a:txBody>
+                  <a:tcPr/>
+                </a:tc>
+                <a:tc>
+                  <a:txBody>
+                    <a:bodyPr/>
+                    <a:lstStyle/>
+                    <a:p>
+                      <a:pPr marL="0" indent="0">
+                        <a:buFont typeface="Arial" panose="020B0604020202020204" pitchFamily="34" charset="0"/>
+                        <a:buNone/>
+                      </a:pPr>
+                      <a:r>
+                        <a:rPr lang="en-US" i="1" dirty="0"/>
+                        <a:t>Yes</a:t>
+                      </a:r>
+                    </a:p>
+                  </a:txBody>
+                  <a:tcPr/>
+                </a:tc>
+                <a:extLst>
+                  <a:ext uri="{0D108BD9-81ED-4DB2-BD59-A6C34878D82A}">
+                    <a16:rowId xmlns:a16="http://schemas.microsoft.com/office/drawing/2014/main" val="3974885980"/>
+                  </a:ext>
+                </a:extLst>
+              </a:tr>
+              <a:tr h="370840">
+                <a:tc>
+                  <a:txBody>
+                    <a:bodyPr/>
+                    <a:lstStyle/>
+                    <a:p>
+                      <a:r>
+                        <a:rPr lang="en-US" dirty="0"/>
+                        <a:t>Notes</a:t>
+                      </a:r>
+                    </a:p>
+                  </a:txBody>
+                  <a:tcPr/>
+                </a:tc>
+                <a:tc>
+                  <a:txBody>
+                    <a:bodyPr/>
+                    <a:lstStyle/>
+                    <a:p>
+                      <a:pPr marL="285750" indent="-285750">
+                        <a:buFont typeface="Arial" panose="020B0604020202020204" pitchFamily="34" charset="0"/>
+                        <a:buChar char="•"/>
+                      </a:pPr>
+                      <a:r>
+                        <a:rPr lang="en-US" i="1" dirty="0"/>
+                        <a:t>Available rounded to years and available in days (days to birth)</a:t>
+                      </a:r>
+                    </a:p>
+                    <a:p>
+                      <a:pPr marL="285750" indent="-285750">
+                        <a:buFont typeface="Arial" panose="020B0604020202020204" pitchFamily="34" charset="0"/>
+                        <a:buChar char="•"/>
+                      </a:pPr>
+                      <a:r>
+                        <a:rPr lang="en-US" i="1" dirty="0"/>
+                        <a:t>Could be treated as continuous or grouped</a:t>
+                      </a:r>
+                    </a:p>
+                  </a:txBody>
+                  <a:tcPr/>
+                </a:tc>
+                <a:extLst>
+                  <a:ext uri="{0D108BD9-81ED-4DB2-BD59-A6C34878D82A}">
+                    <a16:rowId xmlns:a16="http://schemas.microsoft.com/office/drawing/2014/main" val="2428583178"/>
+                  </a:ext>
+                </a:extLst>
+              </a:tr>
+            </a:tbl>
+          </a:graphicData>
+        </a:graphic>
+      </p:graphicFrame>
+      <p:pic>
+        <p:nvPicPr>
+          <p:cNvPr id="20" name="Picture 19" descr="Chart, box and whisker chart&#10;&#10;Description automatically generated">
+            <a:extLst>
+              <a:ext uri="{FF2B5EF4-FFF2-40B4-BE49-F238E27FC236}">
+                <a16:creationId xmlns:a16="http://schemas.microsoft.com/office/drawing/2014/main" id="{0FF19BC6-FF12-986E-C269-678C885D185C}"/>
+              </a:ext>
+            </a:extLst>
+          </p:cNvPr>
+          <p:cNvPicPr>
+            <a:picLocks noChangeAspect="1"/>
+          </p:cNvPicPr>
+          <p:nvPr/>
+        </p:nvPicPr>
+        <p:blipFill>
+          <a:blip r:embed="rId2"/>
+          <a:stretch>
+            <a:fillRect/>
+          </a:stretch>
+        </p:blipFill>
+        <p:spPr>
+          <a:xfrm>
+            <a:off x="6996542" y="1690688"/>
+            <a:ext cx="4357258" cy="3631048"/>
+          </a:xfrm>
+          <a:prstGeom prst="rect">
+            <a:avLst/>
+          </a:prstGeom>
+        </p:spPr>
+      </p:pic>
     </p:spTree>
     <p:extLst>
       <p:ext uri="{BB962C8B-B14F-4D97-AF65-F5344CB8AC3E}">
-        <p14:creationId xmlns:p14="http://schemas.microsoft.com/office/powerpoint/2010/main" val="2517125133"/>
+        <p14:creationId xmlns:p14="http://schemas.microsoft.com/office/powerpoint/2010/main" val="1535858802"/>
       </p:ext>
     </p:extLst>
   </p:cSld>
@@ -35031,7 +38669,7 @@
           <p:cNvPr id="2" name="Title 1">
             <a:extLst>
               <a:ext uri="{FF2B5EF4-FFF2-40B4-BE49-F238E27FC236}">
-                <a16:creationId xmlns:a16="http://schemas.microsoft.com/office/drawing/2014/main" id="{78E02B70-F156-443F-2352-4D74BA0F8D9E}"/>
+                <a16:creationId xmlns:a16="http://schemas.microsoft.com/office/drawing/2014/main" id="{14887571-868C-DFE3-EA0E-DAD0308D30E8}"/>
               </a:ext>
             </a:extLst>
           </p:cNvPr>
@@ -35049,51 +38687,8 @@
           <a:p>
             <a:r>
               <a:rPr lang="en-US" dirty="0"/>
-              <a:t>Survival Cox Regression Model</a:t>
+              <a:t>Data Overview</a:t>
             </a:r>
-          </a:p>
-        </p:txBody>
-      </p:sp>
-      <p:sp>
-        <p:nvSpPr>
-          <p:cNvPr id="3" name="Content Placeholder 2">
-            <a:extLst>
-              <a:ext uri="{FF2B5EF4-FFF2-40B4-BE49-F238E27FC236}">
-                <a16:creationId xmlns:a16="http://schemas.microsoft.com/office/drawing/2014/main" id="{D53DD293-A1DE-BEC3-1557-577C65BB947A}"/>
-              </a:ext>
-            </a:extLst>
-          </p:cNvPr>
-          <p:cNvSpPr>
-            <a:spLocks noGrp="1"/>
-          </p:cNvSpPr>
-          <p:nvPr>
-            <p:ph idx="1"/>
-          </p:nvPr>
-        </p:nvSpPr>
-        <p:spPr/>
-        <p:txBody>
-          <a:bodyPr/>
-          <a:lstStyle/>
-          <a:p>
-            <a:r>
-              <a:rPr lang="en-US" dirty="0"/>
-              <a:t>Can use “all” the data</a:t>
-            </a:r>
-          </a:p>
-          <a:p>
-            <a:r>
-              <a:rPr lang="en-US" dirty="0"/>
-              <a:t>Accounts for right-censored data from the days to last follow-up</a:t>
-            </a:r>
-          </a:p>
-          <a:p>
-            <a:endParaRPr lang="en-US" dirty="0"/>
-          </a:p>
-          <a:p>
-            <a:pPr marL="0" indent="0">
-              <a:buNone/>
-            </a:pPr>
-            <a:endParaRPr lang="en-US" dirty="0"/>
           </a:p>
         </p:txBody>
       </p:sp>
@@ -35102,7 +38697,7 @@
           <p:cNvPr id="4" name="Date Placeholder 3">
             <a:extLst>
               <a:ext uri="{FF2B5EF4-FFF2-40B4-BE49-F238E27FC236}">
-                <a16:creationId xmlns:a16="http://schemas.microsoft.com/office/drawing/2014/main" id="{EEFB3776-CB9A-59E7-BA07-E77086BFFC8D}"/>
+                <a16:creationId xmlns:a16="http://schemas.microsoft.com/office/drawing/2014/main" id="{1E518111-A546-D6BA-9734-58B5D6A30FCB}"/>
               </a:ext>
             </a:extLst>
           </p:cNvPr>
@@ -35130,7 +38725,7 @@
           <p:cNvPr id="5" name="Footer Placeholder 4">
             <a:extLst>
               <a:ext uri="{FF2B5EF4-FFF2-40B4-BE49-F238E27FC236}">
-                <a16:creationId xmlns:a16="http://schemas.microsoft.com/office/drawing/2014/main" id="{9FCCBEEE-5580-D238-5D4C-A8170D5553D0}"/>
+                <a16:creationId xmlns:a16="http://schemas.microsoft.com/office/drawing/2014/main" id="{E18DA1D0-B266-9012-6DEB-1809EAFEF42C}"/>
               </a:ext>
             </a:extLst>
           </p:cNvPr>
@@ -35159,7 +38754,7 @@
           <p:cNvPr id="6" name="Slide Number Placeholder 5">
             <a:extLst>
               <a:ext uri="{FF2B5EF4-FFF2-40B4-BE49-F238E27FC236}">
-                <a16:creationId xmlns:a16="http://schemas.microsoft.com/office/drawing/2014/main" id="{E7A59D23-4136-6416-5D9F-57FBA871AEEC}"/>
+                <a16:creationId xmlns:a16="http://schemas.microsoft.com/office/drawing/2014/main" id="{8C553A4F-23D0-235F-F69F-1982B7F617FC}"/>
               </a:ext>
             </a:extLst>
           </p:cNvPr>
@@ -35183,10 +38778,278 @@
           </a:p>
         </p:txBody>
       </p:sp>
+      <p:graphicFrame>
+        <p:nvGraphicFramePr>
+          <p:cNvPr id="14" name="Table 13">
+            <a:extLst>
+              <a:ext uri="{FF2B5EF4-FFF2-40B4-BE49-F238E27FC236}">
+                <a16:creationId xmlns:a16="http://schemas.microsoft.com/office/drawing/2014/main" id="{8105DD01-9C13-6A78-C7AA-E6778B67A1B1}"/>
+              </a:ext>
+            </a:extLst>
+          </p:cNvPr>
+          <p:cNvGraphicFramePr>
+            <a:graphicFrameLocks noGrp="1"/>
+          </p:cNvGraphicFramePr>
+          <p:nvPr>
+            <p:extLst>
+              <p:ext uri="{D42A27DB-BD31-4B8C-83A1-F6EECF244321}">
+                <p14:modId xmlns:p14="http://schemas.microsoft.com/office/powerpoint/2010/main" val="2499125722"/>
+              </p:ext>
+            </p:extLst>
+          </p:nvPr>
+        </p:nvGraphicFramePr>
+        <p:xfrm>
+          <a:off x="833576" y="2007020"/>
+          <a:ext cx="5793041" cy="2392680"/>
+        </p:xfrm>
+        <a:graphic>
+          <a:graphicData uri="http://schemas.openxmlformats.org/drawingml/2006/table">
+            <a:tbl>
+              <a:tblPr firstRow="1" bandRow="1">
+                <a:tableStyleId>{69012ECD-51FC-41F1-AA8D-1B2483CD663E}</a:tableStyleId>
+              </a:tblPr>
+              <a:tblGrid>
+                <a:gridCol w="1700784">
+                  <a:extLst>
+                    <a:ext uri="{9D8B030D-6E8A-4147-A177-3AD203B41FA5}">
+                      <a16:colId xmlns:a16="http://schemas.microsoft.com/office/drawing/2014/main" val="2125467340"/>
+                    </a:ext>
+                  </a:extLst>
+                </a:gridCol>
+                <a:gridCol w="4092257">
+                  <a:extLst>
+                    <a:ext uri="{9D8B030D-6E8A-4147-A177-3AD203B41FA5}">
+                      <a16:colId xmlns:a16="http://schemas.microsoft.com/office/drawing/2014/main" val="2399560711"/>
+                    </a:ext>
+                  </a:extLst>
+                </a:gridCol>
+              </a:tblGrid>
+              <a:tr h="370840">
+                <a:tc gridSpan="2">
+                  <a:txBody>
+                    <a:bodyPr/>
+                    <a:lstStyle/>
+                    <a:p>
+                      <a:pPr algn="ctr"/>
+                      <a:r>
+                        <a:rPr lang="en-US" dirty="0"/>
+                        <a:t>Ethnicity</a:t>
+                      </a:r>
+                    </a:p>
+                  </a:txBody>
+                  <a:tcPr/>
+                </a:tc>
+                <a:tc hMerge="1">
+                  <a:txBody>
+                    <a:bodyPr/>
+                    <a:lstStyle/>
+                    <a:p>
+                      <a:endParaRPr lang="en-US" dirty="0"/>
+                    </a:p>
+                  </a:txBody>
+                  <a:tcPr/>
+                </a:tc>
+                <a:extLst>
+                  <a:ext uri="{0D108BD9-81ED-4DB2-BD59-A6C34878D82A}">
+                    <a16:rowId xmlns:a16="http://schemas.microsoft.com/office/drawing/2014/main" val="410954509"/>
+                  </a:ext>
+                </a:extLst>
+              </a:tr>
+              <a:tr h="370840">
+                <a:tc>
+                  <a:txBody>
+                    <a:bodyPr/>
+                    <a:lstStyle/>
+                    <a:p>
+                      <a:r>
+                        <a:rPr lang="en-US" dirty="0"/>
+                        <a:t>Type</a:t>
+                      </a:r>
+                    </a:p>
+                  </a:txBody>
+                  <a:tcPr/>
+                </a:tc>
+                <a:tc>
+                  <a:txBody>
+                    <a:bodyPr/>
+                    <a:lstStyle/>
+                    <a:p>
+                      <a:r>
+                        <a:rPr lang="en-US" i="1" dirty="0"/>
+                        <a:t>Categorical (Nominal)</a:t>
+                      </a:r>
+                    </a:p>
+                  </a:txBody>
+                  <a:tcPr/>
+                </a:tc>
+                <a:extLst>
+                  <a:ext uri="{0D108BD9-81ED-4DB2-BD59-A6C34878D82A}">
+                    <a16:rowId xmlns:a16="http://schemas.microsoft.com/office/drawing/2014/main" val="862134589"/>
+                  </a:ext>
+                </a:extLst>
+              </a:tr>
+              <a:tr h="370840">
+                <a:tc>
+                  <a:txBody>
+                    <a:bodyPr/>
+                    <a:lstStyle/>
+                    <a:p>
+                      <a:r>
+                        <a:rPr lang="en-US" dirty="0"/>
+                        <a:t>Range</a:t>
+                      </a:r>
+                    </a:p>
+                  </a:txBody>
+                  <a:tcPr/>
+                </a:tc>
+                <a:tc>
+                  <a:txBody>
+                    <a:bodyPr/>
+                    <a:lstStyle/>
+                    <a:p>
+                      <a:pPr marL="0" marR="0" lvl="0" indent="0" algn="l" defTabSz="914400" rtl="0" eaLnBrk="1" fontAlgn="auto" latinLnBrk="0" hangingPunct="1">
+                        <a:lnSpc>
+                          <a:spcPct val="100000"/>
+                        </a:lnSpc>
+                        <a:spcBef>
+                          <a:spcPts val="0"/>
+                        </a:spcBef>
+                        <a:spcAft>
+                          <a:spcPts val="0"/>
+                        </a:spcAft>
+                        <a:buClrTx/>
+                        <a:buSzTx/>
+                        <a:buFontTx/>
+                        <a:buNone/>
+                        <a:tabLst/>
+                        <a:defRPr/>
+                      </a:pPr>
+                      <a:r>
+                        <a:rPr lang="en-US" i="1" dirty="0"/>
+                        <a:t>Hispanic or Latino, Not Hispanic or Latino, Note reported</a:t>
+                      </a:r>
+                    </a:p>
+                  </a:txBody>
+                  <a:tcPr/>
+                </a:tc>
+                <a:extLst>
+                  <a:ext uri="{0D108BD9-81ED-4DB2-BD59-A6C34878D82A}">
+                    <a16:rowId xmlns:a16="http://schemas.microsoft.com/office/drawing/2014/main" val="2760629121"/>
+                  </a:ext>
+                </a:extLst>
+              </a:tr>
+              <a:tr h="370840">
+                <a:tc>
+                  <a:txBody>
+                    <a:bodyPr/>
+                    <a:lstStyle/>
+                    <a:p>
+                      <a:r>
+                        <a:rPr lang="en-US" dirty="0"/>
+                        <a:t>Missing Values</a:t>
+                      </a:r>
+                    </a:p>
+                  </a:txBody>
+                  <a:tcPr/>
+                </a:tc>
+                <a:tc>
+                  <a:txBody>
+                    <a:bodyPr/>
+                    <a:lstStyle/>
+                    <a:p>
+                      <a:pPr marL="0" indent="0">
+                        <a:buFont typeface="Arial" panose="020B0604020202020204" pitchFamily="34" charset="0"/>
+                        <a:buNone/>
+                      </a:pPr>
+                      <a:r>
+                        <a:rPr lang="en-US" i="1" dirty="0"/>
+                        <a:t>No</a:t>
+                      </a:r>
+                    </a:p>
+                  </a:txBody>
+                  <a:tcPr/>
+                </a:tc>
+                <a:extLst>
+                  <a:ext uri="{0D108BD9-81ED-4DB2-BD59-A6C34878D82A}">
+                    <a16:rowId xmlns:a16="http://schemas.microsoft.com/office/drawing/2014/main" val="3974885980"/>
+                  </a:ext>
+                </a:extLst>
+              </a:tr>
+              <a:tr h="370840">
+                <a:tc>
+                  <a:txBody>
+                    <a:bodyPr/>
+                    <a:lstStyle/>
+                    <a:p>
+                      <a:r>
+                        <a:rPr lang="en-US" dirty="0"/>
+                        <a:t>Notes</a:t>
+                      </a:r>
+                    </a:p>
+                  </a:txBody>
+                  <a:tcPr/>
+                </a:tc>
+                <a:tc>
+                  <a:txBody>
+                    <a:bodyPr/>
+                    <a:lstStyle/>
+                    <a:p>
+                      <a:pPr marL="285750" indent="-285750">
+                        <a:buFont typeface="Arial" panose="020B0604020202020204" pitchFamily="34" charset="0"/>
+                        <a:buChar char="•"/>
+                      </a:pPr>
+                      <a:r>
+                        <a:rPr lang="en-US" i="1" dirty="0"/>
+                        <a:t>No events in the subjects who reported being Hispanic or Latino</a:t>
+                      </a:r>
+                    </a:p>
+                  </a:txBody>
+                  <a:tcPr/>
+                </a:tc>
+                <a:extLst>
+                  <a:ext uri="{0D108BD9-81ED-4DB2-BD59-A6C34878D82A}">
+                    <a16:rowId xmlns:a16="http://schemas.microsoft.com/office/drawing/2014/main" val="2428583178"/>
+                  </a:ext>
+                </a:extLst>
+              </a:tr>
+            </a:tbl>
+          </a:graphicData>
+        </a:graphic>
+      </p:graphicFrame>
+      <p:pic>
+        <p:nvPicPr>
+          <p:cNvPr id="15" name="Picture 14" descr="Chart, bar chart&#10;&#10;Description automatically generated">
+            <a:extLst>
+              <a:ext uri="{FF2B5EF4-FFF2-40B4-BE49-F238E27FC236}">
+                <a16:creationId xmlns:a16="http://schemas.microsoft.com/office/drawing/2014/main" id="{C55E1638-A66A-E864-7350-0C1F416023EB}"/>
+              </a:ext>
+            </a:extLst>
+          </p:cNvPr>
+          <p:cNvPicPr>
+            <a:picLocks noChangeAspect="1"/>
+          </p:cNvPicPr>
+          <p:nvPr/>
+        </p:nvPicPr>
+        <p:blipFill>
+          <a:blip r:embed="rId2"/>
+          <a:stretch>
+            <a:fillRect/>
+          </a:stretch>
+        </p:blipFill>
+        <p:spPr>
+          <a:xfrm>
+            <a:off x="6996542" y="1690688"/>
+            <a:ext cx="4357258" cy="3631048"/>
+          </a:xfrm>
+          <a:prstGeom prst="rect">
+            <a:avLst/>
+          </a:prstGeom>
+        </p:spPr>
+      </p:pic>
     </p:spTree>
     <p:extLst>
       <p:ext uri="{BB962C8B-B14F-4D97-AF65-F5344CB8AC3E}">
-        <p14:creationId xmlns:p14="http://schemas.microsoft.com/office/powerpoint/2010/main" val="4025721351"/>
+        <p14:creationId xmlns:p14="http://schemas.microsoft.com/office/powerpoint/2010/main" val="3644726810"/>
       </p:ext>
     </p:extLst>
   </p:cSld>
@@ -35218,7 +39081,7 @@
           <p:cNvPr id="2" name="Title 1">
             <a:extLst>
               <a:ext uri="{FF2B5EF4-FFF2-40B4-BE49-F238E27FC236}">
-                <a16:creationId xmlns:a16="http://schemas.microsoft.com/office/drawing/2014/main" id="{5646A810-3247-53A3-85DC-FED01AB2C961}"/>
+                <a16:creationId xmlns:a16="http://schemas.microsoft.com/office/drawing/2014/main" id="{14887571-868C-DFE3-EA0E-DAD0308D30E8}"/>
               </a:ext>
             </a:extLst>
           </p:cNvPr>
@@ -35229,87 +39092,24 @@
             <p:ph type="title"/>
           </p:nvPr>
         </p:nvSpPr>
-        <p:spPr>
-          <a:xfrm>
-            <a:off x="838200" y="365125"/>
-            <a:ext cx="10515600" cy="1325563"/>
-          </a:xfrm>
-        </p:spPr>
+        <p:spPr/>
         <p:txBody>
-          <a:bodyPr anchor="ctr">
-            <a:normAutofit/>
-          </a:bodyPr>
+          <a:bodyPr/>
           <a:lstStyle/>
           <a:p>
             <a:r>
               <a:rPr lang="en-US" dirty="0"/>
-              <a:t>Next steps…</a:t>
+              <a:t>Data Overview</a:t>
             </a:r>
           </a:p>
         </p:txBody>
       </p:sp>
       <p:sp>
         <p:nvSpPr>
-          <p:cNvPr id="4" name="Text Placeholder 3">
+          <p:cNvPr id="4" name="Date Placeholder 3">
             <a:extLst>
               <a:ext uri="{FF2B5EF4-FFF2-40B4-BE49-F238E27FC236}">
-                <a16:creationId xmlns:a16="http://schemas.microsoft.com/office/drawing/2014/main" id="{21F84FAB-A2E9-DFC7-6F93-55BA20CAC758}"/>
-              </a:ext>
-            </a:extLst>
-          </p:cNvPr>
-          <p:cNvSpPr>
-            <a:spLocks noGrp="1"/>
-          </p:cNvSpPr>
-          <p:nvPr>
-            <p:ph idx="1"/>
-          </p:nvPr>
-        </p:nvSpPr>
-        <p:spPr>
-          <a:xfrm>
-            <a:off x="838200" y="2011680"/>
-            <a:ext cx="10515600" cy="4160520"/>
-          </a:xfrm>
-        </p:spPr>
-        <p:txBody>
-          <a:bodyPr>
-            <a:normAutofit/>
-          </a:bodyPr>
-          <a:lstStyle/>
-          <a:p>
-            <a:pPr marL="285750" indent="-285750">
-              <a:buFont typeface="Arial" panose="020B0604020202020204" pitchFamily="34" charset="0"/>
-              <a:buChar char="•"/>
-            </a:pPr>
-            <a:r>
-              <a:rPr lang="en-US" dirty="0"/>
-              <a:t>Correlation between therapy type and 5-year survival rate</a:t>
-            </a:r>
-          </a:p>
-          <a:p>
-            <a:pPr marL="285750" indent="-285750">
-              <a:buFont typeface="Arial" panose="020B0604020202020204" pitchFamily="34" charset="0"/>
-              <a:buChar char="•"/>
-            </a:pPr>
-            <a:r>
-              <a:rPr lang="en-US" dirty="0"/>
-              <a:t>Bayesian extension of the Cox Regression model to obtain full posterior distribution of coefficients and hazard risk</a:t>
-            </a:r>
-          </a:p>
-          <a:p>
-            <a:pPr marL="285750" indent="-285750">
-              <a:buFont typeface="Arial" panose="020B0604020202020204" pitchFamily="34" charset="0"/>
-              <a:buChar char="•"/>
-            </a:pPr>
-            <a:endParaRPr lang="en-US" dirty="0"/>
-          </a:p>
-        </p:txBody>
-      </p:sp>
-      <p:sp>
-        <p:nvSpPr>
-          <p:cNvPr id="5" name="Date Placeholder 4">
-            <a:extLst>
-              <a:ext uri="{FF2B5EF4-FFF2-40B4-BE49-F238E27FC236}">
-                <a16:creationId xmlns:a16="http://schemas.microsoft.com/office/drawing/2014/main" id="{AE7534F9-A958-3A3B-C417-7B1489B2692A}"/>
+                <a16:creationId xmlns:a16="http://schemas.microsoft.com/office/drawing/2014/main" id="{1E518111-A546-D6BA-9734-58B5D6A30FCB}"/>
               </a:ext>
             </a:extLst>
           </p:cNvPr>
@@ -35320,37 +39120,24 @@
             <p:ph type="dt" sz="half" idx="10"/>
           </p:nvPr>
         </p:nvSpPr>
-        <p:spPr>
-          <a:xfrm>
-            <a:off x="838200" y="6356350"/>
-            <a:ext cx="2743200" cy="365125"/>
-          </a:xfrm>
-        </p:spPr>
+        <p:spPr/>
         <p:txBody>
-          <a:bodyPr anchor="ctr">
-            <a:normAutofit/>
-          </a:bodyPr>
+          <a:bodyPr/>
           <a:lstStyle/>
           <a:p>
-            <a:pPr>
-              <a:spcAft>
-                <a:spcPts val="600"/>
-              </a:spcAft>
-            </a:pPr>
             <a:r>
               <a:rPr lang="en-US" dirty="0"/>
               <a:t>05/03/2023</a:t>
             </a:r>
-            <a:endParaRPr lang="en-US"/>
           </a:p>
         </p:txBody>
       </p:sp>
       <p:sp>
         <p:nvSpPr>
-          <p:cNvPr id="6" name="Footer Placeholder 5">
+          <p:cNvPr id="5" name="Footer Placeholder 4">
             <a:extLst>
               <a:ext uri="{FF2B5EF4-FFF2-40B4-BE49-F238E27FC236}">
-                <a16:creationId xmlns:a16="http://schemas.microsoft.com/office/drawing/2014/main" id="{17100A80-715D-6170-754E-B39480FA3BEE}"/>
+                <a16:creationId xmlns:a16="http://schemas.microsoft.com/office/drawing/2014/main" id="{E18DA1D0-B266-9012-6DEB-1809EAFEF42C}"/>
               </a:ext>
             </a:extLst>
           </p:cNvPr>
@@ -35361,37 +39148,25 @@
             <p:ph type="ftr" sz="quarter" idx="11"/>
           </p:nvPr>
         </p:nvSpPr>
-        <p:spPr>
-          <a:xfrm>
-            <a:off x="4038600" y="6356350"/>
-            <a:ext cx="4114800" cy="365125"/>
-          </a:xfrm>
-        </p:spPr>
+        <p:spPr/>
         <p:txBody>
-          <a:bodyPr anchor="ctr">
-            <a:normAutofit/>
-          </a:bodyPr>
+          <a:bodyPr/>
           <a:lstStyle/>
           <a:p>
-            <a:pPr>
-              <a:spcAft>
-                <a:spcPts val="600"/>
-              </a:spcAft>
-            </a:pPr>
+            <a:pPr algn="l"/>
             <a:r>
               <a:rPr lang="en-US" dirty="0"/>
               <a:t>Interview Scenario – Isabelle Grenier</a:t>
             </a:r>
-            <a:endParaRPr lang="en-US"/>
           </a:p>
         </p:txBody>
       </p:sp>
       <p:sp>
         <p:nvSpPr>
-          <p:cNvPr id="7" name="Slide Number Placeholder 6">
+          <p:cNvPr id="6" name="Slide Number Placeholder 5">
             <a:extLst>
               <a:ext uri="{FF2B5EF4-FFF2-40B4-BE49-F238E27FC236}">
-                <a16:creationId xmlns:a16="http://schemas.microsoft.com/office/drawing/2014/main" id="{D189FE3B-14B7-6A44-A18B-0D76CB636DAE}"/>
+                <a16:creationId xmlns:a16="http://schemas.microsoft.com/office/drawing/2014/main" id="{8C553A4F-23D0-235F-F69F-1982B7F617FC}"/>
               </a:ext>
             </a:extLst>
           </p:cNvPr>
@@ -35402,40 +39177,274 @@
             <p:ph type="sldNum" sz="quarter" idx="12"/>
           </p:nvPr>
         </p:nvSpPr>
-        <p:spPr>
-          <a:xfrm>
-            <a:off x="8610600" y="6356350"/>
-            <a:ext cx="2743200" cy="365125"/>
-          </a:xfrm>
-        </p:spPr>
+        <p:spPr/>
         <p:txBody>
-          <a:bodyPr anchor="ctr">
-            <a:normAutofit/>
-          </a:bodyPr>
+          <a:bodyPr/>
           <a:lstStyle/>
           <a:p>
-            <a:pPr>
-              <a:spcAft>
-                <a:spcPts val="600"/>
-              </a:spcAft>
-            </a:pPr>
             <a:fld id="{B9713C8C-8E70-45D5-AE59-23E60168254E}" type="slidenum">
               <a:rPr lang="en-US" smtClean="0"/>
-              <a:pPr>
-                <a:spcAft>
-                  <a:spcPts val="600"/>
-                </a:spcAft>
-              </a:pPr>
               <a:t>8</a:t>
             </a:fld>
-            <a:endParaRPr lang="en-US"/>
+            <a:endParaRPr lang="en-US" dirty="0"/>
           </a:p>
         </p:txBody>
       </p:sp>
+      <p:graphicFrame>
+        <p:nvGraphicFramePr>
+          <p:cNvPr id="14" name="Table 13">
+            <a:extLst>
+              <a:ext uri="{FF2B5EF4-FFF2-40B4-BE49-F238E27FC236}">
+                <a16:creationId xmlns:a16="http://schemas.microsoft.com/office/drawing/2014/main" id="{8105DD01-9C13-6A78-C7AA-E6778B67A1B1}"/>
+              </a:ext>
+            </a:extLst>
+          </p:cNvPr>
+          <p:cNvGraphicFramePr>
+            <a:graphicFrameLocks noGrp="1"/>
+          </p:cNvGraphicFramePr>
+          <p:nvPr>
+            <p:extLst>
+              <p:ext uri="{D42A27DB-BD31-4B8C-83A1-F6EECF244321}">
+                <p14:modId xmlns:p14="http://schemas.microsoft.com/office/powerpoint/2010/main" val="2511025677"/>
+              </p:ext>
+            </p:extLst>
+          </p:nvPr>
+        </p:nvGraphicFramePr>
+        <p:xfrm>
+          <a:off x="833576" y="2007020"/>
+          <a:ext cx="5793041" cy="3215640"/>
+        </p:xfrm>
+        <a:graphic>
+          <a:graphicData uri="http://schemas.openxmlformats.org/drawingml/2006/table">
+            <a:tbl>
+              <a:tblPr firstRow="1" bandRow="1">
+                <a:tableStyleId>{69012ECD-51FC-41F1-AA8D-1B2483CD663E}</a:tableStyleId>
+              </a:tblPr>
+              <a:tblGrid>
+                <a:gridCol w="1700784">
+                  <a:extLst>
+                    <a:ext uri="{9D8B030D-6E8A-4147-A177-3AD203B41FA5}">
+                      <a16:colId xmlns:a16="http://schemas.microsoft.com/office/drawing/2014/main" val="2125467340"/>
+                    </a:ext>
+                  </a:extLst>
+                </a:gridCol>
+                <a:gridCol w="4092257">
+                  <a:extLst>
+                    <a:ext uri="{9D8B030D-6E8A-4147-A177-3AD203B41FA5}">
+                      <a16:colId xmlns:a16="http://schemas.microsoft.com/office/drawing/2014/main" val="2399560711"/>
+                    </a:ext>
+                  </a:extLst>
+                </a:gridCol>
+              </a:tblGrid>
+              <a:tr h="370840">
+                <a:tc gridSpan="2">
+                  <a:txBody>
+                    <a:bodyPr/>
+                    <a:lstStyle/>
+                    <a:p>
+                      <a:pPr algn="ctr"/>
+                      <a:r>
+                        <a:rPr lang="en-US" dirty="0"/>
+                        <a:t>Race</a:t>
+                      </a:r>
+                    </a:p>
+                  </a:txBody>
+                  <a:tcPr/>
+                </a:tc>
+                <a:tc hMerge="1">
+                  <a:txBody>
+                    <a:bodyPr/>
+                    <a:lstStyle/>
+                    <a:p>
+                      <a:endParaRPr lang="en-US" dirty="0"/>
+                    </a:p>
+                  </a:txBody>
+                  <a:tcPr/>
+                </a:tc>
+                <a:extLst>
+                  <a:ext uri="{0D108BD9-81ED-4DB2-BD59-A6C34878D82A}">
+                    <a16:rowId xmlns:a16="http://schemas.microsoft.com/office/drawing/2014/main" val="410954509"/>
+                  </a:ext>
+                </a:extLst>
+              </a:tr>
+              <a:tr h="370840">
+                <a:tc>
+                  <a:txBody>
+                    <a:bodyPr/>
+                    <a:lstStyle/>
+                    <a:p>
+                      <a:r>
+                        <a:rPr lang="en-US" dirty="0"/>
+                        <a:t>Type</a:t>
+                      </a:r>
+                    </a:p>
+                  </a:txBody>
+                  <a:tcPr/>
+                </a:tc>
+                <a:tc>
+                  <a:txBody>
+                    <a:bodyPr/>
+                    <a:lstStyle/>
+                    <a:p>
+                      <a:r>
+                        <a:rPr lang="en-US" i="1" dirty="0"/>
+                        <a:t>Categorical (Nominal)</a:t>
+                      </a:r>
+                    </a:p>
+                  </a:txBody>
+                  <a:tcPr/>
+                </a:tc>
+                <a:extLst>
+                  <a:ext uri="{0D108BD9-81ED-4DB2-BD59-A6C34878D82A}">
+                    <a16:rowId xmlns:a16="http://schemas.microsoft.com/office/drawing/2014/main" val="862134589"/>
+                  </a:ext>
+                </a:extLst>
+              </a:tr>
+              <a:tr h="370840">
+                <a:tc>
+                  <a:txBody>
+                    <a:bodyPr/>
+                    <a:lstStyle/>
+                    <a:p>
+                      <a:r>
+                        <a:rPr lang="en-US" dirty="0"/>
+                        <a:t>Range</a:t>
+                      </a:r>
+                    </a:p>
+                  </a:txBody>
+                  <a:tcPr/>
+                </a:tc>
+                <a:tc>
+                  <a:txBody>
+                    <a:bodyPr/>
+                    <a:lstStyle/>
+                    <a:p>
+                      <a:r>
+                        <a:rPr lang="en-US" i="1" dirty="0"/>
+                        <a:t>American Indian or Alaska native, Asian, Black or African American, White, Not reported</a:t>
+                      </a:r>
+                    </a:p>
+                  </a:txBody>
+                  <a:tcPr/>
+                </a:tc>
+                <a:extLst>
+                  <a:ext uri="{0D108BD9-81ED-4DB2-BD59-A6C34878D82A}">
+                    <a16:rowId xmlns:a16="http://schemas.microsoft.com/office/drawing/2014/main" val="2760629121"/>
+                  </a:ext>
+                </a:extLst>
+              </a:tr>
+              <a:tr h="370840">
+                <a:tc>
+                  <a:txBody>
+                    <a:bodyPr/>
+                    <a:lstStyle/>
+                    <a:p>
+                      <a:r>
+                        <a:rPr lang="en-US" dirty="0"/>
+                        <a:t>Missing Values</a:t>
+                      </a:r>
+                    </a:p>
+                  </a:txBody>
+                  <a:tcPr/>
+                </a:tc>
+                <a:tc>
+                  <a:txBody>
+                    <a:bodyPr/>
+                    <a:lstStyle/>
+                    <a:p>
+                      <a:pPr marL="0" indent="0">
+                        <a:buFont typeface="Arial" panose="020B0604020202020204" pitchFamily="34" charset="0"/>
+                        <a:buNone/>
+                      </a:pPr>
+                      <a:r>
+                        <a:rPr lang="en-US" i="1" dirty="0"/>
+                        <a:t>No</a:t>
+                      </a:r>
+                    </a:p>
+                  </a:txBody>
+                  <a:tcPr/>
+                </a:tc>
+                <a:extLst>
+                  <a:ext uri="{0D108BD9-81ED-4DB2-BD59-A6C34878D82A}">
+                    <a16:rowId xmlns:a16="http://schemas.microsoft.com/office/drawing/2014/main" val="3974885980"/>
+                  </a:ext>
+                </a:extLst>
+              </a:tr>
+              <a:tr h="370840">
+                <a:tc>
+                  <a:txBody>
+                    <a:bodyPr/>
+                    <a:lstStyle/>
+                    <a:p>
+                      <a:r>
+                        <a:rPr lang="en-US" dirty="0"/>
+                        <a:t>Notes</a:t>
+                      </a:r>
+                    </a:p>
+                  </a:txBody>
+                  <a:tcPr/>
+                </a:tc>
+                <a:tc>
+                  <a:txBody>
+                    <a:bodyPr/>
+                    <a:lstStyle/>
+                    <a:p>
+                      <a:pPr marL="285750" indent="-285750">
+                        <a:buFont typeface="Arial" panose="020B0604020202020204" pitchFamily="34" charset="0"/>
+                        <a:buChar char="•"/>
+                      </a:pPr>
+                      <a:r>
+                        <a:rPr lang="en-US" i="1" dirty="0"/>
+                        <a:t>Some race categories contained too few cases and too few events, so we group them in a single category called “other”</a:t>
+                      </a:r>
+                    </a:p>
+                  </a:txBody>
+                  <a:tcPr/>
+                </a:tc>
+                <a:extLst>
+                  <a:ext uri="{0D108BD9-81ED-4DB2-BD59-A6C34878D82A}">
+                    <a16:rowId xmlns:a16="http://schemas.microsoft.com/office/drawing/2014/main" val="2428583178"/>
+                  </a:ext>
+                </a:extLst>
+              </a:tr>
+            </a:tbl>
+          </a:graphicData>
+        </a:graphic>
+      </p:graphicFrame>
+      <p:pic>
+        <p:nvPicPr>
+          <p:cNvPr id="17" name="Picture 16" descr="Chart, bar chart&#10;&#10;Description automatically generated">
+            <a:extLst>
+              <a:ext uri="{FF2B5EF4-FFF2-40B4-BE49-F238E27FC236}">
+                <a16:creationId xmlns:a16="http://schemas.microsoft.com/office/drawing/2014/main" id="{8F0DF423-02C5-FF41-3537-A03B1A052A5F}"/>
+              </a:ext>
+            </a:extLst>
+          </p:cNvPr>
+          <p:cNvPicPr>
+            <a:picLocks noChangeAspect="1"/>
+          </p:cNvPicPr>
+          <p:nvPr/>
+        </p:nvPicPr>
+        <p:blipFill>
+          <a:blip r:embed="rId2"/>
+          <a:stretch>
+            <a:fillRect/>
+          </a:stretch>
+        </p:blipFill>
+        <p:spPr>
+          <a:xfrm>
+            <a:off x="6996541" y="1799315"/>
+            <a:ext cx="4357259" cy="3631049"/>
+          </a:xfrm>
+          <a:prstGeom prst="rect">
+            <a:avLst/>
+          </a:prstGeom>
+        </p:spPr>
+      </p:pic>
     </p:spTree>
     <p:extLst>
       <p:ext uri="{BB962C8B-B14F-4D97-AF65-F5344CB8AC3E}">
-        <p14:creationId xmlns:p14="http://schemas.microsoft.com/office/powerpoint/2010/main" val="2723459132"/>
+        <p14:creationId xmlns:p14="http://schemas.microsoft.com/office/powerpoint/2010/main" val="1098620933"/>
       </p:ext>
     </p:extLst>
   </p:cSld>
@@ -35467,7 +39476,7 @@
           <p:cNvPr id="2" name="Title 1">
             <a:extLst>
               <a:ext uri="{FF2B5EF4-FFF2-40B4-BE49-F238E27FC236}">
-                <a16:creationId xmlns:a16="http://schemas.microsoft.com/office/drawing/2014/main" id="{E50198A5-8862-4233-5CAB-4D58E358EFAC}"/>
+                <a16:creationId xmlns:a16="http://schemas.microsoft.com/office/drawing/2014/main" id="{14887571-868C-DFE3-EA0E-DAD0308D30E8}"/>
               </a:ext>
             </a:extLst>
           </p:cNvPr>
@@ -35478,56 +39487,14 @@
             <p:ph type="title"/>
           </p:nvPr>
         </p:nvSpPr>
-        <p:spPr>
-          <a:xfrm>
-            <a:off x="831850" y="-1476133"/>
-            <a:ext cx="5266944" cy="4413297"/>
-          </a:xfrm>
-        </p:spPr>
+        <p:spPr/>
         <p:txBody>
-          <a:bodyPr>
-            <a:normAutofit/>
-          </a:bodyPr>
+          <a:bodyPr/>
           <a:lstStyle/>
           <a:p>
             <a:r>
               <a:rPr lang="en-US" dirty="0"/>
-              <a:t>Part II</a:t>
-            </a:r>
-          </a:p>
-        </p:txBody>
-      </p:sp>
-      <p:sp>
-        <p:nvSpPr>
-          <p:cNvPr id="3" name="Text Placeholder 2">
-            <a:extLst>
-              <a:ext uri="{FF2B5EF4-FFF2-40B4-BE49-F238E27FC236}">
-                <a16:creationId xmlns:a16="http://schemas.microsoft.com/office/drawing/2014/main" id="{A882557C-0778-28B6-2230-963C8CE01B95}"/>
-              </a:ext>
-            </a:extLst>
-          </p:cNvPr>
-          <p:cNvSpPr>
-            <a:spLocks noGrp="1"/>
-          </p:cNvSpPr>
-          <p:nvPr>
-            <p:ph type="body" idx="1"/>
-          </p:nvPr>
-        </p:nvSpPr>
-        <p:spPr>
-          <a:xfrm>
-            <a:off x="831850" y="3057236"/>
-            <a:ext cx="5578186" cy="2110951"/>
-          </a:xfrm>
-        </p:spPr>
-        <p:txBody>
-          <a:bodyPr>
-            <a:normAutofit/>
-          </a:bodyPr>
-          <a:lstStyle/>
-          <a:p>
-            <a:r>
-              <a:rPr lang="en-US" dirty="0"/>
-              <a:t>Understanding the association between genes and patient survival </a:t>
+              <a:t>Data Overview</a:t>
             </a:r>
           </a:p>
         </p:txBody>
@@ -35537,7 +39504,7 @@
           <p:cNvPr id="4" name="Date Placeholder 3">
             <a:extLst>
               <a:ext uri="{FF2B5EF4-FFF2-40B4-BE49-F238E27FC236}">
-                <a16:creationId xmlns:a16="http://schemas.microsoft.com/office/drawing/2014/main" id="{6E13321A-E295-EF86-78F7-40AF32BB7308}"/>
+                <a16:creationId xmlns:a16="http://schemas.microsoft.com/office/drawing/2014/main" id="{1E518111-A546-D6BA-9734-58B5D6A30FCB}"/>
               </a:ext>
             </a:extLst>
           </p:cNvPr>
@@ -35555,7 +39522,7 @@
           <a:p>
             <a:r>
               <a:rPr lang="en-US" dirty="0"/>
-              <a:t>9/3/20XX</a:t>
+              <a:t>05/03/2023</a:t>
             </a:r>
           </a:p>
         </p:txBody>
@@ -35565,7 +39532,7 @@
           <p:cNvPr id="5" name="Footer Placeholder 4">
             <a:extLst>
               <a:ext uri="{FF2B5EF4-FFF2-40B4-BE49-F238E27FC236}">
-                <a16:creationId xmlns:a16="http://schemas.microsoft.com/office/drawing/2014/main" id="{04573785-FE1C-12BA-FF97-C574ED27EF1A}"/>
+                <a16:creationId xmlns:a16="http://schemas.microsoft.com/office/drawing/2014/main" id="{E18DA1D0-B266-9012-6DEB-1809EAFEF42C}"/>
               </a:ext>
             </a:extLst>
           </p:cNvPr>
@@ -35594,7 +39561,7 @@
           <p:cNvPr id="6" name="Slide Number Placeholder 5">
             <a:extLst>
               <a:ext uri="{FF2B5EF4-FFF2-40B4-BE49-F238E27FC236}">
-                <a16:creationId xmlns:a16="http://schemas.microsoft.com/office/drawing/2014/main" id="{C641417A-25BB-305B-00AA-EDB7FE48C294}"/>
+                <a16:creationId xmlns:a16="http://schemas.microsoft.com/office/drawing/2014/main" id="{8C553A4F-23D0-235F-F69F-1982B7F617FC}"/>
               </a:ext>
             </a:extLst>
           </p:cNvPr>
@@ -35618,10 +39585,285 @@
           </a:p>
         </p:txBody>
       </p:sp>
+      <p:graphicFrame>
+        <p:nvGraphicFramePr>
+          <p:cNvPr id="14" name="Table 13">
+            <a:extLst>
+              <a:ext uri="{FF2B5EF4-FFF2-40B4-BE49-F238E27FC236}">
+                <a16:creationId xmlns:a16="http://schemas.microsoft.com/office/drawing/2014/main" id="{894F7F0A-EDD5-7FEF-7BBB-855C2EE6CFF3}"/>
+              </a:ext>
+            </a:extLst>
+          </p:cNvPr>
+          <p:cNvGraphicFramePr>
+            <a:graphicFrameLocks noGrp="1"/>
+          </p:cNvGraphicFramePr>
+          <p:nvPr>
+            <p:extLst>
+              <p:ext uri="{D42A27DB-BD31-4B8C-83A1-F6EECF244321}">
+                <p14:modId xmlns:p14="http://schemas.microsoft.com/office/powerpoint/2010/main" val="1319428368"/>
+              </p:ext>
+            </p:extLst>
+          </p:nvPr>
+        </p:nvGraphicFramePr>
+        <p:xfrm>
+          <a:off x="833576" y="2007020"/>
+          <a:ext cx="5793041" cy="3495040"/>
+        </p:xfrm>
+        <a:graphic>
+          <a:graphicData uri="http://schemas.openxmlformats.org/drawingml/2006/table">
+            <a:tbl>
+              <a:tblPr firstRow="1" bandRow="1">
+                <a:tableStyleId>{69012ECD-51FC-41F1-AA8D-1B2483CD663E}</a:tableStyleId>
+              </a:tblPr>
+              <a:tblGrid>
+                <a:gridCol w="1700784">
+                  <a:extLst>
+                    <a:ext uri="{9D8B030D-6E8A-4147-A177-3AD203B41FA5}">
+                      <a16:colId xmlns:a16="http://schemas.microsoft.com/office/drawing/2014/main" val="2125467340"/>
+                    </a:ext>
+                  </a:extLst>
+                </a:gridCol>
+                <a:gridCol w="4092257">
+                  <a:extLst>
+                    <a:ext uri="{9D8B030D-6E8A-4147-A177-3AD203B41FA5}">
+                      <a16:colId xmlns:a16="http://schemas.microsoft.com/office/drawing/2014/main" val="2399560711"/>
+                    </a:ext>
+                  </a:extLst>
+                </a:gridCol>
+              </a:tblGrid>
+              <a:tr h="370840">
+                <a:tc gridSpan="2">
+                  <a:txBody>
+                    <a:bodyPr/>
+                    <a:lstStyle/>
+                    <a:p>
+                      <a:pPr algn="ctr"/>
+                      <a:r>
+                        <a:rPr lang="en-US" dirty="0"/>
+                        <a:t>Year of Diagnosis</a:t>
+                      </a:r>
+                    </a:p>
+                  </a:txBody>
+                  <a:tcPr/>
+                </a:tc>
+                <a:tc hMerge="1">
+                  <a:txBody>
+                    <a:bodyPr/>
+                    <a:lstStyle/>
+                    <a:p>
+                      <a:endParaRPr lang="en-US" dirty="0"/>
+                    </a:p>
+                  </a:txBody>
+                  <a:tcPr/>
+                </a:tc>
+                <a:extLst>
+                  <a:ext uri="{0D108BD9-81ED-4DB2-BD59-A6C34878D82A}">
+                    <a16:rowId xmlns:a16="http://schemas.microsoft.com/office/drawing/2014/main" val="410954509"/>
+                  </a:ext>
+                </a:extLst>
+              </a:tr>
+              <a:tr h="370840">
+                <a:tc>
+                  <a:txBody>
+                    <a:bodyPr/>
+                    <a:lstStyle/>
+                    <a:p>
+                      <a:r>
+                        <a:rPr lang="en-US" dirty="0"/>
+                        <a:t>Type</a:t>
+                      </a:r>
+                    </a:p>
+                  </a:txBody>
+                  <a:tcPr/>
+                </a:tc>
+                <a:tc>
+                  <a:txBody>
+                    <a:bodyPr/>
+                    <a:lstStyle/>
+                    <a:p>
+                      <a:r>
+                        <a:rPr lang="en-US" i="1" dirty="0"/>
+                        <a:t>Numeric (Continuous)</a:t>
+                      </a:r>
+                    </a:p>
+                  </a:txBody>
+                  <a:tcPr/>
+                </a:tc>
+                <a:extLst>
+                  <a:ext uri="{0D108BD9-81ED-4DB2-BD59-A6C34878D82A}">
+                    <a16:rowId xmlns:a16="http://schemas.microsoft.com/office/drawing/2014/main" val="862134589"/>
+                  </a:ext>
+                </a:extLst>
+              </a:tr>
+              <a:tr h="370840">
+                <a:tc>
+                  <a:txBody>
+                    <a:bodyPr/>
+                    <a:lstStyle/>
+                    <a:p>
+                      <a:r>
+                        <a:rPr lang="en-US" dirty="0"/>
+                        <a:t>Range</a:t>
+                      </a:r>
+                    </a:p>
+                  </a:txBody>
+                  <a:tcPr/>
+                </a:tc>
+                <a:tc>
+                  <a:txBody>
+                    <a:bodyPr/>
+                    <a:lstStyle/>
+                    <a:p>
+                      <a:r>
+                        <a:rPr lang="en-US" i="1" dirty="0"/>
+                        <a:t>1988 to 2013</a:t>
+                      </a:r>
+                    </a:p>
+                  </a:txBody>
+                  <a:tcPr/>
+                </a:tc>
+                <a:extLst>
+                  <a:ext uri="{0D108BD9-81ED-4DB2-BD59-A6C34878D82A}">
+                    <a16:rowId xmlns:a16="http://schemas.microsoft.com/office/drawing/2014/main" val="2760629121"/>
+                  </a:ext>
+                </a:extLst>
+              </a:tr>
+              <a:tr h="370840">
+                <a:tc>
+                  <a:txBody>
+                    <a:bodyPr/>
+                    <a:lstStyle/>
+                    <a:p>
+                      <a:r>
+                        <a:rPr lang="en-US" dirty="0"/>
+                        <a:t>Missing Values</a:t>
+                      </a:r>
+                    </a:p>
+                  </a:txBody>
+                  <a:tcPr/>
+                </a:tc>
+                <a:tc>
+                  <a:txBody>
+                    <a:bodyPr/>
+                    <a:lstStyle/>
+                    <a:p>
+                      <a:pPr marL="0" indent="0">
+                        <a:buFont typeface="Arial" panose="020B0604020202020204" pitchFamily="34" charset="0"/>
+                        <a:buNone/>
+                      </a:pPr>
+                      <a:r>
+                        <a:rPr lang="en-US" i="1" dirty="0"/>
+                        <a:t>Yes</a:t>
+                      </a:r>
+                    </a:p>
+                  </a:txBody>
+                  <a:tcPr/>
+                </a:tc>
+                <a:extLst>
+                  <a:ext uri="{0D108BD9-81ED-4DB2-BD59-A6C34878D82A}">
+                    <a16:rowId xmlns:a16="http://schemas.microsoft.com/office/drawing/2014/main" val="3974885980"/>
+                  </a:ext>
+                </a:extLst>
+              </a:tr>
+              <a:tr h="370840">
+                <a:tc>
+                  <a:txBody>
+                    <a:bodyPr/>
+                    <a:lstStyle/>
+                    <a:p>
+                      <a:r>
+                        <a:rPr lang="en-US" dirty="0"/>
+                        <a:t>Notes</a:t>
+                      </a:r>
+                    </a:p>
+                  </a:txBody>
+                  <a:tcPr/>
+                </a:tc>
+                <a:tc>
+                  <a:txBody>
+                    <a:bodyPr/>
+                    <a:lstStyle/>
+                    <a:p>
+                      <a:pPr marL="285750" indent="-285750">
+                        <a:buFont typeface="Arial" panose="020B0604020202020204" pitchFamily="34" charset="0"/>
+                        <a:buChar char="•"/>
+                      </a:pPr>
+                      <a:r>
+                        <a:rPr lang="en-US" i="1" dirty="0"/>
+                        <a:t>Small number of cases yearly until mid-2000s</a:t>
+                      </a:r>
+                    </a:p>
+                    <a:p>
+                      <a:pPr marL="285750" indent="-285750">
+                        <a:buFont typeface="Arial" panose="020B0604020202020204" pitchFamily="34" charset="0"/>
+                        <a:buChar char="•"/>
+                      </a:pPr>
+                      <a:r>
+                        <a:rPr lang="en-US" i="1" dirty="0"/>
+                        <a:t>We could group the years into ranges, evenly or based on meaningful milestones</a:t>
+                      </a:r>
+                    </a:p>
+                    <a:p>
+                      <a:pPr marL="285750" indent="-285750">
+                        <a:buFont typeface="Arial" panose="020B0604020202020204" pitchFamily="34" charset="0"/>
+                        <a:buChar char="•"/>
+                      </a:pPr>
+                      <a:r>
+                        <a:rPr lang="en-US" i="1" dirty="0"/>
+                        <a:t>We will treat the year as a </a:t>
+                      </a:r>
+                      <a:r>
+                        <a:rPr lang="en-US" b="1" i="1" dirty="0"/>
+                        <a:t>continuous variable</a:t>
+                      </a:r>
+                    </a:p>
+                  </a:txBody>
+                  <a:tcPr/>
+                </a:tc>
+                <a:extLst>
+                  <a:ext uri="{0D108BD9-81ED-4DB2-BD59-A6C34878D82A}">
+                    <a16:rowId xmlns:a16="http://schemas.microsoft.com/office/drawing/2014/main" val="2428583178"/>
+                  </a:ext>
+                </a:extLst>
+              </a:tr>
+            </a:tbl>
+          </a:graphicData>
+        </a:graphic>
+      </p:graphicFrame>
+      <p:pic>
+        <p:nvPicPr>
+          <p:cNvPr id="20" name="Picture 19" descr="Chart, box and whisker chart&#10;&#10;Description automatically generated">
+            <a:extLst>
+              <a:ext uri="{FF2B5EF4-FFF2-40B4-BE49-F238E27FC236}">
+                <a16:creationId xmlns:a16="http://schemas.microsoft.com/office/drawing/2014/main" id="{04CB34F2-5A7B-7429-64E6-BC6397AB52C0}"/>
+              </a:ext>
+            </a:extLst>
+          </p:cNvPr>
+          <p:cNvPicPr>
+            <a:picLocks noChangeAspect="1"/>
+          </p:cNvPicPr>
+          <p:nvPr/>
+        </p:nvPicPr>
+        <p:blipFill>
+          <a:blip r:embed="rId2"/>
+          <a:stretch>
+            <a:fillRect/>
+          </a:stretch>
+        </p:blipFill>
+        <p:spPr>
+          <a:xfrm>
+            <a:off x="6996542" y="2007020"/>
+            <a:ext cx="4357258" cy="3631048"/>
+          </a:xfrm>
+          <a:prstGeom prst="rect">
+            <a:avLst/>
+          </a:prstGeom>
+        </p:spPr>
+      </p:pic>
     </p:spTree>
     <p:extLst>
       <p:ext uri="{BB962C8B-B14F-4D97-AF65-F5344CB8AC3E}">
-        <p14:creationId xmlns:p14="http://schemas.microsoft.com/office/powerpoint/2010/main" val="871459220"/>
+        <p14:creationId xmlns:p14="http://schemas.microsoft.com/office/powerpoint/2010/main" val="2454981824"/>
       </p:ext>
     </p:extLst>
   </p:cSld>

--- a/presentation_05032023.pptx
+++ b/presentation_05032023.pptx
@@ -5,7 +5,7 @@
     <p:sldMasterId id="2147483733" r:id="rId4"/>
   </p:sldMasterIdLst>
   <p:notesMasterIdLst>
-    <p:notesMasterId r:id="rId27"/>
+    <p:notesMasterId r:id="rId29"/>
   </p:notesMasterIdLst>
   <p:sldIdLst>
     <p:sldId id="401" r:id="rId5"/>
@@ -22,14 +22,16 @@
     <p:sldId id="413" r:id="rId16"/>
     <p:sldId id="430" r:id="rId17"/>
     <p:sldId id="414" r:id="rId18"/>
-    <p:sldId id="418" r:id="rId19"/>
-    <p:sldId id="416" r:id="rId20"/>
-    <p:sldId id="420" r:id="rId21"/>
-    <p:sldId id="421" r:id="rId22"/>
-    <p:sldId id="419" r:id="rId23"/>
-    <p:sldId id="408" r:id="rId24"/>
-    <p:sldId id="409" r:id="rId25"/>
-    <p:sldId id="429" r:id="rId26"/>
+    <p:sldId id="432" r:id="rId19"/>
+    <p:sldId id="433" r:id="rId20"/>
+    <p:sldId id="418" r:id="rId21"/>
+    <p:sldId id="416" r:id="rId22"/>
+    <p:sldId id="420" r:id="rId23"/>
+    <p:sldId id="421" r:id="rId24"/>
+    <p:sldId id="435" r:id="rId25"/>
+    <p:sldId id="419" r:id="rId26"/>
+    <p:sldId id="409" r:id="rId27"/>
+    <p:sldId id="429" r:id="rId28"/>
   </p:sldIdLst>
   <p:sldSz cx="12192000" cy="6858000"/>
   <p:notesSz cx="6858000" cy="9144000"/>
@@ -510,6 +512,354 @@
     </a:lvl9pPr>
   </p:notesStyle>
 </p:notesMaster>
+</file>
+
+<file path=ppt/notesSlides/notesSlide1.xml><?xml version="1.0" encoding="utf-8"?>
+<p:notes xmlns:a="http://schemas.openxmlformats.org/drawingml/2006/main" xmlns:r="http://schemas.openxmlformats.org/officeDocument/2006/relationships" xmlns:p="http://schemas.openxmlformats.org/presentationml/2006/main">
+  <p:cSld>
+    <p:spTree>
+      <p:nvGrpSpPr>
+        <p:cNvPr id="1" name=""/>
+        <p:cNvGrpSpPr/>
+        <p:nvPr/>
+      </p:nvGrpSpPr>
+      <p:grpSpPr>
+        <a:xfrm>
+          <a:off x="0" y="0"/>
+          <a:ext cx="0" cy="0"/>
+          <a:chOff x="0" y="0"/>
+          <a:chExt cx="0" cy="0"/>
+        </a:xfrm>
+      </p:grpSpPr>
+      <p:sp>
+        <p:nvSpPr>
+          <p:cNvPr id="2" name="Slide Image Placeholder 1"/>
+          <p:cNvSpPr>
+            <a:spLocks noGrp="1" noRot="1" noChangeAspect="1"/>
+          </p:cNvSpPr>
+          <p:nvPr>
+            <p:ph type="sldImg"/>
+          </p:nvPr>
+        </p:nvSpPr>
+        <p:spPr/>
+      </p:sp>
+      <p:sp>
+        <p:nvSpPr>
+          <p:cNvPr id="3" name="Notes Placeholder 2"/>
+          <p:cNvSpPr>
+            <a:spLocks noGrp="1"/>
+          </p:cNvSpPr>
+          <p:nvPr>
+            <p:ph type="body" idx="1"/>
+          </p:nvPr>
+        </p:nvSpPr>
+        <p:spPr/>
+        <p:txBody>
+          <a:bodyPr/>
+          <a:lstStyle/>
+          <a:p>
+            <a:r>
+              <a:rPr lang="en-US" dirty="0"/>
+              <a:t>Mention the median, and that the distribution is somewhat symmetric </a:t>
+            </a:r>
+          </a:p>
+        </p:txBody>
+      </p:sp>
+      <p:sp>
+        <p:nvSpPr>
+          <p:cNvPr id="4" name="Slide Number Placeholder 3"/>
+          <p:cNvSpPr>
+            <a:spLocks noGrp="1"/>
+          </p:cNvSpPr>
+          <p:nvPr>
+            <p:ph type="sldNum" sz="quarter" idx="5"/>
+          </p:nvPr>
+        </p:nvSpPr>
+        <p:spPr/>
+        <p:txBody>
+          <a:bodyPr/>
+          <a:lstStyle/>
+          <a:p>
+            <a:fld id="{0D0EDF81-139F-488C-872B-4720FBA6BF98}" type="slidenum">
+              <a:rPr lang="en-US" smtClean="0"/>
+              <a:t>6</a:t>
+            </a:fld>
+            <a:endParaRPr lang="en-US" dirty="0"/>
+          </a:p>
+        </p:txBody>
+      </p:sp>
+    </p:spTree>
+    <p:extLst>
+      <p:ext uri="{BB962C8B-B14F-4D97-AF65-F5344CB8AC3E}">
+        <p14:creationId xmlns:p14="http://schemas.microsoft.com/office/powerpoint/2010/main" val="3532457128"/>
+      </p:ext>
+    </p:extLst>
+  </p:cSld>
+  <p:clrMapOvr>
+    <a:masterClrMapping/>
+  </p:clrMapOvr>
+</p:notes>
+</file>
+
+<file path=ppt/notesSlides/notesSlide2.xml><?xml version="1.0" encoding="utf-8"?>
+<p:notes xmlns:a="http://schemas.openxmlformats.org/drawingml/2006/main" xmlns:r="http://schemas.openxmlformats.org/officeDocument/2006/relationships" xmlns:p="http://schemas.openxmlformats.org/presentationml/2006/main">
+  <p:cSld>
+    <p:spTree>
+      <p:nvGrpSpPr>
+        <p:cNvPr id="1" name=""/>
+        <p:cNvGrpSpPr/>
+        <p:nvPr/>
+      </p:nvGrpSpPr>
+      <p:grpSpPr>
+        <a:xfrm>
+          <a:off x="0" y="0"/>
+          <a:ext cx="0" cy="0"/>
+          <a:chOff x="0" y="0"/>
+          <a:chExt cx="0" cy="0"/>
+        </a:xfrm>
+      </p:grpSpPr>
+      <p:sp>
+        <p:nvSpPr>
+          <p:cNvPr id="2" name="Slide Image Placeholder 1"/>
+          <p:cNvSpPr>
+            <a:spLocks noGrp="1" noRot="1" noChangeAspect="1"/>
+          </p:cNvSpPr>
+          <p:nvPr>
+            <p:ph type="sldImg"/>
+          </p:nvPr>
+        </p:nvSpPr>
+        <p:spPr/>
+      </p:sp>
+      <p:sp>
+        <p:nvSpPr>
+          <p:cNvPr id="3" name="Notes Placeholder 2"/>
+          <p:cNvSpPr>
+            <a:spLocks noGrp="1"/>
+          </p:cNvSpPr>
+          <p:nvPr>
+            <p:ph type="body" idx="1"/>
+          </p:nvPr>
+        </p:nvSpPr>
+        <p:spPr/>
+        <p:txBody>
+          <a:bodyPr/>
+          <a:lstStyle/>
+          <a:p>
+            <a:r>
+              <a:rPr lang="en-US" dirty="0"/>
+              <a:t>Update the coefficients to final values and write p-value in scientific notation</a:t>
+            </a:r>
+          </a:p>
+        </p:txBody>
+      </p:sp>
+      <p:sp>
+        <p:nvSpPr>
+          <p:cNvPr id="4" name="Slide Number Placeholder 3"/>
+          <p:cNvSpPr>
+            <a:spLocks noGrp="1"/>
+          </p:cNvSpPr>
+          <p:nvPr>
+            <p:ph type="sldNum" sz="quarter" idx="5"/>
+          </p:nvPr>
+        </p:nvSpPr>
+        <p:spPr/>
+        <p:txBody>
+          <a:bodyPr/>
+          <a:lstStyle/>
+          <a:p>
+            <a:fld id="{0D0EDF81-139F-488C-872B-4720FBA6BF98}" type="slidenum">
+              <a:rPr lang="en-US" smtClean="0"/>
+              <a:t>12</a:t>
+            </a:fld>
+            <a:endParaRPr lang="en-US" dirty="0"/>
+          </a:p>
+        </p:txBody>
+      </p:sp>
+    </p:spTree>
+    <p:extLst>
+      <p:ext uri="{BB962C8B-B14F-4D97-AF65-F5344CB8AC3E}">
+        <p14:creationId xmlns:p14="http://schemas.microsoft.com/office/powerpoint/2010/main" val="1224951496"/>
+      </p:ext>
+    </p:extLst>
+  </p:cSld>
+  <p:clrMapOvr>
+    <a:masterClrMapping/>
+  </p:clrMapOvr>
+</p:notes>
+</file>
+
+<file path=ppt/notesSlides/notesSlide3.xml><?xml version="1.0" encoding="utf-8"?>
+<p:notes xmlns:a="http://schemas.openxmlformats.org/drawingml/2006/main" xmlns:r="http://schemas.openxmlformats.org/officeDocument/2006/relationships" xmlns:p="http://schemas.openxmlformats.org/presentationml/2006/main">
+  <p:cSld>
+    <p:spTree>
+      <p:nvGrpSpPr>
+        <p:cNvPr id="1" name=""/>
+        <p:cNvGrpSpPr/>
+        <p:nvPr/>
+      </p:nvGrpSpPr>
+      <p:grpSpPr>
+        <a:xfrm>
+          <a:off x="0" y="0"/>
+          <a:ext cx="0" cy="0"/>
+          <a:chOff x="0" y="0"/>
+          <a:chExt cx="0" cy="0"/>
+        </a:xfrm>
+      </p:grpSpPr>
+      <p:sp>
+        <p:nvSpPr>
+          <p:cNvPr id="2" name="Slide Image Placeholder 1"/>
+          <p:cNvSpPr>
+            <a:spLocks noGrp="1" noRot="1" noChangeAspect="1"/>
+          </p:cNvSpPr>
+          <p:nvPr>
+            <p:ph type="sldImg"/>
+          </p:nvPr>
+        </p:nvSpPr>
+        <p:spPr/>
+      </p:sp>
+      <p:sp>
+        <p:nvSpPr>
+          <p:cNvPr id="3" name="Notes Placeholder 2"/>
+          <p:cNvSpPr>
+            <a:spLocks noGrp="1"/>
+          </p:cNvSpPr>
+          <p:nvPr>
+            <p:ph type="body" idx="1"/>
+          </p:nvPr>
+        </p:nvSpPr>
+        <p:spPr/>
+        <p:txBody>
+          <a:bodyPr/>
+          <a:lstStyle/>
+          <a:p>
+            <a:r>
+              <a:rPr lang="en-US" dirty="0"/>
+              <a:t>Finish the legend</a:t>
+            </a:r>
+          </a:p>
+        </p:txBody>
+      </p:sp>
+      <p:sp>
+        <p:nvSpPr>
+          <p:cNvPr id="4" name="Slide Number Placeholder 3"/>
+          <p:cNvSpPr>
+            <a:spLocks noGrp="1"/>
+          </p:cNvSpPr>
+          <p:nvPr>
+            <p:ph type="sldNum" sz="quarter" idx="5"/>
+          </p:nvPr>
+        </p:nvSpPr>
+        <p:spPr/>
+        <p:txBody>
+          <a:bodyPr/>
+          <a:lstStyle/>
+          <a:p>
+            <a:fld id="{0D0EDF81-139F-488C-872B-4720FBA6BF98}" type="slidenum">
+              <a:rPr lang="en-US" smtClean="0"/>
+              <a:t>13</a:t>
+            </a:fld>
+            <a:endParaRPr lang="en-US" dirty="0"/>
+          </a:p>
+        </p:txBody>
+      </p:sp>
+    </p:spTree>
+    <p:extLst>
+      <p:ext uri="{BB962C8B-B14F-4D97-AF65-F5344CB8AC3E}">
+        <p14:creationId xmlns:p14="http://schemas.microsoft.com/office/powerpoint/2010/main" val="4146387051"/>
+      </p:ext>
+    </p:extLst>
+  </p:cSld>
+  <p:clrMapOvr>
+    <a:masterClrMapping/>
+  </p:clrMapOvr>
+</p:notes>
+</file>
+
+<file path=ppt/notesSlides/notesSlide4.xml><?xml version="1.0" encoding="utf-8"?>
+<p:notes xmlns:a="http://schemas.openxmlformats.org/drawingml/2006/main" xmlns:r="http://schemas.openxmlformats.org/officeDocument/2006/relationships" xmlns:p="http://schemas.openxmlformats.org/presentationml/2006/main">
+  <p:cSld>
+    <p:spTree>
+      <p:nvGrpSpPr>
+        <p:cNvPr id="1" name=""/>
+        <p:cNvGrpSpPr/>
+        <p:nvPr/>
+      </p:nvGrpSpPr>
+      <p:grpSpPr>
+        <a:xfrm>
+          <a:off x="0" y="0"/>
+          <a:ext cx="0" cy="0"/>
+          <a:chOff x="0" y="0"/>
+          <a:chExt cx="0" cy="0"/>
+        </a:xfrm>
+      </p:grpSpPr>
+      <p:sp>
+        <p:nvSpPr>
+          <p:cNvPr id="2" name="Slide Image Placeholder 1"/>
+          <p:cNvSpPr>
+            <a:spLocks noGrp="1" noRot="1" noChangeAspect="1"/>
+          </p:cNvSpPr>
+          <p:nvPr>
+            <p:ph type="sldImg"/>
+          </p:nvPr>
+        </p:nvSpPr>
+        <p:spPr/>
+      </p:sp>
+      <p:sp>
+        <p:nvSpPr>
+          <p:cNvPr id="3" name="Notes Placeholder 2"/>
+          <p:cNvSpPr>
+            <a:spLocks noGrp="1"/>
+          </p:cNvSpPr>
+          <p:nvPr>
+            <p:ph type="body" idx="1"/>
+          </p:nvPr>
+        </p:nvSpPr>
+        <p:spPr/>
+        <p:txBody>
+          <a:bodyPr/>
+          <a:lstStyle/>
+          <a:p>
+            <a:r>
+              <a:rPr lang="en-US" dirty="0"/>
+              <a:t>Add legend (take from the prediction plot)</a:t>
+            </a:r>
+          </a:p>
+        </p:txBody>
+      </p:sp>
+      <p:sp>
+        <p:nvSpPr>
+          <p:cNvPr id="4" name="Slide Number Placeholder 3"/>
+          <p:cNvSpPr>
+            <a:spLocks noGrp="1"/>
+          </p:cNvSpPr>
+          <p:nvPr>
+            <p:ph type="sldNum" sz="quarter" idx="5"/>
+          </p:nvPr>
+        </p:nvSpPr>
+        <p:spPr/>
+        <p:txBody>
+          <a:bodyPr/>
+          <a:lstStyle/>
+          <a:p>
+            <a:fld id="{0D0EDF81-139F-488C-872B-4720FBA6BF98}" type="slidenum">
+              <a:rPr lang="en-US" smtClean="0"/>
+              <a:t>24</a:t>
+            </a:fld>
+            <a:endParaRPr lang="en-US" dirty="0"/>
+          </a:p>
+        </p:txBody>
+      </p:sp>
+    </p:spTree>
+    <p:extLst>
+      <p:ext uri="{BB962C8B-B14F-4D97-AF65-F5344CB8AC3E}">
+        <p14:creationId xmlns:p14="http://schemas.microsoft.com/office/powerpoint/2010/main" val="517265681"/>
+      </p:ext>
+    </p:extLst>
+  </p:cSld>
+  <p:clrMapOvr>
+    <a:masterClrMapping/>
+  </p:clrMapOvr>
+</p:notes>
 </file>
 
 <file path=ppt/slideLayouts/slideLayout1.xml><?xml version="1.0" encoding="utf-8"?>
@@ -35155,7 +35505,7 @@
           <p:nvPr/>
         </p:nvPicPr>
         <p:blipFill>
-          <a:blip r:embed="rId2"/>
+          <a:blip r:embed="rId3"/>
           <a:stretch>
             <a:fillRect/>
           </a:stretch>
@@ -35401,7 +35751,7 @@
           <a:p>
             <a:r>
               <a:rPr lang="en-US" dirty="0"/>
-              <a:t>Survival Cox Regression Model</a:t>
+              <a:t>Accelerated Failure Time Model</a:t>
             </a:r>
           </a:p>
         </p:txBody>
@@ -35424,18 +35774,50 @@
         </p:nvSpPr>
         <p:spPr/>
         <p:txBody>
-          <a:bodyPr/>
+          <a:bodyPr>
+            <a:normAutofit/>
+          </a:bodyPr>
           <a:lstStyle/>
+          <a:p>
+            <a:pPr marL="0" indent="0">
+              <a:buNone/>
+            </a:pPr>
+            <a:r>
+              <a:rPr lang="en-US" dirty="0"/>
+              <a:t>Pros:</a:t>
+            </a:r>
+          </a:p>
           <a:p>
             <a:r>
               <a:rPr lang="en-US" dirty="0"/>
-              <a:t>Can use “all” the data</a:t>
+              <a:t>Can use “all” the data: 1,039 cases</a:t>
             </a:r>
           </a:p>
           <a:p>
             <a:r>
               <a:rPr lang="en-US" dirty="0"/>
               <a:t>Accounts for right-censored data from the days to last follow-up</a:t>
+            </a:r>
+          </a:p>
+          <a:p>
+            <a:r>
+              <a:rPr lang="en-US" dirty="0"/>
+              <a:t>The fitted values provide us estimates of survival time</a:t>
+            </a:r>
+          </a:p>
+          <a:p>
+            <a:pPr marL="0" indent="0">
+              <a:buNone/>
+            </a:pPr>
+            <a:r>
+              <a:rPr lang="en-US" dirty="0"/>
+              <a:t>Cons:</a:t>
+            </a:r>
+          </a:p>
+          <a:p>
+            <a:r>
+              <a:rPr lang="en-US" dirty="0"/>
+              <a:t>Fully parametric model requires more assumptions than semi-parametric models (e.g. Cox Proportional Hazard Model)</a:t>
             </a:r>
           </a:p>
           <a:p>
@@ -35549,6 +35931,364 @@
 </file>
 
 <file path=ppt/slides/slide15.xml><?xml version="1.0" encoding="utf-8"?>
+<p:sld xmlns:a="http://schemas.openxmlformats.org/drawingml/2006/main" xmlns:r="http://schemas.openxmlformats.org/officeDocument/2006/relationships" xmlns:p="http://schemas.openxmlformats.org/presentationml/2006/main">
+  <p:cSld>
+    <p:spTree>
+      <p:nvGrpSpPr>
+        <p:cNvPr id="1" name=""/>
+        <p:cNvGrpSpPr/>
+        <p:nvPr/>
+      </p:nvGrpSpPr>
+      <p:grpSpPr>
+        <a:xfrm>
+          <a:off x="0" y="0"/>
+          <a:ext cx="0" cy="0"/>
+          <a:chOff x="0" y="0"/>
+          <a:chExt cx="0" cy="0"/>
+        </a:xfrm>
+      </p:grpSpPr>
+      <p:sp>
+        <p:nvSpPr>
+          <p:cNvPr id="2" name="Title 1">
+            <a:extLst>
+              <a:ext uri="{FF2B5EF4-FFF2-40B4-BE49-F238E27FC236}">
+                <a16:creationId xmlns:a16="http://schemas.microsoft.com/office/drawing/2014/main" id="{78E02B70-F156-443F-2352-4D74BA0F8D9E}"/>
+              </a:ext>
+            </a:extLst>
+          </p:cNvPr>
+          <p:cNvSpPr>
+            <a:spLocks noGrp="1"/>
+          </p:cNvSpPr>
+          <p:nvPr>
+            <p:ph type="title"/>
+          </p:nvPr>
+        </p:nvSpPr>
+        <p:spPr/>
+        <p:txBody>
+          <a:bodyPr/>
+          <a:lstStyle/>
+          <a:p>
+            <a:r>
+              <a:rPr lang="en-US" dirty="0"/>
+              <a:t>Probability estimate of the 5-year survival rate</a:t>
+            </a:r>
+          </a:p>
+        </p:txBody>
+      </p:sp>
+      <p:sp>
+        <p:nvSpPr>
+          <p:cNvPr id="4" name="Date Placeholder 3">
+            <a:extLst>
+              <a:ext uri="{FF2B5EF4-FFF2-40B4-BE49-F238E27FC236}">
+                <a16:creationId xmlns:a16="http://schemas.microsoft.com/office/drawing/2014/main" id="{EEFB3776-CB9A-59E7-BA07-E77086BFFC8D}"/>
+              </a:ext>
+            </a:extLst>
+          </p:cNvPr>
+          <p:cNvSpPr>
+            <a:spLocks noGrp="1"/>
+          </p:cNvSpPr>
+          <p:nvPr>
+            <p:ph type="dt" sz="half" idx="10"/>
+          </p:nvPr>
+        </p:nvSpPr>
+        <p:spPr/>
+        <p:txBody>
+          <a:bodyPr/>
+          <a:lstStyle/>
+          <a:p>
+            <a:r>
+              <a:rPr lang="en-US" dirty="0"/>
+              <a:t>05/03/2023</a:t>
+            </a:r>
+          </a:p>
+        </p:txBody>
+      </p:sp>
+      <p:sp>
+        <p:nvSpPr>
+          <p:cNvPr id="5" name="Footer Placeholder 4">
+            <a:extLst>
+              <a:ext uri="{FF2B5EF4-FFF2-40B4-BE49-F238E27FC236}">
+                <a16:creationId xmlns:a16="http://schemas.microsoft.com/office/drawing/2014/main" id="{9FCCBEEE-5580-D238-5D4C-A8170D5553D0}"/>
+              </a:ext>
+            </a:extLst>
+          </p:cNvPr>
+          <p:cNvSpPr>
+            <a:spLocks noGrp="1"/>
+          </p:cNvSpPr>
+          <p:nvPr>
+            <p:ph type="ftr" sz="quarter" idx="11"/>
+          </p:nvPr>
+        </p:nvSpPr>
+        <p:spPr/>
+        <p:txBody>
+          <a:bodyPr/>
+          <a:lstStyle/>
+          <a:p>
+            <a:pPr algn="l"/>
+            <a:r>
+              <a:rPr lang="en-US" dirty="0"/>
+              <a:t>Interview Scenario – Isabelle Grenier</a:t>
+            </a:r>
+          </a:p>
+        </p:txBody>
+      </p:sp>
+      <p:sp>
+        <p:nvSpPr>
+          <p:cNvPr id="6" name="Slide Number Placeholder 5">
+            <a:extLst>
+              <a:ext uri="{FF2B5EF4-FFF2-40B4-BE49-F238E27FC236}">
+                <a16:creationId xmlns:a16="http://schemas.microsoft.com/office/drawing/2014/main" id="{E7A59D23-4136-6416-5D9F-57FBA871AEEC}"/>
+              </a:ext>
+            </a:extLst>
+          </p:cNvPr>
+          <p:cNvSpPr>
+            <a:spLocks noGrp="1"/>
+          </p:cNvSpPr>
+          <p:nvPr>
+            <p:ph type="sldNum" sz="quarter" idx="12"/>
+          </p:nvPr>
+        </p:nvSpPr>
+        <p:spPr/>
+        <p:txBody>
+          <a:bodyPr/>
+          <a:lstStyle/>
+          <a:p>
+            <a:fld id="{B9713C8C-8E70-45D5-AE59-23E60168254E}" type="slidenum">
+              <a:rPr lang="en-US" smtClean="0"/>
+              <a:t>15</a:t>
+            </a:fld>
+            <a:endParaRPr lang="en-US" dirty="0"/>
+          </a:p>
+        </p:txBody>
+      </p:sp>
+      <p:pic>
+        <p:nvPicPr>
+          <p:cNvPr id="12" name="Picture 11" descr="Chart&#10;&#10;Description automatically generated">
+            <a:extLst>
+              <a:ext uri="{FF2B5EF4-FFF2-40B4-BE49-F238E27FC236}">
+                <a16:creationId xmlns:a16="http://schemas.microsoft.com/office/drawing/2014/main" id="{7321EA84-9D23-4993-9184-41FB8AEA3C6A}"/>
+              </a:ext>
+            </a:extLst>
+          </p:cNvPr>
+          <p:cNvPicPr>
+            <a:picLocks noChangeAspect="1"/>
+          </p:cNvPicPr>
+          <p:nvPr/>
+        </p:nvPicPr>
+        <p:blipFill>
+          <a:blip r:embed="rId2"/>
+          <a:stretch>
+            <a:fillRect/>
+          </a:stretch>
+        </p:blipFill>
+        <p:spPr>
+          <a:xfrm>
+            <a:off x="473402" y="2417321"/>
+            <a:ext cx="10972822" cy="2743206"/>
+          </a:xfrm>
+          <a:prstGeom prst="rect">
+            <a:avLst/>
+          </a:prstGeom>
+        </p:spPr>
+      </p:pic>
+    </p:spTree>
+    <p:extLst>
+      <p:ext uri="{BB962C8B-B14F-4D97-AF65-F5344CB8AC3E}">
+        <p14:creationId xmlns:p14="http://schemas.microsoft.com/office/powerpoint/2010/main" val="3503556951"/>
+      </p:ext>
+    </p:extLst>
+  </p:cSld>
+  <p:clrMapOvr>
+    <a:masterClrMapping/>
+  </p:clrMapOvr>
+</p:sld>
+</file>
+
+<file path=ppt/slides/slide16.xml><?xml version="1.0" encoding="utf-8"?>
+<p:sld xmlns:a="http://schemas.openxmlformats.org/drawingml/2006/main" xmlns:r="http://schemas.openxmlformats.org/officeDocument/2006/relationships" xmlns:p="http://schemas.openxmlformats.org/presentationml/2006/main">
+  <p:cSld>
+    <p:spTree>
+      <p:nvGrpSpPr>
+        <p:cNvPr id="1" name=""/>
+        <p:cNvGrpSpPr/>
+        <p:nvPr/>
+      </p:nvGrpSpPr>
+      <p:grpSpPr>
+        <a:xfrm>
+          <a:off x="0" y="0"/>
+          <a:ext cx="0" cy="0"/>
+          <a:chOff x="0" y="0"/>
+          <a:chExt cx="0" cy="0"/>
+        </a:xfrm>
+      </p:grpSpPr>
+      <p:sp>
+        <p:nvSpPr>
+          <p:cNvPr id="2" name="Title 1">
+            <a:extLst>
+              <a:ext uri="{FF2B5EF4-FFF2-40B4-BE49-F238E27FC236}">
+                <a16:creationId xmlns:a16="http://schemas.microsoft.com/office/drawing/2014/main" id="{78E02B70-F156-443F-2352-4D74BA0F8D9E}"/>
+              </a:ext>
+            </a:extLst>
+          </p:cNvPr>
+          <p:cNvSpPr>
+            <a:spLocks noGrp="1"/>
+          </p:cNvSpPr>
+          <p:nvPr>
+            <p:ph type="title"/>
+          </p:nvPr>
+        </p:nvSpPr>
+        <p:spPr/>
+        <p:txBody>
+          <a:bodyPr/>
+          <a:lstStyle/>
+          <a:p>
+            <a:r>
+              <a:rPr lang="en-US" dirty="0"/>
+              <a:t>Model Limitations</a:t>
+            </a:r>
+          </a:p>
+        </p:txBody>
+      </p:sp>
+      <p:sp>
+        <p:nvSpPr>
+          <p:cNvPr id="3" name="Content Placeholder 2">
+            <a:extLst>
+              <a:ext uri="{FF2B5EF4-FFF2-40B4-BE49-F238E27FC236}">
+                <a16:creationId xmlns:a16="http://schemas.microsoft.com/office/drawing/2014/main" id="{8A9B8F3A-0249-5CD2-65E0-CF019957C8FE}"/>
+              </a:ext>
+            </a:extLst>
+          </p:cNvPr>
+          <p:cNvSpPr>
+            <a:spLocks noGrp="1"/>
+          </p:cNvSpPr>
+          <p:nvPr>
+            <p:ph idx="1"/>
+          </p:nvPr>
+        </p:nvSpPr>
+        <p:spPr/>
+        <p:txBody>
+          <a:bodyPr/>
+          <a:lstStyle/>
+          <a:p>
+            <a:r>
+              <a:rPr lang="en-US" dirty="0"/>
+              <a:t>Extrapolation outside the covariate range</a:t>
+            </a:r>
+          </a:p>
+          <a:p>
+            <a:r>
+              <a:rPr lang="en-US" dirty="0"/>
+              <a:t>Accelerated Failure Time models are parametric which involve additional assumptions</a:t>
+            </a:r>
+          </a:p>
+          <a:p>
+            <a:endParaRPr lang="en-US" dirty="0"/>
+          </a:p>
+          <a:p>
+            <a:endParaRPr lang="en-US" dirty="0"/>
+          </a:p>
+        </p:txBody>
+      </p:sp>
+      <p:sp>
+        <p:nvSpPr>
+          <p:cNvPr id="4" name="Date Placeholder 3">
+            <a:extLst>
+              <a:ext uri="{FF2B5EF4-FFF2-40B4-BE49-F238E27FC236}">
+                <a16:creationId xmlns:a16="http://schemas.microsoft.com/office/drawing/2014/main" id="{EEFB3776-CB9A-59E7-BA07-E77086BFFC8D}"/>
+              </a:ext>
+            </a:extLst>
+          </p:cNvPr>
+          <p:cNvSpPr>
+            <a:spLocks noGrp="1"/>
+          </p:cNvSpPr>
+          <p:nvPr>
+            <p:ph type="dt" sz="half" idx="10"/>
+          </p:nvPr>
+        </p:nvSpPr>
+        <p:spPr/>
+        <p:txBody>
+          <a:bodyPr/>
+          <a:lstStyle/>
+          <a:p>
+            <a:r>
+              <a:rPr lang="en-US" dirty="0"/>
+              <a:t>05/03/2023</a:t>
+            </a:r>
+          </a:p>
+        </p:txBody>
+      </p:sp>
+      <p:sp>
+        <p:nvSpPr>
+          <p:cNvPr id="5" name="Footer Placeholder 4">
+            <a:extLst>
+              <a:ext uri="{FF2B5EF4-FFF2-40B4-BE49-F238E27FC236}">
+                <a16:creationId xmlns:a16="http://schemas.microsoft.com/office/drawing/2014/main" id="{9FCCBEEE-5580-D238-5D4C-A8170D5553D0}"/>
+              </a:ext>
+            </a:extLst>
+          </p:cNvPr>
+          <p:cNvSpPr>
+            <a:spLocks noGrp="1"/>
+          </p:cNvSpPr>
+          <p:nvPr>
+            <p:ph type="ftr" sz="quarter" idx="11"/>
+          </p:nvPr>
+        </p:nvSpPr>
+        <p:spPr/>
+        <p:txBody>
+          <a:bodyPr/>
+          <a:lstStyle/>
+          <a:p>
+            <a:pPr algn="l"/>
+            <a:r>
+              <a:rPr lang="en-US" dirty="0"/>
+              <a:t>Interview Scenario – Isabelle Grenier</a:t>
+            </a:r>
+          </a:p>
+        </p:txBody>
+      </p:sp>
+      <p:sp>
+        <p:nvSpPr>
+          <p:cNvPr id="6" name="Slide Number Placeholder 5">
+            <a:extLst>
+              <a:ext uri="{FF2B5EF4-FFF2-40B4-BE49-F238E27FC236}">
+                <a16:creationId xmlns:a16="http://schemas.microsoft.com/office/drawing/2014/main" id="{E7A59D23-4136-6416-5D9F-57FBA871AEEC}"/>
+              </a:ext>
+            </a:extLst>
+          </p:cNvPr>
+          <p:cNvSpPr>
+            <a:spLocks noGrp="1"/>
+          </p:cNvSpPr>
+          <p:nvPr>
+            <p:ph type="sldNum" sz="quarter" idx="12"/>
+          </p:nvPr>
+        </p:nvSpPr>
+        <p:spPr/>
+        <p:txBody>
+          <a:bodyPr/>
+          <a:lstStyle/>
+          <a:p>
+            <a:fld id="{B9713C8C-8E70-45D5-AE59-23E60168254E}" type="slidenum">
+              <a:rPr lang="en-US" smtClean="0"/>
+              <a:t>16</a:t>
+            </a:fld>
+            <a:endParaRPr lang="en-US" dirty="0"/>
+          </a:p>
+        </p:txBody>
+      </p:sp>
+    </p:spTree>
+    <p:extLst>
+      <p:ext uri="{BB962C8B-B14F-4D97-AF65-F5344CB8AC3E}">
+        <p14:creationId xmlns:p14="http://schemas.microsoft.com/office/powerpoint/2010/main" val="1646576665"/>
+      </p:ext>
+    </p:extLst>
+  </p:cSld>
+  <p:clrMapOvr>
+    <a:masterClrMapping/>
+  </p:clrMapOvr>
+</p:sld>
+</file>
+
+<file path=ppt/slides/slide17.xml><?xml version="1.0" encoding="utf-8"?>
 <p:sld xmlns:a="http://schemas.openxmlformats.org/drawingml/2006/main" xmlns:r="http://schemas.openxmlformats.org/officeDocument/2006/relationships" xmlns:p="http://schemas.openxmlformats.org/presentationml/2006/main">
   <p:cSld>
     <p:spTree>
@@ -35788,7 +36528,7 @@
                   <a:spcPts val="600"/>
                 </a:spcAft>
               </a:pPr>
-              <a:t>15</a:t>
+              <a:t>17</a:t>
             </a:fld>
             <a:endParaRPr lang="en-US"/>
           </a:p>
@@ -35807,7 +36547,7 @@
 </p:sld>
 </file>
 
-<file path=ppt/slides/slide16.xml><?xml version="1.0" encoding="utf-8"?>
+<file path=ppt/slides/slide18.xml><?xml version="1.0" encoding="utf-8"?>
 <p:sld xmlns:a="http://schemas.openxmlformats.org/drawingml/2006/main" xmlns:r="http://schemas.openxmlformats.org/officeDocument/2006/relationships" xmlns:p="http://schemas.openxmlformats.org/presentationml/2006/main">
   <p:cSld>
     <p:spTree>
@@ -35974,7 +36714,7 @@
           <a:p>
             <a:fld id="{B9713C8C-8E70-45D5-AE59-23E60168254E}" type="slidenum">
               <a:rPr lang="en-US" smtClean="0"/>
-              <a:t>16</a:t>
+              <a:t>18</a:t>
             </a:fld>
             <a:endParaRPr lang="en-US" dirty="0"/>
           </a:p>
@@ -35993,7 +36733,7 @@
 </p:sld>
 </file>
 
-<file path=ppt/slides/slide17.xml><?xml version="1.0" encoding="utf-8"?>
+<file path=ppt/slides/slide19.xml><?xml version="1.0" encoding="utf-8"?>
 <p:sld xmlns:a="http://schemas.openxmlformats.org/drawingml/2006/main" xmlns:r="http://schemas.openxmlformats.org/officeDocument/2006/relationships" xmlns:p="http://schemas.openxmlformats.org/presentationml/2006/main">
   <p:cSld>
     <p:spTree>
@@ -36061,7 +36801,27 @@
           <a:p>
             <a:r>
               <a:rPr lang="en-US" dirty="0"/>
-              <a:t>Data clean-up</a:t>
+              <a:t>Clinical Data</a:t>
+            </a:r>
+          </a:p>
+          <a:p>
+            <a:pPr lvl="1"/>
+            <a:r>
+              <a:rPr lang="en-US" dirty="0"/>
+              <a:t>Filter on the cases with known status at the 5-year mark</a:t>
+            </a:r>
+          </a:p>
+          <a:p>
+            <a:pPr lvl="1"/>
+            <a:r>
+              <a:rPr lang="en-US" dirty="0"/>
+              <a:t>Status is defined as the 5-year survival rate</a:t>
+            </a:r>
+          </a:p>
+          <a:p>
+            <a:r>
+              <a:rPr lang="en-US" dirty="0"/>
+              <a:t>Gene Data</a:t>
             </a:r>
           </a:p>
           <a:p>
@@ -36075,7 +36835,22 @@
             <a:pPr lvl="1"/>
             <a:r>
               <a:rPr lang="en-US" dirty="0"/>
-              <a:t>316 cases left after clean-up</a:t>
+              <a:t>Some </a:t>
+            </a:r>
+            <a:r>
+              <a:rPr lang="en-US" i="1" dirty="0"/>
+              <a:t>Case IDs</a:t>
+            </a:r>
+            <a:r>
+              <a:rPr lang="en-US" dirty="0"/>
+              <a:t> had multiple gene expression, we took the first instance</a:t>
+            </a:r>
+          </a:p>
+          <a:p>
+            <a:pPr lvl="1"/>
+            <a:r>
+              <a:rPr lang="en-US" dirty="0"/>
+              <a:t>316 cases left after clean up</a:t>
             </a:r>
           </a:p>
           <a:p>
@@ -36163,7 +36938,7 @@
           <a:p>
             <a:fld id="{B9713C8C-8E70-45D5-AE59-23E60168254E}" type="slidenum">
               <a:rPr lang="en-US" smtClean="0"/>
-              <a:t>17</a:t>
+              <a:t>19</a:t>
             </a:fld>
             <a:endParaRPr lang="en-US" dirty="0"/>
           </a:p>
@@ -36182,7 +36957,196 @@
 </p:sld>
 </file>
 
-<file path=ppt/slides/slide18.xml><?xml version="1.0" encoding="utf-8"?>
+<file path=ppt/slides/slide2.xml><?xml version="1.0" encoding="utf-8"?>
+<p:sld xmlns:a="http://schemas.openxmlformats.org/drawingml/2006/main" xmlns:r="http://schemas.openxmlformats.org/officeDocument/2006/relationships" xmlns:p="http://schemas.openxmlformats.org/presentationml/2006/main">
+  <p:cSld>
+    <p:spTree>
+      <p:nvGrpSpPr>
+        <p:cNvPr id="1" name=""/>
+        <p:cNvGrpSpPr/>
+        <p:nvPr/>
+      </p:nvGrpSpPr>
+      <p:grpSpPr>
+        <a:xfrm>
+          <a:off x="0" y="0"/>
+          <a:ext cx="0" cy="0"/>
+          <a:chOff x="0" y="0"/>
+          <a:chExt cx="0" cy="0"/>
+        </a:xfrm>
+      </p:grpSpPr>
+      <p:sp>
+        <p:nvSpPr>
+          <p:cNvPr id="4" name="Title 3">
+            <a:extLst>
+              <a:ext uri="{FF2B5EF4-FFF2-40B4-BE49-F238E27FC236}">
+                <a16:creationId xmlns:a16="http://schemas.microsoft.com/office/drawing/2014/main" id="{65A85D8F-96DF-414F-96F0-8F01B9758670}"/>
+              </a:ext>
+            </a:extLst>
+          </p:cNvPr>
+          <p:cNvSpPr>
+            <a:spLocks noGrp="1"/>
+          </p:cNvSpPr>
+          <p:nvPr>
+            <p:ph type="title"/>
+          </p:nvPr>
+        </p:nvSpPr>
+        <p:spPr/>
+        <p:txBody>
+          <a:bodyPr/>
+          <a:lstStyle/>
+          <a:p>
+            <a:r>
+              <a:rPr lang="en-US" dirty="0"/>
+              <a:t>Agenda</a:t>
+            </a:r>
+          </a:p>
+        </p:txBody>
+      </p:sp>
+      <p:sp>
+        <p:nvSpPr>
+          <p:cNvPr id="5" name="Content Placeholder 4">
+            <a:extLst>
+              <a:ext uri="{FF2B5EF4-FFF2-40B4-BE49-F238E27FC236}">
+                <a16:creationId xmlns:a16="http://schemas.microsoft.com/office/drawing/2014/main" id="{07F79409-2936-4FDC-BF6F-45FC9FDA836A}"/>
+              </a:ext>
+            </a:extLst>
+          </p:cNvPr>
+          <p:cNvSpPr>
+            <a:spLocks noGrp="1"/>
+          </p:cNvSpPr>
+          <p:nvPr>
+            <p:ph idx="1"/>
+          </p:nvPr>
+        </p:nvSpPr>
+        <p:spPr>
+          <a:xfrm>
+            <a:off x="838200" y="2162895"/>
+            <a:ext cx="10263909" cy="3529014"/>
+          </a:xfrm>
+        </p:spPr>
+        <p:txBody>
+          <a:bodyPr/>
+          <a:lstStyle/>
+          <a:p>
+            <a:r>
+              <a:rPr lang="en-US" dirty="0"/>
+              <a:t>Understanding any relation between 5-year survival and available covariates</a:t>
+            </a:r>
+          </a:p>
+          <a:p>
+            <a:pPr marL="342900" indent="-342900">
+              <a:buFont typeface="Arial" panose="020B0604020202020204" pitchFamily="34" charset="0"/>
+              <a:buChar char="•"/>
+            </a:pPr>
+            <a:r>
+              <a:rPr lang="en-US" dirty="0"/>
+              <a:t>Data overview</a:t>
+            </a:r>
+          </a:p>
+          <a:p>
+            <a:pPr marL="342900" indent="-342900">
+              <a:buFont typeface="Arial" panose="020B0604020202020204" pitchFamily="34" charset="0"/>
+              <a:buChar char="•"/>
+            </a:pPr>
+            <a:r>
+              <a:rPr lang="en-US" dirty="0"/>
+              <a:t>5-year survival logistic regression model</a:t>
+            </a:r>
+          </a:p>
+          <a:p>
+            <a:pPr marL="342900" indent="-342900">
+              <a:buFont typeface="Arial" panose="020B0604020202020204" pitchFamily="34" charset="0"/>
+              <a:buChar char="•"/>
+            </a:pPr>
+            <a:r>
+              <a:rPr lang="en-US" dirty="0"/>
+              <a:t>Accelerated failure time model (Weibull regression model)</a:t>
+            </a:r>
+          </a:p>
+          <a:p>
+            <a:r>
+              <a:rPr lang="en-US" dirty="0"/>
+              <a:t>Understanding the association between genes and patient survival </a:t>
+            </a:r>
+          </a:p>
+          <a:p>
+            <a:pPr marL="342900" indent="-342900">
+              <a:buFont typeface="Arial" panose="020B0604020202020204" pitchFamily="34" charset="0"/>
+              <a:buChar char="•"/>
+            </a:pPr>
+            <a:r>
+              <a:rPr lang="en-US" dirty="0"/>
+              <a:t>Data overview</a:t>
+            </a:r>
+          </a:p>
+          <a:p>
+            <a:pPr marL="342900" indent="-342900">
+              <a:buFont typeface="Arial" panose="020B0604020202020204" pitchFamily="34" charset="0"/>
+              <a:buChar char="•"/>
+            </a:pPr>
+            <a:r>
+              <a:rPr lang="en-US" dirty="0"/>
+              <a:t>Correlation exploration</a:t>
+            </a:r>
+          </a:p>
+          <a:p>
+            <a:pPr marL="342900" indent="-342900">
+              <a:buFont typeface="Arial" panose="020B0604020202020204" pitchFamily="34" charset="0"/>
+              <a:buChar char="•"/>
+            </a:pPr>
+            <a:r>
+              <a:rPr lang="en-US" dirty="0"/>
+              <a:t>Principal component analysis exploration</a:t>
+            </a:r>
+          </a:p>
+          <a:p>
+            <a:endParaRPr lang="en-US" dirty="0"/>
+          </a:p>
+        </p:txBody>
+      </p:sp>
+      <p:sp>
+        <p:nvSpPr>
+          <p:cNvPr id="26" name="Footer Placeholder 25">
+            <a:extLst>
+              <a:ext uri="{FF2B5EF4-FFF2-40B4-BE49-F238E27FC236}">
+                <a16:creationId xmlns:a16="http://schemas.microsoft.com/office/drawing/2014/main" id="{0E469817-940E-4A7E-82D2-9FC9B4D3AA33}"/>
+              </a:ext>
+            </a:extLst>
+          </p:cNvPr>
+          <p:cNvSpPr>
+            <a:spLocks noGrp="1"/>
+          </p:cNvSpPr>
+          <p:nvPr>
+            <p:ph type="ftr" sz="quarter" idx="11"/>
+          </p:nvPr>
+        </p:nvSpPr>
+        <p:spPr/>
+        <p:txBody>
+          <a:bodyPr/>
+          <a:lstStyle/>
+          <a:p>
+            <a:pPr algn="l"/>
+            <a:r>
+              <a:rPr lang="en-US" dirty="0"/>
+              <a:t>Interview Scenario – Isabelle Grenier</a:t>
+            </a:r>
+          </a:p>
+        </p:txBody>
+      </p:sp>
+    </p:spTree>
+    <p:extLst>
+      <p:ext uri="{BB962C8B-B14F-4D97-AF65-F5344CB8AC3E}">
+        <p14:creationId xmlns:p14="http://schemas.microsoft.com/office/powerpoint/2010/main" val="1912948986"/>
+      </p:ext>
+    </p:extLst>
+  </p:cSld>
+  <p:clrMapOvr>
+    <a:masterClrMapping/>
+  </p:clrMapOvr>
+</p:sld>
+</file>
+
+<file path=ppt/slides/slide20.xml><?xml version="1.0" encoding="utf-8"?>
 <p:sld xmlns:a="http://schemas.openxmlformats.org/drawingml/2006/main" xmlns:r="http://schemas.openxmlformats.org/officeDocument/2006/relationships" xmlns:p="http://schemas.openxmlformats.org/presentationml/2006/main">
   <p:cSld>
     <p:spTree>
@@ -36243,46 +37207,20 @@
             <p:ph sz="half" idx="1"/>
           </p:nvPr>
         </p:nvSpPr>
-        <p:spPr/>
+        <p:spPr>
+          <a:xfrm>
+            <a:off x="838199" y="2011680"/>
+            <a:ext cx="9249383" cy="4160520"/>
+          </a:xfrm>
+        </p:spPr>
         <p:txBody>
           <a:bodyPr/>
           <a:lstStyle/>
           <a:p>
             <a:r>
               <a:rPr lang="en-US" dirty="0"/>
-              <a:t>Genes with positive correlation</a:t>
+              <a:t>We compute the correlation between each available gene and the survival status</a:t>
             </a:r>
-          </a:p>
-          <a:p>
-            <a:r>
-              <a:rPr lang="en-US" dirty="0"/>
-              <a:t>Genes with negative correlation</a:t>
-            </a:r>
-          </a:p>
-        </p:txBody>
-      </p:sp>
-      <p:sp>
-        <p:nvSpPr>
-          <p:cNvPr id="4" name="Content Placeholder 3">
-            <a:extLst>
-              <a:ext uri="{FF2B5EF4-FFF2-40B4-BE49-F238E27FC236}">
-                <a16:creationId xmlns:a16="http://schemas.microsoft.com/office/drawing/2014/main" id="{4BA7273F-1228-5381-C2F0-BB027923C78E}"/>
-              </a:ext>
-            </a:extLst>
-          </p:cNvPr>
-          <p:cNvSpPr>
-            <a:spLocks noGrp="1"/>
-          </p:cNvSpPr>
-          <p:nvPr>
-            <p:ph sz="half" idx="2"/>
-          </p:nvPr>
-        </p:nvSpPr>
-        <p:spPr/>
-        <p:txBody>
-          <a:bodyPr/>
-          <a:lstStyle/>
-          <a:p>
-            <a:endParaRPr lang="en-US"/>
           </a:p>
         </p:txBody>
       </p:sp>
@@ -36366,12 +37304,102 @@
           <a:p>
             <a:fld id="{B9713C8C-8E70-45D5-AE59-23E60168254E}" type="slidenum">
               <a:rPr lang="en-US" smtClean="0"/>
-              <a:t>18</a:t>
+              <a:t>20</a:t>
             </a:fld>
             <a:endParaRPr lang="en-US" dirty="0"/>
           </a:p>
         </p:txBody>
       </p:sp>
+      <p:pic>
+        <p:nvPicPr>
+          <p:cNvPr id="9" name="Picture 8" descr="Chart, box and whisker chart&#10;&#10;Description automatically generated">
+            <a:extLst>
+              <a:ext uri="{FF2B5EF4-FFF2-40B4-BE49-F238E27FC236}">
+                <a16:creationId xmlns:a16="http://schemas.microsoft.com/office/drawing/2014/main" id="{094F2DA3-30A4-4F19-C8AC-94928683E1BF}"/>
+              </a:ext>
+            </a:extLst>
+          </p:cNvPr>
+          <p:cNvPicPr>
+            <a:picLocks noChangeAspect="1"/>
+          </p:cNvPicPr>
+          <p:nvPr/>
+        </p:nvPicPr>
+        <p:blipFill>
+          <a:blip r:embed="rId2"/>
+          <a:stretch>
+            <a:fillRect/>
+          </a:stretch>
+        </p:blipFill>
+        <p:spPr>
+          <a:xfrm>
+            <a:off x="8153400" y="3092650"/>
+            <a:ext cx="3655500" cy="3046250"/>
+          </a:xfrm>
+          <a:prstGeom prst="rect">
+            <a:avLst/>
+          </a:prstGeom>
+        </p:spPr>
+      </p:pic>
+      <p:pic>
+        <p:nvPicPr>
+          <p:cNvPr id="11" name="Picture 10" descr="Chart, box and whisker chart&#10;&#10;Description automatically generated">
+            <a:extLst>
+              <a:ext uri="{FF2B5EF4-FFF2-40B4-BE49-F238E27FC236}">
+                <a16:creationId xmlns:a16="http://schemas.microsoft.com/office/drawing/2014/main" id="{5E0D1C34-B91C-9737-116F-5A1D187B8A4A}"/>
+              </a:ext>
+            </a:extLst>
+          </p:cNvPr>
+          <p:cNvPicPr>
+            <a:picLocks noChangeAspect="1"/>
+          </p:cNvPicPr>
+          <p:nvPr/>
+        </p:nvPicPr>
+        <p:blipFill>
+          <a:blip r:embed="rId3"/>
+          <a:stretch>
+            <a:fillRect/>
+          </a:stretch>
+        </p:blipFill>
+        <p:spPr>
+          <a:xfrm>
+            <a:off x="4362371" y="3092651"/>
+            <a:ext cx="3655500" cy="3046250"/>
+          </a:xfrm>
+          <a:prstGeom prst="rect">
+            <a:avLst/>
+          </a:prstGeom>
+        </p:spPr>
+      </p:pic>
+      <p:pic>
+        <p:nvPicPr>
+          <p:cNvPr id="13" name="Picture 12" descr="Chart, histogram&#10;&#10;Description automatically generated">
+            <a:extLst>
+              <a:ext uri="{FF2B5EF4-FFF2-40B4-BE49-F238E27FC236}">
+                <a16:creationId xmlns:a16="http://schemas.microsoft.com/office/drawing/2014/main" id="{7B482501-4CDE-5581-B806-9BDE37F19D2A}"/>
+              </a:ext>
+            </a:extLst>
+          </p:cNvPr>
+          <p:cNvPicPr>
+            <a:picLocks noChangeAspect="1"/>
+          </p:cNvPicPr>
+          <p:nvPr/>
+        </p:nvPicPr>
+        <p:blipFill>
+          <a:blip r:embed="rId4"/>
+          <a:stretch>
+            <a:fillRect/>
+          </a:stretch>
+        </p:blipFill>
+        <p:spPr>
+          <a:xfrm>
+            <a:off x="445932" y="3092650"/>
+            <a:ext cx="3916440" cy="3263700"/>
+          </a:xfrm>
+          <a:prstGeom prst="rect">
+            <a:avLst/>
+          </a:prstGeom>
+        </p:spPr>
+      </p:pic>
     </p:spTree>
     <p:extLst>
       <p:ext uri="{BB962C8B-B14F-4D97-AF65-F5344CB8AC3E}">
@@ -36385,7 +37413,214 @@
 </p:sld>
 </file>
 
-<file path=ppt/slides/slide19.xml><?xml version="1.0" encoding="utf-8"?>
+<file path=ppt/slides/slide21.xml><?xml version="1.0" encoding="utf-8"?>
+<p:sld xmlns:a="http://schemas.openxmlformats.org/drawingml/2006/main" xmlns:r="http://schemas.openxmlformats.org/officeDocument/2006/relationships" xmlns:p="http://schemas.openxmlformats.org/presentationml/2006/main">
+  <p:cSld>
+    <p:spTree>
+      <p:nvGrpSpPr>
+        <p:cNvPr id="1" name=""/>
+        <p:cNvGrpSpPr/>
+        <p:nvPr/>
+      </p:nvGrpSpPr>
+      <p:grpSpPr>
+        <a:xfrm>
+          <a:off x="0" y="0"/>
+          <a:ext cx="0" cy="0"/>
+          <a:chOff x="0" y="0"/>
+          <a:chExt cx="0" cy="0"/>
+        </a:xfrm>
+      </p:grpSpPr>
+      <p:sp>
+        <p:nvSpPr>
+          <p:cNvPr id="2" name="Title 1">
+            <a:extLst>
+              <a:ext uri="{FF2B5EF4-FFF2-40B4-BE49-F238E27FC236}">
+                <a16:creationId xmlns:a16="http://schemas.microsoft.com/office/drawing/2014/main" id="{DD336899-7FF7-5AF4-4F99-1EF370E91D8C}"/>
+              </a:ext>
+            </a:extLst>
+          </p:cNvPr>
+          <p:cNvSpPr>
+            <a:spLocks noGrp="1"/>
+          </p:cNvSpPr>
+          <p:nvPr>
+            <p:ph type="title"/>
+          </p:nvPr>
+        </p:nvSpPr>
+        <p:spPr/>
+        <p:txBody>
+          <a:bodyPr/>
+          <a:lstStyle/>
+          <a:p>
+            <a:r>
+              <a:rPr lang="en-US" dirty="0"/>
+              <a:t>Principal Component Analysis (PCA)</a:t>
+            </a:r>
+          </a:p>
+        </p:txBody>
+      </p:sp>
+      <p:sp>
+        <p:nvSpPr>
+          <p:cNvPr id="3" name="Content Placeholder 2">
+            <a:extLst>
+              <a:ext uri="{FF2B5EF4-FFF2-40B4-BE49-F238E27FC236}">
+                <a16:creationId xmlns:a16="http://schemas.microsoft.com/office/drawing/2014/main" id="{C4780A21-8FAD-C159-C74D-22A3C628C8CE}"/>
+              </a:ext>
+            </a:extLst>
+          </p:cNvPr>
+          <p:cNvSpPr>
+            <a:spLocks noGrp="1"/>
+          </p:cNvSpPr>
+          <p:nvPr>
+            <p:ph sz="half" idx="1"/>
+          </p:nvPr>
+        </p:nvSpPr>
+        <p:spPr>
+          <a:xfrm>
+            <a:off x="838200" y="2011680"/>
+            <a:ext cx="5144312" cy="4160520"/>
+          </a:xfrm>
+        </p:spPr>
+        <p:txBody>
+          <a:bodyPr/>
+          <a:lstStyle/>
+          <a:p>
+            <a:r>
+              <a:rPr lang="en-US" dirty="0"/>
+              <a:t>Looking at the cumulative proportion of variance from PCA for dimensionality reduction</a:t>
+            </a:r>
+          </a:p>
+        </p:txBody>
+      </p:sp>
+      <p:sp>
+        <p:nvSpPr>
+          <p:cNvPr id="5" name="Date Placeholder 4">
+            <a:extLst>
+              <a:ext uri="{FF2B5EF4-FFF2-40B4-BE49-F238E27FC236}">
+                <a16:creationId xmlns:a16="http://schemas.microsoft.com/office/drawing/2014/main" id="{A00D5602-B32D-6859-449E-AE7213659710}"/>
+              </a:ext>
+            </a:extLst>
+          </p:cNvPr>
+          <p:cNvSpPr>
+            <a:spLocks noGrp="1"/>
+          </p:cNvSpPr>
+          <p:nvPr>
+            <p:ph type="dt" sz="half" idx="10"/>
+          </p:nvPr>
+        </p:nvSpPr>
+        <p:spPr/>
+        <p:txBody>
+          <a:bodyPr/>
+          <a:lstStyle/>
+          <a:p>
+            <a:r>
+              <a:rPr lang="en-US" dirty="0"/>
+              <a:t>05/03/2023</a:t>
+            </a:r>
+          </a:p>
+        </p:txBody>
+      </p:sp>
+      <p:sp>
+        <p:nvSpPr>
+          <p:cNvPr id="6" name="Footer Placeholder 5">
+            <a:extLst>
+              <a:ext uri="{FF2B5EF4-FFF2-40B4-BE49-F238E27FC236}">
+                <a16:creationId xmlns:a16="http://schemas.microsoft.com/office/drawing/2014/main" id="{B6735792-E78F-124A-1481-1A6153176391}"/>
+              </a:ext>
+            </a:extLst>
+          </p:cNvPr>
+          <p:cNvSpPr>
+            <a:spLocks noGrp="1"/>
+          </p:cNvSpPr>
+          <p:nvPr>
+            <p:ph type="ftr" sz="quarter" idx="11"/>
+          </p:nvPr>
+        </p:nvSpPr>
+        <p:spPr/>
+        <p:txBody>
+          <a:bodyPr/>
+          <a:lstStyle/>
+          <a:p>
+            <a:pPr algn="l"/>
+            <a:r>
+              <a:rPr lang="en-US" dirty="0"/>
+              <a:t>Interview Scenario – Isabelle Grenier</a:t>
+            </a:r>
+          </a:p>
+        </p:txBody>
+      </p:sp>
+      <p:sp>
+        <p:nvSpPr>
+          <p:cNvPr id="7" name="Slide Number Placeholder 6">
+            <a:extLst>
+              <a:ext uri="{FF2B5EF4-FFF2-40B4-BE49-F238E27FC236}">
+                <a16:creationId xmlns:a16="http://schemas.microsoft.com/office/drawing/2014/main" id="{3D284645-74A9-4209-1803-3824A561E2CB}"/>
+              </a:ext>
+            </a:extLst>
+          </p:cNvPr>
+          <p:cNvSpPr>
+            <a:spLocks noGrp="1"/>
+          </p:cNvSpPr>
+          <p:nvPr>
+            <p:ph type="sldNum" sz="quarter" idx="12"/>
+          </p:nvPr>
+        </p:nvSpPr>
+        <p:spPr/>
+        <p:txBody>
+          <a:bodyPr/>
+          <a:lstStyle/>
+          <a:p>
+            <a:fld id="{B9713C8C-8E70-45D5-AE59-23E60168254E}" type="slidenum">
+              <a:rPr lang="en-US" smtClean="0"/>
+              <a:t>21</a:t>
+            </a:fld>
+            <a:endParaRPr lang="en-US" dirty="0"/>
+          </a:p>
+        </p:txBody>
+      </p:sp>
+      <p:pic>
+        <p:nvPicPr>
+          <p:cNvPr id="8" name="Picture 7" descr="Chart&#10;&#10;Description automatically generated">
+            <a:extLst>
+              <a:ext uri="{FF2B5EF4-FFF2-40B4-BE49-F238E27FC236}">
+                <a16:creationId xmlns:a16="http://schemas.microsoft.com/office/drawing/2014/main" id="{23BDEDCE-9622-6228-BCE0-090F4535B430}"/>
+              </a:ext>
+            </a:extLst>
+          </p:cNvPr>
+          <p:cNvPicPr>
+            <a:picLocks noChangeAspect="1"/>
+          </p:cNvPicPr>
+          <p:nvPr/>
+        </p:nvPicPr>
+        <p:blipFill>
+          <a:blip r:embed="rId2"/>
+          <a:stretch>
+            <a:fillRect/>
+          </a:stretch>
+        </p:blipFill>
+        <p:spPr>
+          <a:xfrm>
+            <a:off x="6369990" y="1840791"/>
+            <a:ext cx="4983810" cy="4153175"/>
+          </a:xfrm>
+          <a:prstGeom prst="rect">
+            <a:avLst/>
+          </a:prstGeom>
+        </p:spPr>
+      </p:pic>
+    </p:spTree>
+    <p:extLst>
+      <p:ext uri="{BB962C8B-B14F-4D97-AF65-F5344CB8AC3E}">
+        <p14:creationId xmlns:p14="http://schemas.microsoft.com/office/powerpoint/2010/main" val="4187166219"/>
+      </p:ext>
+    </p:extLst>
+  </p:cSld>
+  <p:clrMapOvr>
+    <a:masterClrMapping/>
+  </p:clrMapOvr>
+</p:sld>
+</file>
+
+<file path=ppt/slides/slide22.xml><?xml version="1.0" encoding="utf-8"?>
 <p:sld xmlns:a="http://schemas.openxmlformats.org/drawingml/2006/main" xmlns:r="http://schemas.openxmlformats.org/officeDocument/2006/relationships" xmlns:p="http://schemas.openxmlformats.org/presentationml/2006/main">
   <p:cSld>
     <p:spTree>
@@ -36465,13 +37700,10 @@
           </a:bodyPr>
           <a:lstStyle/>
           <a:p>
-            <a:pPr marL="285750" indent="-285750">
-              <a:buFont typeface="Arial" panose="020B0604020202020204" pitchFamily="34" charset="0"/>
-              <a:buChar char="•"/>
-            </a:pPr>
+            <a:pPr marL="285750" indent="-285750"/>
             <a:r>
               <a:rPr lang="en-US" dirty="0"/>
-              <a:t>Archetypal analysis: instead of grouping by looking for the mean of a cluster, we look at finding the boundaries/extreme</a:t>
+              <a:t>Formally include the information we gained to our survival regression model</a:t>
             </a:r>
           </a:p>
           <a:p>
@@ -36481,7 +37713,7 @@
             </a:pPr>
             <a:r>
               <a:rPr lang="en-US" dirty="0"/>
-              <a:t>Include known information in survival regression model</a:t>
+              <a:t>Archetypal analysis: instead of clustering by the center of mass, we look at grouping through the boundaries/extremes</a:t>
             </a:r>
           </a:p>
         </p:txBody>
@@ -36608,7 +37840,7 @@
                   <a:spcPts val="600"/>
                 </a:spcAft>
               </a:pPr>
-              <a:t>19</a:t>
+              <a:t>22</a:t>
             </a:fld>
             <a:endParaRPr lang="en-US"/>
           </a:p>
@@ -36627,379 +37859,7 @@
 </p:sld>
 </file>
 
-<file path=ppt/slides/slide2.xml><?xml version="1.0" encoding="utf-8"?>
-<p:sld xmlns:a="http://schemas.openxmlformats.org/drawingml/2006/main" xmlns:r="http://schemas.openxmlformats.org/officeDocument/2006/relationships" xmlns:p="http://schemas.openxmlformats.org/presentationml/2006/main">
-  <p:cSld>
-    <p:spTree>
-      <p:nvGrpSpPr>
-        <p:cNvPr id="1" name=""/>
-        <p:cNvGrpSpPr/>
-        <p:nvPr/>
-      </p:nvGrpSpPr>
-      <p:grpSpPr>
-        <a:xfrm>
-          <a:off x="0" y="0"/>
-          <a:ext cx="0" cy="0"/>
-          <a:chOff x="0" y="0"/>
-          <a:chExt cx="0" cy="0"/>
-        </a:xfrm>
-      </p:grpSpPr>
-      <p:sp>
-        <p:nvSpPr>
-          <p:cNvPr id="4" name="Title 3">
-            <a:extLst>
-              <a:ext uri="{FF2B5EF4-FFF2-40B4-BE49-F238E27FC236}">
-                <a16:creationId xmlns:a16="http://schemas.microsoft.com/office/drawing/2014/main" id="{65A85D8F-96DF-414F-96F0-8F01B9758670}"/>
-              </a:ext>
-            </a:extLst>
-          </p:cNvPr>
-          <p:cNvSpPr>
-            <a:spLocks noGrp="1"/>
-          </p:cNvSpPr>
-          <p:nvPr>
-            <p:ph type="title"/>
-          </p:nvPr>
-        </p:nvSpPr>
-        <p:spPr/>
-        <p:txBody>
-          <a:bodyPr/>
-          <a:lstStyle/>
-          <a:p>
-            <a:r>
-              <a:rPr lang="en-US" dirty="0"/>
-              <a:t>Agenda</a:t>
-            </a:r>
-          </a:p>
-        </p:txBody>
-      </p:sp>
-      <p:sp>
-        <p:nvSpPr>
-          <p:cNvPr id="5" name="Content Placeholder 4">
-            <a:extLst>
-              <a:ext uri="{FF2B5EF4-FFF2-40B4-BE49-F238E27FC236}">
-                <a16:creationId xmlns:a16="http://schemas.microsoft.com/office/drawing/2014/main" id="{07F79409-2936-4FDC-BF6F-45FC9FDA836A}"/>
-              </a:ext>
-            </a:extLst>
-          </p:cNvPr>
-          <p:cNvSpPr>
-            <a:spLocks noGrp="1"/>
-          </p:cNvSpPr>
-          <p:nvPr>
-            <p:ph idx="1"/>
-          </p:nvPr>
-        </p:nvSpPr>
-        <p:spPr>
-          <a:xfrm>
-            <a:off x="838200" y="2162895"/>
-            <a:ext cx="10263909" cy="3529014"/>
-          </a:xfrm>
-        </p:spPr>
-        <p:txBody>
-          <a:bodyPr/>
-          <a:lstStyle/>
-          <a:p>
-            <a:r>
-              <a:rPr lang="en-US" dirty="0"/>
-              <a:t>Understanding any relation between 5-year survival and available covariates</a:t>
-            </a:r>
-          </a:p>
-          <a:p>
-            <a:pPr marL="342900" indent="-342900">
-              <a:buFont typeface="Arial" panose="020B0604020202020204" pitchFamily="34" charset="0"/>
-              <a:buChar char="•"/>
-            </a:pPr>
-            <a:r>
-              <a:rPr lang="en-US" dirty="0"/>
-              <a:t>Data overview</a:t>
-            </a:r>
-          </a:p>
-          <a:p>
-            <a:pPr marL="342900" indent="-342900">
-              <a:buFont typeface="Arial" panose="020B0604020202020204" pitchFamily="34" charset="0"/>
-              <a:buChar char="•"/>
-            </a:pPr>
-            <a:r>
-              <a:rPr lang="en-US" dirty="0"/>
-              <a:t>5-year survival logistic regression model</a:t>
-            </a:r>
-          </a:p>
-          <a:p>
-            <a:pPr marL="342900" indent="-342900">
-              <a:buFont typeface="Arial" panose="020B0604020202020204" pitchFamily="34" charset="0"/>
-              <a:buChar char="•"/>
-            </a:pPr>
-            <a:r>
-              <a:rPr lang="en-US" dirty="0"/>
-              <a:t>Survival Cox regression model</a:t>
-            </a:r>
-          </a:p>
-          <a:p>
-            <a:r>
-              <a:rPr lang="en-US" dirty="0"/>
-              <a:t>Understanding the association between genes and patient survival </a:t>
-            </a:r>
-          </a:p>
-          <a:p>
-            <a:pPr marL="342900" indent="-342900">
-              <a:buFont typeface="Arial" panose="020B0604020202020204" pitchFamily="34" charset="0"/>
-              <a:buChar char="•"/>
-            </a:pPr>
-            <a:r>
-              <a:rPr lang="en-US" dirty="0"/>
-              <a:t>Data overview</a:t>
-            </a:r>
-          </a:p>
-          <a:p>
-            <a:pPr marL="342900" indent="-342900">
-              <a:buFont typeface="Arial" panose="020B0604020202020204" pitchFamily="34" charset="0"/>
-              <a:buChar char="•"/>
-            </a:pPr>
-            <a:r>
-              <a:rPr lang="en-US" dirty="0"/>
-              <a:t>Correlation exploration</a:t>
-            </a:r>
-          </a:p>
-          <a:p>
-            <a:pPr marL="342900" indent="-342900">
-              <a:buFont typeface="Arial" panose="020B0604020202020204" pitchFamily="34" charset="0"/>
-              <a:buChar char="•"/>
-            </a:pPr>
-            <a:r>
-              <a:rPr lang="en-US" dirty="0"/>
-              <a:t>Principal component analysis exploration</a:t>
-            </a:r>
-          </a:p>
-          <a:p>
-            <a:endParaRPr lang="en-US" dirty="0"/>
-          </a:p>
-        </p:txBody>
-      </p:sp>
-      <p:sp>
-        <p:nvSpPr>
-          <p:cNvPr id="26" name="Footer Placeholder 25">
-            <a:extLst>
-              <a:ext uri="{FF2B5EF4-FFF2-40B4-BE49-F238E27FC236}">
-                <a16:creationId xmlns:a16="http://schemas.microsoft.com/office/drawing/2014/main" id="{0E469817-940E-4A7E-82D2-9FC9B4D3AA33}"/>
-              </a:ext>
-            </a:extLst>
-          </p:cNvPr>
-          <p:cNvSpPr>
-            <a:spLocks noGrp="1"/>
-          </p:cNvSpPr>
-          <p:nvPr>
-            <p:ph type="ftr" sz="quarter" idx="11"/>
-          </p:nvPr>
-        </p:nvSpPr>
-        <p:spPr/>
-        <p:txBody>
-          <a:bodyPr/>
-          <a:lstStyle/>
-          <a:p>
-            <a:pPr algn="l"/>
-            <a:r>
-              <a:rPr lang="en-US" dirty="0"/>
-              <a:t>Interview Scenario – Isabelle Grenier</a:t>
-            </a:r>
-          </a:p>
-        </p:txBody>
-      </p:sp>
-    </p:spTree>
-    <p:extLst>
-      <p:ext uri="{BB962C8B-B14F-4D97-AF65-F5344CB8AC3E}">
-        <p14:creationId xmlns:p14="http://schemas.microsoft.com/office/powerpoint/2010/main" val="1912948986"/>
-      </p:ext>
-    </p:extLst>
-  </p:cSld>
-  <p:clrMapOvr>
-    <a:masterClrMapping/>
-  </p:clrMapOvr>
-</p:sld>
-</file>
-
-<file path=ppt/slides/slide20.xml><?xml version="1.0" encoding="utf-8"?>
-<p:sld xmlns:a="http://schemas.openxmlformats.org/drawingml/2006/main" xmlns:r="http://schemas.openxmlformats.org/officeDocument/2006/relationships" xmlns:p="http://schemas.openxmlformats.org/presentationml/2006/main">
-  <p:cSld>
-    <p:spTree>
-      <p:nvGrpSpPr>
-        <p:cNvPr id="1" name=""/>
-        <p:cNvGrpSpPr/>
-        <p:nvPr/>
-      </p:nvGrpSpPr>
-      <p:grpSpPr>
-        <a:xfrm>
-          <a:off x="0" y="0"/>
-          <a:ext cx="0" cy="0"/>
-          <a:chOff x="0" y="0"/>
-          <a:chExt cx="0" cy="0"/>
-        </a:xfrm>
-      </p:grpSpPr>
-      <p:sp>
-        <p:nvSpPr>
-          <p:cNvPr id="4" name="Title 3">
-            <a:extLst>
-              <a:ext uri="{FF2B5EF4-FFF2-40B4-BE49-F238E27FC236}">
-                <a16:creationId xmlns:a16="http://schemas.microsoft.com/office/drawing/2014/main" id="{80D2FA59-42D1-4596-BADF-65EE2EECB2F4}"/>
-              </a:ext>
-            </a:extLst>
-          </p:cNvPr>
-          <p:cNvSpPr>
-            <a:spLocks noGrp="1"/>
-          </p:cNvSpPr>
-          <p:nvPr>
-            <p:ph type="title"/>
-          </p:nvPr>
-        </p:nvSpPr>
-        <p:spPr/>
-        <p:txBody>
-          <a:bodyPr/>
-          <a:lstStyle/>
-          <a:p>
-            <a:r>
-              <a:rPr lang="en-US" dirty="0"/>
-              <a:t>Summary</a:t>
-            </a:r>
-          </a:p>
-        </p:txBody>
-      </p:sp>
-      <p:sp>
-        <p:nvSpPr>
-          <p:cNvPr id="5" name="Content Placeholder 4">
-            <a:extLst>
-              <a:ext uri="{FF2B5EF4-FFF2-40B4-BE49-F238E27FC236}">
-                <a16:creationId xmlns:a16="http://schemas.microsoft.com/office/drawing/2014/main" id="{708C1B7C-03BA-4C6C-B759-6DAB6A63B451}"/>
-              </a:ext>
-            </a:extLst>
-          </p:cNvPr>
-          <p:cNvSpPr>
-            <a:spLocks noGrp="1"/>
-          </p:cNvSpPr>
-          <p:nvPr>
-            <p:ph idx="1"/>
-          </p:nvPr>
-        </p:nvSpPr>
-        <p:spPr/>
-        <p:txBody>
-          <a:bodyPr/>
-          <a:lstStyle/>
-          <a:p>
-            <a:pPr marL="0" indent="0">
-              <a:buNone/>
-            </a:pPr>
-            <a:r>
-              <a:rPr lang="en-US" sz="1800" dirty="0"/>
-              <a:t>With PowerPoint, you can create presentations and share your work with others, wherever they are. Type the text you want here to get started. You can also add images, art, and videos on this template. Save to OneDrive and access your presentations from your computer, tablet, or phone. </a:t>
-            </a:r>
-          </a:p>
-        </p:txBody>
-      </p:sp>
-      <p:sp>
-        <p:nvSpPr>
-          <p:cNvPr id="10" name="Footer Placeholder 9">
-            <a:extLst>
-              <a:ext uri="{FF2B5EF4-FFF2-40B4-BE49-F238E27FC236}">
-                <a16:creationId xmlns:a16="http://schemas.microsoft.com/office/drawing/2014/main" id="{8751E420-B483-4040-8E33-A32E82D74E33}"/>
-              </a:ext>
-            </a:extLst>
-          </p:cNvPr>
-          <p:cNvSpPr>
-            <a:spLocks noGrp="1"/>
-          </p:cNvSpPr>
-          <p:nvPr>
-            <p:ph type="ftr" sz="quarter" idx="11"/>
-          </p:nvPr>
-        </p:nvSpPr>
-        <p:spPr/>
-        <p:txBody>
-          <a:bodyPr/>
-          <a:lstStyle/>
-          <a:p>
-            <a:pPr algn="l"/>
-            <a:r>
-              <a:rPr lang="en-US" dirty="0"/>
-              <a:t>Interview Scenario – Isabelle Grenier</a:t>
-            </a:r>
-          </a:p>
-        </p:txBody>
-      </p:sp>
-      <p:sp>
-        <p:nvSpPr>
-          <p:cNvPr id="11" name="Slide Number Placeholder 10">
-            <a:extLst>
-              <a:ext uri="{FF2B5EF4-FFF2-40B4-BE49-F238E27FC236}">
-                <a16:creationId xmlns:a16="http://schemas.microsoft.com/office/drawing/2014/main" id="{A720F25F-904B-4AA2-9CB6-69411308A123}"/>
-              </a:ext>
-            </a:extLst>
-          </p:cNvPr>
-          <p:cNvSpPr>
-            <a:spLocks noGrp="1"/>
-          </p:cNvSpPr>
-          <p:nvPr>
-            <p:ph type="sldNum" sz="quarter" idx="12"/>
-          </p:nvPr>
-        </p:nvSpPr>
-        <p:spPr/>
-        <p:txBody>
-          <a:bodyPr/>
-          <a:lstStyle/>
-          <a:p>
-            <a:fld id="{B9713C8C-8E70-45D5-AE59-23E60168254E}" type="slidenum">
-              <a:rPr lang="en-US" smtClean="0"/>
-              <a:t>20</a:t>
-            </a:fld>
-            <a:endParaRPr lang="en-US" dirty="0"/>
-          </a:p>
-        </p:txBody>
-      </p:sp>
-      <p:sp>
-        <p:nvSpPr>
-          <p:cNvPr id="3" name="Picture Placeholder 2">
-            <a:extLst>
-              <a:ext uri="{FF2B5EF4-FFF2-40B4-BE49-F238E27FC236}">
-                <a16:creationId xmlns:a16="http://schemas.microsoft.com/office/drawing/2014/main" id="{7CAF5C06-5B69-DC8A-982D-97FD16BBC5BF}"/>
-              </a:ext>
-            </a:extLst>
-          </p:cNvPr>
-          <p:cNvSpPr>
-            <a:spLocks noGrp="1"/>
-          </p:cNvSpPr>
-          <p:nvPr>
-            <p:ph type="pic" sz="quarter" idx="13"/>
-          </p:nvPr>
-        </p:nvSpPr>
-        <p:spPr/>
-      </p:sp>
-      <p:sp>
-        <p:nvSpPr>
-          <p:cNvPr id="8" name="Picture Placeholder 7">
-            <a:extLst>
-              <a:ext uri="{FF2B5EF4-FFF2-40B4-BE49-F238E27FC236}">
-                <a16:creationId xmlns:a16="http://schemas.microsoft.com/office/drawing/2014/main" id="{081F53DE-3F3C-1BC9-1823-B620C1CB004C}"/>
-              </a:ext>
-            </a:extLst>
-          </p:cNvPr>
-          <p:cNvSpPr>
-            <a:spLocks noGrp="1"/>
-          </p:cNvSpPr>
-          <p:nvPr>
-            <p:ph type="pic" sz="quarter" idx="14"/>
-          </p:nvPr>
-        </p:nvSpPr>
-        <p:spPr/>
-      </p:sp>
-    </p:spTree>
-    <p:extLst>
-      <p:ext uri="{BB962C8B-B14F-4D97-AF65-F5344CB8AC3E}">
-        <p14:creationId xmlns:p14="http://schemas.microsoft.com/office/powerpoint/2010/main" val="3958427157"/>
-      </p:ext>
-    </p:extLst>
-  </p:cSld>
-  <p:clrMapOvr>
-    <a:masterClrMapping/>
-  </p:clrMapOvr>
-</p:sld>
-</file>
-
-<file path=ppt/slides/slide21.xml><?xml version="1.0" encoding="utf-8"?>
+<file path=ppt/slides/slide23.xml><?xml version="1.0" encoding="utf-8"?>
 <p:sld xmlns:a="http://schemas.openxmlformats.org/drawingml/2006/main" xmlns:r="http://schemas.openxmlformats.org/officeDocument/2006/relationships" xmlns:p="http://schemas.openxmlformats.org/presentationml/2006/main">
   <p:cSld>
     <p:spTree>
@@ -37154,7 +38014,7 @@
 </p:sld>
 </file>
 
-<file path=ppt/slides/slide22.xml><?xml version="1.0" encoding="utf-8"?>
+<file path=ppt/slides/slide24.xml><?xml version="1.0" encoding="utf-8"?>
 <p:sld xmlns:a="http://schemas.openxmlformats.org/drawingml/2006/main" xmlns:r="http://schemas.openxmlformats.org/officeDocument/2006/relationships" xmlns:p="http://schemas.openxmlformats.org/presentationml/2006/main" show="0">
   <p:cSld>
     <p:spTree>
@@ -37345,7 +38205,7 @@
           <a:p>
             <a:fld id="{B9713C8C-8E70-45D5-AE59-23E60168254E}" type="slidenum">
               <a:rPr lang="en-US" smtClean="0"/>
-              <a:t>22</a:t>
+              <a:t>24</a:t>
             </a:fld>
             <a:endParaRPr lang="en-US" dirty="0"/>
           </a:p>
@@ -37366,7 +38226,7 @@
           <p:nvPr/>
         </p:nvPicPr>
         <p:blipFill>
-          <a:blip r:embed="rId2"/>
+          <a:blip r:embed="rId3"/>
           <a:stretch>
             <a:fillRect/>
           </a:stretch>
@@ -37396,7 +38256,7 @@
           <p:nvPr/>
         </p:nvPicPr>
         <p:blipFill>
-          <a:blip r:embed="rId3"/>
+          <a:blip r:embed="rId4"/>
           <a:stretch>
             <a:fillRect/>
           </a:stretch>
@@ -38388,7 +39248,7 @@
           <p:nvPr>
             <p:extLst>
               <p:ext uri="{D42A27DB-BD31-4B8C-83A1-F6EECF244321}">
-                <p14:modId xmlns:p14="http://schemas.microsoft.com/office/powerpoint/2010/main" val="2564467323"/>
+                <p14:modId xmlns:p14="http://schemas.microsoft.com/office/powerpoint/2010/main" val="4279844924"/>
               </p:ext>
             </p:extLst>
           </p:nvPr>
@@ -38619,7 +39479,7 @@
           <p:nvPr/>
         </p:nvPicPr>
         <p:blipFill>
-          <a:blip r:embed="rId2"/>
+          <a:blip r:embed="rId3"/>
           <a:stretch>
             <a:fillRect/>
           </a:stretch>

--- a/presentation_05032023.pptx
+++ b/presentation_05032023.pptx
@@ -5,7 +5,7 @@
     <p:sldMasterId id="2147483733" r:id="rId4"/>
   </p:sldMasterIdLst>
   <p:notesMasterIdLst>
-    <p:notesMasterId r:id="rId29"/>
+    <p:notesMasterId r:id="rId30"/>
   </p:notesMasterIdLst>
   <p:sldIdLst>
     <p:sldId id="401" r:id="rId5"/>
@@ -28,10 +28,11 @@
     <p:sldId id="416" r:id="rId22"/>
     <p:sldId id="420" r:id="rId23"/>
     <p:sldId id="421" r:id="rId24"/>
-    <p:sldId id="435" r:id="rId25"/>
-    <p:sldId id="419" r:id="rId26"/>
-    <p:sldId id="409" r:id="rId27"/>
-    <p:sldId id="429" r:id="rId28"/>
+    <p:sldId id="436" r:id="rId25"/>
+    <p:sldId id="435" r:id="rId26"/>
+    <p:sldId id="419" r:id="rId27"/>
+    <p:sldId id="409" r:id="rId28"/>
+    <p:sldId id="429" r:id="rId29"/>
   </p:sldIdLst>
   <p:sldSz cx="12192000" cy="6858000"/>
   <p:notesSz cx="6858000" cy="9144000"/>
@@ -247,7 +248,7 @@
           <a:p>
             <a:fld id="{B860B616-BCB2-4E7C-BAA6-B90DF21B9EDF}" type="datetimeFigureOut">
               <a:rPr lang="en-US" smtClean="0"/>
-              <a:t>4/30/2023</a:t>
+              <a:t>5/1/2023</a:t>
             </a:fld>
             <a:endParaRPr lang="en-US" dirty="0"/>
           </a:p>
@@ -843,7 +844,7 @@
           <a:p>
             <a:fld id="{0D0EDF81-139F-488C-872B-4720FBA6BF98}" type="slidenum">
               <a:rPr lang="en-US" smtClean="0"/>
-              <a:t>24</a:t>
+              <a:t>25</a:t>
             </a:fld>
             <a:endParaRPr lang="en-US" dirty="0"/>
           </a:p>
@@ -36808,14 +36809,14 @@
             <a:pPr lvl="1"/>
             <a:r>
               <a:rPr lang="en-US" dirty="0"/>
-              <a:t>Filter on the cases with known status at the 5-year mark</a:t>
+              <a:t>Filter on the cases with a minimum of 3-month history</a:t>
             </a:r>
           </a:p>
           <a:p>
             <a:pPr lvl="1"/>
             <a:r>
               <a:rPr lang="en-US" dirty="0"/>
-              <a:t>Status is defined as the 5-year survival rate</a:t>
+              <a:t>Look at survival time and a subset containing 5-year survival rate information</a:t>
             </a:r>
           </a:p>
           <a:p>
@@ -36828,7 +36829,7 @@
             <a:pPr lvl="1"/>
             <a:r>
               <a:rPr lang="en-US" dirty="0"/>
-              <a:t>Extract gene expression for the cases with known 5-year status</a:t>
+              <a:t>Extract gene expression for the cases with 3-month history</a:t>
             </a:r>
           </a:p>
           <a:p>
@@ -36850,7 +36851,15 @@
             <a:pPr lvl="1"/>
             <a:r>
               <a:rPr lang="en-US" dirty="0"/>
-              <a:t>316 cases left after clean up</a:t>
+              <a:t>A few </a:t>
+            </a:r>
+            <a:r>
+              <a:rPr lang="en-US" i="1" dirty="0"/>
+              <a:t>Case IDs </a:t>
+            </a:r>
+            <a:r>
+              <a:rPr lang="en-US" dirty="0"/>
+              <a:t>were missing the gene expression file</a:t>
             </a:r>
           </a:p>
           <a:p>
@@ -37186,7 +37195,7 @@
           <a:p>
             <a:r>
               <a:rPr lang="en-US" dirty="0"/>
-              <a:t>Correlation Analysis</a:t>
+              <a:t>Correlation Analysis – 5-year Survival Rate</a:t>
             </a:r>
           </a:p>
         </p:txBody>
@@ -37453,7 +37462,7 @@
           <a:p>
             <a:r>
               <a:rPr lang="en-US" dirty="0"/>
-              <a:t>Principal Component Analysis (PCA)</a:t>
+              <a:t>Correlation Analysis – Survival Time</a:t>
             </a:r>
           </a:p>
         </p:txBody>
@@ -37476,8 +37485,8 @@
         </p:nvSpPr>
         <p:spPr>
           <a:xfrm>
-            <a:off x="838200" y="2011680"/>
-            <a:ext cx="5144312" cy="4160520"/>
+            <a:off x="838199" y="2011680"/>
+            <a:ext cx="9249383" cy="4160520"/>
           </a:xfrm>
         </p:spPr>
         <p:txBody>
@@ -37486,7 +37495,7 @@
           <a:p>
             <a:r>
               <a:rPr lang="en-US" dirty="0"/>
-              <a:t>Looking at the cumulative proportion of variance from PCA for dimensionality reduction</a:t>
+              <a:t>We compute the correlation between each available gene and the survival time</a:t>
             </a:r>
           </a:p>
         </p:txBody>
@@ -37579,10 +37588,10 @@
       </p:sp>
       <p:pic>
         <p:nvPicPr>
-          <p:cNvPr id="8" name="Picture 7" descr="Chart&#10;&#10;Description automatically generated">
+          <p:cNvPr id="8" name="Picture 7" descr="Chart, histogram&#10;&#10;Description automatically generated">
             <a:extLst>
               <a:ext uri="{FF2B5EF4-FFF2-40B4-BE49-F238E27FC236}">
-                <a16:creationId xmlns:a16="http://schemas.microsoft.com/office/drawing/2014/main" id="{23BDEDCE-9622-6228-BCE0-090F4535B430}"/>
+                <a16:creationId xmlns:a16="http://schemas.microsoft.com/office/drawing/2014/main" id="{D1B6B052-047D-141F-2C9E-AC090376EB4F}"/>
               </a:ext>
             </a:extLst>
           </p:cNvPr>
@@ -37599,8 +37608,281 @@
         </p:blipFill>
         <p:spPr>
           <a:xfrm>
-            <a:off x="6369990" y="1840791"/>
-            <a:ext cx="4983810" cy="4153175"/>
+            <a:off x="531382" y="3092650"/>
+            <a:ext cx="3695460" cy="3079550"/>
+          </a:xfrm>
+          <a:prstGeom prst="rect">
+            <a:avLst/>
+          </a:prstGeom>
+        </p:spPr>
+      </p:pic>
+      <p:pic>
+        <p:nvPicPr>
+          <p:cNvPr id="12" name="Picture 11" descr="Chart, scatter chart&#10;&#10;Description automatically generated">
+            <a:extLst>
+              <a:ext uri="{FF2B5EF4-FFF2-40B4-BE49-F238E27FC236}">
+                <a16:creationId xmlns:a16="http://schemas.microsoft.com/office/drawing/2014/main" id="{FA331D76-8E3B-C94D-6B70-E0384EA2284C}"/>
+              </a:ext>
+            </a:extLst>
+          </p:cNvPr>
+          <p:cNvPicPr>
+            <a:picLocks noChangeAspect="1"/>
+          </p:cNvPicPr>
+          <p:nvPr/>
+        </p:nvPicPr>
+        <p:blipFill>
+          <a:blip r:embed="rId3"/>
+          <a:stretch>
+            <a:fillRect/>
+          </a:stretch>
+        </p:blipFill>
+        <p:spPr>
+          <a:xfrm>
+            <a:off x="4309828" y="3092650"/>
+            <a:ext cx="3655501" cy="3046251"/>
+          </a:xfrm>
+          <a:prstGeom prst="rect">
+            <a:avLst/>
+          </a:prstGeom>
+        </p:spPr>
+      </p:pic>
+      <p:pic>
+        <p:nvPicPr>
+          <p:cNvPr id="17" name="Picture 16" descr="Chart, scatter chart&#10;&#10;Description automatically generated">
+            <a:extLst>
+              <a:ext uri="{FF2B5EF4-FFF2-40B4-BE49-F238E27FC236}">
+                <a16:creationId xmlns:a16="http://schemas.microsoft.com/office/drawing/2014/main" id="{B537B8BC-C4D0-F0EA-CAED-3D8022CFD83C}"/>
+              </a:ext>
+            </a:extLst>
+          </p:cNvPr>
+          <p:cNvPicPr>
+            <a:picLocks noChangeAspect="1"/>
+          </p:cNvPicPr>
+          <p:nvPr/>
+        </p:nvPicPr>
+        <p:blipFill>
+          <a:blip r:embed="rId4"/>
+          <a:stretch>
+            <a:fillRect/>
+          </a:stretch>
+        </p:blipFill>
+        <p:spPr>
+          <a:xfrm>
+            <a:off x="8048315" y="3092649"/>
+            <a:ext cx="3655501" cy="3046251"/>
+          </a:xfrm>
+          <a:prstGeom prst="rect">
+            <a:avLst/>
+          </a:prstGeom>
+        </p:spPr>
+      </p:pic>
+    </p:spTree>
+    <p:extLst>
+      <p:ext uri="{BB962C8B-B14F-4D97-AF65-F5344CB8AC3E}">
+        <p14:creationId xmlns:p14="http://schemas.microsoft.com/office/powerpoint/2010/main" val="274506420"/>
+      </p:ext>
+    </p:extLst>
+  </p:cSld>
+  <p:clrMapOvr>
+    <a:masterClrMapping/>
+  </p:clrMapOvr>
+</p:sld>
+</file>
+
+<file path=ppt/slides/slide22.xml><?xml version="1.0" encoding="utf-8"?>
+<p:sld xmlns:a="http://schemas.openxmlformats.org/drawingml/2006/main" xmlns:r="http://schemas.openxmlformats.org/officeDocument/2006/relationships" xmlns:p="http://schemas.openxmlformats.org/presentationml/2006/main">
+  <p:cSld>
+    <p:spTree>
+      <p:nvGrpSpPr>
+        <p:cNvPr id="1" name=""/>
+        <p:cNvGrpSpPr/>
+        <p:nvPr/>
+      </p:nvGrpSpPr>
+      <p:grpSpPr>
+        <a:xfrm>
+          <a:off x="0" y="0"/>
+          <a:ext cx="0" cy="0"/>
+          <a:chOff x="0" y="0"/>
+          <a:chExt cx="0" cy="0"/>
+        </a:xfrm>
+      </p:grpSpPr>
+      <p:sp>
+        <p:nvSpPr>
+          <p:cNvPr id="2" name="Title 1">
+            <a:extLst>
+              <a:ext uri="{FF2B5EF4-FFF2-40B4-BE49-F238E27FC236}">
+                <a16:creationId xmlns:a16="http://schemas.microsoft.com/office/drawing/2014/main" id="{DD336899-7FF7-5AF4-4F99-1EF370E91D8C}"/>
+              </a:ext>
+            </a:extLst>
+          </p:cNvPr>
+          <p:cNvSpPr>
+            <a:spLocks noGrp="1"/>
+          </p:cNvSpPr>
+          <p:nvPr>
+            <p:ph type="title"/>
+          </p:nvPr>
+        </p:nvSpPr>
+        <p:spPr/>
+        <p:txBody>
+          <a:bodyPr/>
+          <a:lstStyle/>
+          <a:p>
+            <a:r>
+              <a:rPr lang="en-US" dirty="0"/>
+              <a:t>Principal Component Analysis (PCA)</a:t>
+            </a:r>
+          </a:p>
+        </p:txBody>
+      </p:sp>
+      <p:sp>
+        <p:nvSpPr>
+          <p:cNvPr id="3" name="Content Placeholder 2">
+            <a:extLst>
+              <a:ext uri="{FF2B5EF4-FFF2-40B4-BE49-F238E27FC236}">
+                <a16:creationId xmlns:a16="http://schemas.microsoft.com/office/drawing/2014/main" id="{C4780A21-8FAD-C159-C74D-22A3C628C8CE}"/>
+              </a:ext>
+            </a:extLst>
+          </p:cNvPr>
+          <p:cNvSpPr>
+            <a:spLocks noGrp="1"/>
+          </p:cNvSpPr>
+          <p:nvPr>
+            <p:ph sz="half" idx="1"/>
+          </p:nvPr>
+        </p:nvSpPr>
+        <p:spPr>
+          <a:xfrm>
+            <a:off x="838200" y="2011680"/>
+            <a:ext cx="5144312" cy="4160520"/>
+          </a:xfrm>
+        </p:spPr>
+        <p:txBody>
+          <a:bodyPr/>
+          <a:lstStyle/>
+          <a:p>
+            <a:r>
+              <a:rPr lang="en-US" dirty="0"/>
+              <a:t>Looking at the cumulative proportion of variance from PCA for dimensionality reduction</a:t>
+            </a:r>
+          </a:p>
+          <a:p>
+            <a:r>
+              <a:rPr lang="en-US" dirty="0"/>
+              <a:t>No plateau signifies the absence of a cluster of genes responsible for survival time</a:t>
+            </a:r>
+          </a:p>
+        </p:txBody>
+      </p:sp>
+      <p:sp>
+        <p:nvSpPr>
+          <p:cNvPr id="5" name="Date Placeholder 4">
+            <a:extLst>
+              <a:ext uri="{FF2B5EF4-FFF2-40B4-BE49-F238E27FC236}">
+                <a16:creationId xmlns:a16="http://schemas.microsoft.com/office/drawing/2014/main" id="{A00D5602-B32D-6859-449E-AE7213659710}"/>
+              </a:ext>
+            </a:extLst>
+          </p:cNvPr>
+          <p:cNvSpPr>
+            <a:spLocks noGrp="1"/>
+          </p:cNvSpPr>
+          <p:nvPr>
+            <p:ph type="dt" sz="half" idx="10"/>
+          </p:nvPr>
+        </p:nvSpPr>
+        <p:spPr/>
+        <p:txBody>
+          <a:bodyPr/>
+          <a:lstStyle/>
+          <a:p>
+            <a:r>
+              <a:rPr lang="en-US" dirty="0"/>
+              <a:t>05/03/2023</a:t>
+            </a:r>
+          </a:p>
+        </p:txBody>
+      </p:sp>
+      <p:sp>
+        <p:nvSpPr>
+          <p:cNvPr id="6" name="Footer Placeholder 5">
+            <a:extLst>
+              <a:ext uri="{FF2B5EF4-FFF2-40B4-BE49-F238E27FC236}">
+                <a16:creationId xmlns:a16="http://schemas.microsoft.com/office/drawing/2014/main" id="{B6735792-E78F-124A-1481-1A6153176391}"/>
+              </a:ext>
+            </a:extLst>
+          </p:cNvPr>
+          <p:cNvSpPr>
+            <a:spLocks noGrp="1"/>
+          </p:cNvSpPr>
+          <p:nvPr>
+            <p:ph type="ftr" sz="quarter" idx="11"/>
+          </p:nvPr>
+        </p:nvSpPr>
+        <p:spPr/>
+        <p:txBody>
+          <a:bodyPr/>
+          <a:lstStyle/>
+          <a:p>
+            <a:pPr algn="l"/>
+            <a:r>
+              <a:rPr lang="en-US" dirty="0"/>
+              <a:t>Interview Scenario – Isabelle Grenier</a:t>
+            </a:r>
+          </a:p>
+        </p:txBody>
+      </p:sp>
+      <p:sp>
+        <p:nvSpPr>
+          <p:cNvPr id="7" name="Slide Number Placeholder 6">
+            <a:extLst>
+              <a:ext uri="{FF2B5EF4-FFF2-40B4-BE49-F238E27FC236}">
+                <a16:creationId xmlns:a16="http://schemas.microsoft.com/office/drawing/2014/main" id="{3D284645-74A9-4209-1803-3824A561E2CB}"/>
+              </a:ext>
+            </a:extLst>
+          </p:cNvPr>
+          <p:cNvSpPr>
+            <a:spLocks noGrp="1"/>
+          </p:cNvSpPr>
+          <p:nvPr>
+            <p:ph type="sldNum" sz="quarter" idx="12"/>
+          </p:nvPr>
+        </p:nvSpPr>
+        <p:spPr/>
+        <p:txBody>
+          <a:bodyPr/>
+          <a:lstStyle/>
+          <a:p>
+            <a:fld id="{B9713C8C-8E70-45D5-AE59-23E60168254E}" type="slidenum">
+              <a:rPr lang="en-US" smtClean="0"/>
+              <a:t>22</a:t>
+            </a:fld>
+            <a:endParaRPr lang="en-US" dirty="0"/>
+          </a:p>
+        </p:txBody>
+      </p:sp>
+      <p:pic>
+        <p:nvPicPr>
+          <p:cNvPr id="9" name="Picture 8" descr="Chart&#10;&#10;Description automatically generated">
+            <a:extLst>
+              <a:ext uri="{FF2B5EF4-FFF2-40B4-BE49-F238E27FC236}">
+                <a16:creationId xmlns:a16="http://schemas.microsoft.com/office/drawing/2014/main" id="{E7151482-B92D-5154-BF1E-440C34AF8444}"/>
+              </a:ext>
+            </a:extLst>
+          </p:cNvPr>
+          <p:cNvPicPr>
+            <a:picLocks noChangeAspect="1"/>
+          </p:cNvPicPr>
+          <p:nvPr/>
+        </p:nvPicPr>
+        <p:blipFill>
+          <a:blip r:embed="rId2"/>
+          <a:stretch>
+            <a:fillRect/>
+          </a:stretch>
+        </p:blipFill>
+        <p:spPr>
+          <a:xfrm>
+            <a:off x="6209490" y="1690688"/>
+            <a:ext cx="4983811" cy="4153176"/>
           </a:xfrm>
           <a:prstGeom prst="rect">
             <a:avLst/>
@@ -37620,7 +37902,7 @@
 </p:sld>
 </file>
 
-<file path=ppt/slides/slide22.xml><?xml version="1.0" encoding="utf-8"?>
+<file path=ppt/slides/slide23.xml><?xml version="1.0" encoding="utf-8"?>
 <p:sld xmlns:a="http://schemas.openxmlformats.org/drawingml/2006/main" xmlns:r="http://schemas.openxmlformats.org/officeDocument/2006/relationships" xmlns:p="http://schemas.openxmlformats.org/presentationml/2006/main">
   <p:cSld>
     <p:spTree>
@@ -37840,7 +38122,7 @@
                   <a:spcPts val="600"/>
                 </a:spcAft>
               </a:pPr>
-              <a:t>22</a:t>
+              <a:t>23</a:t>
             </a:fld>
             <a:endParaRPr lang="en-US"/>
           </a:p>
@@ -37859,7 +38141,7 @@
 </p:sld>
 </file>
 
-<file path=ppt/slides/slide23.xml><?xml version="1.0" encoding="utf-8"?>
+<file path=ppt/slides/slide24.xml><?xml version="1.0" encoding="utf-8"?>
 <p:sld xmlns:a="http://schemas.openxmlformats.org/drawingml/2006/main" xmlns:r="http://schemas.openxmlformats.org/officeDocument/2006/relationships" xmlns:p="http://schemas.openxmlformats.org/presentationml/2006/main">
   <p:cSld>
     <p:spTree>
@@ -38014,7 +38296,7 @@
 </p:sld>
 </file>
 
-<file path=ppt/slides/slide24.xml><?xml version="1.0" encoding="utf-8"?>
+<file path=ppt/slides/slide25.xml><?xml version="1.0" encoding="utf-8"?>
 <p:sld xmlns:a="http://schemas.openxmlformats.org/drawingml/2006/main" xmlns:r="http://schemas.openxmlformats.org/officeDocument/2006/relationships" xmlns:p="http://schemas.openxmlformats.org/presentationml/2006/main" show="0">
   <p:cSld>
     <p:spTree>
@@ -38205,7 +38487,7 @@
           <a:p>
             <a:fld id="{B9713C8C-8E70-45D5-AE59-23E60168254E}" type="slidenum">
               <a:rPr lang="en-US" smtClean="0"/>
-              <a:t>24</a:t>
+              <a:t>25</a:t>
             </a:fld>
             <a:endParaRPr lang="en-US" dirty="0"/>
           </a:p>
@@ -41324,21 +41606,21 @@
 </file>
 
 <file path=customXml/item1.xml><?xml version="1.0" encoding="utf-8"?>
+<?mso-contentType ?>
+<FormTemplates xmlns="http://schemas.microsoft.com/sharepoint/v3/contenttype/forms">
+  <Display>DocumentLibraryForm</Display>
+  <Edit>DocumentLibraryForm</Edit>
+  <New>DocumentLibraryForm</New>
+</FormTemplates>
+</file>
+
+<file path=customXml/item2.xml><?xml version="1.0" encoding="utf-8"?>
 <p:properties xmlns:p="http://schemas.microsoft.com/office/2006/metadata/properties" xmlns:xsi="http://www.w3.org/2001/XMLSchema-instance" xmlns:pc="http://schemas.microsoft.com/office/infopath/2007/PartnerControls">
   <documentManagement>
     <Status xmlns="71af3243-3dd4-4a8d-8c0d-dd76da1f02a5">Not started</Status>
     <MediaServiceKeyPoints xmlns="71af3243-3dd4-4a8d-8c0d-dd76da1f02a5" xsi:nil="true"/>
   </documentManagement>
 </p:properties>
-</file>
-
-<file path=customXml/item2.xml><?xml version="1.0" encoding="utf-8"?>
-<?mso-contentType ?>
-<FormTemplates xmlns="http://schemas.microsoft.com/sharepoint/v3/contenttype/forms">
-  <Display>DocumentLibraryForm</Display>
-  <Edit>DocumentLibraryForm</Edit>
-  <New>DocumentLibraryForm</New>
-</FormTemplates>
 </file>
 
 <file path=customXml/item3.xml><?xml version="1.0" encoding="utf-8"?>
@@ -41563,19 +41845,19 @@
 </file>
 
 <file path=customXml/itemProps1.xml><?xml version="1.0" encoding="utf-8"?>
+<ds:datastoreItem xmlns:ds="http://schemas.openxmlformats.org/officeDocument/2006/customXml" ds:itemID="{C0DCE9DA-F7FD-45FA-83B7-D9813A44258A}">
+  <ds:schemaRefs>
+    <ds:schemaRef ds:uri="http://schemas.microsoft.com/sharepoint/v3/contenttype/forms"/>
+  </ds:schemaRefs>
+</ds:datastoreItem>
+</file>
+
+<file path=customXml/itemProps2.xml><?xml version="1.0" encoding="utf-8"?>
 <ds:datastoreItem xmlns:ds="http://schemas.openxmlformats.org/officeDocument/2006/customXml" ds:itemID="{9DFCC198-DBFA-46B2-A241-8E3888E63670}">
   <ds:schemaRefs>
     <ds:schemaRef ds:uri="http://schemas.microsoft.com/office/2006/metadata/properties"/>
     <ds:schemaRef ds:uri="http://schemas.microsoft.com/office/infopath/2007/PartnerControls"/>
     <ds:schemaRef ds:uri="71af3243-3dd4-4a8d-8c0d-dd76da1f02a5"/>
-  </ds:schemaRefs>
-</ds:datastoreItem>
-</file>
-
-<file path=customXml/itemProps2.xml><?xml version="1.0" encoding="utf-8"?>
-<ds:datastoreItem xmlns:ds="http://schemas.openxmlformats.org/officeDocument/2006/customXml" ds:itemID="{C0DCE9DA-F7FD-45FA-83B7-D9813A44258A}">
-  <ds:schemaRefs>
-    <ds:schemaRef ds:uri="http://schemas.microsoft.com/sharepoint/v3/contenttype/forms"/>
   </ds:schemaRefs>
 </ds:datastoreItem>
 </file>

--- a/presentation_05032023.pptx
+++ b/presentation_05032023.pptx
@@ -5,7 +5,7 @@
     <p:sldMasterId id="2147483733" r:id="rId4"/>
   </p:sldMasterIdLst>
   <p:notesMasterIdLst>
-    <p:notesMasterId r:id="rId30"/>
+    <p:notesMasterId r:id="rId31"/>
   </p:notesMasterIdLst>
   <p:sldIdLst>
     <p:sldId id="401" r:id="rId5"/>
@@ -29,10 +29,11 @@
     <p:sldId id="420" r:id="rId23"/>
     <p:sldId id="421" r:id="rId24"/>
     <p:sldId id="436" r:id="rId25"/>
-    <p:sldId id="435" r:id="rId26"/>
-    <p:sldId id="419" r:id="rId27"/>
-    <p:sldId id="409" r:id="rId28"/>
-    <p:sldId id="429" r:id="rId29"/>
+    <p:sldId id="437" r:id="rId26"/>
+    <p:sldId id="435" r:id="rId27"/>
+    <p:sldId id="419" r:id="rId28"/>
+    <p:sldId id="409" r:id="rId29"/>
+    <p:sldId id="429" r:id="rId30"/>
   </p:sldIdLst>
   <p:sldSz cx="12192000" cy="6858000"/>
   <p:notesSz cx="6858000" cy="9144000"/>
@@ -733,10 +734,7 @@
           <a:bodyPr/>
           <a:lstStyle/>
           <a:p>
-            <a:r>
-              <a:rPr lang="en-US" dirty="0"/>
-              <a:t>Finish the legend</a:t>
-            </a:r>
+            <a:endParaRPr lang="en-US" dirty="0"/>
           </a:p>
         </p:txBody>
       </p:sp>
@@ -820,10 +818,7 @@
           <a:bodyPr/>
           <a:lstStyle/>
           <a:p>
-            <a:r>
-              <a:rPr lang="en-US" dirty="0"/>
-              <a:t>Add legend (take from the prediction plot)</a:t>
-            </a:r>
+            <a:endParaRPr lang="en-US" dirty="0"/>
           </a:p>
         </p:txBody>
       </p:sp>
@@ -844,7 +839,7 @@
           <a:p>
             <a:fld id="{0D0EDF81-139F-488C-872B-4720FBA6BF98}" type="slidenum">
               <a:rPr lang="en-US" smtClean="0"/>
-              <a:t>25</a:t>
+              <a:t>26</a:t>
             </a:fld>
             <a:endParaRPr lang="en-US" dirty="0"/>
           </a:p>
@@ -34123,7 +34118,7 @@
             <p:ph idx="1"/>
             <p:extLst>
               <p:ext uri="{D42A27DB-BD31-4B8C-83A1-F6EECF244321}">
-                <p14:modId xmlns:p14="http://schemas.microsoft.com/office/powerpoint/2010/main" val="1575172952"/>
+                <p14:modId xmlns:p14="http://schemas.microsoft.com/office/powerpoint/2010/main" val="1028614003"/>
               </p:ext>
             </p:extLst>
           </p:nvPr>
@@ -34153,14 +34148,14 @@
                     </a:ext>
                   </a:extLst>
                 </a:gridCol>
-                <a:gridCol w="1665161">
+                <a:gridCol w="1195298">
                   <a:extLst>
                     <a:ext uri="{9D8B030D-6E8A-4147-A177-3AD203B41FA5}">
                       <a16:colId xmlns:a16="http://schemas.microsoft.com/office/drawing/2014/main" val="3900770693"/>
                     </a:ext>
                   </a:extLst>
                 </a:gridCol>
-                <a:gridCol w="988291">
+                <a:gridCol w="1458154">
                   <a:extLst>
                     <a:ext uri="{9D8B030D-6E8A-4147-A177-3AD203B41FA5}">
                       <a16:colId xmlns:a16="http://schemas.microsoft.com/office/drawing/2014/main" val="1252662699"/>
@@ -34202,7 +34197,7 @@
                     <a:p>
                       <a:r>
                         <a:rPr lang="en-US" dirty="0"/>
-                        <a:t>Standard Error</a:t>
+                        <a:t>Std Error</a:t>
                       </a:r>
                     </a:p>
                   </a:txBody>
@@ -34248,7 +34243,7 @@
                     <a:p>
                       <a:r>
                         <a:rPr lang="en-US" dirty="0"/>
-                        <a:t>0.889</a:t>
+                        <a:t>2.235</a:t>
                       </a:r>
                     </a:p>
                   </a:txBody>
@@ -34261,7 +34256,7 @@
                     <a:p>
                       <a:r>
                         <a:rPr lang="en-US" dirty="0"/>
-                        <a:t>0.048</a:t>
+                        <a:t>0.406</a:t>
                       </a:r>
                     </a:p>
                   </a:txBody>
@@ -34274,7 +34269,7 @@
                     <a:p>
                       <a:r>
                         <a:rPr lang="en-US" dirty="0"/>
-                        <a:t>0.000</a:t>
+                        <a:t>3.84e-08</a:t>
                       </a:r>
                     </a:p>
                   </a:txBody>
@@ -34307,7 +34302,7 @@
                     <a:p>
                       <a:r>
                         <a:rPr lang="en-US" dirty="0"/>
-                        <a:t>-0.104</a:t>
+                        <a:t>-0.714</a:t>
                       </a:r>
                     </a:p>
                   </a:txBody>
@@ -34320,7 +34315,7 @@
                     <a:p>
                       <a:r>
                         <a:rPr lang="en-US" dirty="0"/>
-                        <a:t>0.022</a:t>
+                        <a:t>0.163</a:t>
                       </a:r>
                     </a:p>
                   </a:txBody>
@@ -34333,7 +34328,7 @@
                     <a:p>
                       <a:r>
                         <a:rPr lang="en-US" dirty="0"/>
-                        <a:t>0.000</a:t>
+                        <a:t>1.23e-05</a:t>
                       </a:r>
                     </a:p>
                   </a:txBody>
@@ -34383,7 +34378,7 @@
                     <a:p>
                       <a:r>
                         <a:rPr lang="en-US" dirty="0"/>
-                        <a:t>-0.051</a:t>
+                        <a:t>-0.439</a:t>
                       </a:r>
                     </a:p>
                   </a:txBody>
@@ -34396,7 +34391,7 @@
                     <a:p>
                       <a:r>
                         <a:rPr lang="en-US" dirty="0"/>
-                        <a:t>0.567</a:t>
+                        <a:t>0.454</a:t>
                       </a:r>
                     </a:p>
                   </a:txBody>
@@ -34409,7 +34404,7 @@
                     <a:p>
                       <a:r>
                         <a:rPr lang="en-US" dirty="0"/>
-                        <a:t>0.368</a:t>
+                        <a:t>3.34e-01</a:t>
                       </a:r>
                     </a:p>
                   </a:txBody>
@@ -34442,7 +34437,7 @@
                     <a:p>
                       <a:r>
                         <a:rPr lang="en-US" dirty="0"/>
-                        <a:t>-0.237</a:t>
+                        <a:t>-1.573</a:t>
                       </a:r>
                     </a:p>
                   </a:txBody>
@@ -34455,7 +34450,7 @@
                     <a:p>
                       <a:r>
                         <a:rPr lang="en-US" dirty="0"/>
-                        <a:t>0.664</a:t>
+                        <a:t>0.487</a:t>
                       </a:r>
                     </a:p>
                   </a:txBody>
@@ -34468,7 +34463,7 @@
                     <a:p>
                       <a:r>
                         <a:rPr lang="en-US" dirty="0"/>
-                        <a:t>0.000</a:t>
+                        <a:t>1.25e-03</a:t>
                       </a:r>
                     </a:p>
                   </a:txBody>
@@ -34501,7 +34496,7 @@
                     <a:p>
                       <a:r>
                         <a:rPr lang="en-US" dirty="0"/>
-                        <a:t>-0.563</a:t>
+                        <a:t>-2.901</a:t>
                       </a:r>
                     </a:p>
                   </a:txBody>
@@ -34514,7 +34509,7 @@
                     <a:p>
                       <a:r>
                         <a:rPr lang="en-US" dirty="0"/>
-                        <a:t>0.124</a:t>
+                        <a:t>0.795</a:t>
                       </a:r>
                     </a:p>
                   </a:txBody>
@@ -34527,7 +34522,7 @@
                     <a:p>
                       <a:r>
                         <a:rPr lang="en-US" dirty="0"/>
-                        <a:t>0.000</a:t>
+                        <a:t>2.64e-04</a:t>
                       </a:r>
                     </a:p>
                   </a:txBody>
@@ -35521,184 +35516,205 @@
           </a:prstGeom>
         </p:spPr>
       </p:pic>
-      <p:sp>
-        <p:nvSpPr>
-          <p:cNvPr id="13" name="Oval 12">
+      <p:grpSp>
+        <p:nvGrpSpPr>
+          <p:cNvPr id="3" name="Group 2">
             <a:extLst>
               <a:ext uri="{FF2B5EF4-FFF2-40B4-BE49-F238E27FC236}">
-                <a16:creationId xmlns:a16="http://schemas.microsoft.com/office/drawing/2014/main" id="{94099DD5-F1CC-4856-CE2F-9401474DA708}"/>
+                <a16:creationId xmlns:a16="http://schemas.microsoft.com/office/drawing/2014/main" id="{CD81D7FC-4C2D-BA69-6C17-73685B1C406D}"/>
               </a:ext>
             </a:extLst>
           </p:cNvPr>
-          <p:cNvSpPr/>
+          <p:cNvGrpSpPr/>
           <p:nvPr/>
-        </p:nvSpPr>
-        <p:spPr>
+        </p:nvGrpSpPr>
+        <p:grpSpPr>
           <a:xfrm>
-            <a:off x="7130473" y="581891"/>
-            <a:ext cx="267854" cy="267854"/>
+            <a:off x="10243226" y="4943052"/>
+            <a:ext cx="2184779" cy="605792"/>
+            <a:chOff x="7227651" y="575333"/>
+            <a:chExt cx="2148410" cy="605792"/>
           </a:xfrm>
-          <a:prstGeom prst="ellipse">
-            <a:avLst/>
-          </a:prstGeom>
-          <a:solidFill>
-            <a:srgbClr val="03BFC4"/>
-          </a:solidFill>
-          <a:ln>
+        </p:grpSpPr>
+        <p:sp>
+          <p:nvSpPr>
+            <p:cNvPr id="13" name="Oval 12">
+              <a:extLst>
+                <a:ext uri="{FF2B5EF4-FFF2-40B4-BE49-F238E27FC236}">
+                  <a16:creationId xmlns:a16="http://schemas.microsoft.com/office/drawing/2014/main" id="{94099DD5-F1CC-4856-CE2F-9401474DA708}"/>
+                </a:ext>
+              </a:extLst>
+            </p:cNvPr>
+            <p:cNvSpPr/>
+            <p:nvPr/>
+          </p:nvSpPr>
+          <p:spPr>
+            <a:xfrm>
+              <a:off x="7227651" y="670255"/>
+              <a:ext cx="170676" cy="179489"/>
+            </a:xfrm>
+            <a:prstGeom prst="ellipse">
+              <a:avLst/>
+            </a:prstGeom>
             <a:solidFill>
               <a:srgbClr val="03BFC4"/>
             </a:solidFill>
-          </a:ln>
-        </p:spPr>
-        <p:style>
-          <a:lnRef idx="2">
-            <a:schemeClr val="accent1">
-              <a:shade val="50000"/>
-            </a:schemeClr>
-          </a:lnRef>
-          <a:fillRef idx="1">
-            <a:schemeClr val="accent1"/>
-          </a:fillRef>
-          <a:effectRef idx="0">
-            <a:schemeClr val="accent1"/>
-          </a:effectRef>
-          <a:fontRef idx="minor">
-            <a:schemeClr val="lt1"/>
-          </a:fontRef>
-        </p:style>
-        <p:txBody>
-          <a:bodyPr rtlCol="0" anchor="ctr"/>
-          <a:lstStyle/>
-          <a:p>
-            <a:pPr algn="ctr"/>
-            <a:endParaRPr lang="en-US"/>
-          </a:p>
-        </p:txBody>
-      </p:sp>
-      <p:sp>
-        <p:nvSpPr>
-          <p:cNvPr id="14" name="Oval 13">
-            <a:extLst>
-              <a:ext uri="{FF2B5EF4-FFF2-40B4-BE49-F238E27FC236}">
-                <a16:creationId xmlns:a16="http://schemas.microsoft.com/office/drawing/2014/main" id="{1FA7AA92-F354-CB12-2A43-2E934B7CAA38}"/>
-              </a:ext>
-            </a:extLst>
-          </p:cNvPr>
-          <p:cNvSpPr/>
-          <p:nvPr/>
-        </p:nvSpPr>
-        <p:spPr>
-          <a:xfrm>
-            <a:off x="7130473" y="991248"/>
-            <a:ext cx="267854" cy="267854"/>
-          </a:xfrm>
-          <a:prstGeom prst="ellipse">
-            <a:avLst/>
-          </a:prstGeom>
-          <a:solidFill>
-            <a:srgbClr val="F8756C"/>
-          </a:solidFill>
-          <a:ln>
+            <a:ln>
+              <a:solidFill>
+                <a:srgbClr val="03BFC4"/>
+              </a:solidFill>
+            </a:ln>
+          </p:spPr>
+          <p:style>
+            <a:lnRef idx="2">
+              <a:schemeClr val="accent1">
+                <a:shade val="50000"/>
+              </a:schemeClr>
+            </a:lnRef>
+            <a:fillRef idx="1">
+              <a:schemeClr val="accent1"/>
+            </a:fillRef>
+            <a:effectRef idx="0">
+              <a:schemeClr val="accent1"/>
+            </a:effectRef>
+            <a:fontRef idx="minor">
+              <a:schemeClr val="lt1"/>
+            </a:fontRef>
+          </p:style>
+          <p:txBody>
+            <a:bodyPr rtlCol="0" anchor="ctr"/>
+            <a:lstStyle/>
+            <a:p>
+              <a:pPr algn="ctr"/>
+              <a:endParaRPr lang="en-US"/>
+            </a:p>
+          </p:txBody>
+        </p:sp>
+        <p:sp>
+          <p:nvSpPr>
+            <p:cNvPr id="14" name="Oval 13">
+              <a:extLst>
+                <a:ext uri="{FF2B5EF4-FFF2-40B4-BE49-F238E27FC236}">
+                  <a16:creationId xmlns:a16="http://schemas.microsoft.com/office/drawing/2014/main" id="{1FA7AA92-F354-CB12-2A43-2E934B7CAA38}"/>
+                </a:ext>
+              </a:extLst>
+            </p:cNvPr>
+            <p:cNvSpPr/>
+            <p:nvPr/>
+          </p:nvSpPr>
+          <p:spPr>
+            <a:xfrm>
+              <a:off x="7227651" y="912135"/>
+              <a:ext cx="170676" cy="179490"/>
+            </a:xfrm>
+            <a:prstGeom prst="ellipse">
+              <a:avLst/>
+            </a:prstGeom>
             <a:solidFill>
               <a:srgbClr val="F8756C"/>
             </a:solidFill>
-          </a:ln>
-        </p:spPr>
-        <p:style>
-          <a:lnRef idx="2">
-            <a:schemeClr val="accent1">
-              <a:shade val="50000"/>
-            </a:schemeClr>
-          </a:lnRef>
-          <a:fillRef idx="1">
-            <a:schemeClr val="accent1"/>
-          </a:fillRef>
-          <a:effectRef idx="0">
-            <a:schemeClr val="accent1"/>
-          </a:effectRef>
-          <a:fontRef idx="minor">
-            <a:schemeClr val="lt1"/>
-          </a:fontRef>
-        </p:style>
-        <p:txBody>
-          <a:bodyPr rtlCol="0" anchor="ctr"/>
-          <a:lstStyle/>
-          <a:p>
-            <a:pPr algn="ctr"/>
-            <a:endParaRPr lang="en-US"/>
-          </a:p>
-        </p:txBody>
-      </p:sp>
-      <p:sp>
-        <p:nvSpPr>
-          <p:cNvPr id="15" name="TextBox 14">
-            <a:extLst>
-              <a:ext uri="{FF2B5EF4-FFF2-40B4-BE49-F238E27FC236}">
-                <a16:creationId xmlns:a16="http://schemas.microsoft.com/office/drawing/2014/main" id="{6DB96AD9-6ED7-CD80-99FF-175626E1D03B}"/>
-              </a:ext>
-            </a:extLst>
-          </p:cNvPr>
-          <p:cNvSpPr txBox="1"/>
-          <p:nvPr/>
-        </p:nvSpPr>
-        <p:spPr>
-          <a:xfrm>
-            <a:off x="7573818" y="581891"/>
-            <a:ext cx="1911927" cy="369332"/>
-          </a:xfrm>
-          <a:prstGeom prst="rect">
-            <a:avLst/>
-          </a:prstGeom>
-          <a:noFill/>
-        </p:spPr>
-        <p:txBody>
-          <a:bodyPr wrap="square" rtlCol="0">
-            <a:spAutoFit/>
-          </a:bodyPr>
-          <a:lstStyle/>
-          <a:p>
-            <a:r>
-              <a:rPr lang="en-US" dirty="0"/>
-              <a:t>alive</a:t>
-            </a:r>
-          </a:p>
-        </p:txBody>
-      </p:sp>
-      <p:sp>
-        <p:nvSpPr>
-          <p:cNvPr id="16" name="TextBox 15">
-            <a:extLst>
-              <a:ext uri="{FF2B5EF4-FFF2-40B4-BE49-F238E27FC236}">
-                <a16:creationId xmlns:a16="http://schemas.microsoft.com/office/drawing/2014/main" id="{1902C152-21BB-9D21-4DD4-BC399858E2C6}"/>
-              </a:ext>
-            </a:extLst>
-          </p:cNvPr>
-          <p:cNvSpPr txBox="1"/>
-          <p:nvPr/>
-        </p:nvSpPr>
-        <p:spPr>
-          <a:xfrm>
-            <a:off x="7628082" y="927053"/>
-            <a:ext cx="1911927" cy="369332"/>
-          </a:xfrm>
-          <a:prstGeom prst="rect">
-            <a:avLst/>
-          </a:prstGeom>
-          <a:noFill/>
-        </p:spPr>
-        <p:txBody>
-          <a:bodyPr wrap="square" rtlCol="0">
-            <a:spAutoFit/>
-          </a:bodyPr>
-          <a:lstStyle/>
-          <a:p>
-            <a:r>
-              <a:rPr lang="en-US" dirty="0"/>
-              <a:t>dead</a:t>
-            </a:r>
-          </a:p>
-        </p:txBody>
-      </p:sp>
+            <a:ln>
+              <a:solidFill>
+                <a:srgbClr val="F8756C"/>
+              </a:solidFill>
+            </a:ln>
+          </p:spPr>
+          <p:style>
+            <a:lnRef idx="2">
+              <a:schemeClr val="accent1">
+                <a:shade val="50000"/>
+              </a:schemeClr>
+            </a:lnRef>
+            <a:fillRef idx="1">
+              <a:schemeClr val="accent1"/>
+            </a:fillRef>
+            <a:effectRef idx="0">
+              <a:schemeClr val="accent1"/>
+            </a:effectRef>
+            <a:fontRef idx="minor">
+              <a:schemeClr val="lt1"/>
+            </a:fontRef>
+          </p:style>
+          <p:txBody>
+            <a:bodyPr rtlCol="0" anchor="ctr"/>
+            <a:lstStyle/>
+            <a:p>
+              <a:pPr algn="ctr"/>
+              <a:endParaRPr lang="en-US"/>
+            </a:p>
+          </p:txBody>
+        </p:sp>
+        <p:sp>
+          <p:nvSpPr>
+            <p:cNvPr id="15" name="TextBox 14">
+              <a:extLst>
+                <a:ext uri="{FF2B5EF4-FFF2-40B4-BE49-F238E27FC236}">
+                  <a16:creationId xmlns:a16="http://schemas.microsoft.com/office/drawing/2014/main" id="{6DB96AD9-6ED7-CD80-99FF-175626E1D03B}"/>
+                </a:ext>
+              </a:extLst>
+            </p:cNvPr>
+            <p:cNvSpPr txBox="1"/>
+            <p:nvPr/>
+          </p:nvSpPr>
+          <p:spPr>
+            <a:xfrm>
+              <a:off x="7464134" y="575333"/>
+              <a:ext cx="1911927" cy="369332"/>
+            </a:xfrm>
+            <a:prstGeom prst="rect">
+              <a:avLst/>
+            </a:prstGeom>
+            <a:noFill/>
+          </p:spPr>
+          <p:txBody>
+            <a:bodyPr wrap="square" rtlCol="0">
+              <a:spAutoFit/>
+            </a:bodyPr>
+            <a:lstStyle/>
+            <a:p>
+              <a:r>
+                <a:rPr lang="en-US" i="1" dirty="0"/>
+                <a:t>Alive</a:t>
+              </a:r>
+            </a:p>
+          </p:txBody>
+        </p:sp>
+        <p:sp>
+          <p:nvSpPr>
+            <p:cNvPr id="16" name="TextBox 15">
+              <a:extLst>
+                <a:ext uri="{FF2B5EF4-FFF2-40B4-BE49-F238E27FC236}">
+                  <a16:creationId xmlns:a16="http://schemas.microsoft.com/office/drawing/2014/main" id="{1902C152-21BB-9D21-4DD4-BC399858E2C6}"/>
+                </a:ext>
+              </a:extLst>
+            </p:cNvPr>
+            <p:cNvSpPr txBox="1"/>
+            <p:nvPr/>
+          </p:nvSpPr>
+          <p:spPr>
+            <a:xfrm>
+              <a:off x="7464134" y="811793"/>
+              <a:ext cx="1911927" cy="369332"/>
+            </a:xfrm>
+            <a:prstGeom prst="rect">
+              <a:avLst/>
+            </a:prstGeom>
+            <a:noFill/>
+          </p:spPr>
+          <p:txBody>
+            <a:bodyPr wrap="square" rtlCol="0">
+              <a:spAutoFit/>
+            </a:bodyPr>
+            <a:lstStyle/>
+            <a:p>
+              <a:r>
+                <a:rPr lang="en-US" i="1" dirty="0"/>
+                <a:t>Dead</a:t>
+              </a:r>
+            </a:p>
+          </p:txBody>
+        </p:sp>
+      </p:grpSp>
     </p:spTree>
     <p:extLst>
       <p:ext uri="{BB962C8B-B14F-4D97-AF65-F5344CB8AC3E}">
@@ -36395,7 +36411,7 @@
             </a:pPr>
             <a:r>
               <a:rPr lang="en-US" dirty="0"/>
-              <a:t>Bayesian extension of the Cox Regression model to obtain full posterior distribution of coefficients and hazard risk</a:t>
+              <a:t>Bayesian extension of the Weibull Regression model to obtain full posterior distribution of coefficients</a:t>
             </a:r>
           </a:p>
           <a:p>
@@ -36861,6 +36877,26 @@
               <a:rPr lang="en-US" dirty="0"/>
               <a:t>were missing the gene expression file</a:t>
             </a:r>
+          </a:p>
+          <a:p>
+            <a:pPr lvl="1"/>
+            <a:r>
+              <a:rPr lang="en-US" dirty="0"/>
+              <a:t>We use </a:t>
+            </a:r>
+            <a:r>
+              <a:rPr lang="en-US" i="1" dirty="0" err="1"/>
+              <a:t>tpm_unstranded</a:t>
+            </a:r>
+            <a:r>
+              <a:rPr lang="en-US" i="1" dirty="0"/>
+              <a:t> </a:t>
+            </a:r>
+            <a:r>
+              <a:rPr lang="en-US" dirty="0"/>
+              <a:t>as suggested</a:t>
+            </a:r>
+            <a:endParaRPr lang="en-US" i="1" dirty="0"/>
           </a:p>
           <a:p>
             <a:endParaRPr lang="en-US" dirty="0"/>
@@ -37729,6 +37765,787 @@
           <a:p>
             <a:r>
               <a:rPr lang="en-US" dirty="0"/>
+              <a:t>Rank Correlation Analysis – Survival Time</a:t>
+            </a:r>
+          </a:p>
+        </p:txBody>
+      </p:sp>
+      <p:sp>
+        <p:nvSpPr>
+          <p:cNvPr id="3" name="Content Placeholder 2">
+            <a:extLst>
+              <a:ext uri="{FF2B5EF4-FFF2-40B4-BE49-F238E27FC236}">
+                <a16:creationId xmlns:a16="http://schemas.microsoft.com/office/drawing/2014/main" id="{C4780A21-8FAD-C159-C74D-22A3C628C8CE}"/>
+              </a:ext>
+            </a:extLst>
+          </p:cNvPr>
+          <p:cNvSpPr>
+            <a:spLocks noGrp="1"/>
+          </p:cNvSpPr>
+          <p:nvPr>
+            <p:ph sz="half" idx="1"/>
+          </p:nvPr>
+        </p:nvSpPr>
+        <p:spPr>
+          <a:xfrm>
+            <a:off x="838199" y="2011680"/>
+            <a:ext cx="9249383" cy="4160520"/>
+          </a:xfrm>
+        </p:spPr>
+        <p:txBody>
+          <a:bodyPr/>
+          <a:lstStyle/>
+          <a:p>
+            <a:r>
+              <a:rPr lang="en-US" dirty="0"/>
+              <a:t>We compute Spearman’s rho rank correlation and compare the results with the linear correlation</a:t>
+            </a:r>
+          </a:p>
+        </p:txBody>
+      </p:sp>
+      <p:sp>
+        <p:nvSpPr>
+          <p:cNvPr id="5" name="Date Placeholder 4">
+            <a:extLst>
+              <a:ext uri="{FF2B5EF4-FFF2-40B4-BE49-F238E27FC236}">
+                <a16:creationId xmlns:a16="http://schemas.microsoft.com/office/drawing/2014/main" id="{A00D5602-B32D-6859-449E-AE7213659710}"/>
+              </a:ext>
+            </a:extLst>
+          </p:cNvPr>
+          <p:cNvSpPr>
+            <a:spLocks noGrp="1"/>
+          </p:cNvSpPr>
+          <p:nvPr>
+            <p:ph type="dt" sz="half" idx="10"/>
+          </p:nvPr>
+        </p:nvSpPr>
+        <p:spPr/>
+        <p:txBody>
+          <a:bodyPr/>
+          <a:lstStyle/>
+          <a:p>
+            <a:r>
+              <a:rPr lang="en-US" dirty="0"/>
+              <a:t>05/03/2023</a:t>
+            </a:r>
+          </a:p>
+        </p:txBody>
+      </p:sp>
+      <p:sp>
+        <p:nvSpPr>
+          <p:cNvPr id="6" name="Footer Placeholder 5">
+            <a:extLst>
+              <a:ext uri="{FF2B5EF4-FFF2-40B4-BE49-F238E27FC236}">
+                <a16:creationId xmlns:a16="http://schemas.microsoft.com/office/drawing/2014/main" id="{B6735792-E78F-124A-1481-1A6153176391}"/>
+              </a:ext>
+            </a:extLst>
+          </p:cNvPr>
+          <p:cNvSpPr>
+            <a:spLocks noGrp="1"/>
+          </p:cNvSpPr>
+          <p:nvPr>
+            <p:ph type="ftr" sz="quarter" idx="11"/>
+          </p:nvPr>
+        </p:nvSpPr>
+        <p:spPr/>
+        <p:txBody>
+          <a:bodyPr/>
+          <a:lstStyle/>
+          <a:p>
+            <a:pPr algn="l"/>
+            <a:r>
+              <a:rPr lang="en-US" dirty="0"/>
+              <a:t>Interview Scenario – Isabelle Grenier</a:t>
+            </a:r>
+          </a:p>
+        </p:txBody>
+      </p:sp>
+      <p:sp>
+        <p:nvSpPr>
+          <p:cNvPr id="7" name="Slide Number Placeholder 6">
+            <a:extLst>
+              <a:ext uri="{FF2B5EF4-FFF2-40B4-BE49-F238E27FC236}">
+                <a16:creationId xmlns:a16="http://schemas.microsoft.com/office/drawing/2014/main" id="{3D284645-74A9-4209-1803-3824A561E2CB}"/>
+              </a:ext>
+            </a:extLst>
+          </p:cNvPr>
+          <p:cNvSpPr>
+            <a:spLocks noGrp="1"/>
+          </p:cNvSpPr>
+          <p:nvPr>
+            <p:ph type="sldNum" sz="quarter" idx="12"/>
+          </p:nvPr>
+        </p:nvSpPr>
+        <p:spPr/>
+        <p:txBody>
+          <a:bodyPr/>
+          <a:lstStyle/>
+          <a:p>
+            <a:fld id="{B9713C8C-8E70-45D5-AE59-23E60168254E}" type="slidenum">
+              <a:rPr lang="en-US" smtClean="0"/>
+              <a:t>22</a:t>
+            </a:fld>
+            <a:endParaRPr lang="en-US" dirty="0"/>
+          </a:p>
+        </p:txBody>
+      </p:sp>
+      <p:pic>
+        <p:nvPicPr>
+          <p:cNvPr id="10" name="Picture 9">
+            <a:extLst>
+              <a:ext uri="{FF2B5EF4-FFF2-40B4-BE49-F238E27FC236}">
+                <a16:creationId xmlns:a16="http://schemas.microsoft.com/office/drawing/2014/main" id="{241452E0-2CF5-4F06-1A3E-3BB779DA4CB6}"/>
+              </a:ext>
+            </a:extLst>
+          </p:cNvPr>
+          <p:cNvPicPr>
+            <a:picLocks noChangeAspect="1"/>
+          </p:cNvPicPr>
+          <p:nvPr/>
+        </p:nvPicPr>
+        <p:blipFill>
+          <a:blip r:embed="rId2"/>
+          <a:stretch>
+            <a:fillRect/>
+          </a:stretch>
+        </p:blipFill>
+        <p:spPr>
+          <a:xfrm>
+            <a:off x="710285" y="3092652"/>
+            <a:ext cx="3695459" cy="3079548"/>
+          </a:xfrm>
+          <a:prstGeom prst="rect">
+            <a:avLst/>
+          </a:prstGeom>
+        </p:spPr>
+      </p:pic>
+      <p:graphicFrame>
+        <p:nvGraphicFramePr>
+          <p:cNvPr id="11" name="Table 12">
+            <a:extLst>
+              <a:ext uri="{FF2B5EF4-FFF2-40B4-BE49-F238E27FC236}">
+                <a16:creationId xmlns:a16="http://schemas.microsoft.com/office/drawing/2014/main" id="{2C7FF4CB-31CA-4D2A-81D1-462C4E77C1CA}"/>
+              </a:ext>
+            </a:extLst>
+          </p:cNvPr>
+          <p:cNvGraphicFramePr>
+            <a:graphicFrameLocks noGrp="1"/>
+          </p:cNvGraphicFramePr>
+          <p:nvPr>
+            <p:extLst>
+              <p:ext uri="{D42A27DB-BD31-4B8C-83A1-F6EECF244321}">
+                <p14:modId xmlns:p14="http://schemas.microsoft.com/office/powerpoint/2010/main" val="3687945638"/>
+              </p:ext>
+            </p:extLst>
+          </p:nvPr>
+        </p:nvGraphicFramePr>
+        <p:xfrm>
+          <a:off x="4735731" y="3173379"/>
+          <a:ext cx="3277654" cy="2595880"/>
+        </p:xfrm>
+        <a:graphic>
+          <a:graphicData uri="http://schemas.openxmlformats.org/drawingml/2006/table">
+            <a:tbl>
+              <a:tblPr firstRow="1" bandRow="1">
+                <a:tableStyleId>{69012ECD-51FC-41F1-AA8D-1B2483CD663E}</a:tableStyleId>
+              </a:tblPr>
+              <a:tblGrid>
+                <a:gridCol w="1090481">
+                  <a:extLst>
+                    <a:ext uri="{9D8B030D-6E8A-4147-A177-3AD203B41FA5}">
+                      <a16:colId xmlns:a16="http://schemas.microsoft.com/office/drawing/2014/main" val="3666602966"/>
+                    </a:ext>
+                  </a:extLst>
+                </a:gridCol>
+                <a:gridCol w="1010125">
+                  <a:extLst>
+                    <a:ext uri="{9D8B030D-6E8A-4147-A177-3AD203B41FA5}">
+                      <a16:colId xmlns:a16="http://schemas.microsoft.com/office/drawing/2014/main" val="580218790"/>
+                    </a:ext>
+                  </a:extLst>
+                </a:gridCol>
+                <a:gridCol w="1177048">
+                  <a:extLst>
+                    <a:ext uri="{9D8B030D-6E8A-4147-A177-3AD203B41FA5}">
+                      <a16:colId xmlns:a16="http://schemas.microsoft.com/office/drawing/2014/main" val="723510917"/>
+                    </a:ext>
+                  </a:extLst>
+                </a:gridCol>
+              </a:tblGrid>
+              <a:tr h="370840">
+                <a:tc>
+                  <a:txBody>
+                    <a:bodyPr/>
+                    <a:lstStyle/>
+                    <a:p>
+                      <a:r>
+                        <a:rPr lang="en-US" dirty="0"/>
+                        <a:t>Gene</a:t>
+                      </a:r>
+                    </a:p>
+                  </a:txBody>
+                  <a:tcPr/>
+                </a:tc>
+                <a:tc>
+                  <a:txBody>
+                    <a:bodyPr/>
+                    <a:lstStyle/>
+                    <a:p>
+                      <a:r>
+                        <a:rPr lang="en-US" dirty="0"/>
+                        <a:t>Pearson</a:t>
+                      </a:r>
+                    </a:p>
+                  </a:txBody>
+                  <a:tcPr/>
+                </a:tc>
+                <a:tc>
+                  <a:txBody>
+                    <a:bodyPr/>
+                    <a:lstStyle/>
+                    <a:p>
+                      <a:r>
+                        <a:rPr lang="en-US" dirty="0"/>
+                        <a:t>Spearman</a:t>
+                      </a:r>
+                    </a:p>
+                  </a:txBody>
+                  <a:tcPr/>
+                </a:tc>
+                <a:extLst>
+                  <a:ext uri="{0D108BD9-81ED-4DB2-BD59-A6C34878D82A}">
+                    <a16:rowId xmlns:a16="http://schemas.microsoft.com/office/drawing/2014/main" val="1992109044"/>
+                  </a:ext>
+                </a:extLst>
+              </a:tr>
+              <a:tr h="370840">
+                <a:tc>
+                  <a:txBody>
+                    <a:bodyPr/>
+                    <a:lstStyle/>
+                    <a:p>
+                      <a:r>
+                        <a:rPr lang="en-US" dirty="0"/>
+                        <a:t>SLC39A7 </a:t>
+                      </a:r>
+                    </a:p>
+                  </a:txBody>
+                  <a:tcPr/>
+                </a:tc>
+                <a:tc>
+                  <a:txBody>
+                    <a:bodyPr/>
+                    <a:lstStyle/>
+                    <a:p>
+                      <a:r>
+                        <a:rPr lang="en-US" dirty="0"/>
+                        <a:t>-0.182</a:t>
+                      </a:r>
+                    </a:p>
+                  </a:txBody>
+                  <a:tcPr/>
+                </a:tc>
+                <a:tc>
+                  <a:txBody>
+                    <a:bodyPr/>
+                    <a:lstStyle/>
+                    <a:p>
+                      <a:r>
+                        <a:rPr lang="en-US" dirty="0"/>
+                        <a:t>-0.186</a:t>
+                      </a:r>
+                    </a:p>
+                  </a:txBody>
+                  <a:tcPr/>
+                </a:tc>
+                <a:extLst>
+                  <a:ext uri="{0D108BD9-81ED-4DB2-BD59-A6C34878D82A}">
+                    <a16:rowId xmlns:a16="http://schemas.microsoft.com/office/drawing/2014/main" val="1172694472"/>
+                  </a:ext>
+                </a:extLst>
+              </a:tr>
+              <a:tr h="370840">
+                <a:tc>
+                  <a:txBody>
+                    <a:bodyPr/>
+                    <a:lstStyle/>
+                    <a:p>
+                      <a:r>
+                        <a:rPr lang="en-US" dirty="0"/>
+                        <a:t>TMED9 </a:t>
+                      </a:r>
+                    </a:p>
+                  </a:txBody>
+                  <a:tcPr/>
+                </a:tc>
+                <a:tc>
+                  <a:txBody>
+                    <a:bodyPr/>
+                    <a:lstStyle/>
+                    <a:p>
+                      <a:r>
+                        <a:rPr lang="en-US" dirty="0"/>
+                        <a:t>-0.155</a:t>
+                      </a:r>
+                    </a:p>
+                  </a:txBody>
+                  <a:tcPr/>
+                </a:tc>
+                <a:tc>
+                  <a:txBody>
+                    <a:bodyPr/>
+                    <a:lstStyle/>
+                    <a:p>
+                      <a:r>
+                        <a:rPr lang="en-US" dirty="0"/>
+                        <a:t>-0.177</a:t>
+                      </a:r>
+                    </a:p>
+                  </a:txBody>
+                  <a:tcPr/>
+                </a:tc>
+                <a:extLst>
+                  <a:ext uri="{0D108BD9-81ED-4DB2-BD59-A6C34878D82A}">
+                    <a16:rowId xmlns:a16="http://schemas.microsoft.com/office/drawing/2014/main" val="3829232278"/>
+                  </a:ext>
+                </a:extLst>
+              </a:tr>
+              <a:tr h="370840">
+                <a:tc>
+                  <a:txBody>
+                    <a:bodyPr/>
+                    <a:lstStyle/>
+                    <a:p>
+                      <a:r>
+                        <a:rPr lang="en-US" dirty="0"/>
+                        <a:t>ATG101 </a:t>
+                      </a:r>
+                    </a:p>
+                  </a:txBody>
+                  <a:tcPr/>
+                </a:tc>
+                <a:tc>
+                  <a:txBody>
+                    <a:bodyPr/>
+                    <a:lstStyle/>
+                    <a:p>
+                      <a:r>
+                        <a:rPr lang="en-US" dirty="0"/>
+                        <a:t>-0.154</a:t>
+                      </a:r>
+                    </a:p>
+                  </a:txBody>
+                  <a:tcPr/>
+                </a:tc>
+                <a:tc>
+                  <a:txBody>
+                    <a:bodyPr/>
+                    <a:lstStyle/>
+                    <a:p>
+                      <a:r>
+                        <a:rPr lang="en-US" dirty="0"/>
+                        <a:t>-0.177</a:t>
+                      </a:r>
+                    </a:p>
+                  </a:txBody>
+                  <a:tcPr/>
+                </a:tc>
+                <a:extLst>
+                  <a:ext uri="{0D108BD9-81ED-4DB2-BD59-A6C34878D82A}">
+                    <a16:rowId xmlns:a16="http://schemas.microsoft.com/office/drawing/2014/main" val="3089420659"/>
+                  </a:ext>
+                </a:extLst>
+              </a:tr>
+              <a:tr h="370840">
+                <a:tc>
+                  <a:txBody>
+                    <a:bodyPr/>
+                    <a:lstStyle/>
+                    <a:p>
+                      <a:r>
+                        <a:rPr lang="en-US" dirty="0"/>
+                        <a:t>LRPAP1 </a:t>
+                      </a:r>
+                    </a:p>
+                  </a:txBody>
+                  <a:tcPr/>
+                </a:tc>
+                <a:tc>
+                  <a:txBody>
+                    <a:bodyPr/>
+                    <a:lstStyle/>
+                    <a:p>
+                      <a:r>
+                        <a:rPr lang="en-US" dirty="0"/>
+                        <a:t>-0.150</a:t>
+                      </a:r>
+                    </a:p>
+                  </a:txBody>
+                  <a:tcPr/>
+                </a:tc>
+                <a:tc>
+                  <a:txBody>
+                    <a:bodyPr/>
+                    <a:lstStyle/>
+                    <a:p>
+                      <a:r>
+                        <a:rPr lang="en-US" dirty="0"/>
+                        <a:t>-0.173</a:t>
+                      </a:r>
+                    </a:p>
+                  </a:txBody>
+                  <a:tcPr/>
+                </a:tc>
+                <a:extLst>
+                  <a:ext uri="{0D108BD9-81ED-4DB2-BD59-A6C34878D82A}">
+                    <a16:rowId xmlns:a16="http://schemas.microsoft.com/office/drawing/2014/main" val="3997156542"/>
+                  </a:ext>
+                </a:extLst>
+              </a:tr>
+              <a:tr h="370840">
+                <a:tc>
+                  <a:txBody>
+                    <a:bodyPr/>
+                    <a:lstStyle/>
+                    <a:p>
+                      <a:r>
+                        <a:rPr lang="en-US" dirty="0"/>
+                        <a:t>AKIP1 </a:t>
+                      </a:r>
+                    </a:p>
+                  </a:txBody>
+                  <a:tcPr/>
+                </a:tc>
+                <a:tc>
+                  <a:txBody>
+                    <a:bodyPr/>
+                    <a:lstStyle/>
+                    <a:p>
+                      <a:r>
+                        <a:rPr lang="en-US" dirty="0"/>
+                        <a:t>-0.149</a:t>
+                      </a:r>
+                    </a:p>
+                  </a:txBody>
+                  <a:tcPr/>
+                </a:tc>
+                <a:tc>
+                  <a:txBody>
+                    <a:bodyPr/>
+                    <a:lstStyle/>
+                    <a:p>
+                      <a:r>
+                        <a:rPr lang="en-US" dirty="0"/>
+                        <a:t>-0.179</a:t>
+                      </a:r>
+                    </a:p>
+                  </a:txBody>
+                  <a:tcPr/>
+                </a:tc>
+                <a:extLst>
+                  <a:ext uri="{0D108BD9-81ED-4DB2-BD59-A6C34878D82A}">
+                    <a16:rowId xmlns:a16="http://schemas.microsoft.com/office/drawing/2014/main" val="3183471436"/>
+                  </a:ext>
+                </a:extLst>
+              </a:tr>
+              <a:tr h="370840">
+                <a:tc>
+                  <a:txBody>
+                    <a:bodyPr/>
+                    <a:lstStyle/>
+                    <a:p>
+                      <a:r>
+                        <a:rPr lang="en-US" dirty="0"/>
+                        <a:t>CARS1 </a:t>
+                      </a:r>
+                    </a:p>
+                  </a:txBody>
+                  <a:tcPr/>
+                </a:tc>
+                <a:tc>
+                  <a:txBody>
+                    <a:bodyPr/>
+                    <a:lstStyle/>
+                    <a:p>
+                      <a:r>
+                        <a:rPr lang="en-US" dirty="0"/>
+                        <a:t>-0.146</a:t>
+                      </a:r>
+                    </a:p>
+                  </a:txBody>
+                  <a:tcPr/>
+                </a:tc>
+                <a:tc>
+                  <a:txBody>
+                    <a:bodyPr/>
+                    <a:lstStyle/>
+                    <a:p>
+                      <a:r>
+                        <a:rPr lang="en-US" dirty="0"/>
+                        <a:t>-0.168</a:t>
+                      </a:r>
+                    </a:p>
+                  </a:txBody>
+                  <a:tcPr/>
+                </a:tc>
+                <a:extLst>
+                  <a:ext uri="{0D108BD9-81ED-4DB2-BD59-A6C34878D82A}">
+                    <a16:rowId xmlns:a16="http://schemas.microsoft.com/office/drawing/2014/main" val="3352012749"/>
+                  </a:ext>
+                </a:extLst>
+              </a:tr>
+            </a:tbl>
+          </a:graphicData>
+        </a:graphic>
+      </p:graphicFrame>
+      <p:graphicFrame>
+        <p:nvGraphicFramePr>
+          <p:cNvPr id="13" name="Table 12">
+            <a:extLst>
+              <a:ext uri="{FF2B5EF4-FFF2-40B4-BE49-F238E27FC236}">
+                <a16:creationId xmlns:a16="http://schemas.microsoft.com/office/drawing/2014/main" id="{9EE8F550-C207-1BF4-2C30-AE091AD450E9}"/>
+              </a:ext>
+            </a:extLst>
+          </p:cNvPr>
+          <p:cNvGraphicFramePr>
+            <a:graphicFrameLocks noGrp="1"/>
+          </p:cNvGraphicFramePr>
+          <p:nvPr>
+            <p:extLst>
+              <p:ext uri="{D42A27DB-BD31-4B8C-83A1-F6EECF244321}">
+                <p14:modId xmlns:p14="http://schemas.microsoft.com/office/powerpoint/2010/main" val="3905143279"/>
+              </p:ext>
+            </p:extLst>
+          </p:nvPr>
+        </p:nvGraphicFramePr>
+        <p:xfrm>
+          <a:off x="8343373" y="3173379"/>
+          <a:ext cx="3277654" cy="1112520"/>
+        </p:xfrm>
+        <a:graphic>
+          <a:graphicData uri="http://schemas.openxmlformats.org/drawingml/2006/table">
+            <a:tbl>
+              <a:tblPr firstRow="1" bandRow="1">
+                <a:tableStyleId>{69012ECD-51FC-41F1-AA8D-1B2483CD663E}</a:tableStyleId>
+              </a:tblPr>
+              <a:tblGrid>
+                <a:gridCol w="1090481">
+                  <a:extLst>
+                    <a:ext uri="{9D8B030D-6E8A-4147-A177-3AD203B41FA5}">
+                      <a16:colId xmlns:a16="http://schemas.microsoft.com/office/drawing/2014/main" val="3666602966"/>
+                    </a:ext>
+                  </a:extLst>
+                </a:gridCol>
+                <a:gridCol w="1010125">
+                  <a:extLst>
+                    <a:ext uri="{9D8B030D-6E8A-4147-A177-3AD203B41FA5}">
+                      <a16:colId xmlns:a16="http://schemas.microsoft.com/office/drawing/2014/main" val="580218790"/>
+                    </a:ext>
+                  </a:extLst>
+                </a:gridCol>
+                <a:gridCol w="1177048">
+                  <a:extLst>
+                    <a:ext uri="{9D8B030D-6E8A-4147-A177-3AD203B41FA5}">
+                      <a16:colId xmlns:a16="http://schemas.microsoft.com/office/drawing/2014/main" val="723510917"/>
+                    </a:ext>
+                  </a:extLst>
+                </a:gridCol>
+              </a:tblGrid>
+              <a:tr h="370840">
+                <a:tc>
+                  <a:txBody>
+                    <a:bodyPr/>
+                    <a:lstStyle/>
+                    <a:p>
+                      <a:r>
+                        <a:rPr lang="en-US" dirty="0"/>
+                        <a:t>Gene</a:t>
+                      </a:r>
+                    </a:p>
+                  </a:txBody>
+                  <a:tcPr/>
+                </a:tc>
+                <a:tc>
+                  <a:txBody>
+                    <a:bodyPr/>
+                    <a:lstStyle/>
+                    <a:p>
+                      <a:r>
+                        <a:rPr lang="en-US" dirty="0"/>
+                        <a:t>Pearson</a:t>
+                      </a:r>
+                    </a:p>
+                  </a:txBody>
+                  <a:tcPr/>
+                </a:tc>
+                <a:tc>
+                  <a:txBody>
+                    <a:bodyPr/>
+                    <a:lstStyle/>
+                    <a:p>
+                      <a:r>
+                        <a:rPr lang="en-US" dirty="0"/>
+                        <a:t>Spearman</a:t>
+                      </a:r>
+                    </a:p>
+                  </a:txBody>
+                  <a:tcPr/>
+                </a:tc>
+                <a:extLst>
+                  <a:ext uri="{0D108BD9-81ED-4DB2-BD59-A6C34878D82A}">
+                    <a16:rowId xmlns:a16="http://schemas.microsoft.com/office/drawing/2014/main" val="1992109044"/>
+                  </a:ext>
+                </a:extLst>
+              </a:tr>
+              <a:tr h="370840">
+                <a:tc>
+                  <a:txBody>
+                    <a:bodyPr/>
+                    <a:lstStyle/>
+                    <a:p>
+                      <a:r>
+                        <a:rPr lang="en-US" dirty="0"/>
+                        <a:t>N4BP2L1</a:t>
+                      </a:r>
+                    </a:p>
+                  </a:txBody>
+                  <a:tcPr/>
+                </a:tc>
+                <a:tc>
+                  <a:txBody>
+                    <a:bodyPr/>
+                    <a:lstStyle/>
+                    <a:p>
+                      <a:r>
+                        <a:rPr lang="en-US" dirty="0"/>
+                        <a:t>0.157</a:t>
+                      </a:r>
+                    </a:p>
+                  </a:txBody>
+                  <a:tcPr/>
+                </a:tc>
+                <a:tc>
+                  <a:txBody>
+                    <a:bodyPr/>
+                    <a:lstStyle/>
+                    <a:p>
+                      <a:r>
+                        <a:rPr lang="en-US" dirty="0"/>
+                        <a:t>0.152 </a:t>
+                      </a:r>
+                    </a:p>
+                  </a:txBody>
+                  <a:tcPr/>
+                </a:tc>
+                <a:extLst>
+                  <a:ext uri="{0D108BD9-81ED-4DB2-BD59-A6C34878D82A}">
+                    <a16:rowId xmlns:a16="http://schemas.microsoft.com/office/drawing/2014/main" val="1172694472"/>
+                  </a:ext>
+                </a:extLst>
+              </a:tr>
+              <a:tr h="370840">
+                <a:tc>
+                  <a:txBody>
+                    <a:bodyPr/>
+                    <a:lstStyle/>
+                    <a:p>
+                      <a:r>
+                        <a:rPr lang="en-US" dirty="0"/>
+                        <a:t> RPL11</a:t>
+                      </a:r>
+                    </a:p>
+                  </a:txBody>
+                  <a:tcPr/>
+                </a:tc>
+                <a:tc>
+                  <a:txBody>
+                    <a:bodyPr/>
+                    <a:lstStyle/>
+                    <a:p>
+                      <a:r>
+                        <a:rPr lang="en-US" dirty="0"/>
+                        <a:t>0.151</a:t>
+                      </a:r>
+                    </a:p>
+                  </a:txBody>
+                  <a:tcPr/>
+                </a:tc>
+                <a:tc>
+                  <a:txBody>
+                    <a:bodyPr/>
+                    <a:lstStyle/>
+                    <a:p>
+                      <a:r>
+                        <a:rPr lang="en-US" dirty="0"/>
+                        <a:t>0.163</a:t>
+                      </a:r>
+                    </a:p>
+                  </a:txBody>
+                  <a:tcPr/>
+                </a:tc>
+                <a:extLst>
+                  <a:ext uri="{0D108BD9-81ED-4DB2-BD59-A6C34878D82A}">
+                    <a16:rowId xmlns:a16="http://schemas.microsoft.com/office/drawing/2014/main" val="3829232278"/>
+                  </a:ext>
+                </a:extLst>
+              </a:tr>
+            </a:tbl>
+          </a:graphicData>
+        </a:graphic>
+      </p:graphicFrame>
+    </p:spTree>
+    <p:extLst>
+      <p:ext uri="{BB962C8B-B14F-4D97-AF65-F5344CB8AC3E}">
+        <p14:creationId xmlns:p14="http://schemas.microsoft.com/office/powerpoint/2010/main" val="1032661381"/>
+      </p:ext>
+    </p:extLst>
+  </p:cSld>
+  <p:clrMapOvr>
+    <a:masterClrMapping/>
+  </p:clrMapOvr>
+</p:sld>
+</file>
+
+<file path=ppt/slides/slide23.xml><?xml version="1.0" encoding="utf-8"?>
+<p:sld xmlns:a="http://schemas.openxmlformats.org/drawingml/2006/main" xmlns:r="http://schemas.openxmlformats.org/officeDocument/2006/relationships" xmlns:p="http://schemas.openxmlformats.org/presentationml/2006/main">
+  <p:cSld>
+    <p:spTree>
+      <p:nvGrpSpPr>
+        <p:cNvPr id="1" name=""/>
+        <p:cNvGrpSpPr/>
+        <p:nvPr/>
+      </p:nvGrpSpPr>
+      <p:grpSpPr>
+        <a:xfrm>
+          <a:off x="0" y="0"/>
+          <a:ext cx="0" cy="0"/>
+          <a:chOff x="0" y="0"/>
+          <a:chExt cx="0" cy="0"/>
+        </a:xfrm>
+      </p:grpSpPr>
+      <p:sp>
+        <p:nvSpPr>
+          <p:cNvPr id="2" name="Title 1">
+            <a:extLst>
+              <a:ext uri="{FF2B5EF4-FFF2-40B4-BE49-F238E27FC236}">
+                <a16:creationId xmlns:a16="http://schemas.microsoft.com/office/drawing/2014/main" id="{DD336899-7FF7-5AF4-4F99-1EF370E91D8C}"/>
+              </a:ext>
+            </a:extLst>
+          </p:cNvPr>
+          <p:cNvSpPr>
+            <a:spLocks noGrp="1"/>
+          </p:cNvSpPr>
+          <p:nvPr>
+            <p:ph type="title"/>
+          </p:nvPr>
+        </p:nvSpPr>
+        <p:spPr/>
+        <p:txBody>
+          <a:bodyPr/>
+          <a:lstStyle/>
+          <a:p>
+            <a:r>
+              <a:rPr lang="en-US" dirty="0"/>
               <a:t>Principal Component Analysis (PCA)</a:t>
             </a:r>
           </a:p>
@@ -37853,7 +38670,7 @@
           <a:p>
             <a:fld id="{B9713C8C-8E70-45D5-AE59-23E60168254E}" type="slidenum">
               <a:rPr lang="en-US" smtClean="0"/>
-              <a:t>22</a:t>
+              <a:t>23</a:t>
             </a:fld>
             <a:endParaRPr lang="en-US" dirty="0"/>
           </a:p>
@@ -37902,7 +38719,7 @@
 </p:sld>
 </file>
 
-<file path=ppt/slides/slide23.xml><?xml version="1.0" encoding="utf-8"?>
+<file path=ppt/slides/slide24.xml><?xml version="1.0" encoding="utf-8"?>
 <p:sld xmlns:a="http://schemas.openxmlformats.org/drawingml/2006/main" xmlns:r="http://schemas.openxmlformats.org/officeDocument/2006/relationships" xmlns:p="http://schemas.openxmlformats.org/presentationml/2006/main">
   <p:cSld>
     <p:spTree>
@@ -37985,17 +38802,14 @@
             <a:pPr marL="285750" indent="-285750"/>
             <a:r>
               <a:rPr lang="en-US" dirty="0"/>
-              <a:t>Formally include the information we gained to our survival regression model</a:t>
+              <a:t>Further develop nonlinear correlation analysis</a:t>
             </a:r>
           </a:p>
           <a:p>
-            <a:pPr marL="285750" indent="-285750">
-              <a:buFont typeface="Arial" panose="020B0604020202020204" pitchFamily="34" charset="0"/>
-              <a:buChar char="•"/>
-            </a:pPr>
+            <a:pPr marL="285750" indent="-285750"/>
             <a:r>
               <a:rPr lang="en-US" dirty="0"/>
-              <a:t>Archetypal analysis: instead of clustering by the center of mass, we look at grouping through the boundaries/extremes</a:t>
+              <a:t>Formally include the information we gained to our survival regression model</a:t>
             </a:r>
           </a:p>
         </p:txBody>
@@ -38122,7 +38936,7 @@
                   <a:spcPts val="600"/>
                 </a:spcAft>
               </a:pPr>
-              <a:t>23</a:t>
+              <a:t>24</a:t>
             </a:fld>
             <a:endParaRPr lang="en-US"/>
           </a:p>
@@ -38141,7 +38955,7 @@
 </p:sld>
 </file>
 
-<file path=ppt/slides/slide24.xml><?xml version="1.0" encoding="utf-8"?>
+<file path=ppt/slides/slide25.xml><?xml version="1.0" encoding="utf-8"?>
 <p:sld xmlns:a="http://schemas.openxmlformats.org/drawingml/2006/main" xmlns:r="http://schemas.openxmlformats.org/officeDocument/2006/relationships" xmlns:p="http://schemas.openxmlformats.org/presentationml/2006/main">
   <p:cSld>
     <p:spTree>
@@ -38296,7 +39110,7 @@
 </p:sld>
 </file>
 
-<file path=ppt/slides/slide25.xml><?xml version="1.0" encoding="utf-8"?>
+<file path=ppt/slides/slide26.xml><?xml version="1.0" encoding="utf-8"?>
 <p:sld xmlns:a="http://schemas.openxmlformats.org/drawingml/2006/main" xmlns:r="http://schemas.openxmlformats.org/officeDocument/2006/relationships" xmlns:p="http://schemas.openxmlformats.org/presentationml/2006/main" show="0">
   <p:cSld>
     <p:spTree>
@@ -38487,7 +39301,7 @@
           <a:p>
             <a:fld id="{B9713C8C-8E70-45D5-AE59-23E60168254E}" type="slidenum">
               <a:rPr lang="en-US" smtClean="0"/>
-              <a:t>25</a:t>
+              <a:t>26</a:t>
             </a:fld>
             <a:endParaRPr lang="en-US" dirty="0"/>
           </a:p>
@@ -38553,6 +39367,205 @@
           </a:prstGeom>
         </p:spPr>
       </p:pic>
+      <p:grpSp>
+        <p:nvGrpSpPr>
+          <p:cNvPr id="3" name="Group 2">
+            <a:extLst>
+              <a:ext uri="{FF2B5EF4-FFF2-40B4-BE49-F238E27FC236}">
+                <a16:creationId xmlns:a16="http://schemas.microsoft.com/office/drawing/2014/main" id="{CEBE86D9-D2CB-0BCE-C250-7E87D2352D8B}"/>
+              </a:ext>
+            </a:extLst>
+          </p:cNvPr>
+          <p:cNvGrpSpPr/>
+          <p:nvPr/>
+        </p:nvGrpSpPr>
+        <p:grpSpPr>
+          <a:xfrm>
+            <a:off x="6906626" y="2657838"/>
+            <a:ext cx="2184779" cy="605792"/>
+            <a:chOff x="7227651" y="575333"/>
+            <a:chExt cx="2148410" cy="605792"/>
+          </a:xfrm>
+        </p:grpSpPr>
+        <p:sp>
+          <p:nvSpPr>
+            <p:cNvPr id="7" name="Oval 6">
+              <a:extLst>
+                <a:ext uri="{FF2B5EF4-FFF2-40B4-BE49-F238E27FC236}">
+                  <a16:creationId xmlns:a16="http://schemas.microsoft.com/office/drawing/2014/main" id="{8C9768DF-9819-834C-5145-3749974A81B0}"/>
+                </a:ext>
+              </a:extLst>
+            </p:cNvPr>
+            <p:cNvSpPr/>
+            <p:nvPr/>
+          </p:nvSpPr>
+          <p:spPr>
+            <a:xfrm>
+              <a:off x="7227651" y="670255"/>
+              <a:ext cx="170676" cy="179489"/>
+            </a:xfrm>
+            <a:prstGeom prst="ellipse">
+              <a:avLst/>
+            </a:prstGeom>
+            <a:solidFill>
+              <a:srgbClr val="03BFC4"/>
+            </a:solidFill>
+            <a:ln>
+              <a:solidFill>
+                <a:srgbClr val="03BFC4"/>
+              </a:solidFill>
+            </a:ln>
+          </p:spPr>
+          <p:style>
+            <a:lnRef idx="2">
+              <a:schemeClr val="accent1">
+                <a:shade val="50000"/>
+              </a:schemeClr>
+            </a:lnRef>
+            <a:fillRef idx="1">
+              <a:schemeClr val="accent1"/>
+            </a:fillRef>
+            <a:effectRef idx="0">
+              <a:schemeClr val="accent1"/>
+            </a:effectRef>
+            <a:fontRef idx="minor">
+              <a:schemeClr val="lt1"/>
+            </a:fontRef>
+          </p:style>
+          <p:txBody>
+            <a:bodyPr rtlCol="0" anchor="ctr"/>
+            <a:lstStyle/>
+            <a:p>
+              <a:pPr algn="ctr"/>
+              <a:endParaRPr lang="en-US"/>
+            </a:p>
+          </p:txBody>
+        </p:sp>
+        <p:sp>
+          <p:nvSpPr>
+            <p:cNvPr id="8" name="Oval 7">
+              <a:extLst>
+                <a:ext uri="{FF2B5EF4-FFF2-40B4-BE49-F238E27FC236}">
+                  <a16:creationId xmlns:a16="http://schemas.microsoft.com/office/drawing/2014/main" id="{6D4F51D6-2CC4-BD91-D752-D106FE347614}"/>
+                </a:ext>
+              </a:extLst>
+            </p:cNvPr>
+            <p:cNvSpPr/>
+            <p:nvPr/>
+          </p:nvSpPr>
+          <p:spPr>
+            <a:xfrm>
+              <a:off x="7227651" y="912135"/>
+              <a:ext cx="170676" cy="179490"/>
+            </a:xfrm>
+            <a:prstGeom prst="ellipse">
+              <a:avLst/>
+            </a:prstGeom>
+            <a:solidFill>
+              <a:srgbClr val="F8756C"/>
+            </a:solidFill>
+            <a:ln>
+              <a:solidFill>
+                <a:srgbClr val="F8756C"/>
+              </a:solidFill>
+            </a:ln>
+          </p:spPr>
+          <p:style>
+            <a:lnRef idx="2">
+              <a:schemeClr val="accent1">
+                <a:shade val="50000"/>
+              </a:schemeClr>
+            </a:lnRef>
+            <a:fillRef idx="1">
+              <a:schemeClr val="accent1"/>
+            </a:fillRef>
+            <a:effectRef idx="0">
+              <a:schemeClr val="accent1"/>
+            </a:effectRef>
+            <a:fontRef idx="minor">
+              <a:schemeClr val="lt1"/>
+            </a:fontRef>
+          </p:style>
+          <p:txBody>
+            <a:bodyPr rtlCol="0" anchor="ctr"/>
+            <a:lstStyle/>
+            <a:p>
+              <a:pPr algn="ctr"/>
+              <a:endParaRPr lang="en-US"/>
+            </a:p>
+          </p:txBody>
+        </p:sp>
+        <p:sp>
+          <p:nvSpPr>
+            <p:cNvPr id="11" name="TextBox 10">
+              <a:extLst>
+                <a:ext uri="{FF2B5EF4-FFF2-40B4-BE49-F238E27FC236}">
+                  <a16:creationId xmlns:a16="http://schemas.microsoft.com/office/drawing/2014/main" id="{18382EEC-39CA-31D6-8E00-BEBF2F5B5D90}"/>
+                </a:ext>
+              </a:extLst>
+            </p:cNvPr>
+            <p:cNvSpPr txBox="1"/>
+            <p:nvPr/>
+          </p:nvSpPr>
+          <p:spPr>
+            <a:xfrm>
+              <a:off x="7464134" y="575333"/>
+              <a:ext cx="1911927" cy="369332"/>
+            </a:xfrm>
+            <a:prstGeom prst="rect">
+              <a:avLst/>
+            </a:prstGeom>
+            <a:noFill/>
+          </p:spPr>
+          <p:txBody>
+            <a:bodyPr wrap="square" rtlCol="0">
+              <a:spAutoFit/>
+            </a:bodyPr>
+            <a:lstStyle/>
+            <a:p>
+              <a:r>
+                <a:rPr lang="en-US" i="1" dirty="0"/>
+                <a:t>Alive</a:t>
+              </a:r>
+            </a:p>
+          </p:txBody>
+        </p:sp>
+        <p:sp>
+          <p:nvSpPr>
+            <p:cNvPr id="13" name="TextBox 12">
+              <a:extLst>
+                <a:ext uri="{FF2B5EF4-FFF2-40B4-BE49-F238E27FC236}">
+                  <a16:creationId xmlns:a16="http://schemas.microsoft.com/office/drawing/2014/main" id="{A2411584-99FF-DF0C-07F5-EC2690577750}"/>
+                </a:ext>
+              </a:extLst>
+            </p:cNvPr>
+            <p:cNvSpPr txBox="1"/>
+            <p:nvPr/>
+          </p:nvSpPr>
+          <p:spPr>
+            <a:xfrm>
+              <a:off x="7464134" y="811793"/>
+              <a:ext cx="1911927" cy="369332"/>
+            </a:xfrm>
+            <a:prstGeom prst="rect">
+              <a:avLst/>
+            </a:prstGeom>
+            <a:noFill/>
+          </p:spPr>
+          <p:txBody>
+            <a:bodyPr wrap="square" rtlCol="0">
+              <a:spAutoFit/>
+            </a:bodyPr>
+            <a:lstStyle/>
+            <a:p>
+              <a:r>
+                <a:rPr lang="en-US" i="1" dirty="0"/>
+                <a:t>Dead</a:t>
+              </a:r>
+            </a:p>
+          </p:txBody>
+        </p:sp>
+      </p:grpSp>
     </p:spTree>
     <p:extLst>
       <p:ext uri="{BB962C8B-B14F-4D97-AF65-F5344CB8AC3E}">
@@ -39530,14 +40543,14 @@
           <p:nvPr>
             <p:extLst>
               <p:ext uri="{D42A27DB-BD31-4B8C-83A1-F6EECF244321}">
-                <p14:modId xmlns:p14="http://schemas.microsoft.com/office/powerpoint/2010/main" val="4279844924"/>
+                <p14:modId xmlns:p14="http://schemas.microsoft.com/office/powerpoint/2010/main" val="1937635674"/>
               </p:ext>
             </p:extLst>
           </p:nvPr>
         </p:nvGraphicFramePr>
         <p:xfrm>
           <a:off x="833576" y="2007020"/>
-          <a:ext cx="5793041" cy="2672080"/>
+          <a:ext cx="5793041" cy="2946400"/>
         </p:xfrm>
         <a:graphic>
           <a:graphicData uri="http://schemas.openxmlformats.org/drawingml/2006/table">
@@ -39720,7 +40733,7 @@
                       </a:pPr>
                       <a:r>
                         <a:rPr lang="en-US" i="1" dirty="0"/>
-                        <a:t>Available rounded to years and available in days (days to birth)</a:t>
+                        <a:t>Available rounded to years (age at index) and available in days (days to birth, age at diagnosis)</a:t>
                       </a:r>
                     </a:p>
                     <a:p>
@@ -39935,7 +40948,7 @@
           <p:nvPr>
             <p:extLst>
               <p:ext uri="{D42A27DB-BD31-4B8C-83A1-F6EECF244321}">
-                <p14:modId xmlns:p14="http://schemas.microsoft.com/office/powerpoint/2010/main" val="2499125722"/>
+                <p14:modId xmlns:p14="http://schemas.microsoft.com/office/powerpoint/2010/main" val="1771348873"/>
               </p:ext>
             </p:extLst>
           </p:nvPr>
@@ -40068,7 +41081,7 @@
                       </a:pPr>
                       <a:r>
                         <a:rPr lang="en-US" i="1" dirty="0"/>
-                        <a:t>Hispanic or Latino, Not Hispanic or Latino, Note reported</a:t>
+                        <a:t>Hispanic or Latino, Not Hispanic or Latino, Not reported</a:t>
                       </a:r>
                     </a:p>
                   </a:txBody>

--- a/presentation_05032023.pptx
+++ b/presentation_05032023.pptx
@@ -33561,7 +33561,7 @@
           <p:nvPr>
             <p:extLst>
               <p:ext uri="{D42A27DB-BD31-4B8C-83A1-F6EECF244321}">
-                <p14:modId xmlns:p14="http://schemas.microsoft.com/office/powerpoint/2010/main" val="2739651770"/>
+                <p14:modId xmlns:p14="http://schemas.microsoft.com/office/powerpoint/2010/main" val="1457431852"/>
               </p:ext>
             </p:extLst>
           </p:nvPr>
@@ -33771,7 +33771,15 @@
                       </a:pPr>
                       <a:r>
                         <a:rPr lang="en-US" i="1" dirty="0"/>
-                        <a:t>We group at the stage level to have events in all groups.</a:t>
+                        <a:t>We </a:t>
+                      </a:r>
+                      <a:r>
+                        <a:rPr lang="en-US" b="1" i="1" dirty="0"/>
+                        <a:t>group</a:t>
+                      </a:r>
+                      <a:r>
+                        <a:rPr lang="en-US" i="1" dirty="0"/>
+                        <a:t> at the stage level to have events in all groups.</a:t>
                       </a:r>
                       <a:endParaRPr lang="en-US" b="1" i="1" dirty="0"/>
                     </a:p>
@@ -35199,13 +35207,13 @@
           <p:nvPr>
             <p:extLst>
               <p:ext uri="{D42A27DB-BD31-4B8C-83A1-F6EECF244321}">
-                <p14:modId xmlns:p14="http://schemas.microsoft.com/office/powerpoint/2010/main" val="1058557904"/>
+                <p14:modId xmlns:p14="http://schemas.microsoft.com/office/powerpoint/2010/main" val="3636056937"/>
               </p:ext>
             </p:extLst>
           </p:nvPr>
         </p:nvGraphicFramePr>
         <p:xfrm>
-          <a:off x="1401618" y="3555048"/>
+          <a:off x="958824" y="3710034"/>
           <a:ext cx="4359564" cy="1569820"/>
         </p:xfrm>
         <a:graphic>
@@ -35508,7 +35516,7 @@
         </p:blipFill>
         <p:spPr>
           <a:xfrm>
-            <a:off x="6324600" y="1690688"/>
+            <a:off x="5595023" y="1690688"/>
             <a:ext cx="4937761" cy="4114801"/>
           </a:xfrm>
           <a:prstGeom prst="rect">
@@ -35530,7 +35538,7 @@
         </p:nvGrpSpPr>
         <p:grpSpPr>
           <a:xfrm>
-            <a:off x="10243226" y="4943052"/>
+            <a:off x="9416372" y="4943052"/>
             <a:ext cx="2184779" cy="605792"/>
             <a:chOff x="7227651" y="575333"/>
             <a:chExt cx="2148410" cy="605792"/>
@@ -35715,6 +35723,167 @@
           </p:txBody>
         </p:sp>
       </p:grpSp>
+      <p:cxnSp>
+        <p:nvCxnSpPr>
+          <p:cNvPr id="11" name="Straight Arrow Connector 10">
+            <a:extLst>
+              <a:ext uri="{FF2B5EF4-FFF2-40B4-BE49-F238E27FC236}">
+                <a16:creationId xmlns:a16="http://schemas.microsoft.com/office/drawing/2014/main" id="{D782645B-E3C9-2832-125D-D2264DA1FBF8}"/>
+              </a:ext>
+            </a:extLst>
+          </p:cNvPr>
+          <p:cNvCxnSpPr>
+            <a:cxnSpLocks/>
+          </p:cNvCxnSpPr>
+          <p:nvPr/>
+        </p:nvCxnSpPr>
+        <p:spPr>
+          <a:xfrm flipV="1">
+            <a:off x="10717699" y="3246307"/>
+            <a:ext cx="0" cy="501781"/>
+          </a:xfrm>
+          <a:prstGeom prst="straightConnector1">
+            <a:avLst/>
+          </a:prstGeom>
+          <a:ln w="76200">
+            <a:solidFill>
+              <a:srgbClr val="FF0000"/>
+            </a:solidFill>
+            <a:tailEnd type="triangle"/>
+          </a:ln>
+        </p:spPr>
+        <p:style>
+          <a:lnRef idx="1">
+            <a:schemeClr val="accent1"/>
+          </a:lnRef>
+          <a:fillRef idx="0">
+            <a:schemeClr val="accent1"/>
+          </a:fillRef>
+          <a:effectRef idx="0">
+            <a:schemeClr val="accent1"/>
+          </a:effectRef>
+          <a:fontRef idx="minor">
+            <a:schemeClr val="tx1"/>
+          </a:fontRef>
+        </p:style>
+      </p:cxnSp>
+      <p:cxnSp>
+        <p:nvCxnSpPr>
+          <p:cNvPr id="21" name="Straight Connector 20">
+            <a:extLst>
+              <a:ext uri="{FF2B5EF4-FFF2-40B4-BE49-F238E27FC236}">
+                <a16:creationId xmlns:a16="http://schemas.microsoft.com/office/drawing/2014/main" id="{67C86B39-E337-8861-FED3-8B30B3FFFB13}"/>
+              </a:ext>
+            </a:extLst>
+          </p:cNvPr>
+          <p:cNvCxnSpPr>
+            <a:cxnSpLocks/>
+          </p:cNvCxnSpPr>
+          <p:nvPr/>
+        </p:nvCxnSpPr>
+        <p:spPr>
+          <a:xfrm>
+            <a:off x="6154363" y="3835640"/>
+            <a:ext cx="4349236" cy="0"/>
+          </a:xfrm>
+          <a:prstGeom prst="line">
+            <a:avLst/>
+          </a:prstGeom>
+          <a:ln w="38100"/>
+        </p:spPr>
+        <p:style>
+          <a:lnRef idx="1">
+            <a:schemeClr val="accent1"/>
+          </a:lnRef>
+          <a:fillRef idx="0">
+            <a:schemeClr val="accent1"/>
+          </a:fillRef>
+          <a:effectRef idx="0">
+            <a:schemeClr val="accent1"/>
+          </a:effectRef>
+          <a:fontRef idx="minor">
+            <a:schemeClr val="tx1"/>
+          </a:fontRef>
+        </p:style>
+      </p:cxnSp>
+      <p:cxnSp>
+        <p:nvCxnSpPr>
+          <p:cNvPr id="23" name="Straight Connector 22">
+            <a:extLst>
+              <a:ext uri="{FF2B5EF4-FFF2-40B4-BE49-F238E27FC236}">
+                <a16:creationId xmlns:a16="http://schemas.microsoft.com/office/drawing/2014/main" id="{AEDC5117-594E-F343-043E-30190737AA86}"/>
+              </a:ext>
+            </a:extLst>
+          </p:cNvPr>
+          <p:cNvCxnSpPr>
+            <a:cxnSpLocks/>
+          </p:cNvCxnSpPr>
+          <p:nvPr/>
+        </p:nvCxnSpPr>
+        <p:spPr>
+          <a:xfrm>
+            <a:off x="6154363" y="3167379"/>
+            <a:ext cx="4349236" cy="0"/>
+          </a:xfrm>
+          <a:prstGeom prst="line">
+            <a:avLst/>
+          </a:prstGeom>
+          <a:ln w="38100"/>
+        </p:spPr>
+        <p:style>
+          <a:lnRef idx="1">
+            <a:schemeClr val="accent1"/>
+          </a:lnRef>
+          <a:fillRef idx="0">
+            <a:schemeClr val="accent1"/>
+          </a:fillRef>
+          <a:effectRef idx="0">
+            <a:schemeClr val="accent1"/>
+          </a:effectRef>
+          <a:fontRef idx="minor">
+            <a:schemeClr val="tx1"/>
+          </a:fontRef>
+        </p:style>
+      </p:cxnSp>
+      <p:sp>
+        <p:nvSpPr>
+          <p:cNvPr id="25" name="TextBox 24">
+            <a:extLst>
+              <a:ext uri="{FF2B5EF4-FFF2-40B4-BE49-F238E27FC236}">
+                <a16:creationId xmlns:a16="http://schemas.microsoft.com/office/drawing/2014/main" id="{A2050386-564C-C8E7-CDDB-297A732DA768}"/>
+              </a:ext>
+            </a:extLst>
+          </p:cNvPr>
+          <p:cNvSpPr txBox="1"/>
+          <p:nvPr/>
+        </p:nvSpPr>
+        <p:spPr>
+          <a:xfrm>
+            <a:off x="10902615" y="3035532"/>
+            <a:ext cx="1382581" cy="923330"/>
+          </a:xfrm>
+          <a:prstGeom prst="rect">
+            <a:avLst/>
+          </a:prstGeom>
+          <a:noFill/>
+        </p:spPr>
+        <p:txBody>
+          <a:bodyPr wrap="square" rtlCol="0">
+            <a:spAutoFit/>
+          </a:bodyPr>
+          <a:lstStyle/>
+          <a:p>
+            <a:r>
+              <a:rPr lang="en-US" i="1" dirty="0">
+                <a:solidFill>
+                  <a:srgbClr val="FF0000"/>
+                </a:solidFill>
+              </a:rPr>
+              <a:t>We could increase the threshold</a:t>
+            </a:r>
+          </a:p>
+        </p:txBody>
+      </p:sp>
     </p:spTree>
     <p:extLst>
       <p:ext uri="{BB962C8B-B14F-4D97-AF65-F5344CB8AC3E}">
@@ -40126,7 +40295,7 @@
           <p:nvPr>
             <p:extLst>
               <p:ext uri="{D42A27DB-BD31-4B8C-83A1-F6EECF244321}">
-                <p14:modId xmlns:p14="http://schemas.microsoft.com/office/powerpoint/2010/main" val="2349306837"/>
+                <p14:modId xmlns:p14="http://schemas.microsoft.com/office/powerpoint/2010/main" val="984317238"/>
               </p:ext>
             </p:extLst>
           </p:nvPr>
@@ -40279,7 +40448,7 @@
                       </a:pPr>
                       <a:r>
                         <a:rPr lang="en-US" i="1" dirty="0"/>
-                        <a:t>Yes</a:t>
+                        <a:t>No</a:t>
                       </a:r>
                     </a:p>
                   </a:txBody>
@@ -40543,7 +40712,7 @@
           <p:nvPr>
             <p:extLst>
               <p:ext uri="{D42A27DB-BD31-4B8C-83A1-F6EECF244321}">
-                <p14:modId xmlns:p14="http://schemas.microsoft.com/office/powerpoint/2010/main" val="1937635674"/>
+                <p14:modId xmlns:p14="http://schemas.microsoft.com/office/powerpoint/2010/main" val="2476271821"/>
               </p:ext>
             </p:extLst>
           </p:nvPr>
@@ -40696,7 +40865,7 @@
                       </a:pPr>
                       <a:r>
                         <a:rPr lang="en-US" i="1" dirty="0"/>
-                        <a:t>Yes</a:t>
+                        <a:t>No</a:t>
                       </a:r>
                     </a:p>
                   </a:txBody>
@@ -40948,14 +41117,14 @@
           <p:nvPr>
             <p:extLst>
               <p:ext uri="{D42A27DB-BD31-4B8C-83A1-F6EECF244321}">
-                <p14:modId xmlns:p14="http://schemas.microsoft.com/office/powerpoint/2010/main" val="1771348873"/>
+                <p14:modId xmlns:p14="http://schemas.microsoft.com/office/powerpoint/2010/main" val="3838647170"/>
               </p:ext>
             </p:extLst>
           </p:nvPr>
         </p:nvGraphicFramePr>
         <p:xfrm>
           <a:off x="833576" y="2007020"/>
-          <a:ext cx="5793041" cy="2392680"/>
+          <a:ext cx="5793041" cy="2667000"/>
         </p:xfrm>
         <a:graphic>
           <a:graphicData uri="http://schemas.openxmlformats.org/drawingml/2006/table">
@@ -41155,7 +41324,19 @@
                       </a:pPr>
                       <a:r>
                         <a:rPr lang="en-US" i="1" dirty="0"/>
-                        <a:t>No events in the subjects who reported being Hispanic or Latino</a:t>
+                        <a:t>No “events” in the subjects who reported being Hispanic or Latino so we </a:t>
+                      </a:r>
+                      <a:r>
+                        <a:rPr lang="en-US" b="1" i="1" dirty="0">
+                          <a:solidFill>
+                            <a:srgbClr val="FF0000"/>
+                          </a:solidFill>
+                        </a:rPr>
+                        <a:t>drop</a:t>
+                      </a:r>
+                      <a:r>
+                        <a:rPr lang="en-US" i="1" dirty="0"/>
+                        <a:t> the variable from the analysis</a:t>
                       </a:r>
                     </a:p>
                   </a:txBody>
@@ -41360,7 +41541,7 @@
           <p:nvPr>
             <p:extLst>
               <p:ext uri="{D42A27DB-BD31-4B8C-83A1-F6EECF244321}">
-                <p14:modId xmlns:p14="http://schemas.microsoft.com/office/powerpoint/2010/main" val="2511025677"/>
+                <p14:modId xmlns:p14="http://schemas.microsoft.com/office/powerpoint/2010/main" val="2719532299"/>
               </p:ext>
             </p:extLst>
           </p:nvPr>
@@ -41550,7 +41731,19 @@
                       </a:pPr>
                       <a:r>
                         <a:rPr lang="en-US" i="1" dirty="0"/>
-                        <a:t>Some race categories contained too few cases and too few events, so we group them in a single category called “other”</a:t>
+                        <a:t>Some race categories contained too few cases and too few events, so we </a:t>
+                      </a:r>
+                      <a:r>
+                        <a:rPr lang="en-US" b="1" i="1" dirty="0"/>
+                        <a:t>group </a:t>
+                      </a:r>
+                      <a:r>
+                        <a:rPr lang="en-US" b="0" i="1" dirty="0"/>
+                        <a:t>them</a:t>
+                      </a:r>
+                      <a:r>
+                        <a:rPr lang="en-US" i="1" dirty="0"/>
+                        <a:t> in a single category called “other”</a:t>
                       </a:r>
                     </a:p>
                   </a:txBody>
@@ -42619,21 +42812,21 @@
 </file>
 
 <file path=customXml/item1.xml><?xml version="1.0" encoding="utf-8"?>
+<p:properties xmlns:p="http://schemas.microsoft.com/office/2006/metadata/properties" xmlns:xsi="http://www.w3.org/2001/XMLSchema-instance" xmlns:pc="http://schemas.microsoft.com/office/infopath/2007/PartnerControls">
+  <documentManagement>
+    <Status xmlns="71af3243-3dd4-4a8d-8c0d-dd76da1f02a5">Not started</Status>
+    <MediaServiceKeyPoints xmlns="71af3243-3dd4-4a8d-8c0d-dd76da1f02a5" xsi:nil="true"/>
+  </documentManagement>
+</p:properties>
+</file>
+
+<file path=customXml/item2.xml><?xml version="1.0" encoding="utf-8"?>
 <?mso-contentType ?>
 <FormTemplates xmlns="http://schemas.microsoft.com/sharepoint/v3/contenttype/forms">
   <Display>DocumentLibraryForm</Display>
   <Edit>DocumentLibraryForm</Edit>
   <New>DocumentLibraryForm</New>
 </FormTemplates>
-</file>
-
-<file path=customXml/item2.xml><?xml version="1.0" encoding="utf-8"?>
-<p:properties xmlns:p="http://schemas.microsoft.com/office/2006/metadata/properties" xmlns:xsi="http://www.w3.org/2001/XMLSchema-instance" xmlns:pc="http://schemas.microsoft.com/office/infopath/2007/PartnerControls">
-  <documentManagement>
-    <Status xmlns="71af3243-3dd4-4a8d-8c0d-dd76da1f02a5">Not started</Status>
-    <MediaServiceKeyPoints xmlns="71af3243-3dd4-4a8d-8c0d-dd76da1f02a5" xsi:nil="true"/>
-  </documentManagement>
-</p:properties>
 </file>
 
 <file path=customXml/item3.xml><?xml version="1.0" encoding="utf-8"?>
@@ -42858,19 +43051,19 @@
 </file>
 
 <file path=customXml/itemProps1.xml><?xml version="1.0" encoding="utf-8"?>
-<ds:datastoreItem xmlns:ds="http://schemas.openxmlformats.org/officeDocument/2006/customXml" ds:itemID="{C0DCE9DA-F7FD-45FA-83B7-D9813A44258A}">
+<ds:datastoreItem xmlns:ds="http://schemas.openxmlformats.org/officeDocument/2006/customXml" ds:itemID="{9DFCC198-DBFA-46B2-A241-8E3888E63670}">
   <ds:schemaRefs>
-    <ds:schemaRef ds:uri="http://schemas.microsoft.com/sharepoint/v3/contenttype/forms"/>
+    <ds:schemaRef ds:uri="http://schemas.microsoft.com/office/2006/metadata/properties"/>
+    <ds:schemaRef ds:uri="http://schemas.microsoft.com/office/infopath/2007/PartnerControls"/>
+    <ds:schemaRef ds:uri="71af3243-3dd4-4a8d-8c0d-dd76da1f02a5"/>
   </ds:schemaRefs>
 </ds:datastoreItem>
 </file>
 
 <file path=customXml/itemProps2.xml><?xml version="1.0" encoding="utf-8"?>
-<ds:datastoreItem xmlns:ds="http://schemas.openxmlformats.org/officeDocument/2006/customXml" ds:itemID="{9DFCC198-DBFA-46B2-A241-8E3888E63670}">
+<ds:datastoreItem xmlns:ds="http://schemas.openxmlformats.org/officeDocument/2006/customXml" ds:itemID="{C0DCE9DA-F7FD-45FA-83B7-D9813A44258A}">
   <ds:schemaRefs>
-    <ds:schemaRef ds:uri="http://schemas.microsoft.com/office/2006/metadata/properties"/>
-    <ds:schemaRef ds:uri="http://schemas.microsoft.com/office/infopath/2007/PartnerControls"/>
-    <ds:schemaRef ds:uri="71af3243-3dd4-4a8d-8c0d-dd76da1f02a5"/>
+    <ds:schemaRef ds:uri="http://schemas.microsoft.com/sharepoint/v3/contenttype/forms"/>
   </ds:schemaRefs>
 </ds:datastoreItem>
 </file>

--- a/presentation_05032023.pptx
+++ b/presentation_05032023.pptx
@@ -36277,6 +36277,43 @@
           </a:prstGeom>
         </p:spPr>
       </p:pic>
+      <p:sp>
+        <p:nvSpPr>
+          <p:cNvPr id="7" name="TextBox 6">
+            <a:extLst>
+              <a:ext uri="{FF2B5EF4-FFF2-40B4-BE49-F238E27FC236}">
+                <a16:creationId xmlns:a16="http://schemas.microsoft.com/office/drawing/2014/main" id="{AD5D3E26-01D8-36F9-E0AD-315920397EBC}"/>
+              </a:ext>
+            </a:extLst>
+          </p:cNvPr>
+          <p:cNvSpPr txBox="1"/>
+          <p:nvPr/>
+        </p:nvSpPr>
+        <p:spPr>
+          <a:xfrm>
+            <a:off x="5379391" y="4893013"/>
+            <a:ext cx="2110902" cy="369332"/>
+          </a:xfrm>
+          <a:prstGeom prst="rect">
+            <a:avLst/>
+          </a:prstGeom>
+          <a:solidFill>
+            <a:schemeClr val="bg1"/>
+          </a:solidFill>
+        </p:spPr>
+        <p:txBody>
+          <a:bodyPr wrap="square" rtlCol="0">
+            <a:spAutoFit/>
+          </a:bodyPr>
+          <a:lstStyle/>
+          <a:p>
+            <a:r>
+              <a:rPr lang="en-US" dirty="0"/>
+              <a:t>Age at Diagnosis</a:t>
+            </a:r>
+          </a:p>
+        </p:txBody>
+      </p:sp>
     </p:spTree>
     <p:extLst>
       <p:ext uri="{BB962C8B-B14F-4D97-AF65-F5344CB8AC3E}">
@@ -37526,10 +37563,10 @@
       </p:sp>
       <p:pic>
         <p:nvPicPr>
-          <p:cNvPr id="9" name="Picture 8" descr="Chart, box and whisker chart&#10;&#10;Description automatically generated">
+          <p:cNvPr id="13" name="Picture 12" descr="Chart, histogram&#10;&#10;Description automatically generated">
             <a:extLst>
               <a:ext uri="{FF2B5EF4-FFF2-40B4-BE49-F238E27FC236}">
-                <a16:creationId xmlns:a16="http://schemas.microsoft.com/office/drawing/2014/main" id="{094F2DA3-30A4-4F19-C8AC-94928683E1BF}"/>
+                <a16:creationId xmlns:a16="http://schemas.microsoft.com/office/drawing/2014/main" id="{7B482501-4CDE-5581-B806-9BDE37F19D2A}"/>
               </a:ext>
             </a:extLst>
           </p:cNvPr>
@@ -37546,8 +37583,8 @@
         </p:blipFill>
         <p:spPr>
           <a:xfrm>
-            <a:off x="8153400" y="3092650"/>
-            <a:ext cx="3655500" cy="3046250"/>
+            <a:off x="445932" y="3092650"/>
+            <a:ext cx="3916440" cy="3263700"/>
           </a:xfrm>
           <a:prstGeom prst="rect">
             <a:avLst/>
@@ -37556,10 +37593,10 @@
       </p:pic>
       <p:pic>
         <p:nvPicPr>
-          <p:cNvPr id="11" name="Picture 10" descr="Chart, box and whisker chart&#10;&#10;Description automatically generated">
+          <p:cNvPr id="8" name="Picture 7" descr="Chart, box and whisker chart&#10;&#10;Description automatically generated">
             <a:extLst>
               <a:ext uri="{FF2B5EF4-FFF2-40B4-BE49-F238E27FC236}">
-                <a16:creationId xmlns:a16="http://schemas.microsoft.com/office/drawing/2014/main" id="{5E0D1C34-B91C-9737-116F-5A1D187B8A4A}"/>
+                <a16:creationId xmlns:a16="http://schemas.microsoft.com/office/drawing/2014/main" id="{4F525474-52FB-058F-55D4-8297BEECACA5}"/>
               </a:ext>
             </a:extLst>
           </p:cNvPr>
@@ -37576,8 +37613,8 @@
         </p:blipFill>
         <p:spPr>
           <a:xfrm>
-            <a:off x="4362371" y="3092651"/>
-            <a:ext cx="3655500" cy="3046250"/>
+            <a:off x="8153399" y="3092650"/>
+            <a:ext cx="3698135" cy="3081779"/>
           </a:xfrm>
           <a:prstGeom prst="rect">
             <a:avLst/>
@@ -37586,10 +37623,10 @@
       </p:pic>
       <p:pic>
         <p:nvPicPr>
-          <p:cNvPr id="13" name="Picture 12" descr="Chart, histogram&#10;&#10;Description automatically generated">
+          <p:cNvPr id="12" name="Picture 11" descr="Chart, box and whisker chart&#10;&#10;Description automatically generated">
             <a:extLst>
               <a:ext uri="{FF2B5EF4-FFF2-40B4-BE49-F238E27FC236}">
-                <a16:creationId xmlns:a16="http://schemas.microsoft.com/office/drawing/2014/main" id="{7B482501-4CDE-5581-B806-9BDE37F19D2A}"/>
+                <a16:creationId xmlns:a16="http://schemas.microsoft.com/office/drawing/2014/main" id="{330CD3A4-8562-DCD8-8DA1-7A7C658E7A54}"/>
               </a:ext>
             </a:extLst>
           </p:cNvPr>
@@ -37606,8 +37643,8 @@
         </p:blipFill>
         <p:spPr>
           <a:xfrm>
-            <a:off x="445932" y="3092650"/>
-            <a:ext cx="3916440" cy="3263700"/>
+            <a:off x="4408817" y="3092650"/>
+            <a:ext cx="3698136" cy="3081780"/>
           </a:xfrm>
           <a:prstGeom prst="rect">
             <a:avLst/>
@@ -37700,7 +37737,7 @@
           <a:p>
             <a:r>
               <a:rPr lang="en-US" dirty="0"/>
-              <a:t>We compute the correlation between each available gene and the survival time</a:t>
+              <a:t>We compute the correlation between each available gene and the survival time (log scale)</a:t>
             </a:r>
           </a:p>
         </p:txBody>
